--- a/presentacion/Presentación1.pptx
+++ b/presentacion/Presentación1.pptx
@@ -4,9 +4,14 @@
   <p:sldMasterIdLst>
     <p:sldMasterId id="2147483648" r:id="rId1"/>
   </p:sldMasterIdLst>
+  <p:notesMasterIdLst>
+    <p:notesMasterId r:id="rId6"/>
+  </p:notesMasterIdLst>
   <p:sldIdLst>
-    <p:sldId id="256" r:id="rId2"/>
-    <p:sldId id="257" r:id="rId3"/>
+    <p:sldId id="258" r:id="rId2"/>
+    <p:sldId id="259" r:id="rId3"/>
+    <p:sldId id="256" r:id="rId4"/>
+    <p:sldId id="257" r:id="rId5"/>
   </p:sldIdLst>
   <p:sldSz cx="12192000" cy="6858000"/>
   <p:notesSz cx="6858000" cy="9144000"/>
@@ -113,6 +118,1641 @@
 </p:presentation>
 </file>
 
+<file path=ppt/notesMasters/notesMaster1.xml><?xml version="1.0" encoding="utf-8"?>
+<p:notesMaster xmlns:a="http://schemas.openxmlformats.org/drawingml/2006/main" xmlns:r="http://schemas.openxmlformats.org/officeDocument/2006/relationships" xmlns:p="http://schemas.openxmlformats.org/presentationml/2006/main">
+  <p:cSld>
+    <p:bg>
+      <p:bgRef idx="1001">
+        <a:schemeClr val="bg1"/>
+      </p:bgRef>
+    </p:bg>
+    <p:spTree>
+      <p:nvGrpSpPr>
+        <p:cNvPr id="1" name=""/>
+        <p:cNvGrpSpPr/>
+        <p:nvPr/>
+      </p:nvGrpSpPr>
+      <p:grpSpPr>
+        <a:xfrm>
+          <a:off x="0" y="0"/>
+          <a:ext cx="0" cy="0"/>
+          <a:chOff x="0" y="0"/>
+          <a:chExt cx="0" cy="0"/>
+        </a:xfrm>
+      </p:grpSpPr>
+      <p:sp>
+        <p:nvSpPr>
+          <p:cNvPr id="2" name="Marcador de encabezado 1"/>
+          <p:cNvSpPr>
+            <a:spLocks noGrp="1"/>
+          </p:cNvSpPr>
+          <p:nvPr>
+            <p:ph type="hdr" sz="quarter"/>
+          </p:nvPr>
+        </p:nvSpPr>
+        <p:spPr>
+          <a:xfrm>
+            <a:off x="0" y="0"/>
+            <a:ext cx="2971800" cy="458788"/>
+          </a:xfrm>
+          <a:prstGeom prst="rect">
+            <a:avLst/>
+          </a:prstGeom>
+        </p:spPr>
+        <p:txBody>
+          <a:bodyPr vert="horz" lIns="91440" tIns="45720" rIns="91440" bIns="45720" rtlCol="0"/>
+          <a:lstStyle>
+            <a:lvl1pPr algn="l">
+              <a:defRPr sz="1200"/>
+            </a:lvl1pPr>
+          </a:lstStyle>
+          <a:p>
+            <a:endParaRPr lang="en-GB"/>
+          </a:p>
+        </p:txBody>
+      </p:sp>
+      <p:sp>
+        <p:nvSpPr>
+          <p:cNvPr id="3" name="Marcador de fecha 2"/>
+          <p:cNvSpPr>
+            <a:spLocks noGrp="1"/>
+          </p:cNvSpPr>
+          <p:nvPr>
+            <p:ph type="dt" idx="1"/>
+          </p:nvPr>
+        </p:nvSpPr>
+        <p:spPr>
+          <a:xfrm>
+            <a:off x="3884613" y="0"/>
+            <a:ext cx="2971800" cy="458788"/>
+          </a:xfrm>
+          <a:prstGeom prst="rect">
+            <a:avLst/>
+          </a:prstGeom>
+        </p:spPr>
+        <p:txBody>
+          <a:bodyPr vert="horz" lIns="91440" tIns="45720" rIns="91440" bIns="45720" rtlCol="0"/>
+          <a:lstStyle>
+            <a:lvl1pPr algn="r">
+              <a:defRPr sz="1200"/>
+            </a:lvl1pPr>
+          </a:lstStyle>
+          <a:p>
+            <a:fld id="{4157212B-118B-4058-9B78-0BF04C0223EB}" type="datetimeFigureOut">
+              <a:rPr lang="en-GB" smtClean="0"/>
+              <a:t>04/03/2018</a:t>
+            </a:fld>
+            <a:endParaRPr lang="en-GB"/>
+          </a:p>
+        </p:txBody>
+      </p:sp>
+      <p:sp>
+        <p:nvSpPr>
+          <p:cNvPr id="4" name="Marcador de imagen de diapositiva 3"/>
+          <p:cNvSpPr>
+            <a:spLocks noGrp="1" noRot="1" noChangeAspect="1"/>
+          </p:cNvSpPr>
+          <p:nvPr>
+            <p:ph type="sldImg" idx="2"/>
+          </p:nvPr>
+        </p:nvSpPr>
+        <p:spPr>
+          <a:xfrm>
+            <a:off x="685800" y="1143000"/>
+            <a:ext cx="5486400" cy="3086100"/>
+          </a:xfrm>
+          <a:prstGeom prst="rect">
+            <a:avLst/>
+          </a:prstGeom>
+          <a:noFill/>
+          <a:ln w="12700">
+            <a:solidFill>
+              <a:prstClr val="black"/>
+            </a:solidFill>
+          </a:ln>
+        </p:spPr>
+        <p:txBody>
+          <a:bodyPr vert="horz" lIns="91440" tIns="45720" rIns="91440" bIns="45720" rtlCol="0" anchor="ctr"/>
+          <a:lstStyle/>
+          <a:p>
+            <a:endParaRPr lang="en-GB"/>
+          </a:p>
+        </p:txBody>
+      </p:sp>
+      <p:sp>
+        <p:nvSpPr>
+          <p:cNvPr id="5" name="Marcador de notas 4"/>
+          <p:cNvSpPr>
+            <a:spLocks noGrp="1"/>
+          </p:cNvSpPr>
+          <p:nvPr>
+            <p:ph type="body" sz="quarter" idx="3"/>
+          </p:nvPr>
+        </p:nvSpPr>
+        <p:spPr>
+          <a:xfrm>
+            <a:off x="685800" y="4400550"/>
+            <a:ext cx="5486400" cy="3600450"/>
+          </a:xfrm>
+          <a:prstGeom prst="rect">
+            <a:avLst/>
+          </a:prstGeom>
+        </p:spPr>
+        <p:txBody>
+          <a:bodyPr vert="horz" lIns="91440" tIns="45720" rIns="91440" bIns="45720" rtlCol="0"/>
+          <a:lstStyle/>
+          <a:p>
+            <a:pPr lvl="0"/>
+            <a:r>
+              <a:rPr lang="es-ES" smtClean="0"/>
+              <a:t>Haga clic para modificar el estilo de texto del patrón</a:t>
+            </a:r>
+          </a:p>
+          <a:p>
+            <a:pPr lvl="1"/>
+            <a:r>
+              <a:rPr lang="es-ES" smtClean="0"/>
+              <a:t>Segundo nivel</a:t>
+            </a:r>
+          </a:p>
+          <a:p>
+            <a:pPr lvl="2"/>
+            <a:r>
+              <a:rPr lang="es-ES" smtClean="0"/>
+              <a:t>Tercer nivel</a:t>
+            </a:r>
+          </a:p>
+          <a:p>
+            <a:pPr lvl="3"/>
+            <a:r>
+              <a:rPr lang="es-ES" smtClean="0"/>
+              <a:t>Cuarto nivel</a:t>
+            </a:r>
+          </a:p>
+          <a:p>
+            <a:pPr lvl="4"/>
+            <a:r>
+              <a:rPr lang="es-ES" smtClean="0"/>
+              <a:t>Quinto nivel</a:t>
+            </a:r>
+            <a:endParaRPr lang="en-GB"/>
+          </a:p>
+        </p:txBody>
+      </p:sp>
+      <p:sp>
+        <p:nvSpPr>
+          <p:cNvPr id="6" name="Marcador de pie de página 5"/>
+          <p:cNvSpPr>
+            <a:spLocks noGrp="1"/>
+          </p:cNvSpPr>
+          <p:nvPr>
+            <p:ph type="ftr" sz="quarter" idx="4"/>
+          </p:nvPr>
+        </p:nvSpPr>
+        <p:spPr>
+          <a:xfrm>
+            <a:off x="0" y="8685213"/>
+            <a:ext cx="2971800" cy="458787"/>
+          </a:xfrm>
+          <a:prstGeom prst="rect">
+            <a:avLst/>
+          </a:prstGeom>
+        </p:spPr>
+        <p:txBody>
+          <a:bodyPr vert="horz" lIns="91440" tIns="45720" rIns="91440" bIns="45720" rtlCol="0" anchor="b"/>
+          <a:lstStyle>
+            <a:lvl1pPr algn="l">
+              <a:defRPr sz="1200"/>
+            </a:lvl1pPr>
+          </a:lstStyle>
+          <a:p>
+            <a:endParaRPr lang="en-GB"/>
+          </a:p>
+        </p:txBody>
+      </p:sp>
+      <p:sp>
+        <p:nvSpPr>
+          <p:cNvPr id="7" name="Marcador de número de diapositiva 6"/>
+          <p:cNvSpPr>
+            <a:spLocks noGrp="1"/>
+          </p:cNvSpPr>
+          <p:nvPr>
+            <p:ph type="sldNum" sz="quarter" idx="5"/>
+          </p:nvPr>
+        </p:nvSpPr>
+        <p:spPr>
+          <a:xfrm>
+            <a:off x="3884613" y="8685213"/>
+            <a:ext cx="2971800" cy="458787"/>
+          </a:xfrm>
+          <a:prstGeom prst="rect">
+            <a:avLst/>
+          </a:prstGeom>
+        </p:spPr>
+        <p:txBody>
+          <a:bodyPr vert="horz" lIns="91440" tIns="45720" rIns="91440" bIns="45720" rtlCol="0" anchor="b"/>
+          <a:lstStyle>
+            <a:lvl1pPr algn="r">
+              <a:defRPr sz="1200"/>
+            </a:lvl1pPr>
+          </a:lstStyle>
+          <a:p>
+            <a:fld id="{EF162F7D-BBA6-4D10-862A-C27B4C709058}" type="slidenum">
+              <a:rPr lang="en-GB" smtClean="0"/>
+              <a:t>‹Nº›</a:t>
+            </a:fld>
+            <a:endParaRPr lang="en-GB"/>
+          </a:p>
+        </p:txBody>
+      </p:sp>
+    </p:spTree>
+    <p:extLst>
+      <p:ext uri="{BB962C8B-B14F-4D97-AF65-F5344CB8AC3E}">
+        <p14:creationId xmlns:p14="http://schemas.microsoft.com/office/powerpoint/2010/main" val="3210559705"/>
+      </p:ext>
+    </p:extLst>
+  </p:cSld>
+  <p:clrMap bg1="lt1" tx1="dk1" bg2="lt2" tx2="dk2" accent1="accent1" accent2="accent2" accent3="accent3" accent4="accent4" accent5="accent5" accent6="accent6" hlink="hlink" folHlink="folHlink"/>
+  <p:notesStyle>
+    <a:lvl1pPr marL="0" algn="l" defTabSz="914400" rtl="0" eaLnBrk="1" latinLnBrk="0" hangingPunct="1">
+      <a:defRPr sz="1200" kern="1200">
+        <a:solidFill>
+          <a:schemeClr val="tx1"/>
+        </a:solidFill>
+        <a:latin typeface="+mn-lt"/>
+        <a:ea typeface="+mn-ea"/>
+        <a:cs typeface="+mn-cs"/>
+      </a:defRPr>
+    </a:lvl1pPr>
+    <a:lvl2pPr marL="457200" algn="l" defTabSz="914400" rtl="0" eaLnBrk="1" latinLnBrk="0" hangingPunct="1">
+      <a:defRPr sz="1200" kern="1200">
+        <a:solidFill>
+          <a:schemeClr val="tx1"/>
+        </a:solidFill>
+        <a:latin typeface="+mn-lt"/>
+        <a:ea typeface="+mn-ea"/>
+        <a:cs typeface="+mn-cs"/>
+      </a:defRPr>
+    </a:lvl2pPr>
+    <a:lvl3pPr marL="914400" algn="l" defTabSz="914400" rtl="0" eaLnBrk="1" latinLnBrk="0" hangingPunct="1">
+      <a:defRPr sz="1200" kern="1200">
+        <a:solidFill>
+          <a:schemeClr val="tx1"/>
+        </a:solidFill>
+        <a:latin typeface="+mn-lt"/>
+        <a:ea typeface="+mn-ea"/>
+        <a:cs typeface="+mn-cs"/>
+      </a:defRPr>
+    </a:lvl3pPr>
+    <a:lvl4pPr marL="1371600" algn="l" defTabSz="914400" rtl="0" eaLnBrk="1" latinLnBrk="0" hangingPunct="1">
+      <a:defRPr sz="1200" kern="1200">
+        <a:solidFill>
+          <a:schemeClr val="tx1"/>
+        </a:solidFill>
+        <a:latin typeface="+mn-lt"/>
+        <a:ea typeface="+mn-ea"/>
+        <a:cs typeface="+mn-cs"/>
+      </a:defRPr>
+    </a:lvl4pPr>
+    <a:lvl5pPr marL="1828800" algn="l" defTabSz="914400" rtl="0" eaLnBrk="1" latinLnBrk="0" hangingPunct="1">
+      <a:defRPr sz="1200" kern="1200">
+        <a:solidFill>
+          <a:schemeClr val="tx1"/>
+        </a:solidFill>
+        <a:latin typeface="+mn-lt"/>
+        <a:ea typeface="+mn-ea"/>
+        <a:cs typeface="+mn-cs"/>
+      </a:defRPr>
+    </a:lvl5pPr>
+    <a:lvl6pPr marL="2286000" algn="l" defTabSz="914400" rtl="0" eaLnBrk="1" latinLnBrk="0" hangingPunct="1">
+      <a:defRPr sz="1200" kern="1200">
+        <a:solidFill>
+          <a:schemeClr val="tx1"/>
+        </a:solidFill>
+        <a:latin typeface="+mn-lt"/>
+        <a:ea typeface="+mn-ea"/>
+        <a:cs typeface="+mn-cs"/>
+      </a:defRPr>
+    </a:lvl6pPr>
+    <a:lvl7pPr marL="2743200" algn="l" defTabSz="914400" rtl="0" eaLnBrk="1" latinLnBrk="0" hangingPunct="1">
+      <a:defRPr sz="1200" kern="1200">
+        <a:solidFill>
+          <a:schemeClr val="tx1"/>
+        </a:solidFill>
+        <a:latin typeface="+mn-lt"/>
+        <a:ea typeface="+mn-ea"/>
+        <a:cs typeface="+mn-cs"/>
+      </a:defRPr>
+    </a:lvl7pPr>
+    <a:lvl8pPr marL="3200400" algn="l" defTabSz="914400" rtl="0" eaLnBrk="1" latinLnBrk="0" hangingPunct="1">
+      <a:defRPr sz="1200" kern="1200">
+        <a:solidFill>
+          <a:schemeClr val="tx1"/>
+        </a:solidFill>
+        <a:latin typeface="+mn-lt"/>
+        <a:ea typeface="+mn-ea"/>
+        <a:cs typeface="+mn-cs"/>
+      </a:defRPr>
+    </a:lvl8pPr>
+    <a:lvl9pPr marL="3657600" algn="l" defTabSz="914400" rtl="0" eaLnBrk="1" latinLnBrk="0" hangingPunct="1">
+      <a:defRPr sz="1200" kern="1200">
+        <a:solidFill>
+          <a:schemeClr val="tx1"/>
+        </a:solidFill>
+        <a:latin typeface="+mn-lt"/>
+        <a:ea typeface="+mn-ea"/>
+        <a:cs typeface="+mn-cs"/>
+      </a:defRPr>
+    </a:lvl9pPr>
+  </p:notesStyle>
+</p:notesMaster>
+</file>
+
+<file path=ppt/notesSlides/notesSlide1.xml><?xml version="1.0" encoding="utf-8"?>
+<p:notes xmlns:a="http://schemas.openxmlformats.org/drawingml/2006/main" xmlns:r="http://schemas.openxmlformats.org/officeDocument/2006/relationships" xmlns:p="http://schemas.openxmlformats.org/presentationml/2006/main">
+  <p:cSld>
+    <p:spTree>
+      <p:nvGrpSpPr>
+        <p:cNvPr id="1" name=""/>
+        <p:cNvGrpSpPr/>
+        <p:nvPr/>
+      </p:nvGrpSpPr>
+      <p:grpSpPr>
+        <a:xfrm>
+          <a:off x="0" y="0"/>
+          <a:ext cx="0" cy="0"/>
+          <a:chOff x="0" y="0"/>
+          <a:chExt cx="0" cy="0"/>
+        </a:xfrm>
+      </p:grpSpPr>
+      <p:sp>
+        <p:nvSpPr>
+          <p:cNvPr id="2" name="Marcador de imagen de diapositiva 1"/>
+          <p:cNvSpPr>
+            <a:spLocks noGrp="1" noRot="1" noChangeAspect="1"/>
+          </p:cNvSpPr>
+          <p:nvPr>
+            <p:ph type="sldImg"/>
+          </p:nvPr>
+        </p:nvSpPr>
+        <p:spPr/>
+      </p:sp>
+      <p:sp>
+        <p:nvSpPr>
+          <p:cNvPr id="3" name="Marcador de notas 2"/>
+          <p:cNvSpPr>
+            <a:spLocks noGrp="1"/>
+          </p:cNvSpPr>
+          <p:nvPr>
+            <p:ph type="body" idx="1"/>
+          </p:nvPr>
+        </p:nvSpPr>
+        <p:spPr/>
+        <p:txBody>
+          <a:bodyPr/>
+          <a:lstStyle/>
+          <a:p>
+            <a:r>
+              <a:rPr lang="pt-BR" sz="1200" b="0" i="0" kern="1200" dirty="0" smtClean="0">
+                <a:solidFill>
+                  <a:schemeClr val="tx1"/>
+                </a:solidFill>
+                <a:effectLst/>
+                <a:latin typeface="+mn-lt"/>
+                <a:ea typeface="+mn-ea"/>
+                <a:cs typeface="+mn-cs"/>
+              </a:rPr>
+              <a:t>Si pensamos </a:t>
+            </a:r>
+            <a:r>
+              <a:rPr lang="pt-BR" sz="1200" b="0" i="0" kern="1200" dirty="0" err="1" smtClean="0">
+                <a:solidFill>
+                  <a:schemeClr val="tx1"/>
+                </a:solidFill>
+                <a:effectLst/>
+                <a:latin typeface="+mn-lt"/>
+                <a:ea typeface="+mn-ea"/>
+                <a:cs typeface="+mn-cs"/>
+              </a:rPr>
+              <a:t>en</a:t>
+            </a:r>
+            <a:r>
+              <a:rPr lang="pt-BR" sz="1200" b="0" i="0" kern="1200" baseline="0" dirty="0" smtClean="0">
+                <a:solidFill>
+                  <a:schemeClr val="tx1"/>
+                </a:solidFill>
+                <a:effectLst/>
+                <a:latin typeface="+mn-lt"/>
+                <a:ea typeface="+mn-ea"/>
+                <a:cs typeface="+mn-cs"/>
+              </a:rPr>
+              <a:t> los </a:t>
+            </a:r>
+            <a:r>
+              <a:rPr lang="pt-BR" sz="1200" b="0" i="0" kern="1200" baseline="0" dirty="0" err="1" smtClean="0">
+                <a:solidFill>
+                  <a:schemeClr val="tx1"/>
+                </a:solidFill>
+                <a:effectLst/>
+                <a:latin typeface="+mn-lt"/>
+                <a:ea typeface="+mn-ea"/>
+                <a:cs typeface="+mn-cs"/>
+              </a:rPr>
+              <a:t>electrodoméstricos</a:t>
+            </a:r>
+            <a:r>
+              <a:rPr lang="pt-BR" sz="1200" b="0" i="0" kern="1200" baseline="0" dirty="0" smtClean="0">
+                <a:solidFill>
+                  <a:schemeClr val="tx1"/>
+                </a:solidFill>
+                <a:effectLst/>
+                <a:latin typeface="+mn-lt"/>
+                <a:ea typeface="+mn-ea"/>
+                <a:cs typeface="+mn-cs"/>
+              </a:rPr>
+              <a:t> de </a:t>
+            </a:r>
+            <a:r>
+              <a:rPr lang="pt-BR" sz="1200" b="0" i="0" kern="1200" baseline="0" dirty="0" err="1" smtClean="0">
+                <a:solidFill>
+                  <a:schemeClr val="tx1"/>
+                </a:solidFill>
+                <a:effectLst/>
+                <a:latin typeface="+mn-lt"/>
+                <a:ea typeface="+mn-ea"/>
+                <a:cs typeface="+mn-cs"/>
+              </a:rPr>
+              <a:t>nuestro</a:t>
+            </a:r>
+            <a:r>
+              <a:rPr lang="pt-BR" sz="1200" b="0" i="0" kern="1200" baseline="0" dirty="0" smtClean="0">
+                <a:solidFill>
+                  <a:schemeClr val="tx1"/>
+                </a:solidFill>
+                <a:effectLst/>
+                <a:latin typeface="+mn-lt"/>
+                <a:ea typeface="+mn-ea"/>
+                <a:cs typeface="+mn-cs"/>
+              </a:rPr>
+              <a:t> </a:t>
+            </a:r>
+            <a:r>
+              <a:rPr lang="pt-BR" sz="1200" b="0" i="0" kern="1200" baseline="0" dirty="0" err="1" smtClean="0">
+                <a:solidFill>
+                  <a:schemeClr val="tx1"/>
+                </a:solidFill>
+                <a:effectLst/>
+                <a:latin typeface="+mn-lt"/>
+                <a:ea typeface="+mn-ea"/>
+                <a:cs typeface="+mn-cs"/>
+              </a:rPr>
+              <a:t>hogar</a:t>
+            </a:r>
+            <a:r>
+              <a:rPr lang="pt-BR" sz="1200" b="0" i="0" kern="1200" baseline="0" dirty="0" smtClean="0">
+                <a:solidFill>
+                  <a:schemeClr val="tx1"/>
+                </a:solidFill>
+                <a:effectLst/>
+                <a:latin typeface="+mn-lt"/>
+                <a:ea typeface="+mn-ea"/>
+                <a:cs typeface="+mn-cs"/>
+              </a:rPr>
+              <a:t> los frigoríficos no </a:t>
+            </a:r>
+            <a:r>
+              <a:rPr lang="pt-BR" sz="1200" b="0" i="0" kern="1200" baseline="0" dirty="0" err="1" smtClean="0">
+                <a:solidFill>
+                  <a:schemeClr val="tx1"/>
+                </a:solidFill>
+                <a:effectLst/>
+                <a:latin typeface="+mn-lt"/>
+                <a:ea typeface="+mn-ea"/>
+                <a:cs typeface="+mn-cs"/>
+              </a:rPr>
+              <a:t>son</a:t>
+            </a:r>
+            <a:r>
+              <a:rPr lang="pt-BR" sz="1200" b="0" i="0" kern="1200" baseline="0" dirty="0" smtClean="0">
+                <a:solidFill>
+                  <a:schemeClr val="tx1"/>
+                </a:solidFill>
+                <a:effectLst/>
+                <a:latin typeface="+mn-lt"/>
+                <a:ea typeface="+mn-ea"/>
+                <a:cs typeface="+mn-cs"/>
+              </a:rPr>
+              <a:t> los más </a:t>
+            </a:r>
+            <a:r>
+              <a:rPr lang="pt-BR" sz="1200" b="0" i="0" kern="1200" baseline="0" dirty="0" err="1" smtClean="0">
+                <a:solidFill>
+                  <a:schemeClr val="tx1"/>
+                </a:solidFill>
+                <a:effectLst/>
+                <a:latin typeface="+mn-lt"/>
+                <a:ea typeface="+mn-ea"/>
+                <a:cs typeface="+mn-cs"/>
+              </a:rPr>
+              <a:t>llamativos</a:t>
+            </a:r>
+            <a:r>
+              <a:rPr lang="pt-BR" sz="1200" b="0" i="0" kern="1200" baseline="0" dirty="0" smtClean="0">
+                <a:solidFill>
+                  <a:schemeClr val="tx1"/>
+                </a:solidFill>
+                <a:effectLst/>
+                <a:latin typeface="+mn-lt"/>
+                <a:ea typeface="+mn-ea"/>
+                <a:cs typeface="+mn-cs"/>
+              </a:rPr>
+              <a:t> </a:t>
+            </a:r>
+            <a:r>
+              <a:rPr lang="pt-BR" sz="1200" b="0" i="0" kern="1200" baseline="0" dirty="0" err="1" smtClean="0">
+                <a:solidFill>
+                  <a:schemeClr val="tx1"/>
+                </a:solidFill>
+                <a:effectLst/>
+                <a:latin typeface="+mn-lt"/>
+                <a:ea typeface="+mn-ea"/>
+                <a:cs typeface="+mn-cs"/>
+              </a:rPr>
+              <a:t>tecnológicamente</a:t>
+            </a:r>
+            <a:r>
+              <a:rPr lang="pt-BR" sz="1200" b="0" i="0" kern="1200" baseline="0" dirty="0" smtClean="0">
+                <a:solidFill>
+                  <a:schemeClr val="tx1"/>
+                </a:solidFill>
+                <a:effectLst/>
+                <a:latin typeface="+mn-lt"/>
+                <a:ea typeface="+mn-ea"/>
+                <a:cs typeface="+mn-cs"/>
+              </a:rPr>
+              <a:t>, pero </a:t>
+            </a:r>
+            <a:r>
+              <a:rPr lang="pt-BR" sz="1200" b="0" i="0" kern="1200" baseline="0" dirty="0" err="1" smtClean="0">
+                <a:solidFill>
+                  <a:schemeClr val="tx1"/>
+                </a:solidFill>
+                <a:effectLst/>
+                <a:latin typeface="+mn-lt"/>
+                <a:ea typeface="+mn-ea"/>
+                <a:cs typeface="+mn-cs"/>
+              </a:rPr>
+              <a:t>esto</a:t>
+            </a:r>
+            <a:r>
+              <a:rPr lang="pt-BR" sz="1200" b="0" i="0" kern="1200" baseline="0" dirty="0" smtClean="0">
+                <a:solidFill>
+                  <a:schemeClr val="tx1"/>
+                </a:solidFill>
+                <a:effectLst/>
+                <a:latin typeface="+mn-lt"/>
+                <a:ea typeface="+mn-ea"/>
+                <a:cs typeface="+mn-cs"/>
+              </a:rPr>
+              <a:t> está cambiando, </a:t>
+            </a:r>
+            <a:r>
+              <a:rPr lang="pt-BR" sz="1200" b="0" i="0" kern="1200" baseline="0" dirty="0" smtClean="0">
+                <a:solidFill>
+                  <a:schemeClr val="tx1"/>
+                </a:solidFill>
+                <a:effectLst/>
+                <a:latin typeface="+mn-lt"/>
+                <a:ea typeface="+mn-ea"/>
+                <a:cs typeface="+mn-cs"/>
+              </a:rPr>
+              <a:t>h</a:t>
+            </a:r>
+            <a:r>
+              <a:rPr lang="pt-BR" sz="1200" b="0" i="0" kern="1200" dirty="0" smtClean="0">
+                <a:solidFill>
+                  <a:schemeClr val="tx1"/>
+                </a:solidFill>
+                <a:effectLst/>
+                <a:latin typeface="+mn-lt"/>
+                <a:ea typeface="+mn-ea"/>
+                <a:cs typeface="+mn-cs"/>
+              </a:rPr>
+              <a:t>asta </a:t>
+            </a:r>
+            <a:r>
+              <a:rPr lang="pt-BR" sz="1200" b="0" i="0" kern="1200" dirty="0" err="1" smtClean="0">
+                <a:solidFill>
+                  <a:schemeClr val="tx1"/>
+                </a:solidFill>
+                <a:effectLst/>
+                <a:latin typeface="+mn-lt"/>
+                <a:ea typeface="+mn-ea"/>
+                <a:cs typeface="+mn-cs"/>
+              </a:rPr>
+              <a:t>hace</a:t>
+            </a:r>
+            <a:r>
+              <a:rPr lang="pt-BR" sz="1200" b="0" i="0" kern="1200" dirty="0" smtClean="0">
+                <a:solidFill>
+                  <a:schemeClr val="tx1"/>
+                </a:solidFill>
+                <a:effectLst/>
+                <a:latin typeface="+mn-lt"/>
+                <a:ea typeface="+mn-ea"/>
+                <a:cs typeface="+mn-cs"/>
+              </a:rPr>
+              <a:t> </a:t>
+            </a:r>
+            <a:r>
+              <a:rPr lang="pt-BR" sz="1200" b="0" i="0" kern="1200" dirty="0" err="1" smtClean="0">
+                <a:solidFill>
+                  <a:schemeClr val="tx1"/>
+                </a:solidFill>
+                <a:effectLst/>
+                <a:latin typeface="+mn-lt"/>
+                <a:ea typeface="+mn-ea"/>
+                <a:cs typeface="+mn-cs"/>
+              </a:rPr>
+              <a:t>poco</a:t>
+            </a:r>
+            <a:r>
+              <a:rPr lang="pt-BR" sz="1200" b="0" i="0" kern="1200" dirty="0" smtClean="0">
+                <a:solidFill>
+                  <a:schemeClr val="tx1"/>
+                </a:solidFill>
+                <a:effectLst/>
+                <a:latin typeface="+mn-lt"/>
+                <a:ea typeface="+mn-ea"/>
+                <a:cs typeface="+mn-cs"/>
+              </a:rPr>
+              <a:t> </a:t>
+            </a:r>
+            <a:r>
+              <a:rPr lang="pt-BR" sz="1200" b="0" i="0" kern="1200" dirty="0" err="1" smtClean="0">
+                <a:solidFill>
+                  <a:schemeClr val="tx1"/>
+                </a:solidFill>
+                <a:effectLst/>
+                <a:latin typeface="+mn-lt"/>
+                <a:ea typeface="+mn-ea"/>
+                <a:cs typeface="+mn-cs"/>
+              </a:rPr>
+              <a:t>lo</a:t>
+            </a:r>
+            <a:r>
+              <a:rPr lang="pt-BR" sz="1200" b="0" i="0" kern="1200" dirty="0" smtClean="0">
+                <a:solidFill>
+                  <a:schemeClr val="tx1"/>
+                </a:solidFill>
+                <a:effectLst/>
+                <a:latin typeface="+mn-lt"/>
+                <a:ea typeface="+mn-ea"/>
+                <a:cs typeface="+mn-cs"/>
+              </a:rPr>
+              <a:t> más </a:t>
+            </a:r>
+            <a:r>
+              <a:rPr lang="pt-BR" sz="1200" b="0" i="0" kern="1200" dirty="0" err="1" smtClean="0">
+                <a:solidFill>
+                  <a:schemeClr val="tx1"/>
+                </a:solidFill>
+                <a:effectLst/>
+                <a:latin typeface="+mn-lt"/>
+                <a:ea typeface="+mn-ea"/>
+                <a:cs typeface="+mn-cs"/>
+              </a:rPr>
+              <a:t>novedoso</a:t>
+            </a:r>
+            <a:r>
+              <a:rPr lang="pt-BR" sz="1200" b="0" i="0" kern="1200" dirty="0" smtClean="0">
+                <a:solidFill>
+                  <a:schemeClr val="tx1"/>
+                </a:solidFill>
+                <a:effectLst/>
+                <a:latin typeface="+mn-lt"/>
+                <a:ea typeface="+mn-ea"/>
+                <a:cs typeface="+mn-cs"/>
+              </a:rPr>
+              <a:t> </a:t>
+            </a:r>
+            <a:r>
+              <a:rPr lang="pt-BR" sz="1200" b="0" i="0" kern="1200" baseline="0" dirty="0" smtClean="0">
+                <a:solidFill>
+                  <a:schemeClr val="tx1"/>
+                </a:solidFill>
+                <a:effectLst/>
+                <a:latin typeface="+mn-lt"/>
+                <a:ea typeface="+mn-ea"/>
+                <a:cs typeface="+mn-cs"/>
+              </a:rPr>
+              <a:t>que podia </a:t>
+            </a:r>
+            <a:r>
+              <a:rPr lang="pt-BR" sz="1200" b="0" i="0" kern="1200" baseline="0" dirty="0" err="1" smtClean="0">
+                <a:solidFill>
+                  <a:schemeClr val="tx1"/>
+                </a:solidFill>
+                <a:effectLst/>
+                <a:latin typeface="+mn-lt"/>
+                <a:ea typeface="+mn-ea"/>
+                <a:cs typeface="+mn-cs"/>
+              </a:rPr>
+              <a:t>hacer</a:t>
+            </a:r>
+            <a:r>
+              <a:rPr lang="pt-BR" sz="1200" b="0" i="0" kern="1200" baseline="0" dirty="0" smtClean="0">
+                <a:solidFill>
+                  <a:schemeClr val="tx1"/>
+                </a:solidFill>
+                <a:effectLst/>
+                <a:latin typeface="+mn-lt"/>
+                <a:ea typeface="+mn-ea"/>
+                <a:cs typeface="+mn-cs"/>
+              </a:rPr>
+              <a:t> </a:t>
+            </a:r>
+            <a:r>
+              <a:rPr lang="pt-BR" sz="1200" b="0" i="0" kern="1200" baseline="0" dirty="0" err="1" smtClean="0">
+                <a:solidFill>
+                  <a:schemeClr val="tx1"/>
+                </a:solidFill>
+                <a:effectLst/>
+                <a:latin typeface="+mn-lt"/>
+                <a:ea typeface="+mn-ea"/>
+                <a:cs typeface="+mn-cs"/>
+              </a:rPr>
+              <a:t>nuestro</a:t>
+            </a:r>
+            <a:r>
+              <a:rPr lang="pt-BR" sz="1200" b="0" i="0" kern="1200" baseline="0" dirty="0" smtClean="0">
+                <a:solidFill>
+                  <a:schemeClr val="tx1"/>
+                </a:solidFill>
+                <a:effectLst/>
+                <a:latin typeface="+mn-lt"/>
+                <a:ea typeface="+mn-ea"/>
+                <a:cs typeface="+mn-cs"/>
+              </a:rPr>
+              <a:t> </a:t>
+            </a:r>
+            <a:r>
+              <a:rPr lang="pt-BR" sz="1200" b="0" i="0" kern="1200" baseline="0" dirty="0" smtClean="0">
+                <a:solidFill>
+                  <a:schemeClr val="tx1"/>
+                </a:solidFill>
+                <a:effectLst/>
+                <a:latin typeface="+mn-lt"/>
+                <a:ea typeface="+mn-ea"/>
+                <a:cs typeface="+mn-cs"/>
+              </a:rPr>
+              <a:t>frigorífico por </a:t>
+            </a:r>
+            <a:r>
+              <a:rPr lang="pt-BR" sz="1200" b="0" i="0" kern="1200" baseline="0" dirty="0" err="1" smtClean="0">
+                <a:solidFill>
+                  <a:schemeClr val="tx1"/>
+                </a:solidFill>
+                <a:effectLst/>
+                <a:latin typeface="+mn-lt"/>
+                <a:ea typeface="+mn-ea"/>
+                <a:cs typeface="+mn-cs"/>
+              </a:rPr>
+              <a:t>nosotros</a:t>
+            </a:r>
+            <a:r>
+              <a:rPr lang="pt-BR" sz="1200" b="0" i="0" kern="1200" baseline="0" dirty="0" smtClean="0">
+                <a:solidFill>
+                  <a:schemeClr val="tx1"/>
+                </a:solidFill>
+                <a:effectLst/>
+                <a:latin typeface="+mn-lt"/>
+                <a:ea typeface="+mn-ea"/>
+                <a:cs typeface="+mn-cs"/>
+              </a:rPr>
+              <a:t> </a:t>
+            </a:r>
+            <a:r>
+              <a:rPr lang="pt-BR" sz="1200" b="0" i="0" kern="1200" baseline="0" dirty="0" smtClean="0">
+                <a:solidFill>
+                  <a:schemeClr val="tx1"/>
+                </a:solidFill>
+                <a:effectLst/>
+                <a:latin typeface="+mn-lt"/>
+                <a:ea typeface="+mn-ea"/>
+                <a:cs typeface="+mn-cs"/>
+              </a:rPr>
+              <a:t>era </a:t>
+            </a:r>
+            <a:r>
+              <a:rPr lang="pt-BR" sz="1200" b="0" i="0" kern="1200" baseline="0" dirty="0" smtClean="0">
+                <a:solidFill>
+                  <a:schemeClr val="tx1"/>
+                </a:solidFill>
+                <a:effectLst/>
+                <a:latin typeface="+mn-lt"/>
+                <a:ea typeface="+mn-ea"/>
+                <a:cs typeface="+mn-cs"/>
+              </a:rPr>
+              <a:t>dispensar </a:t>
+            </a:r>
+            <a:r>
+              <a:rPr lang="pt-BR" sz="1200" b="0" i="0" kern="1200" baseline="0" dirty="0" err="1" smtClean="0">
+                <a:solidFill>
+                  <a:schemeClr val="tx1"/>
+                </a:solidFill>
+                <a:effectLst/>
+                <a:latin typeface="+mn-lt"/>
+                <a:ea typeface="+mn-ea"/>
+                <a:cs typeface="+mn-cs"/>
+              </a:rPr>
+              <a:t>hielo</a:t>
+            </a:r>
+            <a:r>
+              <a:rPr lang="pt-BR" sz="1200" b="0" i="0" kern="1200" baseline="0" dirty="0" smtClean="0">
+                <a:solidFill>
+                  <a:schemeClr val="tx1"/>
+                </a:solidFill>
+                <a:effectLst/>
+                <a:latin typeface="+mn-lt"/>
+                <a:ea typeface="+mn-ea"/>
+                <a:cs typeface="+mn-cs"/>
+              </a:rPr>
+              <a:t> y agua </a:t>
+            </a:r>
+            <a:r>
+              <a:rPr lang="pt-BR" sz="1200" b="0" i="0" kern="1200" baseline="0" dirty="0" err="1" smtClean="0">
+                <a:solidFill>
+                  <a:schemeClr val="tx1"/>
+                </a:solidFill>
+                <a:effectLst/>
+                <a:latin typeface="+mn-lt"/>
+                <a:ea typeface="+mn-ea"/>
+                <a:cs typeface="+mn-cs"/>
+              </a:rPr>
+              <a:t>fría</a:t>
+            </a:r>
+            <a:r>
+              <a:rPr lang="pt-BR" sz="1200" b="0" i="0" kern="1200" baseline="0" dirty="0" smtClean="0">
+                <a:solidFill>
+                  <a:schemeClr val="tx1"/>
+                </a:solidFill>
+                <a:effectLst/>
+                <a:latin typeface="+mn-lt"/>
+                <a:ea typeface="+mn-ea"/>
+                <a:cs typeface="+mn-cs"/>
+              </a:rPr>
+              <a:t>, </a:t>
+            </a:r>
+            <a:r>
+              <a:rPr lang="pt-BR" sz="1200" b="0" i="0" kern="1200" baseline="0" dirty="0" smtClean="0">
+                <a:solidFill>
+                  <a:schemeClr val="tx1"/>
+                </a:solidFill>
+                <a:effectLst/>
+                <a:latin typeface="+mn-lt"/>
+                <a:ea typeface="+mn-ea"/>
+                <a:cs typeface="+mn-cs"/>
+              </a:rPr>
+              <a:t>pero s</a:t>
+            </a:r>
+            <a:r>
+              <a:rPr lang="es-ES" sz="1200" b="0" i="0" kern="1200" dirty="0" smtClean="0">
+                <a:solidFill>
+                  <a:schemeClr val="tx1"/>
+                </a:solidFill>
+                <a:effectLst/>
+                <a:latin typeface="+mn-lt"/>
+                <a:ea typeface="+mn-ea"/>
+                <a:cs typeface="+mn-cs"/>
+              </a:rPr>
+              <a:t>i</a:t>
+            </a:r>
+            <a:r>
+              <a:rPr lang="es-ES" sz="1200" b="0" i="0" kern="1200" baseline="0" dirty="0" smtClean="0">
+                <a:solidFill>
+                  <a:schemeClr val="tx1"/>
+                </a:solidFill>
+                <a:effectLst/>
+                <a:latin typeface="+mn-lt"/>
+                <a:ea typeface="+mn-ea"/>
+                <a:cs typeface="+mn-cs"/>
+              </a:rPr>
+              <a:t> echamos un vistazo a las últimas innovaciones de S</a:t>
+            </a:r>
+            <a:r>
+              <a:rPr lang="es-ES" sz="1200" b="0" i="0" kern="1200" dirty="0" smtClean="0">
+                <a:solidFill>
+                  <a:schemeClr val="tx1"/>
+                </a:solidFill>
+                <a:effectLst/>
+                <a:latin typeface="+mn-lt"/>
+                <a:ea typeface="+mn-ea"/>
+                <a:cs typeface="+mn-cs"/>
+              </a:rPr>
+              <a:t>amsung, LG o Whirlpool, la</a:t>
+            </a:r>
+            <a:r>
+              <a:rPr lang="es-ES" sz="1200" b="0" i="0" kern="1200" baseline="0" dirty="0" smtClean="0">
+                <a:solidFill>
+                  <a:schemeClr val="tx1"/>
+                </a:solidFill>
+                <a:effectLst/>
+                <a:latin typeface="+mn-lt"/>
+                <a:ea typeface="+mn-ea"/>
+                <a:cs typeface="+mn-cs"/>
+              </a:rPr>
+              <a:t> tendencia es diferente, las grandes marcas están apostando por la creación de frigoríficos inteligentes.</a:t>
+            </a:r>
+          </a:p>
+          <a:p>
+            <a:r>
+              <a:rPr lang="es-ES" sz="1200" b="0" i="0" kern="1200" baseline="0" dirty="0" smtClean="0">
+                <a:solidFill>
+                  <a:schemeClr val="tx1"/>
+                </a:solidFill>
+                <a:effectLst/>
+                <a:latin typeface="+mn-lt"/>
+                <a:ea typeface="+mn-ea"/>
+                <a:cs typeface="+mn-cs"/>
+              </a:rPr>
+              <a:t>Frigoríficos que incorporan </a:t>
+            </a:r>
+            <a:r>
+              <a:rPr lang="pt-BR" sz="1200" b="0" i="0" kern="1200" dirty="0" err="1" smtClean="0">
+                <a:solidFill>
+                  <a:schemeClr val="tx1"/>
+                </a:solidFill>
+                <a:effectLst/>
+                <a:latin typeface="+mn-lt"/>
+                <a:ea typeface="+mn-ea"/>
+                <a:cs typeface="+mn-cs"/>
+              </a:rPr>
+              <a:t>cámara</a:t>
+            </a:r>
+            <a:r>
+              <a:rPr lang="pt-BR" sz="1200" b="0" i="0" kern="1200" dirty="0" smtClean="0">
+                <a:solidFill>
+                  <a:schemeClr val="tx1"/>
+                </a:solidFill>
+                <a:effectLst/>
+                <a:latin typeface="+mn-lt"/>
+                <a:ea typeface="+mn-ea"/>
+                <a:cs typeface="+mn-cs"/>
+              </a:rPr>
+              <a:t> y sensores </a:t>
+            </a:r>
+            <a:r>
+              <a:rPr lang="pt-BR" sz="1200" b="0" i="0" kern="1200" dirty="0" err="1" smtClean="0">
+                <a:solidFill>
+                  <a:schemeClr val="tx1"/>
+                </a:solidFill>
+                <a:effectLst/>
+                <a:latin typeface="+mn-lt"/>
+                <a:ea typeface="+mn-ea"/>
+                <a:cs typeface="+mn-cs"/>
+              </a:rPr>
+              <a:t>en</a:t>
+            </a:r>
+            <a:r>
+              <a:rPr lang="pt-BR" sz="1200" b="0" i="0" kern="1200" dirty="0" smtClean="0">
+                <a:solidFill>
+                  <a:schemeClr val="tx1"/>
+                </a:solidFill>
+                <a:effectLst/>
+                <a:latin typeface="+mn-lt"/>
+                <a:ea typeface="+mn-ea"/>
+                <a:cs typeface="+mn-cs"/>
+              </a:rPr>
+              <a:t> </a:t>
+            </a:r>
+            <a:r>
+              <a:rPr lang="pt-BR" sz="1200" b="0" i="0" kern="1200" dirty="0" err="1" smtClean="0">
+                <a:solidFill>
+                  <a:schemeClr val="tx1"/>
+                </a:solidFill>
+                <a:effectLst/>
+                <a:latin typeface="+mn-lt"/>
+                <a:ea typeface="+mn-ea"/>
+                <a:cs typeface="+mn-cs"/>
+              </a:rPr>
+              <a:t>su</a:t>
+            </a:r>
+            <a:r>
+              <a:rPr lang="pt-BR" sz="1200" b="0" i="0" kern="1200" dirty="0" smtClean="0">
+                <a:solidFill>
+                  <a:schemeClr val="tx1"/>
+                </a:solidFill>
+                <a:effectLst/>
+                <a:latin typeface="+mn-lt"/>
+                <a:ea typeface="+mn-ea"/>
+                <a:cs typeface="+mn-cs"/>
+              </a:rPr>
+              <a:t> interior </a:t>
+            </a:r>
+            <a:r>
+              <a:rPr lang="pt-BR" sz="1200" b="0" i="0" kern="1200" dirty="0" err="1" smtClean="0">
+                <a:solidFill>
+                  <a:schemeClr val="tx1"/>
+                </a:solidFill>
+                <a:effectLst/>
+                <a:latin typeface="+mn-lt"/>
+                <a:ea typeface="+mn-ea"/>
+                <a:cs typeface="+mn-cs"/>
+              </a:rPr>
+              <a:t>con</a:t>
+            </a:r>
+            <a:r>
+              <a:rPr lang="pt-BR" sz="1200" b="0" i="0" kern="1200" dirty="0" smtClean="0">
+                <a:solidFill>
+                  <a:schemeClr val="tx1"/>
+                </a:solidFill>
+                <a:effectLst/>
+                <a:latin typeface="+mn-lt"/>
+                <a:ea typeface="+mn-ea"/>
+                <a:cs typeface="+mn-cs"/>
+              </a:rPr>
+              <a:t> </a:t>
+            </a:r>
+            <a:r>
+              <a:rPr lang="pt-BR" sz="1200" b="0" i="0" kern="1200" dirty="0" err="1" smtClean="0">
+                <a:solidFill>
+                  <a:schemeClr val="tx1"/>
+                </a:solidFill>
+                <a:effectLst/>
+                <a:latin typeface="+mn-lt"/>
+                <a:ea typeface="+mn-ea"/>
+                <a:cs typeface="+mn-cs"/>
+              </a:rPr>
+              <a:t>las</a:t>
+            </a:r>
+            <a:r>
+              <a:rPr lang="pt-BR" sz="1200" b="0" i="0" kern="1200" dirty="0" smtClean="0">
+                <a:solidFill>
+                  <a:schemeClr val="tx1"/>
+                </a:solidFill>
+                <a:effectLst/>
+                <a:latin typeface="+mn-lt"/>
+                <a:ea typeface="+mn-ea"/>
+                <a:cs typeface="+mn-cs"/>
+              </a:rPr>
+              <a:t> que poder </a:t>
+            </a:r>
+            <a:r>
+              <a:rPr lang="pt-BR" sz="1200" b="0" i="0" kern="1200" baseline="0" dirty="0" smtClean="0">
+                <a:solidFill>
+                  <a:schemeClr val="tx1"/>
+                </a:solidFill>
+                <a:effectLst/>
+                <a:latin typeface="+mn-lt"/>
+                <a:ea typeface="+mn-ea"/>
+                <a:cs typeface="+mn-cs"/>
+              </a:rPr>
+              <a:t>ver </a:t>
+            </a:r>
+            <a:r>
+              <a:rPr lang="pt-BR" sz="1200" b="0" i="0" kern="1200" baseline="0" dirty="0" err="1" smtClean="0">
+                <a:solidFill>
+                  <a:schemeClr val="tx1"/>
+                </a:solidFill>
+                <a:effectLst/>
+                <a:latin typeface="+mn-lt"/>
+                <a:ea typeface="+mn-ea"/>
+                <a:cs typeface="+mn-cs"/>
+              </a:rPr>
+              <a:t>el</a:t>
+            </a:r>
+            <a:r>
+              <a:rPr lang="pt-BR" sz="1200" b="0" i="0" kern="1200" baseline="0" dirty="0" smtClean="0">
+                <a:solidFill>
+                  <a:schemeClr val="tx1"/>
+                </a:solidFill>
+                <a:effectLst/>
+                <a:latin typeface="+mn-lt"/>
+                <a:ea typeface="+mn-ea"/>
+                <a:cs typeface="+mn-cs"/>
+              </a:rPr>
+              <a:t> </a:t>
+            </a:r>
+            <a:r>
+              <a:rPr lang="pt-BR" sz="1200" b="0" i="0" kern="1200" baseline="0" dirty="0" err="1" smtClean="0">
+                <a:solidFill>
+                  <a:schemeClr val="tx1"/>
+                </a:solidFill>
+                <a:effectLst/>
+                <a:latin typeface="+mn-lt"/>
+                <a:ea typeface="+mn-ea"/>
+                <a:cs typeface="+mn-cs"/>
+              </a:rPr>
+              <a:t>contenido</a:t>
+            </a:r>
+            <a:r>
+              <a:rPr lang="pt-BR" sz="1200" b="0" i="0" kern="1200" baseline="0" dirty="0" smtClean="0">
+                <a:solidFill>
+                  <a:schemeClr val="tx1"/>
+                </a:solidFill>
+                <a:effectLst/>
+                <a:latin typeface="+mn-lt"/>
+                <a:ea typeface="+mn-ea"/>
+                <a:cs typeface="+mn-cs"/>
+              </a:rPr>
+              <a:t>, </a:t>
+            </a:r>
+            <a:r>
+              <a:rPr lang="pt-BR" sz="1200" b="0" i="0" kern="1200" baseline="0" dirty="0" err="1" smtClean="0">
+                <a:solidFill>
+                  <a:schemeClr val="tx1"/>
+                </a:solidFill>
+                <a:effectLst/>
+                <a:latin typeface="+mn-lt"/>
+                <a:ea typeface="+mn-ea"/>
+                <a:cs typeface="+mn-cs"/>
+              </a:rPr>
+              <a:t>pantalla</a:t>
+            </a:r>
+            <a:r>
+              <a:rPr lang="pt-BR" sz="1200" b="0" i="0" kern="1200" baseline="0" dirty="0" smtClean="0">
+                <a:solidFill>
+                  <a:schemeClr val="tx1"/>
+                </a:solidFill>
+                <a:effectLst/>
+                <a:latin typeface="+mn-lt"/>
+                <a:ea typeface="+mn-ea"/>
+                <a:cs typeface="+mn-cs"/>
+              </a:rPr>
+              <a:t> táctil o </a:t>
+            </a:r>
+            <a:r>
+              <a:rPr lang="pt-BR" sz="1200" b="0" i="0" kern="1200" baseline="0" dirty="0" err="1" smtClean="0">
+                <a:solidFill>
+                  <a:schemeClr val="tx1"/>
+                </a:solidFill>
+                <a:effectLst/>
+                <a:latin typeface="+mn-lt"/>
+                <a:ea typeface="+mn-ea"/>
+                <a:cs typeface="+mn-cs"/>
+              </a:rPr>
+              <a:t>altavoces</a:t>
+            </a:r>
+            <a:r>
+              <a:rPr lang="pt-BR" sz="1200" b="0" i="0" kern="1200" baseline="0" dirty="0" smtClean="0">
+                <a:solidFill>
+                  <a:schemeClr val="tx1"/>
+                </a:solidFill>
+                <a:effectLst/>
+                <a:latin typeface="+mn-lt"/>
+                <a:ea typeface="+mn-ea"/>
+                <a:cs typeface="+mn-cs"/>
+              </a:rPr>
+              <a:t> que </a:t>
+            </a:r>
+            <a:r>
+              <a:rPr lang="pt-BR" sz="1200" b="0" i="0" kern="1200" baseline="0" dirty="0" err="1" smtClean="0">
+                <a:solidFill>
+                  <a:schemeClr val="tx1"/>
+                </a:solidFill>
+                <a:effectLst/>
+                <a:latin typeface="+mn-lt"/>
+                <a:ea typeface="+mn-ea"/>
+                <a:cs typeface="+mn-cs"/>
+              </a:rPr>
+              <a:t>hacen</a:t>
+            </a:r>
+            <a:r>
+              <a:rPr lang="pt-BR" sz="1200" b="0" i="0" kern="1200" baseline="0" dirty="0" smtClean="0">
+                <a:solidFill>
+                  <a:schemeClr val="tx1"/>
+                </a:solidFill>
+                <a:effectLst/>
+                <a:latin typeface="+mn-lt"/>
+                <a:ea typeface="+mn-ea"/>
+                <a:cs typeface="+mn-cs"/>
+              </a:rPr>
+              <a:t> </a:t>
+            </a:r>
+            <a:r>
+              <a:rPr lang="pt-BR" sz="1200" b="0" i="0" kern="1200" baseline="0" dirty="0" err="1" smtClean="0">
+                <a:solidFill>
+                  <a:schemeClr val="tx1"/>
+                </a:solidFill>
+                <a:effectLst/>
+                <a:latin typeface="+mn-lt"/>
+                <a:ea typeface="+mn-ea"/>
+                <a:cs typeface="+mn-cs"/>
+              </a:rPr>
+              <a:t>las</a:t>
+            </a:r>
+            <a:r>
+              <a:rPr lang="pt-BR" sz="1200" b="0" i="0" kern="1200" baseline="0" dirty="0" smtClean="0">
+                <a:solidFill>
+                  <a:schemeClr val="tx1"/>
+                </a:solidFill>
+                <a:effectLst/>
+                <a:latin typeface="+mn-lt"/>
+                <a:ea typeface="+mn-ea"/>
+                <a:cs typeface="+mn-cs"/>
+              </a:rPr>
+              <a:t> </a:t>
+            </a:r>
+            <a:r>
+              <a:rPr lang="pt-BR" sz="1200" b="0" i="0" kern="1200" baseline="0" dirty="0" err="1" smtClean="0">
+                <a:solidFill>
+                  <a:schemeClr val="tx1"/>
+                </a:solidFill>
+                <a:effectLst/>
+                <a:latin typeface="+mn-lt"/>
+                <a:ea typeface="+mn-ea"/>
+                <a:cs typeface="+mn-cs"/>
+              </a:rPr>
+              <a:t>veces</a:t>
+            </a:r>
+            <a:r>
+              <a:rPr lang="pt-BR" sz="1200" b="0" i="0" kern="1200" baseline="0" dirty="0" smtClean="0">
+                <a:solidFill>
+                  <a:schemeClr val="tx1"/>
+                </a:solidFill>
+                <a:effectLst/>
+                <a:latin typeface="+mn-lt"/>
+                <a:ea typeface="+mn-ea"/>
+                <a:cs typeface="+mn-cs"/>
+              </a:rPr>
+              <a:t> de centro de entretenimento.  </a:t>
+            </a:r>
+          </a:p>
+          <a:p>
+            <a:r>
+              <a:rPr lang="pt-BR" sz="1200" b="0" i="0" kern="1200" baseline="0" dirty="0" smtClean="0">
+                <a:solidFill>
+                  <a:schemeClr val="tx1"/>
+                </a:solidFill>
+                <a:effectLst/>
+                <a:latin typeface="+mn-lt"/>
+                <a:ea typeface="+mn-ea"/>
+                <a:cs typeface="+mn-cs"/>
+              </a:rPr>
+              <a:t>Ajuste temperatura mediante </a:t>
+            </a:r>
+            <a:r>
+              <a:rPr lang="pt-BR" sz="1200" b="0" i="0" kern="1200" baseline="0" dirty="0" err="1" smtClean="0">
+                <a:solidFill>
+                  <a:schemeClr val="tx1"/>
+                </a:solidFill>
+                <a:effectLst/>
+                <a:latin typeface="+mn-lt"/>
+                <a:ea typeface="+mn-ea"/>
+                <a:cs typeface="+mn-cs"/>
+              </a:rPr>
+              <a:t>wifi</a:t>
+            </a:r>
+            <a:r>
+              <a:rPr lang="pt-BR" sz="1200" b="0" i="0" kern="1200" baseline="0" dirty="0" smtClean="0">
+                <a:solidFill>
+                  <a:schemeClr val="tx1"/>
+                </a:solidFill>
+                <a:effectLst/>
+                <a:latin typeface="+mn-lt"/>
+                <a:ea typeface="+mn-ea"/>
+                <a:cs typeface="+mn-cs"/>
+              </a:rPr>
+              <a:t>, </a:t>
+            </a:r>
+            <a:r>
+              <a:rPr lang="pt-BR" sz="1200" b="0" i="0" kern="1200" baseline="0" dirty="0" err="1" smtClean="0">
+                <a:solidFill>
+                  <a:schemeClr val="tx1"/>
+                </a:solidFill>
+                <a:effectLst/>
+                <a:latin typeface="+mn-lt"/>
+                <a:ea typeface="+mn-ea"/>
+                <a:cs typeface="+mn-cs"/>
+              </a:rPr>
+              <a:t>configuración</a:t>
+            </a:r>
+            <a:r>
+              <a:rPr lang="pt-BR" sz="1200" b="0" i="0" kern="1200" baseline="0" dirty="0" smtClean="0">
+                <a:solidFill>
+                  <a:schemeClr val="tx1"/>
+                </a:solidFill>
+                <a:effectLst/>
+                <a:latin typeface="+mn-lt"/>
+                <a:ea typeface="+mn-ea"/>
+                <a:cs typeface="+mn-cs"/>
+              </a:rPr>
+              <a:t> de alertas si la </a:t>
+            </a:r>
+            <a:r>
+              <a:rPr lang="pt-BR" sz="1200" b="0" i="0" kern="1200" baseline="0" dirty="0" err="1" smtClean="0">
+                <a:solidFill>
+                  <a:schemeClr val="tx1"/>
+                </a:solidFill>
+                <a:effectLst/>
+                <a:latin typeface="+mn-lt"/>
+                <a:ea typeface="+mn-ea"/>
+                <a:cs typeface="+mn-cs"/>
+              </a:rPr>
+              <a:t>puerta</a:t>
+            </a:r>
+            <a:r>
+              <a:rPr lang="pt-BR" sz="1200" b="0" i="0" kern="1200" baseline="0" dirty="0" smtClean="0">
+                <a:solidFill>
+                  <a:schemeClr val="tx1"/>
+                </a:solidFill>
+                <a:effectLst/>
+                <a:latin typeface="+mn-lt"/>
+                <a:ea typeface="+mn-ea"/>
+                <a:cs typeface="+mn-cs"/>
+              </a:rPr>
+              <a:t> se queda aberta o si se </a:t>
+            </a:r>
+            <a:r>
+              <a:rPr lang="pt-BR" sz="1200" b="0" i="0" kern="1200" baseline="0" dirty="0" err="1" smtClean="0">
+                <a:solidFill>
+                  <a:schemeClr val="tx1"/>
+                </a:solidFill>
+                <a:effectLst/>
+                <a:latin typeface="+mn-lt"/>
+                <a:ea typeface="+mn-ea"/>
+                <a:cs typeface="+mn-cs"/>
+              </a:rPr>
+              <a:t>producen</a:t>
+            </a:r>
+            <a:r>
+              <a:rPr lang="pt-BR" sz="1200" b="0" i="0" kern="1200" baseline="0" dirty="0" smtClean="0">
+                <a:solidFill>
+                  <a:schemeClr val="tx1"/>
+                </a:solidFill>
+                <a:effectLst/>
+                <a:latin typeface="+mn-lt"/>
+                <a:ea typeface="+mn-ea"/>
+                <a:cs typeface="+mn-cs"/>
+              </a:rPr>
+              <a:t> cortes de energia. </a:t>
+            </a:r>
+            <a:r>
+              <a:rPr lang="pt-BR" sz="1200" b="0" i="0" kern="1200" baseline="0" dirty="0" err="1" smtClean="0">
+                <a:solidFill>
+                  <a:schemeClr val="tx1"/>
+                </a:solidFill>
+                <a:effectLst/>
+                <a:latin typeface="+mn-lt"/>
+                <a:ea typeface="+mn-ea"/>
+                <a:cs typeface="+mn-cs"/>
+              </a:rPr>
+              <a:t>Sincronización</a:t>
+            </a:r>
+            <a:r>
+              <a:rPr lang="pt-BR" sz="1200" b="0" i="0" kern="1200" baseline="0" dirty="0" smtClean="0">
+                <a:solidFill>
+                  <a:schemeClr val="tx1"/>
+                </a:solidFill>
+                <a:effectLst/>
+                <a:latin typeface="+mn-lt"/>
+                <a:ea typeface="+mn-ea"/>
+                <a:cs typeface="+mn-cs"/>
+              </a:rPr>
+              <a:t> de </a:t>
+            </a:r>
+            <a:r>
+              <a:rPr lang="pt-BR" sz="1200" b="0" i="0" kern="1200" baseline="0" dirty="0" err="1" smtClean="0">
+                <a:solidFill>
+                  <a:schemeClr val="tx1"/>
+                </a:solidFill>
+                <a:effectLst/>
+                <a:latin typeface="+mn-lt"/>
+                <a:ea typeface="+mn-ea"/>
+                <a:cs typeface="+mn-cs"/>
+              </a:rPr>
+              <a:t>calendario</a:t>
+            </a:r>
+            <a:r>
+              <a:rPr lang="pt-BR" sz="1200" b="0" i="0" kern="1200" baseline="0" dirty="0" smtClean="0">
+                <a:solidFill>
+                  <a:schemeClr val="tx1"/>
+                </a:solidFill>
+                <a:effectLst/>
+                <a:latin typeface="+mn-lt"/>
+                <a:ea typeface="+mn-ea"/>
+                <a:cs typeface="+mn-cs"/>
+              </a:rPr>
+              <a:t>, sensor de movimento, etiquetado de alimentos, y </a:t>
+            </a:r>
+            <a:r>
+              <a:rPr lang="pt-BR" sz="1200" b="0" i="0" kern="1200" baseline="0" dirty="0" err="1" smtClean="0">
+                <a:solidFill>
+                  <a:schemeClr val="tx1"/>
+                </a:solidFill>
+                <a:effectLst/>
+                <a:latin typeface="+mn-lt"/>
+                <a:ea typeface="+mn-ea"/>
+                <a:cs typeface="+mn-cs"/>
+              </a:rPr>
+              <a:t>muchas</a:t>
+            </a:r>
+            <a:r>
+              <a:rPr lang="pt-BR" sz="1200" b="0" i="0" kern="1200" baseline="0" dirty="0" smtClean="0">
+                <a:solidFill>
+                  <a:schemeClr val="tx1"/>
+                </a:solidFill>
+                <a:effectLst/>
+                <a:latin typeface="+mn-lt"/>
+                <a:ea typeface="+mn-ea"/>
+                <a:cs typeface="+mn-cs"/>
+              </a:rPr>
+              <a:t> </a:t>
+            </a:r>
+            <a:r>
+              <a:rPr lang="pt-BR" sz="1200" b="0" i="0" kern="1200" baseline="0" dirty="0" err="1" smtClean="0">
+                <a:solidFill>
+                  <a:schemeClr val="tx1"/>
+                </a:solidFill>
+                <a:effectLst/>
+                <a:latin typeface="+mn-lt"/>
+                <a:ea typeface="+mn-ea"/>
+                <a:cs typeface="+mn-cs"/>
+              </a:rPr>
+              <a:t>otras</a:t>
+            </a:r>
+            <a:r>
+              <a:rPr lang="pt-BR" sz="1200" b="0" i="0" kern="1200" baseline="0" dirty="0" smtClean="0">
+                <a:solidFill>
+                  <a:schemeClr val="tx1"/>
+                </a:solidFill>
+                <a:effectLst/>
+                <a:latin typeface="+mn-lt"/>
+                <a:ea typeface="+mn-ea"/>
+                <a:cs typeface="+mn-cs"/>
+              </a:rPr>
+              <a:t> más.</a:t>
+            </a:r>
+            <a:endParaRPr lang="es-ES" sz="1200" b="0" i="0" kern="1200" dirty="0" smtClean="0">
+              <a:solidFill>
+                <a:schemeClr val="tx1"/>
+              </a:solidFill>
+              <a:effectLst/>
+              <a:latin typeface="+mn-lt"/>
+              <a:ea typeface="+mn-ea"/>
+              <a:cs typeface="+mn-cs"/>
+            </a:endParaRPr>
+          </a:p>
+          <a:p>
+            <a:r>
+              <a:rPr lang="es-ES" sz="1200" b="0" i="0" kern="1200" baseline="0" dirty="0" smtClean="0">
+                <a:solidFill>
+                  <a:schemeClr val="tx1"/>
+                </a:solidFill>
+                <a:effectLst/>
+                <a:latin typeface="+mn-lt"/>
+                <a:ea typeface="+mn-ea"/>
+                <a:cs typeface="+mn-cs"/>
+              </a:rPr>
+              <a:t>Pero… ¿y si además pudiéramos hablar con nuestro frigorífico? </a:t>
+            </a:r>
+          </a:p>
+          <a:p>
+            <a:r>
+              <a:rPr lang="es-ES" sz="1200" b="0" i="0" kern="1200" baseline="0" dirty="0" smtClean="0">
+                <a:solidFill>
+                  <a:schemeClr val="tx1"/>
+                </a:solidFill>
+                <a:effectLst/>
+                <a:latin typeface="+mn-lt"/>
+                <a:ea typeface="+mn-ea"/>
+                <a:cs typeface="+mn-cs"/>
+              </a:rPr>
+              <a:t>Microsoft y </a:t>
+            </a:r>
+            <a:r>
+              <a:rPr lang="es-ES" sz="1200" b="0" i="0" kern="1200" baseline="0" dirty="0" err="1" smtClean="0">
+                <a:solidFill>
+                  <a:schemeClr val="tx1"/>
+                </a:solidFill>
+                <a:effectLst/>
+                <a:latin typeface="+mn-lt"/>
+                <a:ea typeface="+mn-ea"/>
+                <a:cs typeface="+mn-cs"/>
+              </a:rPr>
+              <a:t>Liebherr</a:t>
+            </a:r>
+            <a:r>
+              <a:rPr lang="es-ES" sz="1200" b="0" i="0" kern="1200" baseline="0" dirty="0" smtClean="0">
+                <a:solidFill>
+                  <a:schemeClr val="tx1"/>
+                </a:solidFill>
+                <a:effectLst/>
+                <a:latin typeface="+mn-lt"/>
+                <a:ea typeface="+mn-ea"/>
+                <a:cs typeface="+mn-cs"/>
+              </a:rPr>
+              <a:t> ya han pensado en esto y se han unido para trabajar en “</a:t>
+            </a:r>
+            <a:r>
+              <a:rPr lang="es-ES" sz="1200" b="0" i="0" kern="1200" baseline="0" dirty="0" err="1" smtClean="0">
+                <a:solidFill>
+                  <a:schemeClr val="tx1"/>
+                </a:solidFill>
+                <a:effectLst/>
+                <a:latin typeface="+mn-lt"/>
+                <a:ea typeface="+mn-ea"/>
+                <a:cs typeface="+mn-cs"/>
+              </a:rPr>
+              <a:t>SmartdeviceBox”que</a:t>
+            </a:r>
+            <a:r>
+              <a:rPr lang="es-ES" sz="1200" b="0" i="0" kern="1200" baseline="0" dirty="0" smtClean="0">
+                <a:solidFill>
+                  <a:schemeClr val="tx1"/>
+                </a:solidFill>
+                <a:effectLst/>
+                <a:latin typeface="+mn-lt"/>
+                <a:ea typeface="+mn-ea"/>
+                <a:cs typeface="+mn-cs"/>
+              </a:rPr>
+              <a:t> usa tecnologías de reconocimiento de imágenes y  </a:t>
+            </a:r>
+          </a:p>
+          <a:p>
+            <a:r>
+              <a:rPr lang="es-ES" sz="1200" b="0" i="0" kern="1200" baseline="0" dirty="0" smtClean="0">
+                <a:solidFill>
+                  <a:schemeClr val="tx1"/>
+                </a:solidFill>
+                <a:effectLst/>
+                <a:latin typeface="+mn-lt"/>
+                <a:ea typeface="+mn-ea"/>
+                <a:cs typeface="+mn-cs"/>
+              </a:rPr>
+              <a:t>Esta es la propuesta de este trabajo</a:t>
+            </a:r>
+            <a:endParaRPr lang="pt-BR" sz="1200" b="0" i="0" kern="1200" baseline="0" dirty="0" smtClean="0">
+              <a:solidFill>
+                <a:schemeClr val="tx1"/>
+              </a:solidFill>
+              <a:effectLst/>
+              <a:latin typeface="+mn-lt"/>
+              <a:ea typeface="+mn-ea"/>
+              <a:cs typeface="+mn-cs"/>
+            </a:endParaRPr>
+          </a:p>
+          <a:p>
+            <a:endParaRPr lang="pt-BR" sz="1200" b="0" i="0" kern="1200" baseline="0" dirty="0" smtClean="0">
+              <a:solidFill>
+                <a:schemeClr val="tx1"/>
+              </a:solidFill>
+              <a:effectLst/>
+              <a:latin typeface="+mn-lt"/>
+              <a:ea typeface="+mn-ea"/>
+              <a:cs typeface="+mn-cs"/>
+            </a:endParaRPr>
+          </a:p>
+          <a:p>
+            <a:endParaRPr lang="es-ES" sz="1200" b="0" i="0" kern="1200" noProof="0" dirty="0" smtClean="0">
+              <a:solidFill>
+                <a:schemeClr val="tx1"/>
+              </a:solidFill>
+              <a:effectLst/>
+              <a:latin typeface="+mn-lt"/>
+              <a:ea typeface="+mn-ea"/>
+              <a:cs typeface="+mn-cs"/>
+            </a:endParaRPr>
+          </a:p>
+        </p:txBody>
+      </p:sp>
+      <p:sp>
+        <p:nvSpPr>
+          <p:cNvPr id="4" name="Marcador de número de diapositiva 3"/>
+          <p:cNvSpPr>
+            <a:spLocks noGrp="1"/>
+          </p:cNvSpPr>
+          <p:nvPr>
+            <p:ph type="sldNum" sz="quarter" idx="10"/>
+          </p:nvPr>
+        </p:nvSpPr>
+        <p:spPr/>
+        <p:txBody>
+          <a:bodyPr/>
+          <a:lstStyle/>
+          <a:p>
+            <a:fld id="{EF162F7D-BBA6-4D10-862A-C27B4C709058}" type="slidenum">
+              <a:rPr lang="en-GB" smtClean="0"/>
+              <a:t>1</a:t>
+            </a:fld>
+            <a:endParaRPr lang="en-GB"/>
+          </a:p>
+        </p:txBody>
+      </p:sp>
+    </p:spTree>
+    <p:extLst>
+      <p:ext uri="{BB962C8B-B14F-4D97-AF65-F5344CB8AC3E}">
+        <p14:creationId xmlns:p14="http://schemas.microsoft.com/office/powerpoint/2010/main" val="1005559688"/>
+      </p:ext>
+    </p:extLst>
+  </p:cSld>
+  <p:clrMapOvr>
+    <a:masterClrMapping/>
+  </p:clrMapOvr>
+</p:notes>
+</file>
+
 <file path=ppt/slideLayouts/slideLayout1.xml><?xml version="1.0" encoding="utf-8"?>
 <p:sldLayout xmlns:a="http://schemas.openxmlformats.org/drawingml/2006/main" xmlns:r="http://schemas.openxmlformats.org/officeDocument/2006/relationships" xmlns:p="http://schemas.openxmlformats.org/presentationml/2006/main" type="title" preserve="1">
   <p:cSld name="Diapositiva de título">
@@ -244,7 +1884,7 @@
           <a:p>
             <a:fld id="{DE7CA698-4D04-4307-B112-7F3118797394}" type="datetimeFigureOut">
               <a:rPr lang="es-ES" smtClean="0"/>
-              <a:t>07/12/2017</a:t>
+              <a:t>04/03/2018</a:t>
             </a:fld>
             <a:endParaRPr lang="es-ES"/>
           </a:p>
@@ -414,7 +2054,7 @@
           <a:p>
             <a:fld id="{DE7CA698-4D04-4307-B112-7F3118797394}" type="datetimeFigureOut">
               <a:rPr lang="es-ES" smtClean="0"/>
-              <a:t>07/12/2017</a:t>
+              <a:t>04/03/2018</a:t>
             </a:fld>
             <a:endParaRPr lang="es-ES"/>
           </a:p>
@@ -594,7 +2234,7 @@
           <a:p>
             <a:fld id="{DE7CA698-4D04-4307-B112-7F3118797394}" type="datetimeFigureOut">
               <a:rPr lang="es-ES" smtClean="0"/>
-              <a:t>07/12/2017</a:t>
+              <a:t>04/03/2018</a:t>
             </a:fld>
             <a:endParaRPr lang="es-ES"/>
           </a:p>
@@ -646,6 +2286,124 @@
     <p:extLst>
       <p:ext uri="{BB962C8B-B14F-4D97-AF65-F5344CB8AC3E}">
         <p14:creationId xmlns:p14="http://schemas.microsoft.com/office/powerpoint/2010/main" val="1585760062"/>
+      </p:ext>
+    </p:extLst>
+  </p:cSld>
+  <p:clrMapOvr>
+    <a:masterClrMapping/>
+  </p:clrMapOvr>
+</p:sldLayout>
+</file>
+
+<file path=ppt/slideLayouts/slideLayout12.xml><?xml version="1.0" encoding="utf-8"?>
+<p:sldLayout xmlns:a="http://schemas.openxmlformats.org/drawingml/2006/main" xmlns:r="http://schemas.openxmlformats.org/officeDocument/2006/relationships" xmlns:p="http://schemas.openxmlformats.org/presentationml/2006/main" preserve="1" userDrawn="1">
+  <p:cSld name="Diseño personalizado">
+    <p:spTree>
+      <p:nvGrpSpPr>
+        <p:cNvPr id="1" name=""/>
+        <p:cNvGrpSpPr/>
+        <p:nvPr/>
+      </p:nvGrpSpPr>
+      <p:grpSpPr>
+        <a:xfrm>
+          <a:off x="0" y="0"/>
+          <a:ext cx="0" cy="0"/>
+          <a:chOff x="0" y="0"/>
+          <a:chExt cx="0" cy="0"/>
+        </a:xfrm>
+      </p:grpSpPr>
+      <p:sp>
+        <p:nvSpPr>
+          <p:cNvPr id="2" name="Título 1"/>
+          <p:cNvSpPr>
+            <a:spLocks noGrp="1"/>
+          </p:cNvSpPr>
+          <p:nvPr>
+            <p:ph type="title"/>
+          </p:nvPr>
+        </p:nvSpPr>
+        <p:spPr/>
+        <p:txBody>
+          <a:bodyPr/>
+          <a:lstStyle/>
+          <a:p>
+            <a:r>
+              <a:rPr lang="es-ES" smtClean="0"/>
+              <a:t>Haga clic para modificar el estilo de título del patrón</a:t>
+            </a:r>
+            <a:endParaRPr lang="en-GB"/>
+          </a:p>
+        </p:txBody>
+      </p:sp>
+      <p:sp>
+        <p:nvSpPr>
+          <p:cNvPr id="3" name="Marcador de fecha 2"/>
+          <p:cNvSpPr>
+            <a:spLocks noGrp="1"/>
+          </p:cNvSpPr>
+          <p:nvPr>
+            <p:ph type="dt" sz="half" idx="10"/>
+          </p:nvPr>
+        </p:nvSpPr>
+        <p:spPr/>
+        <p:txBody>
+          <a:bodyPr/>
+          <a:lstStyle/>
+          <a:p>
+            <a:fld id="{DE7CA698-4D04-4307-B112-7F3118797394}" type="datetimeFigureOut">
+              <a:rPr lang="es-ES" smtClean="0"/>
+              <a:t>04/03/2018</a:t>
+            </a:fld>
+            <a:endParaRPr lang="es-ES"/>
+          </a:p>
+        </p:txBody>
+      </p:sp>
+      <p:sp>
+        <p:nvSpPr>
+          <p:cNvPr id="4" name="Marcador de pie de página 3"/>
+          <p:cNvSpPr>
+            <a:spLocks noGrp="1"/>
+          </p:cNvSpPr>
+          <p:nvPr>
+            <p:ph type="ftr" sz="quarter" idx="11"/>
+          </p:nvPr>
+        </p:nvSpPr>
+        <p:spPr/>
+        <p:txBody>
+          <a:bodyPr/>
+          <a:lstStyle/>
+          <a:p>
+            <a:endParaRPr lang="es-ES"/>
+          </a:p>
+        </p:txBody>
+      </p:sp>
+      <p:sp>
+        <p:nvSpPr>
+          <p:cNvPr id="5" name="Marcador de número de diapositiva 4"/>
+          <p:cNvSpPr>
+            <a:spLocks noGrp="1"/>
+          </p:cNvSpPr>
+          <p:nvPr>
+            <p:ph type="sldNum" sz="quarter" idx="12"/>
+          </p:nvPr>
+        </p:nvSpPr>
+        <p:spPr/>
+        <p:txBody>
+          <a:bodyPr/>
+          <a:lstStyle/>
+          <a:p>
+            <a:fld id="{1893A955-D7E8-4EA4-81B5-BBD34FF23FF0}" type="slidenum">
+              <a:rPr lang="es-ES" smtClean="0"/>
+              <a:t>‹Nº›</a:t>
+            </a:fld>
+            <a:endParaRPr lang="es-ES"/>
+          </a:p>
+        </p:txBody>
+      </p:sp>
+    </p:spTree>
+    <p:extLst>
+      <p:ext uri="{BB962C8B-B14F-4D97-AF65-F5344CB8AC3E}">
+        <p14:creationId xmlns:p14="http://schemas.microsoft.com/office/powerpoint/2010/main" val="2514497876"/>
       </p:ext>
     </p:extLst>
   </p:cSld>
@@ -764,7 +2522,7 @@
           <a:p>
             <a:fld id="{DE7CA698-4D04-4307-B112-7F3118797394}" type="datetimeFigureOut">
               <a:rPr lang="es-ES" smtClean="0"/>
-              <a:t>07/12/2017</a:t>
+              <a:t>04/03/2018</a:t>
             </a:fld>
             <a:endParaRPr lang="es-ES"/>
           </a:p>
@@ -1010,7 +2768,7 @@
           <a:p>
             <a:fld id="{DE7CA698-4D04-4307-B112-7F3118797394}" type="datetimeFigureOut">
               <a:rPr lang="es-ES" smtClean="0"/>
-              <a:t>07/12/2017</a:t>
+              <a:t>04/03/2018</a:t>
             </a:fld>
             <a:endParaRPr lang="es-ES"/>
           </a:p>
@@ -1242,7 +3000,7 @@
           <a:p>
             <a:fld id="{DE7CA698-4D04-4307-B112-7F3118797394}" type="datetimeFigureOut">
               <a:rPr lang="es-ES" smtClean="0"/>
-              <a:t>07/12/2017</a:t>
+              <a:t>04/03/2018</a:t>
             </a:fld>
             <a:endParaRPr lang="es-ES"/>
           </a:p>
@@ -1609,7 +3367,7 @@
           <a:p>
             <a:fld id="{DE7CA698-4D04-4307-B112-7F3118797394}" type="datetimeFigureOut">
               <a:rPr lang="es-ES" smtClean="0"/>
-              <a:t>07/12/2017</a:t>
+              <a:t>04/03/2018</a:t>
             </a:fld>
             <a:endParaRPr lang="es-ES"/>
           </a:p>
@@ -1727,7 +3485,7 @@
           <a:p>
             <a:fld id="{DE7CA698-4D04-4307-B112-7F3118797394}" type="datetimeFigureOut">
               <a:rPr lang="es-ES" smtClean="0"/>
-              <a:t>07/12/2017</a:t>
+              <a:t>04/03/2018</a:t>
             </a:fld>
             <a:endParaRPr lang="es-ES"/>
           </a:p>
@@ -1822,7 +3580,7 @@
           <a:p>
             <a:fld id="{DE7CA698-4D04-4307-B112-7F3118797394}" type="datetimeFigureOut">
               <a:rPr lang="es-ES" smtClean="0"/>
-              <a:t>07/12/2017</a:t>
+              <a:t>04/03/2018</a:t>
             </a:fld>
             <a:endParaRPr lang="es-ES"/>
           </a:p>
@@ -2099,7 +3857,7 @@
           <a:p>
             <a:fld id="{DE7CA698-4D04-4307-B112-7F3118797394}" type="datetimeFigureOut">
               <a:rPr lang="es-ES" smtClean="0"/>
-              <a:t>07/12/2017</a:t>
+              <a:t>04/03/2018</a:t>
             </a:fld>
             <a:endParaRPr lang="es-ES"/>
           </a:p>
@@ -2352,7 +4110,7 @@
           <a:p>
             <a:fld id="{DE7CA698-4D04-4307-B112-7F3118797394}" type="datetimeFigureOut">
               <a:rPr lang="es-ES" smtClean="0"/>
-              <a:t>07/12/2017</a:t>
+              <a:t>04/03/2018</a:t>
             </a:fld>
             <a:endParaRPr lang="es-ES"/>
           </a:p>
@@ -2565,7 +4323,7 @@
           <a:p>
             <a:fld id="{DE7CA698-4D04-4307-B112-7F3118797394}" type="datetimeFigureOut">
               <a:rPr lang="es-ES" smtClean="0"/>
-              <a:t>07/12/2017</a:t>
+              <a:t>04/03/2018</a:t>
             </a:fld>
             <a:endParaRPr lang="es-ES"/>
           </a:p>
@@ -2669,6 +4427,7 @@
     <p:sldLayoutId id="2147483657" r:id="rId9"/>
     <p:sldLayoutId id="2147483658" r:id="rId10"/>
     <p:sldLayoutId id="2147483659" r:id="rId11"/>
+    <p:sldLayoutId id="2147483660" r:id="rId12"/>
   </p:sldLayoutIdLst>
   <p:txStyles>
     <p:titleStyle>
@@ -2956,6 +4715,94 @@
 <file path=ppt/slides/slide1.xml><?xml version="1.0" encoding="utf-8"?>
 <p:sld xmlns:a="http://schemas.openxmlformats.org/drawingml/2006/main" xmlns:r="http://schemas.openxmlformats.org/officeDocument/2006/relationships" xmlns:p="http://schemas.openxmlformats.org/presentationml/2006/main">
   <p:cSld>
+    <p:bg>
+      <p:bgPr>
+        <a:blipFill dpi="0" rotWithShape="1">
+          <a:blip r:embed="rId3">
+            <a:lum/>
+          </a:blip>
+          <a:srcRect/>
+          <a:stretch>
+            <a:fillRect t="-16000" b="-16000"/>
+          </a:stretch>
+        </a:blipFill>
+        <a:effectLst/>
+      </p:bgPr>
+    </p:bg>
+    <p:spTree>
+      <p:nvGrpSpPr>
+        <p:cNvPr id="1" name=""/>
+        <p:cNvGrpSpPr/>
+        <p:nvPr/>
+      </p:nvGrpSpPr>
+      <p:grpSpPr>
+        <a:xfrm>
+          <a:off x="0" y="0"/>
+          <a:ext cx="0" cy="0"/>
+          <a:chOff x="0" y="0"/>
+          <a:chExt cx="0" cy="0"/>
+        </a:xfrm>
+      </p:grpSpPr>
+    </p:spTree>
+    <p:extLst>
+      <p:ext uri="{BB962C8B-B14F-4D97-AF65-F5344CB8AC3E}">
+        <p14:creationId xmlns:p14="http://schemas.microsoft.com/office/powerpoint/2010/main" val="3551487894"/>
+      </p:ext>
+    </p:extLst>
+  </p:cSld>
+  <p:clrMapOvr>
+    <a:masterClrMapping/>
+  </p:clrMapOvr>
+  <p:timing>
+    <p:tnLst>
+      <p:par>
+        <p:cTn id="1" dur="indefinite" restart="never" nodeType="tmRoot"/>
+      </p:par>
+    </p:tnLst>
+  </p:timing>
+</p:sld>
+</file>
+
+<file path=ppt/slides/slide2.xml><?xml version="1.0" encoding="utf-8"?>
+<p:sld xmlns:a="http://schemas.openxmlformats.org/drawingml/2006/main" xmlns:r="http://schemas.openxmlformats.org/officeDocument/2006/relationships" xmlns:p="http://schemas.openxmlformats.org/presentationml/2006/main">
+  <p:cSld>
+    <p:spTree>
+      <p:nvGrpSpPr>
+        <p:cNvPr id="1" name=""/>
+        <p:cNvGrpSpPr/>
+        <p:nvPr/>
+      </p:nvGrpSpPr>
+      <p:grpSpPr>
+        <a:xfrm>
+          <a:off x="0" y="0"/>
+          <a:ext cx="0" cy="0"/>
+          <a:chOff x="0" y="0"/>
+          <a:chExt cx="0" cy="0"/>
+        </a:xfrm>
+      </p:grpSpPr>
+    </p:spTree>
+    <p:extLst>
+      <p:ext uri="{BB962C8B-B14F-4D97-AF65-F5344CB8AC3E}">
+        <p14:creationId xmlns:p14="http://schemas.microsoft.com/office/powerpoint/2010/main" val="2381417623"/>
+      </p:ext>
+    </p:extLst>
+  </p:cSld>
+  <p:clrMapOvr>
+    <a:masterClrMapping/>
+  </p:clrMapOvr>
+  <p:timing>
+    <p:tnLst>
+      <p:par>
+        <p:cTn id="1" dur="indefinite" restart="never" nodeType="tmRoot"/>
+      </p:par>
+    </p:tnLst>
+  </p:timing>
+</p:sld>
+</file>
+
+<file path=ppt/slides/slide3.xml><?xml version="1.0" encoding="utf-8"?>
+<p:sld xmlns:a="http://schemas.openxmlformats.org/drawingml/2006/main" xmlns:r="http://schemas.openxmlformats.org/officeDocument/2006/relationships" xmlns:p="http://schemas.openxmlformats.org/presentationml/2006/main">
+  <p:cSld>
     <p:spTree>
       <p:nvGrpSpPr>
         <p:cNvPr id="1" name=""/>
@@ -3273,7 +5120,7 @@
 </p:sld>
 </file>
 
-<file path=ppt/slides/slide2.xml><?xml version="1.0" encoding="utf-8"?>
+<file path=ppt/slides/slide4.xml><?xml version="1.0" encoding="utf-8"?>
 <p:sld xmlns:a="http://schemas.openxmlformats.org/drawingml/2006/main" xmlns:r="http://schemas.openxmlformats.org/officeDocument/2006/relationships" xmlns:p="http://schemas.openxmlformats.org/presentationml/2006/main">
   <p:cSld>
     <p:spTree>
@@ -3764,4 +5611,265 @@
     </a:ext>
   </a:extLst>
 </a:theme>
+</file>
+
+<file path=ppt/theme/theme2.xml><?xml version="1.0" encoding="utf-8"?>
+<a:theme xmlns:a="http://schemas.openxmlformats.org/drawingml/2006/main" name="Tema de Office">
+  <a:themeElements>
+    <a:clrScheme name="Office">
+      <a:dk1>
+        <a:sysClr val="windowText" lastClr="000000"/>
+      </a:dk1>
+      <a:lt1>
+        <a:sysClr val="window" lastClr="FFFFFF"/>
+      </a:lt1>
+      <a:dk2>
+        <a:srgbClr val="44546A"/>
+      </a:dk2>
+      <a:lt2>
+        <a:srgbClr val="E7E6E6"/>
+      </a:lt2>
+      <a:accent1>
+        <a:srgbClr val="5B9BD5"/>
+      </a:accent1>
+      <a:accent2>
+        <a:srgbClr val="ED7D31"/>
+      </a:accent2>
+      <a:accent3>
+        <a:srgbClr val="A5A5A5"/>
+      </a:accent3>
+      <a:accent4>
+        <a:srgbClr val="FFC000"/>
+      </a:accent4>
+      <a:accent5>
+        <a:srgbClr val="4472C4"/>
+      </a:accent5>
+      <a:accent6>
+        <a:srgbClr val="70AD47"/>
+      </a:accent6>
+      <a:hlink>
+        <a:srgbClr val="0563C1"/>
+      </a:hlink>
+      <a:folHlink>
+        <a:srgbClr val="954F72"/>
+      </a:folHlink>
+    </a:clrScheme>
+    <a:fontScheme name="Office">
+      <a:majorFont>
+        <a:latin typeface="Calibri Light" panose="020F0302020204030204"/>
+        <a:ea typeface=""/>
+        <a:cs typeface=""/>
+        <a:font script="Jpan" typeface="ＭＳ Ｐゴシック"/>
+        <a:font script="Hang" typeface="맑은 고딕"/>
+        <a:font script="Hans" typeface="宋体"/>
+        <a:font script="Hant" typeface="新細明體"/>
+        <a:font script="Arab" typeface="Times New Roman"/>
+        <a:font script="Hebr" typeface="Times New Roman"/>
+        <a:font script="Thai" typeface="Angsana New"/>
+        <a:font script="Ethi" typeface="Nyala"/>
+        <a:font script="Beng" typeface="Vrinda"/>
+        <a:font script="Gujr" typeface="Shruti"/>
+        <a:font script="Khmr" typeface="MoolBoran"/>
+        <a:font script="Knda" typeface="Tunga"/>
+        <a:font script="Guru" typeface="Raavi"/>
+        <a:font script="Cans" typeface="Euphemia"/>
+        <a:font script="Cher" typeface="Plantagenet Cherokee"/>
+        <a:font script="Yiii" typeface="Microsoft Yi Baiti"/>
+        <a:font script="Tibt" typeface="Microsoft Himalaya"/>
+        <a:font script="Thaa" typeface="MV Boli"/>
+        <a:font script="Deva" typeface="Mangal"/>
+        <a:font script="Telu" typeface="Gautami"/>
+        <a:font script="Taml" typeface="Latha"/>
+        <a:font script="Syrc" typeface="Estrangelo Edessa"/>
+        <a:font script="Orya" typeface="Kalinga"/>
+        <a:font script="Mlym" typeface="Kartika"/>
+        <a:font script="Laoo" typeface="DokChampa"/>
+        <a:font script="Sinh" typeface="Iskoola Pota"/>
+        <a:font script="Mong" typeface="Mongolian Baiti"/>
+        <a:font script="Viet" typeface="Times New Roman"/>
+        <a:font script="Uigh" typeface="Microsoft Uighur"/>
+        <a:font script="Geor" typeface="Sylfaen"/>
+      </a:majorFont>
+      <a:minorFont>
+        <a:latin typeface="Calibri" panose="020F0502020204030204"/>
+        <a:ea typeface=""/>
+        <a:cs typeface=""/>
+        <a:font script="Jpan" typeface="ＭＳ Ｐゴシック"/>
+        <a:font script="Hang" typeface="맑은 고딕"/>
+        <a:font script="Hans" typeface="宋体"/>
+        <a:font script="Hant" typeface="新細明體"/>
+        <a:font script="Arab" typeface="Arial"/>
+        <a:font script="Hebr" typeface="Arial"/>
+        <a:font script="Thai" typeface="Cordia New"/>
+        <a:font script="Ethi" typeface="Nyala"/>
+        <a:font script="Beng" typeface="Vrinda"/>
+        <a:font script="Gujr" typeface="Shruti"/>
+        <a:font script="Khmr" typeface="DaunPenh"/>
+        <a:font script="Knda" typeface="Tunga"/>
+        <a:font script="Guru" typeface="Raavi"/>
+        <a:font script="Cans" typeface="Euphemia"/>
+        <a:font script="Cher" typeface="Plantagenet Cherokee"/>
+        <a:font script="Yiii" typeface="Microsoft Yi Baiti"/>
+        <a:font script="Tibt" typeface="Microsoft Himalaya"/>
+        <a:font script="Thaa" typeface="MV Boli"/>
+        <a:font script="Deva" typeface="Mangal"/>
+        <a:font script="Telu" typeface="Gautami"/>
+        <a:font script="Taml" typeface="Latha"/>
+        <a:font script="Syrc" typeface="Estrangelo Edessa"/>
+        <a:font script="Orya" typeface="Kalinga"/>
+        <a:font script="Mlym" typeface="Kartika"/>
+        <a:font script="Laoo" typeface="DokChampa"/>
+        <a:font script="Sinh" typeface="Iskoola Pota"/>
+        <a:font script="Mong" typeface="Mongolian Baiti"/>
+        <a:font script="Viet" typeface="Arial"/>
+        <a:font script="Uigh" typeface="Microsoft Uighur"/>
+        <a:font script="Geor" typeface="Sylfaen"/>
+      </a:minorFont>
+    </a:fontScheme>
+    <a:fmtScheme name="Office">
+      <a:fillStyleLst>
+        <a:solidFill>
+          <a:schemeClr val="phClr"/>
+        </a:solidFill>
+        <a:gradFill rotWithShape="1">
+          <a:gsLst>
+            <a:gs pos="0">
+              <a:schemeClr val="phClr">
+                <a:lumMod val="110000"/>
+                <a:satMod val="105000"/>
+                <a:tint val="67000"/>
+              </a:schemeClr>
+            </a:gs>
+            <a:gs pos="50000">
+              <a:schemeClr val="phClr">
+                <a:lumMod val="105000"/>
+                <a:satMod val="103000"/>
+                <a:tint val="73000"/>
+              </a:schemeClr>
+            </a:gs>
+            <a:gs pos="100000">
+              <a:schemeClr val="phClr">
+                <a:lumMod val="105000"/>
+                <a:satMod val="109000"/>
+                <a:tint val="81000"/>
+              </a:schemeClr>
+            </a:gs>
+          </a:gsLst>
+          <a:lin ang="5400000" scaled="0"/>
+        </a:gradFill>
+        <a:gradFill rotWithShape="1">
+          <a:gsLst>
+            <a:gs pos="0">
+              <a:schemeClr val="phClr">
+                <a:satMod val="103000"/>
+                <a:lumMod val="102000"/>
+                <a:tint val="94000"/>
+              </a:schemeClr>
+            </a:gs>
+            <a:gs pos="50000">
+              <a:schemeClr val="phClr">
+                <a:satMod val="110000"/>
+                <a:lumMod val="100000"/>
+                <a:shade val="100000"/>
+              </a:schemeClr>
+            </a:gs>
+            <a:gs pos="100000">
+              <a:schemeClr val="phClr">
+                <a:lumMod val="99000"/>
+                <a:satMod val="120000"/>
+                <a:shade val="78000"/>
+              </a:schemeClr>
+            </a:gs>
+          </a:gsLst>
+          <a:lin ang="5400000" scaled="0"/>
+        </a:gradFill>
+      </a:fillStyleLst>
+      <a:lnStyleLst>
+        <a:ln w="6350" cap="flat" cmpd="sng" algn="ctr">
+          <a:solidFill>
+            <a:schemeClr val="phClr"/>
+          </a:solidFill>
+          <a:prstDash val="solid"/>
+          <a:miter lim="800000"/>
+        </a:ln>
+        <a:ln w="12700" cap="flat" cmpd="sng" algn="ctr">
+          <a:solidFill>
+            <a:schemeClr val="phClr"/>
+          </a:solidFill>
+          <a:prstDash val="solid"/>
+          <a:miter lim="800000"/>
+        </a:ln>
+        <a:ln w="19050" cap="flat" cmpd="sng" algn="ctr">
+          <a:solidFill>
+            <a:schemeClr val="phClr"/>
+          </a:solidFill>
+          <a:prstDash val="solid"/>
+          <a:miter lim="800000"/>
+        </a:ln>
+      </a:lnStyleLst>
+      <a:effectStyleLst>
+        <a:effectStyle>
+          <a:effectLst/>
+        </a:effectStyle>
+        <a:effectStyle>
+          <a:effectLst/>
+        </a:effectStyle>
+        <a:effectStyle>
+          <a:effectLst>
+            <a:outerShdw blurRad="57150" dist="19050" dir="5400000" algn="ctr" rotWithShape="0">
+              <a:srgbClr val="000000">
+                <a:alpha val="63000"/>
+              </a:srgbClr>
+            </a:outerShdw>
+          </a:effectLst>
+        </a:effectStyle>
+      </a:effectStyleLst>
+      <a:bgFillStyleLst>
+        <a:solidFill>
+          <a:schemeClr val="phClr"/>
+        </a:solidFill>
+        <a:solidFill>
+          <a:schemeClr val="phClr">
+            <a:tint val="95000"/>
+            <a:satMod val="170000"/>
+          </a:schemeClr>
+        </a:solidFill>
+        <a:gradFill rotWithShape="1">
+          <a:gsLst>
+            <a:gs pos="0">
+              <a:schemeClr val="phClr">
+                <a:tint val="93000"/>
+                <a:satMod val="150000"/>
+                <a:shade val="98000"/>
+                <a:lumMod val="102000"/>
+              </a:schemeClr>
+            </a:gs>
+            <a:gs pos="50000">
+              <a:schemeClr val="phClr">
+                <a:tint val="98000"/>
+                <a:satMod val="130000"/>
+                <a:shade val="90000"/>
+                <a:lumMod val="103000"/>
+              </a:schemeClr>
+            </a:gs>
+            <a:gs pos="100000">
+              <a:schemeClr val="phClr">
+                <a:shade val="63000"/>
+                <a:satMod val="120000"/>
+              </a:schemeClr>
+            </a:gs>
+          </a:gsLst>
+          <a:lin ang="5400000" scaled="0"/>
+        </a:gradFill>
+      </a:bgFillStyleLst>
+    </a:fmtScheme>
+  </a:themeElements>
+  <a:objectDefaults/>
+  <a:extraClrSchemeLst/>
+  <a:extLst>
+    <a:ext uri="{05A4C25C-085E-4340-85A3-A5531E510DB2}">
+      <thm15:themeFamily xmlns:thm15="http://schemas.microsoft.com/office/thememl/2012/main" name="Office Theme" id="{62F939B6-93AF-4DB8-9C6B-D6C7DFDC589F}" vid="{4A3C46E8-61CC-4603-A589-7422A47A8E4A}"/>
+    </a:ext>
+  </a:extLst>
+</a:theme>
 </file>
--- a/presentacion/Presentación1.pptx
+++ b/presentacion/Presentación1.pptx
@@ -1534,7 +1534,7 @@
                 <a:ea typeface="+mn-ea"/>
                 <a:cs typeface="+mn-cs"/>
               </a:rPr>
-              <a:t>, sensor de movimento, etiquetado de alimentos, y </a:t>
+              <a:t>, sensor de movimento, etiquetado de alimentos, comandos de voz, y </a:t>
             </a:r>
             <a:r>
               <a:rPr lang="pt-BR" sz="1200" b="0" i="0" kern="1200" baseline="0" dirty="0" err="1" smtClean="0">
@@ -1596,6 +1596,116 @@
           </a:p>
           <a:p>
             <a:r>
+              <a:rPr lang="es-ES" sz="1200" b="0" i="0" kern="1200" dirty="0" smtClean="0">
+                <a:solidFill>
+                  <a:schemeClr val="tx1"/>
+                </a:solidFill>
+                <a:effectLst/>
+                <a:latin typeface="+mn-lt"/>
+                <a:ea typeface="+mn-ea"/>
+                <a:cs typeface="+mn-cs"/>
+              </a:rPr>
+              <a:t>Samsung ha insinuado que la tecnología de inteligencia artificial jugará un gran papel en sus futuros modelos. También está trabajando con </a:t>
+            </a:r>
+            <a:r>
+              <a:rPr lang="es-ES" sz="1200" b="0" i="0" kern="1200" dirty="0" err="1" smtClean="0">
+                <a:solidFill>
+                  <a:schemeClr val="tx1"/>
+                </a:solidFill>
+                <a:effectLst/>
+                <a:latin typeface="+mn-lt"/>
+                <a:ea typeface="+mn-ea"/>
+                <a:cs typeface="+mn-cs"/>
+              </a:rPr>
+              <a:t>Spotify</a:t>
+            </a:r>
+            <a:r>
+              <a:rPr lang="es-ES" sz="1200" b="0" i="0" kern="1200" dirty="0" smtClean="0">
+                <a:solidFill>
+                  <a:schemeClr val="tx1"/>
+                </a:solidFill>
+                <a:effectLst/>
+                <a:latin typeface="+mn-lt"/>
+                <a:ea typeface="+mn-ea"/>
+                <a:cs typeface="+mn-cs"/>
+              </a:rPr>
+              <a:t>, </a:t>
+            </a:r>
+            <a:r>
+              <a:rPr lang="es-ES" sz="1200" b="0" i="0" kern="1200" dirty="0" err="1" smtClean="0">
+                <a:solidFill>
+                  <a:schemeClr val="tx1"/>
+                </a:solidFill>
+                <a:effectLst/>
+                <a:latin typeface="+mn-lt"/>
+                <a:ea typeface="+mn-ea"/>
+                <a:cs typeface="+mn-cs"/>
+              </a:rPr>
+              <a:t>iHeartRadio</a:t>
+            </a:r>
+            <a:r>
+              <a:rPr lang="es-ES" sz="1200" b="0" i="0" kern="1200" dirty="0" smtClean="0">
+                <a:solidFill>
+                  <a:schemeClr val="tx1"/>
+                </a:solidFill>
+                <a:effectLst/>
+                <a:latin typeface="+mn-lt"/>
+                <a:ea typeface="+mn-ea"/>
+                <a:cs typeface="+mn-cs"/>
+              </a:rPr>
+              <a:t>, </a:t>
+            </a:r>
+            <a:r>
+              <a:rPr lang="es-ES" sz="1200" b="0" i="0" kern="1200" dirty="0" err="1" smtClean="0">
+                <a:solidFill>
+                  <a:schemeClr val="tx1"/>
+                </a:solidFill>
+                <a:effectLst/>
+                <a:latin typeface="+mn-lt"/>
+                <a:ea typeface="+mn-ea"/>
+                <a:cs typeface="+mn-cs"/>
+              </a:rPr>
+              <a:t>LiDL</a:t>
+            </a:r>
+            <a:r>
+              <a:rPr lang="es-ES" sz="1200" b="0" i="0" kern="1200" dirty="0" smtClean="0">
+                <a:solidFill>
+                  <a:schemeClr val="tx1"/>
+                </a:solidFill>
+                <a:effectLst/>
+                <a:latin typeface="+mn-lt"/>
+                <a:ea typeface="+mn-ea"/>
+                <a:cs typeface="+mn-cs"/>
+              </a:rPr>
+              <a:t>, </a:t>
+            </a:r>
+            <a:r>
+              <a:rPr lang="es-ES" sz="1200" b="0" i="0" kern="1200" dirty="0" err="1" smtClean="0">
+                <a:solidFill>
+                  <a:schemeClr val="tx1"/>
+                </a:solidFill>
+                <a:effectLst/>
+                <a:latin typeface="+mn-lt"/>
+                <a:ea typeface="+mn-ea"/>
+                <a:cs typeface="+mn-cs"/>
+              </a:rPr>
+              <a:t>Glympse</a:t>
+            </a:r>
+            <a:r>
+              <a:rPr lang="es-ES" sz="1200" b="0" i="0" kern="1200" dirty="0" smtClean="0">
+                <a:solidFill>
+                  <a:schemeClr val="tx1"/>
+                </a:solidFill>
+                <a:effectLst/>
+                <a:latin typeface="+mn-lt"/>
+                <a:ea typeface="+mn-ea"/>
+                <a:cs typeface="+mn-cs"/>
+              </a:rPr>
+              <a:t>, y otras empresas para crear aplicaciones y funciones diferentes para la nevera.</a:t>
+            </a:r>
+          </a:p>
+          <a:p>
+            <a:r>
               <a:rPr lang="es-ES" sz="1200" b="0" i="0" kern="1200" baseline="0" dirty="0" smtClean="0">
                 <a:solidFill>
                   <a:schemeClr val="tx1"/>
@@ -1655,7 +1765,7 @@
                 <a:ea typeface="+mn-ea"/>
                 <a:cs typeface="+mn-cs"/>
               </a:rPr>
-              <a:t>SmartdeviceBox”que</a:t>
+              <a:t>SmartdeviceBox</a:t>
             </a:r>
             <a:r>
               <a:rPr lang="es-ES" sz="1200" b="0" i="0" kern="1200" baseline="0" dirty="0" smtClean="0">
@@ -1667,8 +1777,43 @@
                 <a:ea typeface="+mn-ea"/>
                 <a:cs typeface="+mn-cs"/>
               </a:rPr>
-              <a:t> usa tecnologías de reconocimiento de imágenes y  </a:t>
-            </a:r>
+              <a:t>”, que usa tecnología de reconocimiento de imágenes para detectar cuando queda poca cantidad de </a:t>
+            </a:r>
+            <a:r>
+              <a:rPr lang="es-ES" sz="1200" b="0" i="0" kern="1200" baseline="0" dirty="0" err="1" smtClean="0">
+                <a:solidFill>
+                  <a:schemeClr val="tx1"/>
+                </a:solidFill>
+                <a:effectLst/>
+                <a:latin typeface="+mn-lt"/>
+                <a:ea typeface="+mn-ea"/>
+                <a:cs typeface="+mn-cs"/>
+              </a:rPr>
+              <a:t>algoy</a:t>
+            </a:r>
+            <a:r>
+              <a:rPr lang="es-ES" sz="1200" b="0" i="0" kern="1200" baseline="0" dirty="0" smtClean="0">
+                <a:solidFill>
+                  <a:schemeClr val="tx1"/>
+                </a:solidFill>
+                <a:effectLst/>
+                <a:latin typeface="+mn-lt"/>
+                <a:ea typeface="+mn-ea"/>
+                <a:cs typeface="+mn-cs"/>
+              </a:rPr>
+              <a:t> enviar una alerta.</a:t>
+            </a:r>
+          </a:p>
+          <a:p>
+            <a:endParaRPr lang="es-ES" sz="1200" b="0" i="0" kern="1200" baseline="0" dirty="0" smtClean="0">
+              <a:solidFill>
+                <a:schemeClr val="tx1"/>
+              </a:solidFill>
+              <a:effectLst/>
+              <a:latin typeface="+mn-lt"/>
+              <a:ea typeface="+mn-ea"/>
+              <a:cs typeface="+mn-cs"/>
+            </a:endParaRPr>
           </a:p>
           <a:p>
             <a:r>

--- a/presentacion/Presentación1.pptx
+++ b/presentacion/Presentación1.pptx
@@ -5,13 +5,21 @@
     <p:sldMasterId id="2147483648" r:id="rId1"/>
   </p:sldMasterIdLst>
   <p:notesMasterIdLst>
-    <p:notesMasterId r:id="rId6"/>
+    <p:notesMasterId r:id="rId14"/>
   </p:notesMasterIdLst>
   <p:sldIdLst>
-    <p:sldId id="258" r:id="rId2"/>
-    <p:sldId id="259" r:id="rId3"/>
-    <p:sldId id="256" r:id="rId4"/>
-    <p:sldId id="257" r:id="rId5"/>
+    <p:sldId id="265" r:id="rId2"/>
+    <p:sldId id="261" r:id="rId3"/>
+    <p:sldId id="267" r:id="rId4"/>
+    <p:sldId id="270" r:id="rId5"/>
+    <p:sldId id="262" r:id="rId6"/>
+    <p:sldId id="263" r:id="rId7"/>
+    <p:sldId id="264" r:id="rId8"/>
+    <p:sldId id="269" r:id="rId9"/>
+    <p:sldId id="272" r:id="rId10"/>
+    <p:sldId id="266" r:id="rId11"/>
+    <p:sldId id="256" r:id="rId12"/>
+    <p:sldId id="257" r:id="rId13"/>
   </p:sldIdLst>
   <p:sldSz cx="12192000" cy="6858000"/>
   <p:notesSz cx="6858000" cy="9144000"/>
@@ -200,7 +208,7 @@
           <a:p>
             <a:fld id="{4157212B-118B-4058-9B78-0BF04C0223EB}" type="datetimeFigureOut">
               <a:rPr lang="en-GB" smtClean="0"/>
-              <a:t>04/03/2018</a:t>
+              <a:t>09/03/2018</a:t>
             </a:fld>
             <a:endParaRPr lang="en-GB"/>
           </a:p>
@@ -618,7 +626,7 @@
                 <a:ea typeface="+mn-ea"/>
                 <a:cs typeface="+mn-cs"/>
               </a:rPr>
-              <a:t> los frigoríficos no </a:t>
+              <a:t>, los frigoríficos no </a:t>
             </a:r>
             <a:r>
               <a:rPr lang="pt-BR" sz="1200" b="0" i="0" kern="1200" baseline="0" dirty="0" err="1" smtClean="0">
@@ -714,8 +722,10 @@
                 <a:ea typeface="+mn-ea"/>
                 <a:cs typeface="+mn-cs"/>
               </a:rPr>
-              <a:t> está cambiando, </a:t>
-            </a:r>
+              <a:t> está cambiando.</a:t>
+            </a:r>
+          </a:p>
+          <a:p>
             <a:r>
               <a:rPr lang="pt-BR" sz="1200" b="0" i="0" kern="1200" baseline="0" dirty="0" smtClean="0">
                 <a:solidFill>
@@ -726,7 +736,7 @@
                 <a:ea typeface="+mn-ea"/>
                 <a:cs typeface="+mn-cs"/>
               </a:rPr>
-              <a:t>h</a:t>
+              <a:t>H</a:t>
             </a:r>
             <a:r>
               <a:rPr lang="pt-BR" sz="1200" b="0" i="0" kern="1200" dirty="0" smtClean="0">
@@ -846,7 +856,7 @@
                 <a:ea typeface="+mn-ea"/>
                 <a:cs typeface="+mn-cs"/>
               </a:rPr>
-              <a:t>que podia </a:t>
+              <a:t>que </a:t>
             </a:r>
             <a:r>
               <a:rPr lang="pt-BR" sz="1200" b="0" i="0" kern="1200" baseline="0" dirty="0" err="1" smtClean="0">
@@ -858,6 +868,30 @@
                 <a:ea typeface="+mn-ea"/>
                 <a:cs typeface="+mn-cs"/>
               </a:rPr>
+              <a:t>podía</a:t>
+            </a:r>
+            <a:r>
+              <a:rPr lang="pt-BR" sz="1200" b="0" i="0" kern="1200" baseline="0" dirty="0" smtClean="0">
+                <a:solidFill>
+                  <a:schemeClr val="tx1"/>
+                </a:solidFill>
+                <a:effectLst/>
+                <a:latin typeface="+mn-lt"/>
+                <a:ea typeface="+mn-ea"/>
+                <a:cs typeface="+mn-cs"/>
+              </a:rPr>
+              <a:t> </a:t>
+            </a:r>
+            <a:r>
+              <a:rPr lang="pt-BR" sz="1200" b="0" i="0" kern="1200" baseline="0" dirty="0" err="1" smtClean="0">
+                <a:solidFill>
+                  <a:schemeClr val="tx1"/>
+                </a:solidFill>
+                <a:effectLst/>
+                <a:latin typeface="+mn-lt"/>
+                <a:ea typeface="+mn-ea"/>
+                <a:cs typeface="+mn-cs"/>
+              </a:rPr>
               <a:t>hacer</a:t>
             </a:r>
             <a:r>
@@ -894,9 +928,263 @@
                 <a:ea typeface="+mn-ea"/>
                 <a:cs typeface="+mn-cs"/>
               </a:rPr>
+              <a:t> frigorífico por </a:t>
+            </a:r>
+            <a:r>
+              <a:rPr lang="pt-BR" sz="1200" b="0" i="0" kern="1200" baseline="0" dirty="0" err="1" smtClean="0">
+                <a:solidFill>
+                  <a:schemeClr val="tx1"/>
+                </a:solidFill>
+                <a:effectLst/>
+                <a:latin typeface="+mn-lt"/>
+                <a:ea typeface="+mn-ea"/>
+                <a:cs typeface="+mn-cs"/>
+              </a:rPr>
+              <a:t>nosotros</a:t>
+            </a:r>
+            <a:r>
+              <a:rPr lang="pt-BR" sz="1200" b="0" i="0" kern="1200" baseline="0" dirty="0" smtClean="0">
+                <a:solidFill>
+                  <a:schemeClr val="tx1"/>
+                </a:solidFill>
+                <a:effectLst/>
+                <a:latin typeface="+mn-lt"/>
+                <a:ea typeface="+mn-ea"/>
+                <a:cs typeface="+mn-cs"/>
+              </a:rPr>
+              <a:t> era dispensar </a:t>
+            </a:r>
+            <a:r>
+              <a:rPr lang="pt-BR" sz="1200" b="0" i="0" kern="1200" baseline="0" dirty="0" err="1" smtClean="0">
+                <a:solidFill>
+                  <a:schemeClr val="tx1"/>
+                </a:solidFill>
+                <a:effectLst/>
+                <a:latin typeface="+mn-lt"/>
+                <a:ea typeface="+mn-ea"/>
+                <a:cs typeface="+mn-cs"/>
+              </a:rPr>
+              <a:t>hielo</a:t>
+            </a:r>
+            <a:r>
+              <a:rPr lang="pt-BR" sz="1200" b="0" i="0" kern="1200" baseline="0" dirty="0" smtClean="0">
+                <a:solidFill>
+                  <a:schemeClr val="tx1"/>
+                </a:solidFill>
+                <a:effectLst/>
+                <a:latin typeface="+mn-lt"/>
+                <a:ea typeface="+mn-ea"/>
+                <a:cs typeface="+mn-cs"/>
+              </a:rPr>
+              <a:t> y agua </a:t>
+            </a:r>
+            <a:r>
+              <a:rPr lang="pt-BR" sz="1200" b="0" i="0" kern="1200" baseline="0" dirty="0" err="1" smtClean="0">
+                <a:solidFill>
+                  <a:schemeClr val="tx1"/>
+                </a:solidFill>
+                <a:effectLst/>
+                <a:latin typeface="+mn-lt"/>
+                <a:ea typeface="+mn-ea"/>
+                <a:cs typeface="+mn-cs"/>
+              </a:rPr>
+              <a:t>fría</a:t>
+            </a:r>
+            <a:r>
+              <a:rPr lang="pt-BR" sz="1200" b="0" i="0" kern="1200" baseline="0" dirty="0" smtClean="0">
+                <a:solidFill>
+                  <a:schemeClr val="tx1"/>
+                </a:solidFill>
+                <a:effectLst/>
+                <a:latin typeface="+mn-lt"/>
+                <a:ea typeface="+mn-ea"/>
+                <a:cs typeface="+mn-cs"/>
+              </a:rPr>
+              <a:t>, pero s</a:t>
+            </a:r>
+            <a:r>
+              <a:rPr lang="es-ES" sz="1200" b="0" i="0" kern="1200" dirty="0" smtClean="0">
+                <a:solidFill>
+                  <a:schemeClr val="tx1"/>
+                </a:solidFill>
+                <a:effectLst/>
+                <a:latin typeface="+mn-lt"/>
+                <a:ea typeface="+mn-ea"/>
+                <a:cs typeface="+mn-cs"/>
+              </a:rPr>
+              <a:t>i</a:t>
+            </a:r>
+            <a:r>
+              <a:rPr lang="es-ES" sz="1200" b="0" i="0" kern="1200" baseline="0" dirty="0" smtClean="0">
+                <a:solidFill>
+                  <a:schemeClr val="tx1"/>
+                </a:solidFill>
+                <a:effectLst/>
+                <a:latin typeface="+mn-lt"/>
+                <a:ea typeface="+mn-ea"/>
+                <a:cs typeface="+mn-cs"/>
+              </a:rPr>
+              <a:t> echamos un vistazo a las últimas innovaciones de S</a:t>
+            </a:r>
+            <a:r>
+              <a:rPr lang="es-ES" sz="1200" b="0" i="0" kern="1200" dirty="0" smtClean="0">
+                <a:solidFill>
+                  <a:schemeClr val="tx1"/>
+                </a:solidFill>
+                <a:effectLst/>
+                <a:latin typeface="+mn-lt"/>
+                <a:ea typeface="+mn-ea"/>
+                <a:cs typeface="+mn-cs"/>
+              </a:rPr>
+              <a:t>amsung, LG o Whirlpool, la</a:t>
+            </a:r>
+            <a:r>
+              <a:rPr lang="es-ES" sz="1200" b="0" i="0" kern="1200" baseline="0" dirty="0" smtClean="0">
+                <a:solidFill>
+                  <a:schemeClr val="tx1"/>
+                </a:solidFill>
+                <a:effectLst/>
+                <a:latin typeface="+mn-lt"/>
+                <a:ea typeface="+mn-ea"/>
+                <a:cs typeface="+mn-cs"/>
+              </a:rPr>
+              <a:t> tendencia es diferente, las grandes marcas están apostando por la creación de frigoríficos inteligentes, integrando en sus diseños la inteligencia artificial.</a:t>
+            </a:r>
+          </a:p>
+          <a:p>
+            <a:r>
+              <a:rPr lang="es-ES" sz="1200" b="0" i="0" kern="1200" baseline="0" dirty="0" smtClean="0">
+                <a:solidFill>
+                  <a:schemeClr val="tx1"/>
+                </a:solidFill>
+                <a:effectLst/>
+                <a:latin typeface="+mn-lt"/>
+                <a:ea typeface="+mn-ea"/>
+                <a:cs typeface="+mn-cs"/>
+              </a:rPr>
+              <a:t>Frigoríficos que incorporan </a:t>
+            </a:r>
+            <a:r>
+              <a:rPr lang="pt-BR" sz="1200" b="0" i="0" kern="1200" dirty="0" err="1" smtClean="0">
+                <a:solidFill>
+                  <a:schemeClr val="tx1"/>
+                </a:solidFill>
+                <a:effectLst/>
+                <a:latin typeface="+mn-lt"/>
+                <a:ea typeface="+mn-ea"/>
+                <a:cs typeface="+mn-cs"/>
+              </a:rPr>
+              <a:t>cámara</a:t>
+            </a:r>
+            <a:r>
+              <a:rPr lang="pt-BR" sz="1200" b="0" i="0" kern="1200" dirty="0" smtClean="0">
+                <a:solidFill>
+                  <a:schemeClr val="tx1"/>
+                </a:solidFill>
+                <a:effectLst/>
+                <a:latin typeface="+mn-lt"/>
+                <a:ea typeface="+mn-ea"/>
+                <a:cs typeface="+mn-cs"/>
+              </a:rPr>
+              <a:t> y sensores </a:t>
+            </a:r>
+            <a:r>
+              <a:rPr lang="pt-BR" sz="1200" b="0" i="0" kern="1200" dirty="0" err="1" smtClean="0">
+                <a:solidFill>
+                  <a:schemeClr val="tx1"/>
+                </a:solidFill>
+                <a:effectLst/>
+                <a:latin typeface="+mn-lt"/>
+                <a:ea typeface="+mn-ea"/>
+                <a:cs typeface="+mn-cs"/>
+              </a:rPr>
+              <a:t>en</a:t>
+            </a:r>
+            <a:r>
+              <a:rPr lang="pt-BR" sz="1200" b="0" i="0" kern="1200" dirty="0" smtClean="0">
+                <a:solidFill>
+                  <a:schemeClr val="tx1"/>
+                </a:solidFill>
+                <a:effectLst/>
+                <a:latin typeface="+mn-lt"/>
+                <a:ea typeface="+mn-ea"/>
+                <a:cs typeface="+mn-cs"/>
+              </a:rPr>
               <a:t> </a:t>
             </a:r>
             <a:r>
+              <a:rPr lang="pt-BR" sz="1200" b="0" i="0" kern="1200" dirty="0" err="1" smtClean="0">
+                <a:solidFill>
+                  <a:schemeClr val="tx1"/>
+                </a:solidFill>
+                <a:effectLst/>
+                <a:latin typeface="+mn-lt"/>
+                <a:ea typeface="+mn-ea"/>
+                <a:cs typeface="+mn-cs"/>
+              </a:rPr>
+              <a:t>su</a:t>
+            </a:r>
+            <a:r>
+              <a:rPr lang="pt-BR" sz="1200" b="0" i="0" kern="1200" dirty="0" smtClean="0">
+                <a:solidFill>
+                  <a:schemeClr val="tx1"/>
+                </a:solidFill>
+                <a:effectLst/>
+                <a:latin typeface="+mn-lt"/>
+                <a:ea typeface="+mn-ea"/>
+                <a:cs typeface="+mn-cs"/>
+              </a:rPr>
+              <a:t> interior </a:t>
+            </a:r>
+            <a:r>
+              <a:rPr lang="pt-BR" sz="1200" b="0" i="0" kern="1200" dirty="0" err="1" smtClean="0">
+                <a:solidFill>
+                  <a:schemeClr val="tx1"/>
+                </a:solidFill>
+                <a:effectLst/>
+                <a:latin typeface="+mn-lt"/>
+                <a:ea typeface="+mn-ea"/>
+                <a:cs typeface="+mn-cs"/>
+              </a:rPr>
+              <a:t>con</a:t>
+            </a:r>
+            <a:r>
+              <a:rPr lang="pt-BR" sz="1200" b="0" i="0" kern="1200" dirty="0" smtClean="0">
+                <a:solidFill>
+                  <a:schemeClr val="tx1"/>
+                </a:solidFill>
+                <a:effectLst/>
+                <a:latin typeface="+mn-lt"/>
+                <a:ea typeface="+mn-ea"/>
+                <a:cs typeface="+mn-cs"/>
+              </a:rPr>
+              <a:t> </a:t>
+            </a:r>
+            <a:r>
+              <a:rPr lang="pt-BR" sz="1200" b="0" i="0" kern="1200" dirty="0" err="1" smtClean="0">
+                <a:solidFill>
+                  <a:schemeClr val="tx1"/>
+                </a:solidFill>
+                <a:effectLst/>
+                <a:latin typeface="+mn-lt"/>
+                <a:ea typeface="+mn-ea"/>
+                <a:cs typeface="+mn-cs"/>
+              </a:rPr>
+              <a:t>las</a:t>
+            </a:r>
+            <a:r>
+              <a:rPr lang="pt-BR" sz="1200" b="0" i="0" kern="1200" dirty="0" smtClean="0">
+                <a:solidFill>
+                  <a:schemeClr val="tx1"/>
+                </a:solidFill>
+                <a:effectLst/>
+                <a:latin typeface="+mn-lt"/>
+                <a:ea typeface="+mn-ea"/>
+                <a:cs typeface="+mn-cs"/>
+              </a:rPr>
+              <a:t> que poder </a:t>
+            </a:r>
+            <a:r>
               <a:rPr lang="pt-BR" sz="1200" b="0" i="0" kern="1200" baseline="0" dirty="0" smtClean="0">
                 <a:solidFill>
                   <a:schemeClr val="tx1"/>
@@ -906,7 +1194,7 @@
                 <a:ea typeface="+mn-ea"/>
                 <a:cs typeface="+mn-cs"/>
               </a:rPr>
-              <a:t>frigorífico por </a:t>
+              <a:t>ver </a:t>
             </a:r>
             <a:r>
               <a:rPr lang="pt-BR" sz="1200" b="0" i="0" kern="1200" baseline="0" dirty="0" err="1" smtClean="0">
@@ -918,7 +1206,7 @@
                 <a:ea typeface="+mn-ea"/>
                 <a:cs typeface="+mn-cs"/>
               </a:rPr>
-              <a:t>nosotros</a:t>
+              <a:t>su</a:t>
             </a:r>
             <a:r>
               <a:rPr lang="pt-BR" sz="1200" b="0" i="0" kern="1200" baseline="0" dirty="0" smtClean="0">
@@ -933,6 +1221,18 @@
               <a:t> </a:t>
             </a:r>
             <a:r>
+              <a:rPr lang="pt-BR" sz="1200" b="0" i="0" kern="1200" baseline="0" dirty="0" err="1" smtClean="0">
+                <a:solidFill>
+                  <a:schemeClr val="tx1"/>
+                </a:solidFill>
+                <a:effectLst/>
+                <a:latin typeface="+mn-lt"/>
+                <a:ea typeface="+mn-ea"/>
+                <a:cs typeface="+mn-cs"/>
+              </a:rPr>
+              <a:t>contenido</a:t>
+            </a:r>
+            <a:r>
               <a:rPr lang="pt-BR" sz="1200" b="0" i="0" kern="1200" baseline="0" dirty="0" smtClean="0">
                 <a:solidFill>
                   <a:schemeClr val="tx1"/>
@@ -942,7 +1242,19 @@
                 <a:ea typeface="+mn-ea"/>
                 <a:cs typeface="+mn-cs"/>
               </a:rPr>
-              <a:t>era </a:t>
+              <a:t>, </a:t>
+            </a:r>
+            <a:r>
+              <a:rPr lang="pt-BR" sz="1200" b="0" i="0" kern="1200" baseline="0" dirty="0" err="1" smtClean="0">
+                <a:solidFill>
+                  <a:schemeClr val="tx1"/>
+                </a:solidFill>
+                <a:effectLst/>
+                <a:latin typeface="+mn-lt"/>
+                <a:ea typeface="+mn-ea"/>
+                <a:cs typeface="+mn-cs"/>
+              </a:rPr>
+              <a:t>pantalla</a:t>
             </a:r>
             <a:r>
               <a:rPr lang="pt-BR" sz="1200" b="0" i="0" kern="1200" baseline="0" dirty="0" smtClean="0">
@@ -954,7 +1266,7 @@
                 <a:ea typeface="+mn-ea"/>
                 <a:cs typeface="+mn-cs"/>
               </a:rPr>
-              <a:t>dispensar </a:t>
+              <a:t> táctil, </a:t>
             </a:r>
             <a:r>
               <a:rPr lang="pt-BR" sz="1200" b="0" i="0" kern="1200" baseline="0" dirty="0" err="1" smtClean="0">
@@ -966,7 +1278,7 @@
                 <a:ea typeface="+mn-ea"/>
                 <a:cs typeface="+mn-cs"/>
               </a:rPr>
-              <a:t>hielo</a:t>
+              <a:t>altavoces</a:t>
             </a:r>
             <a:r>
               <a:rPr lang="pt-BR" sz="1200" b="0" i="0" kern="1200" baseline="0" dirty="0" smtClean="0">
@@ -978,7 +1290,7 @@
                 <a:ea typeface="+mn-ea"/>
                 <a:cs typeface="+mn-cs"/>
               </a:rPr>
-              <a:t> y agua </a:t>
+              <a:t>, ajuste temperatura mediante </a:t>
             </a:r>
             <a:r>
               <a:rPr lang="pt-BR" sz="1200" b="0" i="0" kern="1200" baseline="0" dirty="0" err="1" smtClean="0">
@@ -990,7 +1302,7 @@
                 <a:ea typeface="+mn-ea"/>
                 <a:cs typeface="+mn-cs"/>
               </a:rPr>
-              <a:t>fría</a:t>
+              <a:t>wifi</a:t>
             </a:r>
             <a:r>
               <a:rPr lang="pt-BR" sz="1200" b="0" i="0" kern="1200" baseline="0" dirty="0" smtClean="0">
@@ -1005,6 +1317,18 @@
               <a:t>, </a:t>
             </a:r>
             <a:r>
+              <a:rPr lang="pt-BR" sz="1200" b="0" i="0" kern="1200" baseline="0" dirty="0" err="1" smtClean="0">
+                <a:solidFill>
+                  <a:schemeClr val="tx1"/>
+                </a:solidFill>
+                <a:effectLst/>
+                <a:latin typeface="+mn-lt"/>
+                <a:ea typeface="+mn-ea"/>
+                <a:cs typeface="+mn-cs"/>
+              </a:rPr>
+              <a:t>configuración</a:t>
+            </a:r>
+            <a:r>
               <a:rPr lang="pt-BR" sz="1200" b="0" i="0" kern="1200" baseline="0" dirty="0" smtClean="0">
                 <a:solidFill>
                   <a:schemeClr val="tx1"/>
@@ -1014,189 +1338,19 @@
                 <a:ea typeface="+mn-ea"/>
                 <a:cs typeface="+mn-cs"/>
               </a:rPr>
-              <a:t>pero s</a:t>
-            </a:r>
-            <a:r>
-              <a:rPr lang="es-ES" sz="1200" b="0" i="0" kern="1200" dirty="0" smtClean="0">
-                <a:solidFill>
-                  <a:schemeClr val="tx1"/>
-                </a:solidFill>
-                <a:effectLst/>
-                <a:latin typeface="+mn-lt"/>
-                <a:ea typeface="+mn-ea"/>
-                <a:cs typeface="+mn-cs"/>
-              </a:rPr>
-              <a:t>i</a:t>
-            </a:r>
-            <a:r>
-              <a:rPr lang="es-ES" sz="1200" b="0" i="0" kern="1200" baseline="0" dirty="0" smtClean="0">
-                <a:solidFill>
-                  <a:schemeClr val="tx1"/>
-                </a:solidFill>
-                <a:effectLst/>
-                <a:latin typeface="+mn-lt"/>
-                <a:ea typeface="+mn-ea"/>
-                <a:cs typeface="+mn-cs"/>
-              </a:rPr>
-              <a:t> echamos un vistazo a las últimas innovaciones de S</a:t>
-            </a:r>
-            <a:r>
-              <a:rPr lang="es-ES" sz="1200" b="0" i="0" kern="1200" dirty="0" smtClean="0">
-                <a:solidFill>
-                  <a:schemeClr val="tx1"/>
-                </a:solidFill>
-                <a:effectLst/>
-                <a:latin typeface="+mn-lt"/>
-                <a:ea typeface="+mn-ea"/>
-                <a:cs typeface="+mn-cs"/>
-              </a:rPr>
-              <a:t>amsung, LG o Whirlpool, la</a:t>
-            </a:r>
-            <a:r>
-              <a:rPr lang="es-ES" sz="1200" b="0" i="0" kern="1200" baseline="0" dirty="0" smtClean="0">
-                <a:solidFill>
-                  <a:schemeClr val="tx1"/>
-                </a:solidFill>
-                <a:effectLst/>
-                <a:latin typeface="+mn-lt"/>
-                <a:ea typeface="+mn-ea"/>
-                <a:cs typeface="+mn-cs"/>
-              </a:rPr>
-              <a:t> tendencia es diferente, las grandes marcas están apostando por la creación de frigoríficos inteligentes.</a:t>
-            </a:r>
-          </a:p>
-          <a:p>
-            <a:r>
-              <a:rPr lang="es-ES" sz="1200" b="0" i="0" kern="1200" baseline="0" dirty="0" smtClean="0">
-                <a:solidFill>
-                  <a:schemeClr val="tx1"/>
-                </a:solidFill>
-                <a:effectLst/>
-                <a:latin typeface="+mn-lt"/>
-                <a:ea typeface="+mn-ea"/>
-                <a:cs typeface="+mn-cs"/>
-              </a:rPr>
-              <a:t>Frigoríficos que incorporan </a:t>
-            </a:r>
-            <a:r>
-              <a:rPr lang="pt-BR" sz="1200" b="0" i="0" kern="1200" dirty="0" err="1" smtClean="0">
-                <a:solidFill>
-                  <a:schemeClr val="tx1"/>
-                </a:solidFill>
-                <a:effectLst/>
-                <a:latin typeface="+mn-lt"/>
-                <a:ea typeface="+mn-ea"/>
-                <a:cs typeface="+mn-cs"/>
-              </a:rPr>
-              <a:t>cámara</a:t>
-            </a:r>
-            <a:r>
-              <a:rPr lang="pt-BR" sz="1200" b="0" i="0" kern="1200" dirty="0" smtClean="0">
-                <a:solidFill>
-                  <a:schemeClr val="tx1"/>
-                </a:solidFill>
-                <a:effectLst/>
-                <a:latin typeface="+mn-lt"/>
-                <a:ea typeface="+mn-ea"/>
-                <a:cs typeface="+mn-cs"/>
-              </a:rPr>
-              <a:t> y sensores </a:t>
-            </a:r>
-            <a:r>
-              <a:rPr lang="pt-BR" sz="1200" b="0" i="0" kern="1200" dirty="0" err="1" smtClean="0">
-                <a:solidFill>
-                  <a:schemeClr val="tx1"/>
-                </a:solidFill>
-                <a:effectLst/>
-                <a:latin typeface="+mn-lt"/>
-                <a:ea typeface="+mn-ea"/>
-                <a:cs typeface="+mn-cs"/>
-              </a:rPr>
-              <a:t>en</a:t>
-            </a:r>
-            <a:r>
-              <a:rPr lang="pt-BR" sz="1200" b="0" i="0" kern="1200" dirty="0" smtClean="0">
-                <a:solidFill>
-                  <a:schemeClr val="tx1"/>
-                </a:solidFill>
-                <a:effectLst/>
-                <a:latin typeface="+mn-lt"/>
-                <a:ea typeface="+mn-ea"/>
-                <a:cs typeface="+mn-cs"/>
-              </a:rPr>
-              <a:t> </a:t>
-            </a:r>
-            <a:r>
-              <a:rPr lang="pt-BR" sz="1200" b="0" i="0" kern="1200" dirty="0" err="1" smtClean="0">
-                <a:solidFill>
-                  <a:schemeClr val="tx1"/>
-                </a:solidFill>
-                <a:effectLst/>
-                <a:latin typeface="+mn-lt"/>
-                <a:ea typeface="+mn-ea"/>
-                <a:cs typeface="+mn-cs"/>
-              </a:rPr>
-              <a:t>su</a:t>
-            </a:r>
-            <a:r>
-              <a:rPr lang="pt-BR" sz="1200" b="0" i="0" kern="1200" dirty="0" smtClean="0">
-                <a:solidFill>
-                  <a:schemeClr val="tx1"/>
-                </a:solidFill>
-                <a:effectLst/>
-                <a:latin typeface="+mn-lt"/>
-                <a:ea typeface="+mn-ea"/>
-                <a:cs typeface="+mn-cs"/>
-              </a:rPr>
-              <a:t> interior </a:t>
-            </a:r>
-            <a:r>
-              <a:rPr lang="pt-BR" sz="1200" b="0" i="0" kern="1200" dirty="0" err="1" smtClean="0">
-                <a:solidFill>
-                  <a:schemeClr val="tx1"/>
-                </a:solidFill>
-                <a:effectLst/>
-                <a:latin typeface="+mn-lt"/>
-                <a:ea typeface="+mn-ea"/>
-                <a:cs typeface="+mn-cs"/>
-              </a:rPr>
-              <a:t>con</a:t>
-            </a:r>
-            <a:r>
-              <a:rPr lang="pt-BR" sz="1200" b="0" i="0" kern="1200" dirty="0" smtClean="0">
-                <a:solidFill>
-                  <a:schemeClr val="tx1"/>
-                </a:solidFill>
-                <a:effectLst/>
-                <a:latin typeface="+mn-lt"/>
-                <a:ea typeface="+mn-ea"/>
-                <a:cs typeface="+mn-cs"/>
-              </a:rPr>
-              <a:t> </a:t>
-            </a:r>
-            <a:r>
-              <a:rPr lang="pt-BR" sz="1200" b="0" i="0" kern="1200" dirty="0" err="1" smtClean="0">
-                <a:solidFill>
-                  <a:schemeClr val="tx1"/>
-                </a:solidFill>
-                <a:effectLst/>
-                <a:latin typeface="+mn-lt"/>
-                <a:ea typeface="+mn-ea"/>
-                <a:cs typeface="+mn-cs"/>
-              </a:rPr>
-              <a:t>las</a:t>
-            </a:r>
-            <a:r>
-              <a:rPr lang="pt-BR" sz="1200" b="0" i="0" kern="1200" dirty="0" smtClean="0">
-                <a:solidFill>
-                  <a:schemeClr val="tx1"/>
-                </a:solidFill>
-                <a:effectLst/>
-                <a:latin typeface="+mn-lt"/>
-                <a:ea typeface="+mn-ea"/>
-                <a:cs typeface="+mn-cs"/>
-              </a:rPr>
-              <a:t> que poder </a:t>
+              <a:t> de alertas, </a:t>
+            </a:r>
+            <a:r>
+              <a:rPr lang="pt-BR" sz="1200" b="0" i="0" kern="1200" baseline="0" dirty="0" err="1" smtClean="0">
+                <a:solidFill>
+                  <a:schemeClr val="tx1"/>
+                </a:solidFill>
+                <a:effectLst/>
+                <a:latin typeface="+mn-lt"/>
+                <a:ea typeface="+mn-ea"/>
+                <a:cs typeface="+mn-cs"/>
+              </a:rPr>
+              <a:t>sincronización</a:t>
             </a:r>
             <a:r>
               <a:rPr lang="pt-BR" sz="1200" b="0" i="0" kern="1200" baseline="0" dirty="0" smtClean="0">
@@ -1208,7 +1362,7 @@
                 <a:ea typeface="+mn-ea"/>
                 <a:cs typeface="+mn-cs"/>
               </a:rPr>
-              <a:t>ver </a:t>
+              <a:t> de </a:t>
             </a:r>
             <a:r>
               <a:rPr lang="pt-BR" sz="1200" b="0" i="0" kern="1200" baseline="0" dirty="0" err="1" smtClean="0">
@@ -1220,7 +1374,7 @@
                 <a:ea typeface="+mn-ea"/>
                 <a:cs typeface="+mn-cs"/>
               </a:rPr>
-              <a:t>el</a:t>
+              <a:t>calendario</a:t>
             </a:r>
             <a:r>
               <a:rPr lang="pt-BR" sz="1200" b="0" i="0" kern="1200" baseline="0" dirty="0" smtClean="0">
@@ -1232,7 +1386,7 @@
                 <a:ea typeface="+mn-ea"/>
                 <a:cs typeface="+mn-cs"/>
               </a:rPr>
-              <a:t> </a:t>
+              <a:t>, sensores de movimento, etiquetado de alimentos, comandos de voz, y </a:t>
             </a:r>
             <a:r>
               <a:rPr lang="pt-BR" sz="1200" b="0" i="0" kern="1200" baseline="0" dirty="0" err="1" smtClean="0">
@@ -1244,333 +1398,7 @@
                 <a:ea typeface="+mn-ea"/>
                 <a:cs typeface="+mn-cs"/>
               </a:rPr>
-              <a:t>contenido</a:t>
-            </a:r>
-            <a:r>
-              <a:rPr lang="pt-BR" sz="1200" b="0" i="0" kern="1200" baseline="0" dirty="0" smtClean="0">
-                <a:solidFill>
-                  <a:schemeClr val="tx1"/>
-                </a:solidFill>
-                <a:effectLst/>
-                <a:latin typeface="+mn-lt"/>
-                <a:ea typeface="+mn-ea"/>
-                <a:cs typeface="+mn-cs"/>
-              </a:rPr>
-              <a:t>, </a:t>
-            </a:r>
-            <a:r>
-              <a:rPr lang="pt-BR" sz="1200" b="0" i="0" kern="1200" baseline="0" dirty="0" err="1" smtClean="0">
-                <a:solidFill>
-                  <a:schemeClr val="tx1"/>
-                </a:solidFill>
-                <a:effectLst/>
-                <a:latin typeface="+mn-lt"/>
-                <a:ea typeface="+mn-ea"/>
-                <a:cs typeface="+mn-cs"/>
-              </a:rPr>
-              <a:t>pantalla</a:t>
-            </a:r>
-            <a:r>
-              <a:rPr lang="pt-BR" sz="1200" b="0" i="0" kern="1200" baseline="0" dirty="0" smtClean="0">
-                <a:solidFill>
-                  <a:schemeClr val="tx1"/>
-                </a:solidFill>
-                <a:effectLst/>
-                <a:latin typeface="+mn-lt"/>
-                <a:ea typeface="+mn-ea"/>
-                <a:cs typeface="+mn-cs"/>
-              </a:rPr>
-              <a:t> táctil o </a:t>
-            </a:r>
-            <a:r>
-              <a:rPr lang="pt-BR" sz="1200" b="0" i="0" kern="1200" baseline="0" dirty="0" err="1" smtClean="0">
-                <a:solidFill>
-                  <a:schemeClr val="tx1"/>
-                </a:solidFill>
-                <a:effectLst/>
-                <a:latin typeface="+mn-lt"/>
-                <a:ea typeface="+mn-ea"/>
-                <a:cs typeface="+mn-cs"/>
-              </a:rPr>
-              <a:t>altavoces</a:t>
-            </a:r>
-            <a:r>
-              <a:rPr lang="pt-BR" sz="1200" b="0" i="0" kern="1200" baseline="0" dirty="0" smtClean="0">
-                <a:solidFill>
-                  <a:schemeClr val="tx1"/>
-                </a:solidFill>
-                <a:effectLst/>
-                <a:latin typeface="+mn-lt"/>
-                <a:ea typeface="+mn-ea"/>
-                <a:cs typeface="+mn-cs"/>
-              </a:rPr>
-              <a:t> que </a:t>
-            </a:r>
-            <a:r>
-              <a:rPr lang="pt-BR" sz="1200" b="0" i="0" kern="1200" baseline="0" dirty="0" err="1" smtClean="0">
-                <a:solidFill>
-                  <a:schemeClr val="tx1"/>
-                </a:solidFill>
-                <a:effectLst/>
-                <a:latin typeface="+mn-lt"/>
-                <a:ea typeface="+mn-ea"/>
-                <a:cs typeface="+mn-cs"/>
-              </a:rPr>
-              <a:t>hacen</a:t>
-            </a:r>
-            <a:r>
-              <a:rPr lang="pt-BR" sz="1200" b="0" i="0" kern="1200" baseline="0" dirty="0" smtClean="0">
-                <a:solidFill>
-                  <a:schemeClr val="tx1"/>
-                </a:solidFill>
-                <a:effectLst/>
-                <a:latin typeface="+mn-lt"/>
-                <a:ea typeface="+mn-ea"/>
-                <a:cs typeface="+mn-cs"/>
-              </a:rPr>
-              <a:t> </a:t>
-            </a:r>
-            <a:r>
-              <a:rPr lang="pt-BR" sz="1200" b="0" i="0" kern="1200" baseline="0" dirty="0" err="1" smtClean="0">
-                <a:solidFill>
-                  <a:schemeClr val="tx1"/>
-                </a:solidFill>
-                <a:effectLst/>
-                <a:latin typeface="+mn-lt"/>
-                <a:ea typeface="+mn-ea"/>
-                <a:cs typeface="+mn-cs"/>
-              </a:rPr>
-              <a:t>las</a:t>
-            </a:r>
-            <a:r>
-              <a:rPr lang="pt-BR" sz="1200" b="0" i="0" kern="1200" baseline="0" dirty="0" smtClean="0">
-                <a:solidFill>
-                  <a:schemeClr val="tx1"/>
-                </a:solidFill>
-                <a:effectLst/>
-                <a:latin typeface="+mn-lt"/>
-                <a:ea typeface="+mn-ea"/>
-                <a:cs typeface="+mn-cs"/>
-              </a:rPr>
-              <a:t> </a:t>
-            </a:r>
-            <a:r>
-              <a:rPr lang="pt-BR" sz="1200" b="0" i="0" kern="1200" baseline="0" dirty="0" err="1" smtClean="0">
-                <a:solidFill>
-                  <a:schemeClr val="tx1"/>
-                </a:solidFill>
-                <a:effectLst/>
-                <a:latin typeface="+mn-lt"/>
-                <a:ea typeface="+mn-ea"/>
-                <a:cs typeface="+mn-cs"/>
-              </a:rPr>
-              <a:t>veces</a:t>
-            </a:r>
-            <a:r>
-              <a:rPr lang="pt-BR" sz="1200" b="0" i="0" kern="1200" baseline="0" dirty="0" smtClean="0">
-                <a:solidFill>
-                  <a:schemeClr val="tx1"/>
-                </a:solidFill>
-                <a:effectLst/>
-                <a:latin typeface="+mn-lt"/>
-                <a:ea typeface="+mn-ea"/>
-                <a:cs typeface="+mn-cs"/>
-              </a:rPr>
-              <a:t> de centro de entretenimento.  </a:t>
-            </a:r>
-          </a:p>
-          <a:p>
-            <a:r>
-              <a:rPr lang="pt-BR" sz="1200" b="0" i="0" kern="1200" baseline="0" dirty="0" smtClean="0">
-                <a:solidFill>
-                  <a:schemeClr val="tx1"/>
-                </a:solidFill>
-                <a:effectLst/>
-                <a:latin typeface="+mn-lt"/>
-                <a:ea typeface="+mn-ea"/>
-                <a:cs typeface="+mn-cs"/>
-              </a:rPr>
-              <a:t>Ajuste temperatura mediante </a:t>
-            </a:r>
-            <a:r>
-              <a:rPr lang="pt-BR" sz="1200" b="0" i="0" kern="1200" baseline="0" dirty="0" err="1" smtClean="0">
-                <a:solidFill>
-                  <a:schemeClr val="tx1"/>
-                </a:solidFill>
-                <a:effectLst/>
-                <a:latin typeface="+mn-lt"/>
-                <a:ea typeface="+mn-ea"/>
-                <a:cs typeface="+mn-cs"/>
-              </a:rPr>
-              <a:t>wifi</a:t>
-            </a:r>
-            <a:r>
-              <a:rPr lang="pt-BR" sz="1200" b="0" i="0" kern="1200" baseline="0" dirty="0" smtClean="0">
-                <a:solidFill>
-                  <a:schemeClr val="tx1"/>
-                </a:solidFill>
-                <a:effectLst/>
-                <a:latin typeface="+mn-lt"/>
-                <a:ea typeface="+mn-ea"/>
-                <a:cs typeface="+mn-cs"/>
-              </a:rPr>
-              <a:t>, </a:t>
-            </a:r>
-            <a:r>
-              <a:rPr lang="pt-BR" sz="1200" b="0" i="0" kern="1200" baseline="0" dirty="0" err="1" smtClean="0">
-                <a:solidFill>
-                  <a:schemeClr val="tx1"/>
-                </a:solidFill>
-                <a:effectLst/>
-                <a:latin typeface="+mn-lt"/>
-                <a:ea typeface="+mn-ea"/>
-                <a:cs typeface="+mn-cs"/>
-              </a:rPr>
-              <a:t>configuración</a:t>
-            </a:r>
-            <a:r>
-              <a:rPr lang="pt-BR" sz="1200" b="0" i="0" kern="1200" baseline="0" dirty="0" smtClean="0">
-                <a:solidFill>
-                  <a:schemeClr val="tx1"/>
-                </a:solidFill>
-                <a:effectLst/>
-                <a:latin typeface="+mn-lt"/>
-                <a:ea typeface="+mn-ea"/>
-                <a:cs typeface="+mn-cs"/>
-              </a:rPr>
-              <a:t> de alertas si la </a:t>
-            </a:r>
-            <a:r>
-              <a:rPr lang="pt-BR" sz="1200" b="0" i="0" kern="1200" baseline="0" dirty="0" err="1" smtClean="0">
-                <a:solidFill>
-                  <a:schemeClr val="tx1"/>
-                </a:solidFill>
-                <a:effectLst/>
-                <a:latin typeface="+mn-lt"/>
-                <a:ea typeface="+mn-ea"/>
-                <a:cs typeface="+mn-cs"/>
-              </a:rPr>
-              <a:t>puerta</a:t>
-            </a:r>
-            <a:r>
-              <a:rPr lang="pt-BR" sz="1200" b="0" i="0" kern="1200" baseline="0" dirty="0" smtClean="0">
-                <a:solidFill>
-                  <a:schemeClr val="tx1"/>
-                </a:solidFill>
-                <a:effectLst/>
-                <a:latin typeface="+mn-lt"/>
-                <a:ea typeface="+mn-ea"/>
-                <a:cs typeface="+mn-cs"/>
-              </a:rPr>
-              <a:t> se queda aberta o si se </a:t>
-            </a:r>
-            <a:r>
-              <a:rPr lang="pt-BR" sz="1200" b="0" i="0" kern="1200" baseline="0" dirty="0" err="1" smtClean="0">
-                <a:solidFill>
-                  <a:schemeClr val="tx1"/>
-                </a:solidFill>
-                <a:effectLst/>
-                <a:latin typeface="+mn-lt"/>
-                <a:ea typeface="+mn-ea"/>
-                <a:cs typeface="+mn-cs"/>
-              </a:rPr>
-              <a:t>producen</a:t>
-            </a:r>
-            <a:r>
-              <a:rPr lang="pt-BR" sz="1200" b="0" i="0" kern="1200" baseline="0" dirty="0" smtClean="0">
-                <a:solidFill>
-                  <a:schemeClr val="tx1"/>
-                </a:solidFill>
-                <a:effectLst/>
-                <a:latin typeface="+mn-lt"/>
-                <a:ea typeface="+mn-ea"/>
-                <a:cs typeface="+mn-cs"/>
-              </a:rPr>
-              <a:t> cortes de energia. </a:t>
-            </a:r>
-            <a:r>
-              <a:rPr lang="pt-BR" sz="1200" b="0" i="0" kern="1200" baseline="0" dirty="0" err="1" smtClean="0">
-                <a:solidFill>
-                  <a:schemeClr val="tx1"/>
-                </a:solidFill>
-                <a:effectLst/>
-                <a:latin typeface="+mn-lt"/>
-                <a:ea typeface="+mn-ea"/>
-                <a:cs typeface="+mn-cs"/>
-              </a:rPr>
-              <a:t>Sincronización</a:t>
-            </a:r>
-            <a:r>
-              <a:rPr lang="pt-BR" sz="1200" b="0" i="0" kern="1200" baseline="0" dirty="0" smtClean="0">
-                <a:solidFill>
-                  <a:schemeClr val="tx1"/>
-                </a:solidFill>
-                <a:effectLst/>
-                <a:latin typeface="+mn-lt"/>
-                <a:ea typeface="+mn-ea"/>
-                <a:cs typeface="+mn-cs"/>
-              </a:rPr>
-              <a:t> de </a:t>
-            </a:r>
-            <a:r>
-              <a:rPr lang="pt-BR" sz="1200" b="0" i="0" kern="1200" baseline="0" dirty="0" err="1" smtClean="0">
-                <a:solidFill>
-                  <a:schemeClr val="tx1"/>
-                </a:solidFill>
-                <a:effectLst/>
-                <a:latin typeface="+mn-lt"/>
-                <a:ea typeface="+mn-ea"/>
-                <a:cs typeface="+mn-cs"/>
-              </a:rPr>
-              <a:t>calendario</a:t>
-            </a:r>
-            <a:r>
-              <a:rPr lang="pt-BR" sz="1200" b="0" i="0" kern="1200" baseline="0" dirty="0" smtClean="0">
-                <a:solidFill>
-                  <a:schemeClr val="tx1"/>
-                </a:solidFill>
-                <a:effectLst/>
-                <a:latin typeface="+mn-lt"/>
-                <a:ea typeface="+mn-ea"/>
-                <a:cs typeface="+mn-cs"/>
-              </a:rPr>
-              <a:t>, sensor de movimento, etiquetado de alimentos, comandos de voz, y </a:t>
-            </a:r>
-            <a:r>
-              <a:rPr lang="pt-BR" sz="1200" b="0" i="0" kern="1200" baseline="0" dirty="0" err="1" smtClean="0">
-                <a:solidFill>
-                  <a:schemeClr val="tx1"/>
-                </a:solidFill>
-                <a:effectLst/>
-                <a:latin typeface="+mn-lt"/>
-                <a:ea typeface="+mn-ea"/>
-                <a:cs typeface="+mn-cs"/>
-              </a:rPr>
-              <a:t>muchas</a:t>
-            </a:r>
-            <a:r>
-              <a:rPr lang="pt-BR" sz="1200" b="0" i="0" kern="1200" baseline="0" dirty="0" smtClean="0">
-                <a:solidFill>
-                  <a:schemeClr val="tx1"/>
-                </a:solidFill>
-                <a:effectLst/>
-                <a:latin typeface="+mn-lt"/>
-                <a:ea typeface="+mn-ea"/>
-                <a:cs typeface="+mn-cs"/>
-              </a:rPr>
-              <a:t> </a:t>
-            </a:r>
-            <a:r>
-              <a:rPr lang="pt-BR" sz="1200" b="0" i="0" kern="1200" baseline="0" dirty="0" err="1" smtClean="0">
-                <a:solidFill>
-                  <a:schemeClr val="tx1"/>
-                </a:solidFill>
-                <a:effectLst/>
-                <a:latin typeface="+mn-lt"/>
-                <a:ea typeface="+mn-ea"/>
-                <a:cs typeface="+mn-cs"/>
-              </a:rPr>
-              <a:t>otras</a:t>
+              <a:t>mucho</a:t>
             </a:r>
             <a:r>
               <a:rPr lang="pt-BR" sz="1200" b="0" i="0" kern="1200" baseline="0" dirty="0" smtClean="0">
@@ -1595,6 +1423,17 @@
             </a:endParaRPr>
           </a:p>
           <a:p>
+            <a:endParaRPr lang="es-ES" sz="1200" b="0" i="0" kern="1200" dirty="0" smtClean="0">
+              <a:solidFill>
+                <a:schemeClr val="tx1"/>
+              </a:solidFill>
+              <a:effectLst/>
+              <a:latin typeface="+mn-lt"/>
+              <a:ea typeface="+mn-ea"/>
+              <a:cs typeface="+mn-cs"/>
+            </a:endParaRPr>
+          </a:p>
+          <a:p>
             <a:r>
               <a:rPr lang="es-ES" sz="1200" b="0" i="0" kern="1200" dirty="0" smtClean="0">
                 <a:solidFill>
@@ -1605,7 +1444,31 @@
                 <a:ea typeface="+mn-ea"/>
                 <a:cs typeface="+mn-cs"/>
               </a:rPr>
-              <a:t>Samsung ha insinuado que la tecnología de inteligencia artificial jugará un gran papel en sus futuros modelos. También está trabajando con </a:t>
+              <a:t>Samsung,</a:t>
+            </a:r>
+            <a:r>
+              <a:rPr lang="es-ES" sz="1200" b="0" i="0" kern="1200" baseline="0" dirty="0" smtClean="0">
+                <a:solidFill>
+                  <a:schemeClr val="tx1"/>
+                </a:solidFill>
+                <a:effectLst/>
+                <a:latin typeface="+mn-lt"/>
+                <a:ea typeface="+mn-ea"/>
+                <a:cs typeface="+mn-cs"/>
+              </a:rPr>
+              <a:t> por ejemplo, e</a:t>
+            </a:r>
+            <a:r>
+              <a:rPr lang="es-ES" sz="1200" b="0" i="0" kern="1200" dirty="0" smtClean="0">
+                <a:solidFill>
+                  <a:schemeClr val="tx1"/>
+                </a:solidFill>
+                <a:effectLst/>
+                <a:latin typeface="+mn-lt"/>
+                <a:ea typeface="+mn-ea"/>
+                <a:cs typeface="+mn-cs"/>
+              </a:rPr>
+              <a:t>stá trabajando con </a:t>
             </a:r>
             <a:r>
               <a:rPr lang="es-ES" sz="1200" b="0" i="0" kern="1200" dirty="0" err="1" smtClean="0">
@@ -1641,7 +1504,7 @@
                 <a:ea typeface="+mn-ea"/>
                 <a:cs typeface="+mn-cs"/>
               </a:rPr>
-              <a:t>iHeartRadio</a:t>
+              <a:t>LiDL</a:t>
             </a:r>
             <a:r>
               <a:rPr lang="es-ES" sz="1200" b="0" i="0" kern="1200" dirty="0" smtClean="0">
@@ -1653,155 +1516,7 @@
                 <a:ea typeface="+mn-ea"/>
                 <a:cs typeface="+mn-cs"/>
               </a:rPr>
-              <a:t>, </a:t>
-            </a:r>
-            <a:r>
-              <a:rPr lang="es-ES" sz="1200" b="0" i="0" kern="1200" dirty="0" err="1" smtClean="0">
-                <a:solidFill>
-                  <a:schemeClr val="tx1"/>
-                </a:solidFill>
-                <a:effectLst/>
-                <a:latin typeface="+mn-lt"/>
-                <a:ea typeface="+mn-ea"/>
-                <a:cs typeface="+mn-cs"/>
-              </a:rPr>
-              <a:t>LiDL</a:t>
-            </a:r>
-            <a:r>
-              <a:rPr lang="es-ES" sz="1200" b="0" i="0" kern="1200" dirty="0" smtClean="0">
-                <a:solidFill>
-                  <a:schemeClr val="tx1"/>
-                </a:solidFill>
-                <a:effectLst/>
-                <a:latin typeface="+mn-lt"/>
-                <a:ea typeface="+mn-ea"/>
-                <a:cs typeface="+mn-cs"/>
-              </a:rPr>
-              <a:t>, </a:t>
-            </a:r>
-            <a:r>
-              <a:rPr lang="es-ES" sz="1200" b="0" i="0" kern="1200" dirty="0" err="1" smtClean="0">
-                <a:solidFill>
-                  <a:schemeClr val="tx1"/>
-                </a:solidFill>
-                <a:effectLst/>
-                <a:latin typeface="+mn-lt"/>
-                <a:ea typeface="+mn-ea"/>
-                <a:cs typeface="+mn-cs"/>
-              </a:rPr>
-              <a:t>Glympse</a:t>
-            </a:r>
-            <a:r>
-              <a:rPr lang="es-ES" sz="1200" b="0" i="0" kern="1200" dirty="0" smtClean="0">
-                <a:solidFill>
-                  <a:schemeClr val="tx1"/>
-                </a:solidFill>
-                <a:effectLst/>
-                <a:latin typeface="+mn-lt"/>
-                <a:ea typeface="+mn-ea"/>
-                <a:cs typeface="+mn-cs"/>
-              </a:rPr>
-              <a:t>, y otras empresas para crear aplicaciones y funciones diferentes para la nevera.</a:t>
-            </a:r>
-          </a:p>
-          <a:p>
-            <a:r>
-              <a:rPr lang="es-ES" sz="1200" b="0" i="0" kern="1200" baseline="0" dirty="0" smtClean="0">
-                <a:solidFill>
-                  <a:schemeClr val="tx1"/>
-                </a:solidFill>
-                <a:effectLst/>
-                <a:latin typeface="+mn-lt"/>
-                <a:ea typeface="+mn-ea"/>
-                <a:cs typeface="+mn-cs"/>
-              </a:rPr>
-              <a:t>Pero… ¿y si además pudiéramos hablar con nuestro frigorífico? </a:t>
-            </a:r>
-          </a:p>
-          <a:p>
-            <a:r>
-              <a:rPr lang="es-ES" sz="1200" b="0" i="0" kern="1200" baseline="0" dirty="0" smtClean="0">
-                <a:solidFill>
-                  <a:schemeClr val="tx1"/>
-                </a:solidFill>
-                <a:effectLst/>
-                <a:latin typeface="+mn-lt"/>
-                <a:ea typeface="+mn-ea"/>
-                <a:cs typeface="+mn-cs"/>
-              </a:rPr>
-              <a:t>Microsoft y </a:t>
-            </a:r>
-            <a:r>
-              <a:rPr lang="es-ES" sz="1200" b="0" i="0" kern="1200" baseline="0" dirty="0" err="1" smtClean="0">
-                <a:solidFill>
-                  <a:schemeClr val="tx1"/>
-                </a:solidFill>
-                <a:effectLst/>
-                <a:latin typeface="+mn-lt"/>
-                <a:ea typeface="+mn-ea"/>
-                <a:cs typeface="+mn-cs"/>
-              </a:rPr>
-              <a:t>Liebherr</a:t>
-            </a:r>
-            <a:r>
-              <a:rPr lang="es-ES" sz="1200" b="0" i="0" kern="1200" baseline="0" dirty="0" smtClean="0">
-                <a:solidFill>
-                  <a:schemeClr val="tx1"/>
-                </a:solidFill>
-                <a:effectLst/>
-                <a:latin typeface="+mn-lt"/>
-                <a:ea typeface="+mn-ea"/>
-                <a:cs typeface="+mn-cs"/>
-              </a:rPr>
-              <a:t> ya han pensado en esto y se han unido para trabajar en “</a:t>
-            </a:r>
-            <a:r>
-              <a:rPr lang="es-ES" sz="1200" b="0" i="0" kern="1200" baseline="0" dirty="0" err="1" smtClean="0">
-                <a:solidFill>
-                  <a:schemeClr val="tx1"/>
-                </a:solidFill>
-                <a:effectLst/>
-                <a:latin typeface="+mn-lt"/>
-                <a:ea typeface="+mn-ea"/>
-                <a:cs typeface="+mn-cs"/>
-              </a:rPr>
-              <a:t>SmartdeviceBox</a:t>
-            </a:r>
-            <a:r>
-              <a:rPr lang="es-ES" sz="1200" b="0" i="0" kern="1200" baseline="0" dirty="0" smtClean="0">
-                <a:solidFill>
-                  <a:schemeClr val="tx1"/>
-                </a:solidFill>
-                <a:effectLst/>
-                <a:latin typeface="+mn-lt"/>
-                <a:ea typeface="+mn-ea"/>
-                <a:cs typeface="+mn-cs"/>
-              </a:rPr>
-              <a:t>”, que usa tecnología de reconocimiento de imágenes para detectar cuando queda poca cantidad de </a:t>
-            </a:r>
-            <a:r>
-              <a:rPr lang="es-ES" sz="1200" b="0" i="0" kern="1200" baseline="0" dirty="0" err="1" smtClean="0">
-                <a:solidFill>
-                  <a:schemeClr val="tx1"/>
-                </a:solidFill>
-                <a:effectLst/>
-                <a:latin typeface="+mn-lt"/>
-                <a:ea typeface="+mn-ea"/>
-                <a:cs typeface="+mn-cs"/>
-              </a:rPr>
-              <a:t>algoy</a:t>
-            </a:r>
-            <a:r>
-              <a:rPr lang="es-ES" sz="1200" b="0" i="0" kern="1200" baseline="0" dirty="0" smtClean="0">
-                <a:solidFill>
-                  <a:schemeClr val="tx1"/>
-                </a:solidFill>
-                <a:effectLst/>
-                <a:latin typeface="+mn-lt"/>
-                <a:ea typeface="+mn-ea"/>
-                <a:cs typeface="+mn-cs"/>
-              </a:rPr>
-              <a:t> enviar una alerta.</a:t>
+              <a:t> y otras empresas para crear aplicaciones y funciones diferentes para sus neveras.</a:t>
             </a:r>
           </a:p>
           <a:p>
@@ -1826,9 +1541,59 @@
                 <a:ea typeface="+mn-ea"/>
                 <a:cs typeface="+mn-cs"/>
               </a:rPr>
-              <a:t>Esta es la propuesta de este trabajo</a:t>
-            </a:r>
-            <a:endParaRPr lang="pt-BR" sz="1200" b="0" i="0" kern="1200" baseline="0" dirty="0" smtClean="0">
+              <a:t>Microsoft y </a:t>
+            </a:r>
+            <a:r>
+              <a:rPr lang="es-ES" sz="1200" b="0" i="0" kern="1200" baseline="0" dirty="0" err="1" smtClean="0">
+                <a:solidFill>
+                  <a:schemeClr val="tx1"/>
+                </a:solidFill>
+                <a:effectLst/>
+                <a:latin typeface="+mn-lt"/>
+                <a:ea typeface="+mn-ea"/>
+                <a:cs typeface="+mn-cs"/>
+              </a:rPr>
+              <a:t>Liebherr</a:t>
+            </a:r>
+            <a:r>
+              <a:rPr lang="es-ES" sz="1200" b="0" i="0" kern="1200" baseline="0" dirty="0" smtClean="0">
+                <a:solidFill>
+                  <a:schemeClr val="tx1"/>
+                </a:solidFill>
+                <a:effectLst/>
+                <a:latin typeface="+mn-lt"/>
+                <a:ea typeface="+mn-ea"/>
+                <a:cs typeface="+mn-cs"/>
+              </a:rPr>
+              <a:t> ya están trabajando en esto, se han unido para crear “</a:t>
+            </a:r>
+            <a:r>
+              <a:rPr lang="es-ES" sz="1200" b="0" i="0" kern="1200" baseline="0" dirty="0" err="1" smtClean="0">
+                <a:solidFill>
+                  <a:schemeClr val="tx1"/>
+                </a:solidFill>
+                <a:effectLst/>
+                <a:latin typeface="+mn-lt"/>
+                <a:ea typeface="+mn-ea"/>
+                <a:cs typeface="+mn-cs"/>
+              </a:rPr>
+              <a:t>SmartdeviceBox</a:t>
+            </a:r>
+            <a:r>
+              <a:rPr lang="es-ES" sz="1200" b="0" i="0" kern="1200" baseline="0" dirty="0" smtClean="0">
+                <a:solidFill>
+                  <a:schemeClr val="tx1"/>
+                </a:solidFill>
+                <a:effectLst/>
+                <a:latin typeface="+mn-lt"/>
+                <a:ea typeface="+mn-ea"/>
+                <a:cs typeface="+mn-cs"/>
+              </a:rPr>
+              <a:t>”, que usa tecnología de reconocimiento de imágenes para detectar cuándo queda poca cantidad de algo, y enviar una alerta.</a:t>
+            </a:r>
+          </a:p>
+          <a:p>
+            <a:endParaRPr lang="es-ES" sz="1200" b="0" i="0" kern="1200" baseline="0" dirty="0" smtClean="0">
               <a:solidFill>
                 <a:schemeClr val="tx1"/>
               </a:solidFill>
@@ -1838,28 +1603,6 @@
               <a:cs typeface="+mn-cs"/>
             </a:endParaRPr>
           </a:p>
-          <a:p>
-            <a:endParaRPr lang="pt-BR" sz="1200" b="0" i="0" kern="1200" baseline="0" dirty="0" smtClean="0">
-              <a:solidFill>
-                <a:schemeClr val="tx1"/>
-              </a:solidFill>
-              <a:effectLst/>
-              <a:latin typeface="+mn-lt"/>
-              <a:ea typeface="+mn-ea"/>
-              <a:cs typeface="+mn-cs"/>
-            </a:endParaRPr>
-          </a:p>
-          <a:p>
-            <a:endParaRPr lang="es-ES" sz="1200" b="0" i="0" kern="1200" noProof="0" dirty="0" smtClean="0">
-              <a:solidFill>
-                <a:schemeClr val="tx1"/>
-              </a:solidFill>
-              <a:effectLst/>
-              <a:latin typeface="+mn-lt"/>
-              <a:ea typeface="+mn-ea"/>
-              <a:cs typeface="+mn-cs"/>
-            </a:endParaRPr>
-          </a:p>
         </p:txBody>
       </p:sp>
       <p:sp>
@@ -1879,7 +1622,7 @@
           <a:p>
             <a:fld id="{EF162F7D-BBA6-4D10-862A-C27B4C709058}" type="slidenum">
               <a:rPr lang="en-GB" smtClean="0"/>
-              <a:t>1</a:t>
+              <a:t>2</a:t>
             </a:fld>
             <a:endParaRPr lang="en-GB"/>
           </a:p>
@@ -1888,7 +1631,206 @@
     </p:spTree>
     <p:extLst>
       <p:ext uri="{BB962C8B-B14F-4D97-AF65-F5344CB8AC3E}">
-        <p14:creationId xmlns:p14="http://schemas.microsoft.com/office/powerpoint/2010/main" val="1005559688"/>
+        <p14:creationId xmlns:p14="http://schemas.microsoft.com/office/powerpoint/2010/main" val="1918767305"/>
+      </p:ext>
+    </p:extLst>
+  </p:cSld>
+  <p:clrMapOvr>
+    <a:masterClrMapping/>
+  </p:clrMapOvr>
+</p:notes>
+</file>
+
+<file path=ppt/notesSlides/notesSlide2.xml><?xml version="1.0" encoding="utf-8"?>
+<p:notes xmlns:a="http://schemas.openxmlformats.org/drawingml/2006/main" xmlns:r="http://schemas.openxmlformats.org/officeDocument/2006/relationships" xmlns:p="http://schemas.openxmlformats.org/presentationml/2006/main">
+  <p:cSld>
+    <p:spTree>
+      <p:nvGrpSpPr>
+        <p:cNvPr id="1" name=""/>
+        <p:cNvGrpSpPr/>
+        <p:nvPr/>
+      </p:nvGrpSpPr>
+      <p:grpSpPr>
+        <a:xfrm>
+          <a:off x="0" y="0"/>
+          <a:ext cx="0" cy="0"/>
+          <a:chOff x="0" y="0"/>
+          <a:chExt cx="0" cy="0"/>
+        </a:xfrm>
+      </p:grpSpPr>
+      <p:sp>
+        <p:nvSpPr>
+          <p:cNvPr id="2" name="Marcador de imagen de diapositiva 1"/>
+          <p:cNvSpPr>
+            <a:spLocks noGrp="1" noRot="1" noChangeAspect="1"/>
+          </p:cNvSpPr>
+          <p:nvPr>
+            <p:ph type="sldImg"/>
+          </p:nvPr>
+        </p:nvSpPr>
+        <p:spPr/>
+      </p:sp>
+      <p:sp>
+        <p:nvSpPr>
+          <p:cNvPr id="3" name="Marcador de notas 2"/>
+          <p:cNvSpPr>
+            <a:spLocks noGrp="1"/>
+          </p:cNvSpPr>
+          <p:nvPr>
+            <p:ph type="body" idx="1"/>
+          </p:nvPr>
+        </p:nvSpPr>
+        <p:spPr/>
+        <p:txBody>
+          <a:bodyPr/>
+          <a:lstStyle/>
+          <a:p>
+            <a:pPr marL="0" marR="0" lvl="0" indent="0" algn="l" defTabSz="914400" rtl="0" eaLnBrk="1" fontAlgn="auto" latinLnBrk="0" hangingPunct="1">
+              <a:lnSpc>
+                <a:spcPct val="100000"/>
+              </a:lnSpc>
+              <a:spcBef>
+                <a:spcPts val="0"/>
+              </a:spcBef>
+              <a:spcAft>
+                <a:spcPts val="0"/>
+              </a:spcAft>
+              <a:buClrTx/>
+              <a:buSzTx/>
+              <a:buFontTx/>
+              <a:buNone/>
+              <a:tabLst/>
+              <a:defRPr/>
+            </a:pPr>
+            <a:r>
+              <a:rPr lang="es-ES" sz="1200" b="0" i="0" kern="1200" baseline="0" dirty="0" smtClean="0">
+                <a:solidFill>
+                  <a:schemeClr val="tx1"/>
+                </a:solidFill>
+                <a:effectLst/>
+                <a:latin typeface="+mn-lt"/>
+                <a:ea typeface="+mn-ea"/>
+                <a:cs typeface="+mn-cs"/>
+              </a:rPr>
+              <a:t>Pero… ¿y si además pudiéramos hablar con nuestro frigorífico? Esta es la propuesta de este trabajo</a:t>
+            </a:r>
+          </a:p>
+          <a:p>
+            <a:endParaRPr lang="es-ES" dirty="0"/>
+          </a:p>
+        </p:txBody>
+      </p:sp>
+      <p:sp>
+        <p:nvSpPr>
+          <p:cNvPr id="4" name="Marcador de número de diapositiva 3"/>
+          <p:cNvSpPr>
+            <a:spLocks noGrp="1"/>
+          </p:cNvSpPr>
+          <p:nvPr>
+            <p:ph type="sldNum" sz="quarter" idx="10"/>
+          </p:nvPr>
+        </p:nvSpPr>
+        <p:spPr/>
+        <p:txBody>
+          <a:bodyPr/>
+          <a:lstStyle/>
+          <a:p>
+            <a:fld id="{EF162F7D-BBA6-4D10-862A-C27B4C709058}" type="slidenum">
+              <a:rPr lang="en-GB" smtClean="0"/>
+              <a:t>5</a:t>
+            </a:fld>
+            <a:endParaRPr lang="en-GB"/>
+          </a:p>
+        </p:txBody>
+      </p:sp>
+    </p:spTree>
+    <p:extLst>
+      <p:ext uri="{BB962C8B-B14F-4D97-AF65-F5344CB8AC3E}">
+        <p14:creationId xmlns:p14="http://schemas.microsoft.com/office/powerpoint/2010/main" val="2763362670"/>
+      </p:ext>
+    </p:extLst>
+  </p:cSld>
+  <p:clrMapOvr>
+    <a:masterClrMapping/>
+  </p:clrMapOvr>
+</p:notes>
+</file>
+
+<file path=ppt/notesSlides/notesSlide3.xml><?xml version="1.0" encoding="utf-8"?>
+<p:notes xmlns:a="http://schemas.openxmlformats.org/drawingml/2006/main" xmlns:r="http://schemas.openxmlformats.org/officeDocument/2006/relationships" xmlns:p="http://schemas.openxmlformats.org/presentationml/2006/main">
+  <p:cSld>
+    <p:spTree>
+      <p:nvGrpSpPr>
+        <p:cNvPr id="1" name=""/>
+        <p:cNvGrpSpPr/>
+        <p:nvPr/>
+      </p:nvGrpSpPr>
+      <p:grpSpPr>
+        <a:xfrm>
+          <a:off x="0" y="0"/>
+          <a:ext cx="0" cy="0"/>
+          <a:chOff x="0" y="0"/>
+          <a:chExt cx="0" cy="0"/>
+        </a:xfrm>
+      </p:grpSpPr>
+      <p:sp>
+        <p:nvSpPr>
+          <p:cNvPr id="2" name="Marcador de imagen de diapositiva 1"/>
+          <p:cNvSpPr>
+            <a:spLocks noGrp="1" noRot="1" noChangeAspect="1"/>
+          </p:cNvSpPr>
+          <p:nvPr>
+            <p:ph type="sldImg"/>
+          </p:nvPr>
+        </p:nvSpPr>
+        <p:spPr/>
+      </p:sp>
+      <p:sp>
+        <p:nvSpPr>
+          <p:cNvPr id="3" name="Marcador de notas 2"/>
+          <p:cNvSpPr>
+            <a:spLocks noGrp="1"/>
+          </p:cNvSpPr>
+          <p:nvPr>
+            <p:ph type="body" idx="1"/>
+          </p:nvPr>
+        </p:nvSpPr>
+        <p:spPr/>
+        <p:txBody>
+          <a:bodyPr/>
+          <a:lstStyle/>
+          <a:p>
+            <a:endParaRPr lang="es-ES" dirty="0"/>
+          </a:p>
+        </p:txBody>
+      </p:sp>
+      <p:sp>
+        <p:nvSpPr>
+          <p:cNvPr id="4" name="Marcador de número de diapositiva 3"/>
+          <p:cNvSpPr>
+            <a:spLocks noGrp="1"/>
+          </p:cNvSpPr>
+          <p:nvPr>
+            <p:ph type="sldNum" sz="quarter" idx="10"/>
+          </p:nvPr>
+        </p:nvSpPr>
+        <p:spPr/>
+        <p:txBody>
+          <a:bodyPr/>
+          <a:lstStyle/>
+          <a:p>
+            <a:fld id="{EF162F7D-BBA6-4D10-862A-C27B4C709058}" type="slidenum">
+              <a:rPr lang="en-GB" smtClean="0"/>
+              <a:t>10</a:t>
+            </a:fld>
+            <a:endParaRPr lang="en-GB"/>
+          </a:p>
+        </p:txBody>
+      </p:sp>
+    </p:spTree>
+    <p:extLst>
+      <p:ext uri="{BB962C8B-B14F-4D97-AF65-F5344CB8AC3E}">
+        <p14:creationId xmlns:p14="http://schemas.microsoft.com/office/powerpoint/2010/main" val="68251660"/>
       </p:ext>
     </p:extLst>
   </p:cSld>
@@ -2029,7 +1971,7 @@
           <a:p>
             <a:fld id="{DE7CA698-4D04-4307-B112-7F3118797394}" type="datetimeFigureOut">
               <a:rPr lang="es-ES" smtClean="0"/>
-              <a:t>04/03/2018</a:t>
+              <a:t>09/03/2018</a:t>
             </a:fld>
             <a:endParaRPr lang="es-ES"/>
           </a:p>
@@ -2199,7 +2141,7 @@
           <a:p>
             <a:fld id="{DE7CA698-4D04-4307-B112-7F3118797394}" type="datetimeFigureOut">
               <a:rPr lang="es-ES" smtClean="0"/>
-              <a:t>04/03/2018</a:t>
+              <a:t>09/03/2018</a:t>
             </a:fld>
             <a:endParaRPr lang="es-ES"/>
           </a:p>
@@ -2379,7 +2321,7 @@
           <a:p>
             <a:fld id="{DE7CA698-4D04-4307-B112-7F3118797394}" type="datetimeFigureOut">
               <a:rPr lang="es-ES" smtClean="0"/>
-              <a:t>04/03/2018</a:t>
+              <a:t>09/03/2018</a:t>
             </a:fld>
             <a:endParaRPr lang="es-ES"/>
           </a:p>
@@ -2497,7 +2439,7 @@
           <a:p>
             <a:fld id="{DE7CA698-4D04-4307-B112-7F3118797394}" type="datetimeFigureOut">
               <a:rPr lang="es-ES" smtClean="0"/>
-              <a:t>04/03/2018</a:t>
+              <a:t>09/03/2018</a:t>
             </a:fld>
             <a:endParaRPr lang="es-ES"/>
           </a:p>
@@ -2667,7 +2609,7 @@
           <a:p>
             <a:fld id="{DE7CA698-4D04-4307-B112-7F3118797394}" type="datetimeFigureOut">
               <a:rPr lang="es-ES" smtClean="0"/>
-              <a:t>04/03/2018</a:t>
+              <a:t>09/03/2018</a:t>
             </a:fld>
             <a:endParaRPr lang="es-ES"/>
           </a:p>
@@ -2913,7 +2855,7 @@
           <a:p>
             <a:fld id="{DE7CA698-4D04-4307-B112-7F3118797394}" type="datetimeFigureOut">
               <a:rPr lang="es-ES" smtClean="0"/>
-              <a:t>04/03/2018</a:t>
+              <a:t>09/03/2018</a:t>
             </a:fld>
             <a:endParaRPr lang="es-ES"/>
           </a:p>
@@ -3145,7 +3087,7 @@
           <a:p>
             <a:fld id="{DE7CA698-4D04-4307-B112-7F3118797394}" type="datetimeFigureOut">
               <a:rPr lang="es-ES" smtClean="0"/>
-              <a:t>04/03/2018</a:t>
+              <a:t>09/03/2018</a:t>
             </a:fld>
             <a:endParaRPr lang="es-ES"/>
           </a:p>
@@ -3512,7 +3454,7 @@
           <a:p>
             <a:fld id="{DE7CA698-4D04-4307-B112-7F3118797394}" type="datetimeFigureOut">
               <a:rPr lang="es-ES" smtClean="0"/>
-              <a:t>04/03/2018</a:t>
+              <a:t>09/03/2018</a:t>
             </a:fld>
             <a:endParaRPr lang="es-ES"/>
           </a:p>
@@ -3630,7 +3572,7 @@
           <a:p>
             <a:fld id="{DE7CA698-4D04-4307-B112-7F3118797394}" type="datetimeFigureOut">
               <a:rPr lang="es-ES" smtClean="0"/>
-              <a:t>04/03/2018</a:t>
+              <a:t>09/03/2018</a:t>
             </a:fld>
             <a:endParaRPr lang="es-ES"/>
           </a:p>
@@ -3725,7 +3667,7 @@
           <a:p>
             <a:fld id="{DE7CA698-4D04-4307-B112-7F3118797394}" type="datetimeFigureOut">
               <a:rPr lang="es-ES" smtClean="0"/>
-              <a:t>04/03/2018</a:t>
+              <a:t>09/03/2018</a:t>
             </a:fld>
             <a:endParaRPr lang="es-ES"/>
           </a:p>
@@ -4002,7 +3944,7 @@
           <a:p>
             <a:fld id="{DE7CA698-4D04-4307-B112-7F3118797394}" type="datetimeFigureOut">
               <a:rPr lang="es-ES" smtClean="0"/>
-              <a:t>04/03/2018</a:t>
+              <a:t>09/03/2018</a:t>
             </a:fld>
             <a:endParaRPr lang="es-ES"/>
           </a:p>
@@ -4255,7 +4197,7 @@
           <a:p>
             <a:fld id="{DE7CA698-4D04-4307-B112-7F3118797394}" type="datetimeFigureOut">
               <a:rPr lang="es-ES" smtClean="0"/>
-              <a:t>04/03/2018</a:t>
+              <a:t>09/03/2018</a:t>
             </a:fld>
             <a:endParaRPr lang="es-ES"/>
           </a:p>
@@ -4468,7 +4410,7 @@
           <a:p>
             <a:fld id="{DE7CA698-4D04-4307-B112-7F3118797394}" type="datetimeFigureOut">
               <a:rPr lang="es-ES" smtClean="0"/>
-              <a:t>04/03/2018</a:t>
+              <a:t>09/03/2018</a:t>
             </a:fld>
             <a:endParaRPr lang="es-ES"/>
           </a:p>
@@ -4863,12 +4805,12 @@
     <p:bg>
       <p:bgPr>
         <a:blipFill dpi="0" rotWithShape="1">
-          <a:blip r:embed="rId3">
+          <a:blip r:embed="rId2">
             <a:lum/>
           </a:blip>
           <a:srcRect/>
           <a:stretch>
-            <a:fillRect t="-16000" b="-16000"/>
+            <a:fillRect l="-5000" r="-5000"/>
           </a:stretch>
         </a:blipFill>
         <a:effectLst/>
@@ -4891,7 +4833,7 @@
     </p:spTree>
     <p:extLst>
       <p:ext uri="{BB962C8B-B14F-4D97-AF65-F5344CB8AC3E}">
-        <p14:creationId xmlns:p14="http://schemas.microsoft.com/office/powerpoint/2010/main" val="3551487894"/>
+        <p14:creationId xmlns:p14="http://schemas.microsoft.com/office/powerpoint/2010/main" val="18701669"/>
       </p:ext>
     </p:extLst>
   </p:cSld>
@@ -4908,9 +4850,23 @@
 </p:sld>
 </file>
 
-<file path=ppt/slides/slide2.xml><?xml version="1.0" encoding="utf-8"?>
+<file path=ppt/slides/slide10.xml><?xml version="1.0" encoding="utf-8"?>
 <p:sld xmlns:a="http://schemas.openxmlformats.org/drawingml/2006/main" xmlns:r="http://schemas.openxmlformats.org/officeDocument/2006/relationships" xmlns:p="http://schemas.openxmlformats.org/presentationml/2006/main">
   <p:cSld>
+    <p:bg>
+      <p:bgPr>
+        <a:blipFill dpi="0" rotWithShape="1">
+          <a:blip r:embed="rId3">
+            <a:lum/>
+          </a:blip>
+          <a:srcRect/>
+          <a:stretch>
+            <a:fillRect t="-9000" b="-9000"/>
+          </a:stretch>
+        </a:blipFill>
+        <a:effectLst/>
+      </p:bgPr>
+    </p:bg>
     <p:spTree>
       <p:nvGrpSpPr>
         <p:cNvPr id="1" name=""/>
@@ -4925,10 +4881,189 @@
           <a:chExt cx="0" cy="0"/>
         </a:xfrm>
       </p:grpSpPr>
+      <p:pic>
+        <p:nvPicPr>
+          <p:cNvPr id="19" name="Imagen 18"/>
+          <p:cNvPicPr>
+            <a:picLocks noChangeAspect="1"/>
+          </p:cNvPicPr>
+          <p:nvPr/>
+        </p:nvPicPr>
+        <p:blipFill>
+          <a:blip r:embed="rId4" cstate="print">
+            <a:extLst>
+              <a:ext uri="{28A0092B-C50C-407E-A947-70E740481C1C}">
+                <a14:useLocalDpi xmlns:a14="http://schemas.microsoft.com/office/drawing/2010/main" val="0"/>
+              </a:ext>
+            </a:extLst>
+          </a:blip>
+          <a:stretch>
+            <a:fillRect/>
+          </a:stretch>
+        </p:blipFill>
+        <p:spPr>
+          <a:xfrm>
+            <a:off x="3335878" y="1192093"/>
+            <a:ext cx="1800497" cy="487248"/>
+          </a:xfrm>
+          <a:prstGeom prst="rect">
+            <a:avLst/>
+          </a:prstGeom>
+        </p:spPr>
+      </p:pic>
+      <p:pic>
+        <p:nvPicPr>
+          <p:cNvPr id="20" name="Imagen 19"/>
+          <p:cNvPicPr>
+            <a:picLocks noChangeAspect="1"/>
+          </p:cNvPicPr>
+          <p:nvPr/>
+        </p:nvPicPr>
+        <p:blipFill>
+          <a:blip r:embed="rId5" cstate="print">
+            <a:extLst>
+              <a:ext uri="{28A0092B-C50C-407E-A947-70E740481C1C}">
+                <a14:useLocalDpi xmlns:a14="http://schemas.microsoft.com/office/drawing/2010/main" val="0"/>
+              </a:ext>
+            </a:extLst>
+          </a:blip>
+          <a:stretch>
+            <a:fillRect/>
+          </a:stretch>
+        </p:blipFill>
+        <p:spPr>
+          <a:xfrm>
+            <a:off x="3404554" y="482117"/>
+            <a:ext cx="1562595" cy="461590"/>
+          </a:xfrm>
+          <a:prstGeom prst="rect">
+            <a:avLst/>
+          </a:prstGeom>
+        </p:spPr>
+      </p:pic>
+      <p:pic>
+        <p:nvPicPr>
+          <p:cNvPr id="21" name="Imagen 20"/>
+          <p:cNvPicPr>
+            <a:picLocks noChangeAspect="1"/>
+          </p:cNvPicPr>
+          <p:nvPr/>
+        </p:nvPicPr>
+        <p:blipFill>
+          <a:blip r:embed="rId6" cstate="print">
+            <a:extLst>
+              <a:ext uri="{28A0092B-C50C-407E-A947-70E740481C1C}">
+                <a14:useLocalDpi xmlns:a14="http://schemas.microsoft.com/office/drawing/2010/main" val="0"/>
+              </a:ext>
+            </a:extLst>
+          </a:blip>
+          <a:stretch>
+            <a:fillRect/>
+          </a:stretch>
+        </p:blipFill>
+        <p:spPr>
+          <a:xfrm>
+            <a:off x="5699166" y="502734"/>
+            <a:ext cx="932983" cy="932983"/>
+          </a:xfrm>
+          <a:prstGeom prst="rect">
+            <a:avLst/>
+          </a:prstGeom>
+        </p:spPr>
+      </p:pic>
+      <p:pic>
+        <p:nvPicPr>
+          <p:cNvPr id="22" name="Imagen 21"/>
+          <p:cNvPicPr>
+            <a:picLocks noChangeAspect="1"/>
+          </p:cNvPicPr>
+          <p:nvPr/>
+        </p:nvPicPr>
+        <p:blipFill>
+          <a:blip r:embed="rId7" cstate="print">
+            <a:extLst>
+              <a:ext uri="{28A0092B-C50C-407E-A947-70E740481C1C}">
+                <a14:useLocalDpi xmlns:a14="http://schemas.microsoft.com/office/drawing/2010/main" val="0"/>
+              </a:ext>
+            </a:extLst>
+          </a:blip>
+          <a:stretch>
+            <a:fillRect/>
+          </a:stretch>
+        </p:blipFill>
+        <p:spPr>
+          <a:xfrm>
+            <a:off x="7194940" y="464160"/>
+            <a:ext cx="1056813" cy="959094"/>
+          </a:xfrm>
+          <a:prstGeom prst="rect">
+            <a:avLst/>
+          </a:prstGeom>
+        </p:spPr>
+      </p:pic>
+      <p:pic>
+        <p:nvPicPr>
+          <p:cNvPr id="23" name="Imagen 22"/>
+          <p:cNvPicPr>
+            <a:picLocks noChangeAspect="1"/>
+          </p:cNvPicPr>
+          <p:nvPr/>
+        </p:nvPicPr>
+        <p:blipFill>
+          <a:blip r:embed="rId8" cstate="print">
+            <a:extLst>
+              <a:ext uri="{28A0092B-C50C-407E-A947-70E740481C1C}">
+                <a14:useLocalDpi xmlns:a14="http://schemas.microsoft.com/office/drawing/2010/main" val="0"/>
+              </a:ext>
+            </a:extLst>
+          </a:blip>
+          <a:stretch>
+            <a:fillRect/>
+          </a:stretch>
+        </p:blipFill>
+        <p:spPr>
+          <a:xfrm>
+            <a:off x="8538175" y="593502"/>
+            <a:ext cx="1909828" cy="583558"/>
+          </a:xfrm>
+          <a:prstGeom prst="rect">
+            <a:avLst/>
+          </a:prstGeom>
+        </p:spPr>
+      </p:pic>
+      <p:pic>
+        <p:nvPicPr>
+          <p:cNvPr id="24" name="Imagen 23"/>
+          <p:cNvPicPr>
+            <a:picLocks noChangeAspect="1"/>
+          </p:cNvPicPr>
+          <p:nvPr/>
+        </p:nvPicPr>
+        <p:blipFill rotWithShape="1">
+          <a:blip r:embed="rId9" cstate="print">
+            <a:extLst>
+              <a:ext uri="{28A0092B-C50C-407E-A947-70E740481C1C}">
+                <a14:useLocalDpi xmlns:a14="http://schemas.microsoft.com/office/drawing/2010/main" val="0"/>
+              </a:ext>
+            </a:extLst>
+          </a:blip>
+          <a:srcRect l="24719" t="12468" r="23586"/>
+          <a:stretch/>
+        </p:blipFill>
+        <p:spPr>
+          <a:xfrm>
+            <a:off x="1658458" y="504470"/>
+            <a:ext cx="1195754" cy="987572"/>
+          </a:xfrm>
+          <a:prstGeom prst="rect">
+            <a:avLst/>
+          </a:prstGeom>
+        </p:spPr>
+      </p:pic>
     </p:spTree>
     <p:extLst>
       <p:ext uri="{BB962C8B-B14F-4D97-AF65-F5344CB8AC3E}">
-        <p14:creationId xmlns:p14="http://schemas.microsoft.com/office/powerpoint/2010/main" val="2381417623"/>
+        <p14:creationId xmlns:p14="http://schemas.microsoft.com/office/powerpoint/2010/main" val="1537497307"/>
       </p:ext>
     </p:extLst>
   </p:cSld>
@@ -4945,7 +5080,7 @@
 </p:sld>
 </file>
 
-<file path=ppt/slides/slide3.xml><?xml version="1.0" encoding="utf-8"?>
+<file path=ppt/slides/slide11.xml><?xml version="1.0" encoding="utf-8"?>
 <p:sld xmlns:a="http://schemas.openxmlformats.org/drawingml/2006/main" xmlns:r="http://schemas.openxmlformats.org/officeDocument/2006/relationships" xmlns:p="http://schemas.openxmlformats.org/presentationml/2006/main">
   <p:cSld>
     <p:spTree>
@@ -5262,10 +5397,17 @@
   <p:clrMapOvr>
     <a:masterClrMapping/>
   </p:clrMapOvr>
+  <p:timing>
+    <p:tnLst>
+      <p:par>
+        <p:cTn id="1" dur="indefinite" restart="never" nodeType="tmRoot"/>
+      </p:par>
+    </p:tnLst>
+  </p:timing>
 </p:sld>
 </file>
 
-<file path=ppt/slides/slide4.xml><?xml version="1.0" encoding="utf-8"?>
+<file path=ppt/slides/slide12.xml><?xml version="1.0" encoding="utf-8"?>
 <p:sld xmlns:a="http://schemas.openxmlformats.org/drawingml/2006/main" xmlns:r="http://schemas.openxmlformats.org/officeDocument/2006/relationships" xmlns:p="http://schemas.openxmlformats.org/presentationml/2006/main">
   <p:cSld>
     <p:spTree>
@@ -5494,6 +5636,1961 @@
   <p:clrMapOvr>
     <a:masterClrMapping/>
   </p:clrMapOvr>
+  <p:timing>
+    <p:tnLst>
+      <p:par>
+        <p:cTn id="1" dur="indefinite" restart="never" nodeType="tmRoot"/>
+      </p:par>
+    </p:tnLst>
+  </p:timing>
+</p:sld>
+</file>
+
+<file path=ppt/slides/slide2.xml><?xml version="1.0" encoding="utf-8"?>
+<p:sld xmlns:a="http://schemas.openxmlformats.org/drawingml/2006/main" xmlns:r="http://schemas.openxmlformats.org/officeDocument/2006/relationships" xmlns:p="http://schemas.openxmlformats.org/presentationml/2006/main">
+  <p:cSld>
+    <p:bg>
+      <p:bgPr>
+        <a:blipFill dpi="0" rotWithShape="1">
+          <a:blip r:embed="rId3">
+            <a:lum/>
+          </a:blip>
+          <a:srcRect/>
+          <a:stretch>
+            <a:fillRect t="-16000" b="-16000"/>
+          </a:stretch>
+        </a:blipFill>
+        <a:effectLst/>
+      </p:bgPr>
+    </p:bg>
+    <p:spTree>
+      <p:nvGrpSpPr>
+        <p:cNvPr id="1" name=""/>
+        <p:cNvGrpSpPr/>
+        <p:nvPr/>
+      </p:nvGrpSpPr>
+      <p:grpSpPr>
+        <a:xfrm>
+          <a:off x="0" y="0"/>
+          <a:ext cx="0" cy="0"/>
+          <a:chOff x="0" y="0"/>
+          <a:chExt cx="0" cy="0"/>
+        </a:xfrm>
+      </p:grpSpPr>
+      <p:sp>
+        <p:nvSpPr>
+          <p:cNvPr id="5" name="CuadroTexto 3"/>
+          <p:cNvSpPr txBox="1"/>
+          <p:nvPr/>
+        </p:nvSpPr>
+        <p:spPr>
+          <a:xfrm>
+            <a:off x="0" y="0"/>
+            <a:ext cx="12192000" cy="1569660"/>
+          </a:xfrm>
+          <a:prstGeom prst="rect">
+            <a:avLst/>
+          </a:prstGeom>
+          <a:solidFill>
+            <a:srgbClr val="FFFFFF">
+              <a:alpha val="74902"/>
+            </a:srgbClr>
+          </a:solidFill>
+        </p:spPr>
+        <p:txBody>
+          <a:bodyPr wrap="square" rtlCol="0">
+            <a:spAutoFit/>
+          </a:bodyPr>
+          <a:lstStyle/>
+          <a:p>
+            <a:pPr algn="l"/>
+            <a:r>
+              <a:rPr lang="es-ES" sz="3200" b="1" dirty="0" smtClean="0">
+                <a:solidFill>
+                  <a:schemeClr val="tx1"/>
+                </a:solidFill>
+              </a:rPr>
+              <a:t>LA NUEVA GENERACIÓN DE FRIGORÍFICOS: </a:t>
+            </a:r>
+            <a:r>
+              <a:rPr lang="es-ES" sz="3200" dirty="0" smtClean="0">
+                <a:solidFill>
+                  <a:schemeClr val="tx1"/>
+                </a:solidFill>
+              </a:rPr>
+              <a:t>MICROSOFT Y LIEBHERR</a:t>
+            </a:r>
+            <a:r>
+              <a:rPr lang="es-ES" sz="3200" i="1" dirty="0" smtClean="0">
+                <a:solidFill>
+                  <a:schemeClr val="tx1"/>
+                </a:solidFill>
+              </a:rPr>
+              <a:t> COLABORAN PARA CREAR “SMARTDEVICEBOX”, CON TECNOLOGÍA DE RECONOCIMIENTO DE IMÁGENES</a:t>
+            </a:r>
+            <a:endParaRPr lang="es-ES" sz="3200" dirty="0">
+              <a:solidFill>
+                <a:schemeClr val="tx1"/>
+              </a:solidFill>
+            </a:endParaRPr>
+          </a:p>
+        </p:txBody>
+      </p:sp>
+    </p:spTree>
+    <p:extLst>
+      <p:ext uri="{BB962C8B-B14F-4D97-AF65-F5344CB8AC3E}">
+        <p14:creationId xmlns:p14="http://schemas.microsoft.com/office/powerpoint/2010/main" val="4099125840"/>
+      </p:ext>
+    </p:extLst>
+  </p:cSld>
+  <p:clrMapOvr>
+    <a:masterClrMapping/>
+  </p:clrMapOvr>
+  <p:timing>
+    <p:tnLst>
+      <p:par>
+        <p:cTn id="1" dur="indefinite" restart="never" nodeType="tmRoot"/>
+      </p:par>
+    </p:tnLst>
+  </p:timing>
+</p:sld>
+</file>
+
+<file path=ppt/slides/slide3.xml><?xml version="1.0" encoding="utf-8"?>
+<p:sld xmlns:a="http://schemas.openxmlformats.org/drawingml/2006/main" xmlns:r="http://schemas.openxmlformats.org/officeDocument/2006/relationships" xmlns:p="http://schemas.openxmlformats.org/presentationml/2006/main">
+  <p:cSld>
+    <p:bg>
+      <p:bgPr>
+        <a:blipFill dpi="0" rotWithShape="1">
+          <a:blip r:embed="rId2">
+            <a:lum/>
+          </a:blip>
+          <a:srcRect/>
+          <a:stretch>
+            <a:fillRect t="-4000" b="-4000"/>
+          </a:stretch>
+        </a:blipFill>
+        <a:effectLst/>
+      </p:bgPr>
+    </p:bg>
+    <p:spTree>
+      <p:nvGrpSpPr>
+        <p:cNvPr id="1" name=""/>
+        <p:cNvGrpSpPr/>
+        <p:nvPr/>
+      </p:nvGrpSpPr>
+      <p:grpSpPr>
+        <a:xfrm>
+          <a:off x="0" y="0"/>
+          <a:ext cx="0" cy="0"/>
+          <a:chOff x="0" y="0"/>
+          <a:chExt cx="0" cy="0"/>
+        </a:xfrm>
+      </p:grpSpPr>
+      <p:sp>
+        <p:nvSpPr>
+          <p:cNvPr id="3" name="CuadroTexto 3"/>
+          <p:cNvSpPr txBox="1"/>
+          <p:nvPr/>
+        </p:nvSpPr>
+        <p:spPr>
+          <a:xfrm>
+            <a:off x="0" y="5288340"/>
+            <a:ext cx="12192000" cy="1569660"/>
+          </a:xfrm>
+          <a:prstGeom prst="rect">
+            <a:avLst/>
+          </a:prstGeom>
+          <a:solidFill>
+            <a:srgbClr val="FFFFFF">
+              <a:alpha val="74902"/>
+            </a:srgbClr>
+          </a:solidFill>
+        </p:spPr>
+        <p:txBody>
+          <a:bodyPr wrap="square" rtlCol="0">
+            <a:spAutoFit/>
+          </a:bodyPr>
+          <a:lstStyle/>
+          <a:p>
+            <a:pPr algn="l"/>
+            <a:r>
+              <a:rPr lang="es-ES" sz="3200" b="1" dirty="0" smtClean="0">
+                <a:solidFill>
+                  <a:schemeClr val="tx1"/>
+                </a:solidFill>
+              </a:rPr>
+              <a:t>LA NUEVA GENERACIÓN DE FRIGORÍFICOS: </a:t>
+            </a:r>
+            <a:r>
+              <a:rPr lang="es-ES" sz="3200" dirty="0" smtClean="0">
+                <a:solidFill>
+                  <a:schemeClr val="tx1"/>
+                </a:solidFill>
+              </a:rPr>
+              <a:t>MICROSOFT Y LIEBHERR</a:t>
+            </a:r>
+            <a:r>
+              <a:rPr lang="es-ES" sz="3200" i="1" dirty="0" smtClean="0">
+                <a:solidFill>
+                  <a:schemeClr val="tx1"/>
+                </a:solidFill>
+              </a:rPr>
+              <a:t> COLABORAN PARA CREAR “SMARTDEVICEBOX”, CON TECNOLOGÍA DE RECONOCIMIENTO DE IMÁGENES</a:t>
+            </a:r>
+            <a:endParaRPr lang="es-ES" sz="3200" dirty="0">
+              <a:solidFill>
+                <a:schemeClr val="tx1"/>
+              </a:solidFill>
+            </a:endParaRPr>
+          </a:p>
+        </p:txBody>
+      </p:sp>
+    </p:spTree>
+    <p:extLst>
+      <p:ext uri="{BB962C8B-B14F-4D97-AF65-F5344CB8AC3E}">
+        <p14:creationId xmlns:p14="http://schemas.microsoft.com/office/powerpoint/2010/main" val="1378913859"/>
+      </p:ext>
+    </p:extLst>
+  </p:cSld>
+  <p:clrMapOvr>
+    <a:masterClrMapping/>
+  </p:clrMapOvr>
+  <p:timing>
+    <p:tnLst>
+      <p:par>
+        <p:cTn id="1" dur="indefinite" restart="never" nodeType="tmRoot"/>
+      </p:par>
+    </p:tnLst>
+  </p:timing>
+</p:sld>
+</file>
+
+<file path=ppt/slides/slide4.xml><?xml version="1.0" encoding="utf-8"?>
+<p:sld xmlns:a="http://schemas.openxmlformats.org/drawingml/2006/main" xmlns:r="http://schemas.openxmlformats.org/officeDocument/2006/relationships" xmlns:p="http://schemas.openxmlformats.org/presentationml/2006/main">
+  <p:cSld>
+    <p:bg>
+      <p:bgPr>
+        <a:blipFill dpi="0" rotWithShape="1">
+          <a:blip r:embed="rId2">
+            <a:lum/>
+          </a:blip>
+          <a:srcRect/>
+          <a:stretch>
+            <a:fillRect t="-9000" b="-9000"/>
+          </a:stretch>
+        </a:blipFill>
+        <a:effectLst/>
+      </p:bgPr>
+    </p:bg>
+    <p:spTree>
+      <p:nvGrpSpPr>
+        <p:cNvPr id="1" name=""/>
+        <p:cNvGrpSpPr/>
+        <p:nvPr/>
+      </p:nvGrpSpPr>
+      <p:grpSpPr>
+        <a:xfrm>
+          <a:off x="0" y="0"/>
+          <a:ext cx="0" cy="0"/>
+          <a:chOff x="0" y="0"/>
+          <a:chExt cx="0" cy="0"/>
+        </a:xfrm>
+      </p:grpSpPr>
+      <p:sp>
+        <p:nvSpPr>
+          <p:cNvPr id="3" name="CuadroTexto 3"/>
+          <p:cNvSpPr txBox="1"/>
+          <p:nvPr/>
+        </p:nvSpPr>
+        <p:spPr>
+          <a:xfrm>
+            <a:off x="0" y="5288340"/>
+            <a:ext cx="12192000" cy="1569660"/>
+          </a:xfrm>
+          <a:prstGeom prst="rect">
+            <a:avLst/>
+          </a:prstGeom>
+          <a:solidFill>
+            <a:srgbClr val="FFFFFF">
+              <a:alpha val="74902"/>
+            </a:srgbClr>
+          </a:solidFill>
+        </p:spPr>
+        <p:txBody>
+          <a:bodyPr wrap="square" rtlCol="0">
+            <a:spAutoFit/>
+          </a:bodyPr>
+          <a:lstStyle/>
+          <a:p>
+            <a:pPr algn="l"/>
+            <a:r>
+              <a:rPr lang="es-ES" sz="3200" b="1" dirty="0" smtClean="0">
+                <a:solidFill>
+                  <a:schemeClr val="tx1"/>
+                </a:solidFill>
+              </a:rPr>
+              <a:t>LA NUEVA GENERACIÓN DE FRIGORÍFICOS: </a:t>
+            </a:r>
+            <a:r>
+              <a:rPr lang="es-ES" sz="3200" dirty="0" smtClean="0">
+                <a:solidFill>
+                  <a:schemeClr val="tx1"/>
+                </a:solidFill>
+              </a:rPr>
+              <a:t>MICROSOFT Y LIEBHERR</a:t>
+            </a:r>
+            <a:r>
+              <a:rPr lang="es-ES" sz="3200" i="1" dirty="0" smtClean="0">
+                <a:solidFill>
+                  <a:schemeClr val="tx1"/>
+                </a:solidFill>
+              </a:rPr>
+              <a:t> COLABORAN PARA CREAR “SMARTDEVICEBOX”, CON TECNOLOGÍA DE RECONOCIMIENTO DE IMÁGENES</a:t>
+            </a:r>
+            <a:endParaRPr lang="es-ES" sz="3200" dirty="0">
+              <a:solidFill>
+                <a:schemeClr val="tx1"/>
+              </a:solidFill>
+            </a:endParaRPr>
+          </a:p>
+        </p:txBody>
+      </p:sp>
+    </p:spTree>
+    <p:extLst>
+      <p:ext uri="{BB962C8B-B14F-4D97-AF65-F5344CB8AC3E}">
+        <p14:creationId xmlns:p14="http://schemas.microsoft.com/office/powerpoint/2010/main" val="1921393779"/>
+      </p:ext>
+    </p:extLst>
+  </p:cSld>
+  <p:clrMapOvr>
+    <a:masterClrMapping/>
+  </p:clrMapOvr>
+  <p:timing>
+    <p:tnLst>
+      <p:par>
+        <p:cTn id="1" dur="indefinite" restart="never" nodeType="tmRoot"/>
+      </p:par>
+    </p:tnLst>
+  </p:timing>
+</p:sld>
+</file>
+
+<file path=ppt/slides/slide5.xml><?xml version="1.0" encoding="utf-8"?>
+<p:sld xmlns:a="http://schemas.openxmlformats.org/drawingml/2006/main" xmlns:r="http://schemas.openxmlformats.org/officeDocument/2006/relationships" xmlns:p="http://schemas.openxmlformats.org/presentationml/2006/main">
+  <p:cSld>
+    <p:bg>
+      <p:bgPr>
+        <a:blipFill dpi="0" rotWithShape="1">
+          <a:blip r:embed="rId3">
+            <a:lum/>
+          </a:blip>
+          <a:srcRect/>
+          <a:stretch>
+            <a:fillRect t="-7000" b="-7000"/>
+          </a:stretch>
+        </a:blipFill>
+        <a:effectLst/>
+      </p:bgPr>
+    </p:bg>
+    <p:spTree>
+      <p:nvGrpSpPr>
+        <p:cNvPr id="1" name=""/>
+        <p:cNvGrpSpPr/>
+        <p:nvPr/>
+      </p:nvGrpSpPr>
+      <p:grpSpPr>
+        <a:xfrm>
+          <a:off x="0" y="0"/>
+          <a:ext cx="0" cy="0"/>
+          <a:chOff x="0" y="0"/>
+          <a:chExt cx="0" cy="0"/>
+        </a:xfrm>
+      </p:grpSpPr>
+      <p:sp>
+        <p:nvSpPr>
+          <p:cNvPr id="3" name="1 CuadroTexto"/>
+          <p:cNvSpPr txBox="1"/>
+          <p:nvPr/>
+        </p:nvSpPr>
+        <p:spPr>
+          <a:xfrm>
+            <a:off x="0" y="5534561"/>
+            <a:ext cx="12192000" cy="1323439"/>
+          </a:xfrm>
+          <a:prstGeom prst="rect">
+            <a:avLst/>
+          </a:prstGeom>
+          <a:solidFill>
+            <a:srgbClr val="BFBFBF">
+              <a:alpha val="50196"/>
+            </a:srgbClr>
+          </a:solidFill>
+        </p:spPr>
+        <p:txBody>
+          <a:bodyPr wrap="square" rtlCol="0">
+            <a:spAutoFit/>
+          </a:bodyPr>
+          <a:lstStyle/>
+          <a:p>
+            <a:pPr algn="ctr"/>
+            <a:r>
+              <a:rPr lang="es-ES" sz="8000" dirty="0">
+                <a:solidFill>
+                  <a:schemeClr val="bg1"/>
+                </a:solidFill>
+                <a:latin typeface="BadaBoom BB" panose="020B0603050302020204" pitchFamily="34" charset="0"/>
+              </a:rPr>
+              <a:t>CHATBOTS</a:t>
+            </a:r>
+            <a:endParaRPr lang="en-US" sz="8000" dirty="0">
+              <a:solidFill>
+                <a:schemeClr val="bg1"/>
+              </a:solidFill>
+              <a:latin typeface="BadaBoom BB" panose="020B0603050302020204" pitchFamily="34" charset="0"/>
+            </a:endParaRPr>
+          </a:p>
+        </p:txBody>
+      </p:sp>
+    </p:spTree>
+    <p:extLst>
+      <p:ext uri="{BB962C8B-B14F-4D97-AF65-F5344CB8AC3E}">
+        <p14:creationId xmlns:p14="http://schemas.microsoft.com/office/powerpoint/2010/main" val="235771904"/>
+      </p:ext>
+    </p:extLst>
+  </p:cSld>
+  <p:clrMapOvr>
+    <a:masterClrMapping/>
+  </p:clrMapOvr>
+  <p:timing>
+    <p:tnLst>
+      <p:par>
+        <p:cTn id="1" dur="indefinite" restart="never" nodeType="tmRoot"/>
+      </p:par>
+    </p:tnLst>
+  </p:timing>
+</p:sld>
+</file>
+
+<file path=ppt/slides/slide6.xml><?xml version="1.0" encoding="utf-8"?>
+<p:sld xmlns:a="http://schemas.openxmlformats.org/drawingml/2006/main" xmlns:r="http://schemas.openxmlformats.org/officeDocument/2006/relationships" xmlns:p="http://schemas.openxmlformats.org/presentationml/2006/main">
+  <p:cSld>
+    <p:bg>
+      <p:bgPr>
+        <a:blipFill dpi="0" rotWithShape="1">
+          <a:blip r:embed="rId2">
+            <a:lum/>
+          </a:blip>
+          <a:srcRect/>
+          <a:stretch>
+            <a:fillRect t="-9000" b="-9000"/>
+          </a:stretch>
+        </a:blipFill>
+        <a:effectLst/>
+      </p:bgPr>
+    </p:bg>
+    <p:spTree>
+      <p:nvGrpSpPr>
+        <p:cNvPr id="1" name=""/>
+        <p:cNvGrpSpPr/>
+        <p:nvPr/>
+      </p:nvGrpSpPr>
+      <p:grpSpPr>
+        <a:xfrm>
+          <a:off x="0" y="0"/>
+          <a:ext cx="0" cy="0"/>
+          <a:chOff x="0" y="0"/>
+          <a:chExt cx="0" cy="0"/>
+        </a:xfrm>
+      </p:grpSpPr>
+      <p:sp>
+        <p:nvSpPr>
+          <p:cNvPr id="2" name="1 CuadroTexto"/>
+          <p:cNvSpPr txBox="1"/>
+          <p:nvPr/>
+        </p:nvSpPr>
+        <p:spPr>
+          <a:xfrm>
+            <a:off x="0" y="5534561"/>
+            <a:ext cx="12192000" cy="1323439"/>
+          </a:xfrm>
+          <a:prstGeom prst="rect">
+            <a:avLst/>
+          </a:prstGeom>
+          <a:solidFill>
+            <a:srgbClr val="BFBFBF">
+              <a:alpha val="50196"/>
+            </a:srgbClr>
+          </a:solidFill>
+        </p:spPr>
+        <p:txBody>
+          <a:bodyPr wrap="square" rtlCol="0">
+            <a:spAutoFit/>
+          </a:bodyPr>
+          <a:lstStyle/>
+          <a:p>
+            <a:pPr algn="ctr"/>
+            <a:r>
+              <a:rPr lang="es-ES" sz="8000" dirty="0">
+                <a:solidFill>
+                  <a:schemeClr val="bg1"/>
+                </a:solidFill>
+                <a:latin typeface="BadaBoom BB" panose="020B0603050302020204" pitchFamily="34" charset="0"/>
+              </a:rPr>
+              <a:t>CHATBOTS</a:t>
+            </a:r>
+            <a:endParaRPr lang="en-US" sz="8000" dirty="0">
+              <a:solidFill>
+                <a:schemeClr val="bg1"/>
+              </a:solidFill>
+              <a:latin typeface="BadaBoom BB" panose="020B0603050302020204" pitchFamily="34" charset="0"/>
+            </a:endParaRPr>
+          </a:p>
+        </p:txBody>
+      </p:sp>
+    </p:spTree>
+    <p:extLst>
+      <p:ext uri="{BB962C8B-B14F-4D97-AF65-F5344CB8AC3E}">
+        <p14:creationId xmlns:p14="http://schemas.microsoft.com/office/powerpoint/2010/main" val="1151412656"/>
+      </p:ext>
+    </p:extLst>
+  </p:cSld>
+  <p:clrMapOvr>
+    <a:masterClrMapping/>
+  </p:clrMapOvr>
+  <p:timing>
+    <p:tnLst>
+      <p:par>
+        <p:cTn id="1" dur="indefinite" restart="never" nodeType="tmRoot"/>
+      </p:par>
+    </p:tnLst>
+  </p:timing>
+</p:sld>
+</file>
+
+<file path=ppt/slides/slide7.xml><?xml version="1.0" encoding="utf-8"?>
+<p:sld xmlns:a="http://schemas.openxmlformats.org/drawingml/2006/main" xmlns:r="http://schemas.openxmlformats.org/officeDocument/2006/relationships" xmlns:p="http://schemas.openxmlformats.org/presentationml/2006/main">
+  <p:cSld>
+    <p:bg>
+      <p:bgPr>
+        <a:blipFill dpi="0" rotWithShape="1">
+          <a:blip r:embed="rId2">
+            <a:lum/>
+          </a:blip>
+          <a:srcRect/>
+          <a:stretch>
+            <a:fillRect l="-20000" r="-20000"/>
+          </a:stretch>
+        </a:blipFill>
+        <a:effectLst/>
+      </p:bgPr>
+    </p:bg>
+    <p:spTree>
+      <p:nvGrpSpPr>
+        <p:cNvPr id="1" name=""/>
+        <p:cNvGrpSpPr/>
+        <p:nvPr/>
+      </p:nvGrpSpPr>
+      <p:grpSpPr>
+        <a:xfrm>
+          <a:off x="0" y="0"/>
+          <a:ext cx="0" cy="0"/>
+          <a:chOff x="0" y="0"/>
+          <a:chExt cx="0" cy="0"/>
+        </a:xfrm>
+      </p:grpSpPr>
+    </p:spTree>
+    <p:extLst>
+      <p:ext uri="{BB962C8B-B14F-4D97-AF65-F5344CB8AC3E}">
+        <p14:creationId xmlns:p14="http://schemas.microsoft.com/office/powerpoint/2010/main" val="2059912485"/>
+      </p:ext>
+    </p:extLst>
+  </p:cSld>
+  <p:clrMapOvr>
+    <a:masterClrMapping/>
+  </p:clrMapOvr>
+  <p:timing>
+    <p:tnLst>
+      <p:par>
+        <p:cTn id="1" dur="indefinite" restart="never" nodeType="tmRoot"/>
+      </p:par>
+    </p:tnLst>
+  </p:timing>
+</p:sld>
+</file>
+
+<file path=ppt/slides/slide8.xml><?xml version="1.0" encoding="utf-8"?>
+<p:sld xmlns:a="http://schemas.openxmlformats.org/drawingml/2006/main" xmlns:r="http://schemas.openxmlformats.org/officeDocument/2006/relationships" xmlns:p="http://schemas.openxmlformats.org/presentationml/2006/main">
+  <p:cSld>
+    <p:bg>
+      <p:bgPr>
+        <a:blipFill dpi="0" rotWithShape="1">
+          <a:blip r:embed="rId2">
+            <a:lum/>
+          </a:blip>
+          <a:srcRect/>
+          <a:stretch>
+            <a:fillRect t="-17000" b="-17000"/>
+          </a:stretch>
+        </a:blipFill>
+        <a:effectLst/>
+      </p:bgPr>
+    </p:bg>
+    <p:spTree>
+      <p:nvGrpSpPr>
+        <p:cNvPr id="1" name=""/>
+        <p:cNvGrpSpPr/>
+        <p:nvPr/>
+      </p:nvGrpSpPr>
+      <p:grpSpPr>
+        <a:xfrm>
+          <a:off x="0" y="0"/>
+          <a:ext cx="0" cy="0"/>
+          <a:chOff x="0" y="0"/>
+          <a:chExt cx="0" cy="0"/>
+        </a:xfrm>
+      </p:grpSpPr>
+      <p:sp>
+        <p:nvSpPr>
+          <p:cNvPr id="3" name="CuadroTexto 2"/>
+          <p:cNvSpPr txBox="1"/>
+          <p:nvPr/>
+        </p:nvSpPr>
+        <p:spPr>
+          <a:xfrm>
+            <a:off x="4611757" y="5188227"/>
+            <a:ext cx="3413114" cy="769441"/>
+          </a:xfrm>
+          <a:prstGeom prst="rect">
+            <a:avLst/>
+          </a:prstGeom>
+          <a:noFill/>
+        </p:spPr>
+        <p:txBody>
+          <a:bodyPr wrap="none" rtlCol="0">
+            <a:spAutoFit/>
+          </a:bodyPr>
+          <a:lstStyle/>
+          <a:p>
+            <a:r>
+              <a:rPr lang="es-ES" sz="4400" b="1" dirty="0" err="1" smtClean="0">
+                <a:solidFill>
+                  <a:schemeClr val="accent2">
+                    <a:lumMod val="50000"/>
+                  </a:schemeClr>
+                </a:solidFill>
+                <a:latin typeface="Aharoni" panose="02010803020104030203" pitchFamily="2" charset="-79"/>
+                <a:cs typeface="Aharoni" panose="02010803020104030203" pitchFamily="2" charset="-79"/>
+              </a:rPr>
+              <a:t>yumyumBot</a:t>
+            </a:r>
+            <a:endParaRPr lang="es-ES" sz="4400" b="1" dirty="0">
+              <a:solidFill>
+                <a:schemeClr val="accent2">
+                  <a:lumMod val="50000"/>
+                </a:schemeClr>
+              </a:solidFill>
+              <a:latin typeface="Aharoni" panose="02010803020104030203" pitchFamily="2" charset="-79"/>
+              <a:cs typeface="Aharoni" panose="02010803020104030203" pitchFamily="2" charset="-79"/>
+            </a:endParaRPr>
+          </a:p>
+        </p:txBody>
+      </p:sp>
+    </p:spTree>
+    <p:extLst>
+      <p:ext uri="{BB962C8B-B14F-4D97-AF65-F5344CB8AC3E}">
+        <p14:creationId xmlns:p14="http://schemas.microsoft.com/office/powerpoint/2010/main" val="1802248822"/>
+      </p:ext>
+    </p:extLst>
+  </p:cSld>
+  <p:clrMapOvr>
+    <a:masterClrMapping/>
+  </p:clrMapOvr>
+  <p:timing>
+    <p:tnLst>
+      <p:par>
+        <p:cTn id="1" dur="indefinite" restart="never" nodeType="tmRoot"/>
+      </p:par>
+    </p:tnLst>
+  </p:timing>
+</p:sld>
+</file>
+
+<file path=ppt/slides/slide9.xml><?xml version="1.0" encoding="utf-8"?>
+<p:sld xmlns:a="http://schemas.openxmlformats.org/drawingml/2006/main" xmlns:r="http://schemas.openxmlformats.org/officeDocument/2006/relationships" xmlns:p="http://schemas.openxmlformats.org/presentationml/2006/main">
+  <p:cSld>
+    <p:spTree>
+      <p:nvGrpSpPr>
+        <p:cNvPr id="1" name=""/>
+        <p:cNvGrpSpPr/>
+        <p:nvPr/>
+      </p:nvGrpSpPr>
+      <p:grpSpPr>
+        <a:xfrm>
+          <a:off x="0" y="0"/>
+          <a:ext cx="0" cy="0"/>
+          <a:chOff x="0" y="0"/>
+          <a:chExt cx="0" cy="0"/>
+        </a:xfrm>
+      </p:grpSpPr>
+      <p:grpSp>
+        <p:nvGrpSpPr>
+          <p:cNvPr id="2" name="Grupo 1"/>
+          <p:cNvGrpSpPr/>
+          <p:nvPr/>
+        </p:nvGrpSpPr>
+        <p:grpSpPr>
+          <a:xfrm>
+            <a:off x="1443989" y="1929824"/>
+            <a:ext cx="9123783" cy="2910709"/>
+            <a:chOff x="673658" y="3713847"/>
+            <a:chExt cx="9123783" cy="2910709"/>
+          </a:xfrm>
+        </p:grpSpPr>
+        <p:pic>
+          <p:nvPicPr>
+            <p:cNvPr id="3" name="Imagen 2"/>
+            <p:cNvPicPr>
+              <a:picLocks noChangeAspect="1"/>
+            </p:cNvPicPr>
+            <p:nvPr/>
+          </p:nvPicPr>
+          <p:blipFill rotWithShape="1">
+            <a:blip r:embed="rId2" cstate="print">
+              <a:extLst>
+                <a:ext uri="{28A0092B-C50C-407E-A947-70E740481C1C}">
+                  <a14:useLocalDpi xmlns:a14="http://schemas.microsoft.com/office/drawing/2010/main" val="0"/>
+                </a:ext>
+              </a:extLst>
+            </a:blip>
+            <a:srcRect l="25289" t="3420" r="27331" b="30744"/>
+            <a:stretch/>
+          </p:blipFill>
+          <p:spPr>
+            <a:xfrm>
+              <a:off x="673658" y="4967554"/>
+              <a:ext cx="334899" cy="348568"/>
+            </a:xfrm>
+            <a:prstGeom prst="rect">
+              <a:avLst/>
+            </a:prstGeom>
+          </p:spPr>
+        </p:pic>
+        <p:grpSp>
+          <p:nvGrpSpPr>
+            <p:cNvPr id="4" name="Grupo 3"/>
+            <p:cNvGrpSpPr/>
+            <p:nvPr/>
+          </p:nvGrpSpPr>
+          <p:grpSpPr>
+            <a:xfrm>
+              <a:off x="703632" y="3713847"/>
+              <a:ext cx="9093809" cy="2910709"/>
+              <a:chOff x="742169" y="3690502"/>
+              <a:chExt cx="9093809" cy="2910709"/>
+            </a:xfrm>
+          </p:grpSpPr>
+          <p:cxnSp>
+            <p:nvCxnSpPr>
+              <p:cNvPr id="6" name="Conector recto de flecha 5"/>
+              <p:cNvCxnSpPr/>
+              <p:nvPr/>
+            </p:nvCxnSpPr>
+            <p:spPr>
+              <a:xfrm>
+                <a:off x="799070" y="6120714"/>
+                <a:ext cx="9036908" cy="0"/>
+              </a:xfrm>
+              <a:prstGeom prst="straightConnector1">
+                <a:avLst/>
+              </a:prstGeom>
+              <a:ln w="38100">
+                <a:tailEnd type="triangle"/>
+              </a:ln>
+            </p:spPr>
+            <p:style>
+              <a:lnRef idx="1">
+                <a:schemeClr val="accent1"/>
+              </a:lnRef>
+              <a:fillRef idx="0">
+                <a:schemeClr val="accent1"/>
+              </a:fillRef>
+              <a:effectRef idx="0">
+                <a:schemeClr val="accent1"/>
+              </a:effectRef>
+              <a:fontRef idx="minor">
+                <a:schemeClr val="tx1"/>
+              </a:fontRef>
+            </p:style>
+          </p:cxnSp>
+          <p:sp>
+            <p:nvSpPr>
+              <p:cNvPr id="7" name="CuadroTexto 6"/>
+              <p:cNvSpPr txBox="1"/>
+              <p:nvPr/>
+            </p:nvSpPr>
+            <p:spPr>
+              <a:xfrm>
+                <a:off x="778027" y="6213500"/>
+                <a:ext cx="683742" cy="369332"/>
+              </a:xfrm>
+              <a:prstGeom prst="rect">
+                <a:avLst/>
+              </a:prstGeom>
+              <a:noFill/>
+            </p:spPr>
+            <p:txBody>
+              <a:bodyPr wrap="square" rtlCol="0">
+                <a:spAutoFit/>
+              </a:bodyPr>
+              <a:lstStyle/>
+              <a:p>
+                <a:pPr algn="ctr"/>
+                <a:r>
+                  <a:rPr lang="es-ES" b="1" dirty="0" smtClean="0">
+                    <a:solidFill>
+                      <a:schemeClr val="accent1"/>
+                    </a:solidFill>
+                  </a:rPr>
+                  <a:t>2010</a:t>
+                </a:r>
+                <a:endParaRPr lang="es-ES" b="1" dirty="0">
+                  <a:solidFill>
+                    <a:schemeClr val="accent1"/>
+                  </a:solidFill>
+                </a:endParaRPr>
+              </a:p>
+            </p:txBody>
+          </p:sp>
+          <p:sp>
+            <p:nvSpPr>
+              <p:cNvPr id="8" name="CuadroTexto 7"/>
+              <p:cNvSpPr txBox="1"/>
+              <p:nvPr/>
+            </p:nvSpPr>
+            <p:spPr>
+              <a:xfrm>
+                <a:off x="1885209" y="6228348"/>
+                <a:ext cx="683742" cy="369332"/>
+              </a:xfrm>
+              <a:prstGeom prst="rect">
+                <a:avLst/>
+              </a:prstGeom>
+              <a:noFill/>
+            </p:spPr>
+            <p:txBody>
+              <a:bodyPr wrap="square" rtlCol="0">
+                <a:spAutoFit/>
+              </a:bodyPr>
+              <a:lstStyle/>
+              <a:p>
+                <a:pPr algn="ctr"/>
+                <a:r>
+                  <a:rPr lang="es-ES" b="1" dirty="0" smtClean="0">
+                    <a:solidFill>
+                      <a:schemeClr val="accent1"/>
+                    </a:solidFill>
+                  </a:rPr>
+                  <a:t>2011</a:t>
+                </a:r>
+                <a:endParaRPr lang="es-ES" b="1" dirty="0">
+                  <a:solidFill>
+                    <a:schemeClr val="accent1"/>
+                  </a:solidFill>
+                </a:endParaRPr>
+              </a:p>
+            </p:txBody>
+          </p:sp>
+          <p:sp>
+            <p:nvSpPr>
+              <p:cNvPr id="9" name="CuadroTexto 8"/>
+              <p:cNvSpPr txBox="1"/>
+              <p:nvPr/>
+            </p:nvSpPr>
+            <p:spPr>
+              <a:xfrm>
+                <a:off x="2899965" y="6231879"/>
+                <a:ext cx="683742" cy="369332"/>
+              </a:xfrm>
+              <a:prstGeom prst="rect">
+                <a:avLst/>
+              </a:prstGeom>
+              <a:noFill/>
+            </p:spPr>
+            <p:txBody>
+              <a:bodyPr wrap="square" rtlCol="0">
+                <a:spAutoFit/>
+              </a:bodyPr>
+              <a:lstStyle/>
+              <a:p>
+                <a:pPr algn="ctr"/>
+                <a:r>
+                  <a:rPr lang="es-ES" b="1" dirty="0" smtClean="0">
+                    <a:solidFill>
+                      <a:schemeClr val="accent1"/>
+                    </a:solidFill>
+                  </a:rPr>
+                  <a:t>2012</a:t>
+                </a:r>
+                <a:endParaRPr lang="es-ES" b="1" dirty="0">
+                  <a:solidFill>
+                    <a:schemeClr val="accent1"/>
+                  </a:solidFill>
+                </a:endParaRPr>
+              </a:p>
+            </p:txBody>
+          </p:sp>
+          <p:sp>
+            <p:nvSpPr>
+              <p:cNvPr id="10" name="CuadroTexto 9"/>
+              <p:cNvSpPr txBox="1"/>
+              <p:nvPr/>
+            </p:nvSpPr>
+            <p:spPr>
+              <a:xfrm>
+                <a:off x="3994741" y="6228348"/>
+                <a:ext cx="683742" cy="369332"/>
+              </a:xfrm>
+              <a:prstGeom prst="rect">
+                <a:avLst/>
+              </a:prstGeom>
+              <a:noFill/>
+            </p:spPr>
+            <p:txBody>
+              <a:bodyPr wrap="square" rtlCol="0">
+                <a:spAutoFit/>
+              </a:bodyPr>
+              <a:lstStyle/>
+              <a:p>
+                <a:pPr algn="ctr"/>
+                <a:r>
+                  <a:rPr lang="es-ES" b="1" dirty="0" smtClean="0">
+                    <a:solidFill>
+                      <a:schemeClr val="accent1"/>
+                    </a:solidFill>
+                  </a:rPr>
+                  <a:t>2013</a:t>
+                </a:r>
+                <a:endParaRPr lang="es-ES" b="1" dirty="0">
+                  <a:solidFill>
+                    <a:schemeClr val="accent1"/>
+                  </a:solidFill>
+                </a:endParaRPr>
+              </a:p>
+            </p:txBody>
+          </p:sp>
+          <p:sp>
+            <p:nvSpPr>
+              <p:cNvPr id="11" name="CuadroTexto 10"/>
+              <p:cNvSpPr txBox="1"/>
+              <p:nvPr/>
+            </p:nvSpPr>
+            <p:spPr>
+              <a:xfrm>
+                <a:off x="5173361" y="6228348"/>
+                <a:ext cx="683742" cy="369332"/>
+              </a:xfrm>
+              <a:prstGeom prst="rect">
+                <a:avLst/>
+              </a:prstGeom>
+              <a:noFill/>
+            </p:spPr>
+            <p:txBody>
+              <a:bodyPr wrap="square" rtlCol="0">
+                <a:spAutoFit/>
+              </a:bodyPr>
+              <a:lstStyle/>
+              <a:p>
+                <a:pPr algn="ctr"/>
+                <a:r>
+                  <a:rPr lang="es-ES" b="1" dirty="0" smtClean="0">
+                    <a:solidFill>
+                      <a:schemeClr val="accent1"/>
+                    </a:solidFill>
+                  </a:rPr>
+                  <a:t>2014</a:t>
+                </a:r>
+                <a:endParaRPr lang="es-ES" b="1" dirty="0">
+                  <a:solidFill>
+                    <a:schemeClr val="accent1"/>
+                  </a:solidFill>
+                </a:endParaRPr>
+              </a:p>
+            </p:txBody>
+          </p:sp>
+          <p:sp>
+            <p:nvSpPr>
+              <p:cNvPr id="12" name="CuadroTexto 11"/>
+              <p:cNvSpPr txBox="1"/>
+              <p:nvPr/>
+            </p:nvSpPr>
+            <p:spPr>
+              <a:xfrm>
+                <a:off x="6280543" y="6228348"/>
+                <a:ext cx="683742" cy="369332"/>
+              </a:xfrm>
+              <a:prstGeom prst="rect">
+                <a:avLst/>
+              </a:prstGeom>
+              <a:noFill/>
+            </p:spPr>
+            <p:txBody>
+              <a:bodyPr wrap="square" rtlCol="0">
+                <a:spAutoFit/>
+              </a:bodyPr>
+              <a:lstStyle/>
+              <a:p>
+                <a:pPr algn="ctr"/>
+                <a:r>
+                  <a:rPr lang="es-ES" b="1" dirty="0" smtClean="0">
+                    <a:solidFill>
+                      <a:schemeClr val="accent1"/>
+                    </a:solidFill>
+                  </a:rPr>
+                  <a:t>2015</a:t>
+                </a:r>
+                <a:endParaRPr lang="es-ES" b="1" dirty="0">
+                  <a:solidFill>
+                    <a:schemeClr val="accent1"/>
+                  </a:solidFill>
+                </a:endParaRPr>
+              </a:p>
+            </p:txBody>
+          </p:sp>
+          <p:sp>
+            <p:nvSpPr>
+              <p:cNvPr id="13" name="CuadroTexto 12"/>
+              <p:cNvSpPr txBox="1"/>
+              <p:nvPr/>
+            </p:nvSpPr>
+            <p:spPr>
+              <a:xfrm>
+                <a:off x="7415709" y="6228348"/>
+                <a:ext cx="683742" cy="369332"/>
+              </a:xfrm>
+              <a:prstGeom prst="rect">
+                <a:avLst/>
+              </a:prstGeom>
+              <a:noFill/>
+            </p:spPr>
+            <p:txBody>
+              <a:bodyPr wrap="square" rtlCol="0">
+                <a:spAutoFit/>
+              </a:bodyPr>
+              <a:lstStyle/>
+              <a:p>
+                <a:pPr algn="ctr"/>
+                <a:r>
+                  <a:rPr lang="es-ES" b="1" dirty="0" smtClean="0">
+                    <a:solidFill>
+                      <a:schemeClr val="accent1"/>
+                    </a:solidFill>
+                  </a:rPr>
+                  <a:t>2016</a:t>
+                </a:r>
+                <a:endParaRPr lang="es-ES" b="1" dirty="0">
+                  <a:solidFill>
+                    <a:schemeClr val="accent1"/>
+                  </a:solidFill>
+                </a:endParaRPr>
+              </a:p>
+            </p:txBody>
+          </p:sp>
+          <p:sp>
+            <p:nvSpPr>
+              <p:cNvPr id="14" name="CuadroTexto 13"/>
+              <p:cNvSpPr txBox="1"/>
+              <p:nvPr/>
+            </p:nvSpPr>
+            <p:spPr>
+              <a:xfrm>
+                <a:off x="8468498" y="6213500"/>
+                <a:ext cx="683742" cy="369332"/>
+              </a:xfrm>
+              <a:prstGeom prst="rect">
+                <a:avLst/>
+              </a:prstGeom>
+              <a:noFill/>
+            </p:spPr>
+            <p:txBody>
+              <a:bodyPr wrap="square" rtlCol="0">
+                <a:spAutoFit/>
+              </a:bodyPr>
+              <a:lstStyle/>
+              <a:p>
+                <a:pPr algn="ctr"/>
+                <a:r>
+                  <a:rPr lang="es-ES" b="1" dirty="0" smtClean="0">
+                    <a:solidFill>
+                      <a:schemeClr val="accent1"/>
+                    </a:solidFill>
+                  </a:rPr>
+                  <a:t>2017</a:t>
+                </a:r>
+                <a:endParaRPr lang="es-ES" b="1" dirty="0">
+                  <a:solidFill>
+                    <a:schemeClr val="accent1"/>
+                  </a:solidFill>
+                </a:endParaRPr>
+              </a:p>
+            </p:txBody>
+          </p:sp>
+          <p:pic>
+            <p:nvPicPr>
+              <p:cNvPr id="15" name="Imagen 14"/>
+              <p:cNvPicPr>
+                <a:picLocks noChangeAspect="1"/>
+              </p:cNvPicPr>
+              <p:nvPr/>
+            </p:nvPicPr>
+            <p:blipFill rotWithShape="1">
+              <a:blip r:embed="rId3" cstate="print">
+                <a:extLst>
+                  <a:ext uri="{28A0092B-C50C-407E-A947-70E740481C1C}">
+                    <a14:useLocalDpi xmlns:a14="http://schemas.microsoft.com/office/drawing/2010/main" val="0"/>
+                  </a:ext>
+                </a:extLst>
+              </a:blip>
+              <a:srcRect l="24791" t="15481" r="26968" b="13890"/>
+              <a:stretch/>
+            </p:blipFill>
+            <p:spPr>
+              <a:xfrm>
+                <a:off x="7288480" y="4879584"/>
+                <a:ext cx="362465" cy="367499"/>
+              </a:xfrm>
+              <a:prstGeom prst="rect">
+                <a:avLst/>
+              </a:prstGeom>
+            </p:spPr>
+          </p:pic>
+          <p:pic>
+            <p:nvPicPr>
+              <p:cNvPr id="16" name="Imagen 15"/>
+              <p:cNvPicPr>
+                <a:picLocks noChangeAspect="1"/>
+              </p:cNvPicPr>
+              <p:nvPr/>
+            </p:nvPicPr>
+            <p:blipFill rotWithShape="1">
+              <a:blip r:embed="rId4" cstate="print">
+                <a:extLst>
+                  <a:ext uri="{28A0092B-C50C-407E-A947-70E740481C1C}">
+                    <a14:useLocalDpi xmlns:a14="http://schemas.microsoft.com/office/drawing/2010/main" val="0"/>
+                  </a:ext>
+                </a:extLst>
+              </a:blip>
+              <a:srcRect l="36580" t="10190" r="43358" b="76801"/>
+              <a:stretch/>
+            </p:blipFill>
+            <p:spPr>
+              <a:xfrm>
+                <a:off x="7690205" y="4967944"/>
+                <a:ext cx="485504" cy="177143"/>
+              </a:xfrm>
+              <a:prstGeom prst="rect">
+                <a:avLst/>
+              </a:prstGeom>
+            </p:spPr>
+          </p:pic>
+          <p:pic>
+            <p:nvPicPr>
+              <p:cNvPr id="17" name="Imagen 16"/>
+              <p:cNvPicPr>
+                <a:picLocks noChangeAspect="1"/>
+              </p:cNvPicPr>
+              <p:nvPr/>
+            </p:nvPicPr>
+            <p:blipFill rotWithShape="1">
+              <a:blip r:embed="rId5" cstate="print">
+                <a:extLst>
+                  <a:ext uri="{28A0092B-C50C-407E-A947-70E740481C1C}">
+                    <a14:useLocalDpi xmlns:a14="http://schemas.microsoft.com/office/drawing/2010/main" val="0"/>
+                  </a:ext>
+                </a:extLst>
+              </a:blip>
+              <a:srcRect l="24791" t="15481" r="26968" b="13890"/>
+              <a:stretch/>
+            </p:blipFill>
+            <p:spPr>
+              <a:xfrm>
+                <a:off x="1940065" y="5653024"/>
+                <a:ext cx="339546" cy="344262"/>
+              </a:xfrm>
+              <a:prstGeom prst="rect">
+                <a:avLst/>
+              </a:prstGeom>
+            </p:spPr>
+          </p:pic>
+          <p:pic>
+            <p:nvPicPr>
+              <p:cNvPr id="18" name="Imagen 17"/>
+              <p:cNvPicPr>
+                <a:picLocks noChangeAspect="1"/>
+              </p:cNvPicPr>
+              <p:nvPr/>
+            </p:nvPicPr>
+            <p:blipFill rotWithShape="1">
+              <a:blip r:embed="rId6">
+                <a:extLst>
+                  <a:ext uri="{28A0092B-C50C-407E-A947-70E740481C1C}">
+                    <a14:useLocalDpi xmlns:a14="http://schemas.microsoft.com/office/drawing/2010/main" val="0"/>
+                  </a:ext>
+                </a:extLst>
+              </a:blip>
+              <a:srcRect l="36580" t="10189" r="52443" b="75233"/>
+              <a:stretch/>
+            </p:blipFill>
+            <p:spPr>
+              <a:xfrm>
+                <a:off x="2280912" y="5745333"/>
+                <a:ext cx="327055" cy="244377"/>
+              </a:xfrm>
+              <a:prstGeom prst="rect">
+                <a:avLst/>
+              </a:prstGeom>
+            </p:spPr>
+          </p:pic>
+          <p:pic>
+            <p:nvPicPr>
+              <p:cNvPr id="19" name="Imagen 18"/>
+              <p:cNvPicPr>
+                <a:picLocks noChangeAspect="1"/>
+              </p:cNvPicPr>
+              <p:nvPr/>
+            </p:nvPicPr>
+            <p:blipFill rotWithShape="1">
+              <a:blip r:embed="rId7" cstate="print">
+                <a:extLst>
+                  <a:ext uri="{28A0092B-C50C-407E-A947-70E740481C1C}">
+                    <a14:useLocalDpi xmlns:a14="http://schemas.microsoft.com/office/drawing/2010/main" val="0"/>
+                  </a:ext>
+                </a:extLst>
+              </a:blip>
+              <a:srcRect l="929" t="23090" r="66564" b="23265"/>
+              <a:stretch/>
+            </p:blipFill>
+            <p:spPr>
+              <a:xfrm>
+                <a:off x="3921274" y="5590561"/>
+                <a:ext cx="370552" cy="402313"/>
+              </a:xfrm>
+              <a:prstGeom prst="rect">
+                <a:avLst/>
+              </a:prstGeom>
+            </p:spPr>
+          </p:pic>
+          <p:pic>
+            <p:nvPicPr>
+              <p:cNvPr id="20" name="Imagen 19"/>
+              <p:cNvPicPr>
+                <a:picLocks noChangeAspect="1"/>
+              </p:cNvPicPr>
+              <p:nvPr/>
+            </p:nvPicPr>
+            <p:blipFill rotWithShape="1">
+              <a:blip r:embed="rId8" cstate="print">
+                <a:extLst>
+                  <a:ext uri="{28A0092B-C50C-407E-A947-70E740481C1C}">
+                    <a14:useLocalDpi xmlns:a14="http://schemas.microsoft.com/office/drawing/2010/main" val="0"/>
+                  </a:ext>
+                </a:extLst>
+              </a:blip>
+              <a:srcRect l="33160" t="27178" b="20588"/>
+              <a:stretch/>
+            </p:blipFill>
+            <p:spPr>
+              <a:xfrm>
+                <a:off x="4277253" y="5681147"/>
+                <a:ext cx="570007" cy="293060"/>
+              </a:xfrm>
+              <a:prstGeom prst="rect">
+                <a:avLst/>
+              </a:prstGeom>
+            </p:spPr>
+          </p:pic>
+          <p:pic>
+            <p:nvPicPr>
+              <p:cNvPr id="21" name="Imagen 20"/>
+              <p:cNvPicPr>
+                <a:picLocks noChangeAspect="1"/>
+              </p:cNvPicPr>
+              <p:nvPr/>
+            </p:nvPicPr>
+            <p:blipFill rotWithShape="1">
+              <a:blip r:embed="rId9" cstate="print">
+                <a:extLst>
+                  <a:ext uri="{28A0092B-C50C-407E-A947-70E740481C1C}">
+                    <a14:useLocalDpi xmlns:a14="http://schemas.microsoft.com/office/drawing/2010/main" val="0"/>
+                  </a:ext>
+                </a:extLst>
+              </a:blip>
+              <a:srcRect l="929" t="23090" r="66564" b="23265"/>
+              <a:stretch/>
+            </p:blipFill>
+            <p:spPr>
+              <a:xfrm>
+                <a:off x="6112762" y="5589617"/>
+                <a:ext cx="323323" cy="351036"/>
+              </a:xfrm>
+              <a:prstGeom prst="rect">
+                <a:avLst/>
+              </a:prstGeom>
+            </p:spPr>
+          </p:pic>
+          <p:pic>
+            <p:nvPicPr>
+              <p:cNvPr id="22" name="Imagen 21"/>
+              <p:cNvPicPr>
+                <a:picLocks noChangeAspect="1"/>
+              </p:cNvPicPr>
+              <p:nvPr/>
+            </p:nvPicPr>
+            <p:blipFill rotWithShape="1">
+              <a:blip r:embed="rId10" cstate="print">
+                <a:extLst>
+                  <a:ext uri="{28A0092B-C50C-407E-A947-70E740481C1C}">
+                    <a14:useLocalDpi xmlns:a14="http://schemas.microsoft.com/office/drawing/2010/main" val="0"/>
+                  </a:ext>
+                </a:extLst>
+              </a:blip>
+              <a:srcRect l="33160" t="27178" b="20588"/>
+              <a:stretch/>
+            </p:blipFill>
+            <p:spPr>
+              <a:xfrm>
+                <a:off x="6436086" y="5653024"/>
+                <a:ext cx="531471" cy="273247"/>
+              </a:xfrm>
+              <a:prstGeom prst="rect">
+                <a:avLst/>
+              </a:prstGeom>
+            </p:spPr>
+          </p:pic>
+          <p:sp>
+            <p:nvSpPr>
+              <p:cNvPr id="23" name="Rectángulo 22"/>
+              <p:cNvSpPr/>
+              <p:nvPr/>
+            </p:nvSpPr>
+            <p:spPr>
+              <a:xfrm>
+                <a:off x="6092546" y="5437860"/>
+                <a:ext cx="977818" cy="488173"/>
+              </a:xfrm>
+              <a:prstGeom prst="rect">
+                <a:avLst/>
+              </a:prstGeom>
+              <a:noFill/>
+              <a:ln>
+                <a:solidFill>
+                  <a:schemeClr val="accent1">
+                    <a:lumMod val="40000"/>
+                    <a:lumOff val="60000"/>
+                  </a:schemeClr>
+                </a:solidFill>
+                <a:prstDash val="sysDot"/>
+              </a:ln>
+            </p:spPr>
+            <p:style>
+              <a:lnRef idx="2">
+                <a:schemeClr val="accent1">
+                  <a:shade val="50000"/>
+                </a:schemeClr>
+              </a:lnRef>
+              <a:fillRef idx="1">
+                <a:schemeClr val="accent1"/>
+              </a:fillRef>
+              <a:effectRef idx="0">
+                <a:schemeClr val="accent1"/>
+              </a:effectRef>
+              <a:fontRef idx="minor">
+                <a:schemeClr val="lt1"/>
+              </a:fontRef>
+            </p:style>
+            <p:txBody>
+              <a:bodyPr rtlCol="0" anchor="ctr"/>
+              <a:lstStyle/>
+              <a:p>
+                <a:pPr algn="ctr"/>
+                <a:endParaRPr lang="es-ES"/>
+              </a:p>
+            </p:txBody>
+          </p:sp>
+          <p:sp>
+            <p:nvSpPr>
+              <p:cNvPr id="24" name="CuadroTexto 23"/>
+              <p:cNvSpPr txBox="1"/>
+              <p:nvPr/>
+            </p:nvSpPr>
+            <p:spPr>
+              <a:xfrm>
+                <a:off x="6139415" y="5391554"/>
+                <a:ext cx="903843" cy="307777"/>
+              </a:xfrm>
+              <a:prstGeom prst="rect">
+                <a:avLst/>
+              </a:prstGeom>
+              <a:noFill/>
+            </p:spPr>
+            <p:txBody>
+              <a:bodyPr wrap="square" rtlCol="0">
+                <a:spAutoFit/>
+              </a:bodyPr>
+              <a:lstStyle/>
+              <a:p>
+                <a:pPr algn="ctr"/>
+                <a:r>
+                  <a:rPr lang="es-ES" sz="1400" b="1" dirty="0" smtClean="0">
+                    <a:solidFill>
+                      <a:schemeClr val="accent1"/>
+                    </a:solidFill>
+                  </a:rPr>
+                  <a:t>Facebook</a:t>
+                </a:r>
+                <a:endParaRPr lang="es-ES" sz="1400" b="1" dirty="0">
+                  <a:solidFill>
+                    <a:schemeClr val="accent1"/>
+                  </a:solidFill>
+                </a:endParaRPr>
+              </a:p>
+            </p:txBody>
+          </p:sp>
+          <p:pic>
+            <p:nvPicPr>
+              <p:cNvPr id="25" name="Imagen 24"/>
+              <p:cNvPicPr>
+                <a:picLocks noChangeAspect="1"/>
+              </p:cNvPicPr>
+              <p:nvPr/>
+            </p:nvPicPr>
+            <p:blipFill rotWithShape="1">
+              <a:blip r:embed="rId11" cstate="print">
+                <a:extLst>
+                  <a:ext uri="{28A0092B-C50C-407E-A947-70E740481C1C}">
+                    <a14:useLocalDpi xmlns:a14="http://schemas.microsoft.com/office/drawing/2010/main" val="0"/>
+                  </a:ext>
+                </a:extLst>
+              </a:blip>
+              <a:srcRect t="1" b="33162"/>
+              <a:stretch/>
+            </p:blipFill>
+            <p:spPr>
+              <a:xfrm>
+                <a:off x="7308696" y="5534205"/>
+                <a:ext cx="402479" cy="353070"/>
+              </a:xfrm>
+              <a:prstGeom prst="rect">
+                <a:avLst/>
+              </a:prstGeom>
+            </p:spPr>
+          </p:pic>
+          <p:pic>
+            <p:nvPicPr>
+              <p:cNvPr id="26" name="Imagen 25"/>
+              <p:cNvPicPr>
+                <a:picLocks noChangeAspect="1"/>
+              </p:cNvPicPr>
+              <p:nvPr/>
+            </p:nvPicPr>
+            <p:blipFill rotWithShape="1">
+              <a:blip r:embed="rId12" cstate="print">
+                <a:extLst>
+                  <a:ext uri="{28A0092B-C50C-407E-A947-70E740481C1C}">
+                    <a14:useLocalDpi xmlns:a14="http://schemas.microsoft.com/office/drawing/2010/main" val="0"/>
+                  </a:ext>
+                </a:extLst>
+              </a:blip>
+              <a:srcRect l="12488" t="68319"/>
+              <a:stretch/>
+            </p:blipFill>
+            <p:spPr>
+              <a:xfrm>
+                <a:off x="7711175" y="5681147"/>
+                <a:ext cx="457474" cy="217368"/>
+              </a:xfrm>
+              <a:prstGeom prst="rect">
+                <a:avLst/>
+              </a:prstGeom>
+            </p:spPr>
+          </p:pic>
+          <p:sp>
+            <p:nvSpPr>
+              <p:cNvPr id="27" name="Rectángulo 26"/>
+              <p:cNvSpPr/>
+              <p:nvPr/>
+            </p:nvSpPr>
+            <p:spPr>
+              <a:xfrm>
+                <a:off x="7308696" y="5431786"/>
+                <a:ext cx="977818" cy="488173"/>
+              </a:xfrm>
+              <a:prstGeom prst="rect">
+                <a:avLst/>
+              </a:prstGeom>
+              <a:noFill/>
+              <a:ln>
+                <a:solidFill>
+                  <a:schemeClr val="accent1">
+                    <a:lumMod val="40000"/>
+                    <a:lumOff val="60000"/>
+                  </a:schemeClr>
+                </a:solidFill>
+                <a:prstDash val="sysDot"/>
+              </a:ln>
+            </p:spPr>
+            <p:style>
+              <a:lnRef idx="2">
+                <a:schemeClr val="accent1">
+                  <a:shade val="50000"/>
+                </a:schemeClr>
+              </a:lnRef>
+              <a:fillRef idx="1">
+                <a:schemeClr val="accent1"/>
+              </a:fillRef>
+              <a:effectRef idx="0">
+                <a:schemeClr val="accent1"/>
+              </a:effectRef>
+              <a:fontRef idx="minor">
+                <a:schemeClr val="lt1"/>
+              </a:fontRef>
+            </p:style>
+            <p:txBody>
+              <a:bodyPr rtlCol="0" anchor="ctr"/>
+              <a:lstStyle/>
+              <a:p>
+                <a:pPr algn="ctr"/>
+                <a:endParaRPr lang="es-ES"/>
+              </a:p>
+            </p:txBody>
+          </p:sp>
+          <p:sp>
+            <p:nvSpPr>
+              <p:cNvPr id="28" name="CuadroTexto 27"/>
+              <p:cNvSpPr txBox="1"/>
+              <p:nvPr/>
+            </p:nvSpPr>
+            <p:spPr>
+              <a:xfrm>
+                <a:off x="7432023" y="5378087"/>
+                <a:ext cx="903843" cy="307777"/>
+              </a:xfrm>
+              <a:prstGeom prst="rect">
+                <a:avLst/>
+              </a:prstGeom>
+              <a:noFill/>
+            </p:spPr>
+            <p:txBody>
+              <a:bodyPr wrap="square" rtlCol="0">
+                <a:spAutoFit/>
+              </a:bodyPr>
+              <a:lstStyle/>
+              <a:p>
+                <a:pPr algn="ctr"/>
+                <a:r>
+                  <a:rPr lang="es-ES" sz="1400" b="1" dirty="0" smtClean="0">
+                    <a:solidFill>
+                      <a:schemeClr val="accent1"/>
+                    </a:solidFill>
+                  </a:rPr>
+                  <a:t>Google</a:t>
+                </a:r>
+                <a:endParaRPr lang="es-ES" sz="1400" b="1" dirty="0">
+                  <a:solidFill>
+                    <a:schemeClr val="accent1"/>
+                  </a:solidFill>
+                </a:endParaRPr>
+              </a:p>
+            </p:txBody>
+          </p:sp>
+          <p:pic>
+            <p:nvPicPr>
+              <p:cNvPr id="29" name="Imagen 28"/>
+              <p:cNvPicPr>
+                <a:picLocks noChangeAspect="1"/>
+              </p:cNvPicPr>
+              <p:nvPr/>
+            </p:nvPicPr>
+            <p:blipFill rotWithShape="1">
+              <a:blip r:embed="rId13">
+                <a:extLst>
+                  <a:ext uri="{28A0092B-C50C-407E-A947-70E740481C1C}">
+                    <a14:useLocalDpi xmlns:a14="http://schemas.microsoft.com/office/drawing/2010/main" val="0"/>
+                  </a:ext>
+                </a:extLst>
+              </a:blip>
+              <a:srcRect l="5524" t="74117" r="73042" b="6514"/>
+              <a:stretch/>
+            </p:blipFill>
+            <p:spPr>
+              <a:xfrm>
+                <a:off x="7682616" y="4330594"/>
+                <a:ext cx="603898" cy="387989"/>
+              </a:xfrm>
+              <a:prstGeom prst="rect">
+                <a:avLst/>
+              </a:prstGeom>
+            </p:spPr>
+          </p:pic>
+          <p:pic>
+            <p:nvPicPr>
+              <p:cNvPr id="30" name="Imagen 29"/>
+              <p:cNvPicPr>
+                <a:picLocks noChangeAspect="1"/>
+              </p:cNvPicPr>
+              <p:nvPr/>
+            </p:nvPicPr>
+            <p:blipFill rotWithShape="1">
+              <a:blip r:embed="rId14" cstate="print">
+                <a:extLst>
+                  <a:ext uri="{28A0092B-C50C-407E-A947-70E740481C1C}">
+                    <a14:useLocalDpi xmlns:a14="http://schemas.microsoft.com/office/drawing/2010/main" val="0"/>
+                  </a:ext>
+                </a:extLst>
+              </a:blip>
+              <a:srcRect l="3372" t="27140" r="68110" b="28454"/>
+              <a:stretch/>
+            </p:blipFill>
+            <p:spPr>
+              <a:xfrm>
+                <a:off x="7273544" y="4289125"/>
+                <a:ext cx="409072" cy="452869"/>
+              </a:xfrm>
+              <a:prstGeom prst="rect">
+                <a:avLst/>
+              </a:prstGeom>
+            </p:spPr>
+          </p:pic>
+          <p:pic>
+            <p:nvPicPr>
+              <p:cNvPr id="31" name="Imagen 30"/>
+              <p:cNvPicPr>
+                <a:picLocks noChangeAspect="1"/>
+              </p:cNvPicPr>
+              <p:nvPr/>
+            </p:nvPicPr>
+            <p:blipFill rotWithShape="1">
+              <a:blip r:embed="rId15" cstate="print">
+                <a:extLst>
+                  <a:ext uri="{28A0092B-C50C-407E-A947-70E740481C1C}">
+                    <a14:useLocalDpi xmlns:a14="http://schemas.microsoft.com/office/drawing/2010/main" val="0"/>
+                  </a:ext>
+                </a:extLst>
+              </a:blip>
+              <a:srcRect t="2718" r="76139" b="1"/>
+              <a:stretch/>
+            </p:blipFill>
+            <p:spPr>
+              <a:xfrm>
+                <a:off x="6118620" y="4935537"/>
+                <a:ext cx="301300" cy="262869"/>
+              </a:xfrm>
+              <a:prstGeom prst="rect">
+                <a:avLst/>
+              </a:prstGeom>
+            </p:spPr>
+          </p:pic>
+          <p:pic>
+            <p:nvPicPr>
+              <p:cNvPr id="32" name="Imagen 31"/>
+              <p:cNvPicPr>
+                <a:picLocks noChangeAspect="1"/>
+              </p:cNvPicPr>
+              <p:nvPr/>
+            </p:nvPicPr>
+            <p:blipFill rotWithShape="1">
+              <a:blip r:embed="rId15" cstate="print">
+                <a:extLst>
+                  <a:ext uri="{28A0092B-C50C-407E-A947-70E740481C1C}">
+                    <a14:useLocalDpi xmlns:a14="http://schemas.microsoft.com/office/drawing/2010/main" val="0"/>
+                  </a:ext>
+                </a:extLst>
+              </a:blip>
+              <a:srcRect l="24582" t="-708" b="-1"/>
+              <a:stretch/>
+            </p:blipFill>
+            <p:spPr>
+              <a:xfrm>
+                <a:off x="6415620" y="4909728"/>
+                <a:ext cx="612464" cy="175014"/>
+              </a:xfrm>
+              <a:prstGeom prst="rect">
+                <a:avLst/>
+              </a:prstGeom>
+            </p:spPr>
+          </p:pic>
+          <p:pic>
+            <p:nvPicPr>
+              <p:cNvPr id="33" name="Imagen 32"/>
+              <p:cNvPicPr>
+                <a:picLocks noChangeAspect="1"/>
+              </p:cNvPicPr>
+              <p:nvPr/>
+            </p:nvPicPr>
+            <p:blipFill rotWithShape="1">
+              <a:blip r:embed="rId11" cstate="print">
+                <a:extLst>
+                  <a:ext uri="{28A0092B-C50C-407E-A947-70E740481C1C}">
+                    <a14:useLocalDpi xmlns:a14="http://schemas.microsoft.com/office/drawing/2010/main" val="0"/>
+                  </a:ext>
+                </a:extLst>
+              </a:blip>
+              <a:srcRect t="1" r="11368" b="33162"/>
+              <a:stretch/>
+            </p:blipFill>
+            <p:spPr>
+              <a:xfrm>
+                <a:off x="742169" y="5630462"/>
+                <a:ext cx="356722" cy="353070"/>
+              </a:xfrm>
+              <a:prstGeom prst="rect">
+                <a:avLst/>
+              </a:prstGeom>
+            </p:spPr>
+          </p:pic>
+          <p:pic>
+            <p:nvPicPr>
+              <p:cNvPr id="34" name="Imagen 33"/>
+              <p:cNvPicPr>
+                <a:picLocks noChangeAspect="1"/>
+              </p:cNvPicPr>
+              <p:nvPr/>
+            </p:nvPicPr>
+            <p:blipFill rotWithShape="1">
+              <a:blip r:embed="rId12" cstate="print">
+                <a:extLst>
+                  <a:ext uri="{28A0092B-C50C-407E-A947-70E740481C1C}">
+                    <a14:useLocalDpi xmlns:a14="http://schemas.microsoft.com/office/drawing/2010/main" val="0"/>
+                  </a:ext>
+                </a:extLst>
+              </a:blip>
+              <a:srcRect l="12488" t="68774"/>
+              <a:stretch/>
+            </p:blipFill>
+            <p:spPr>
+              <a:xfrm>
+                <a:off x="1121165" y="5752950"/>
+                <a:ext cx="457474" cy="214248"/>
+              </a:xfrm>
+              <a:prstGeom prst="rect">
+                <a:avLst/>
+              </a:prstGeom>
+            </p:spPr>
+          </p:pic>
+          <p:sp>
+            <p:nvSpPr>
+              <p:cNvPr id="35" name="CuadroTexto 34"/>
+              <p:cNvSpPr txBox="1"/>
+              <p:nvPr/>
+            </p:nvSpPr>
+            <p:spPr>
+              <a:xfrm>
+                <a:off x="6307464" y="5028623"/>
+                <a:ext cx="509234" cy="276999"/>
+              </a:xfrm>
+              <a:prstGeom prst="rect">
+                <a:avLst/>
+              </a:prstGeom>
+              <a:noFill/>
+            </p:spPr>
+            <p:txBody>
+              <a:bodyPr wrap="square" rtlCol="0">
+                <a:spAutoFit/>
+              </a:bodyPr>
+              <a:lstStyle/>
+              <a:p>
+                <a:pPr algn="ctr"/>
+                <a:r>
+                  <a:rPr lang="es-ES" sz="1200" b="1" dirty="0" smtClean="0">
+                    <a:solidFill>
+                      <a:schemeClr val="accent1"/>
+                    </a:solidFill>
+                  </a:rPr>
+                  <a:t>LUIS</a:t>
+                </a:r>
+                <a:endParaRPr lang="es-ES" sz="1200" b="1" dirty="0">
+                  <a:solidFill>
+                    <a:schemeClr val="accent1"/>
+                  </a:solidFill>
+                </a:endParaRPr>
+              </a:p>
+            </p:txBody>
+          </p:sp>
+          <p:pic>
+            <p:nvPicPr>
+              <p:cNvPr id="36" name="Imagen 35"/>
+              <p:cNvPicPr>
+                <a:picLocks noChangeAspect="1"/>
+              </p:cNvPicPr>
+              <p:nvPr/>
+            </p:nvPicPr>
+            <p:blipFill rotWithShape="1">
+              <a:blip r:embed="rId2" cstate="print">
+                <a:extLst>
+                  <a:ext uri="{28A0092B-C50C-407E-A947-70E740481C1C}">
+                    <a14:useLocalDpi xmlns:a14="http://schemas.microsoft.com/office/drawing/2010/main" val="0"/>
+                  </a:ext>
+                </a:extLst>
+              </a:blip>
+              <a:srcRect l="25289" t="3420" r="27331" b="30744"/>
+              <a:stretch/>
+            </p:blipFill>
+            <p:spPr>
+              <a:xfrm>
+                <a:off x="7142997" y="3690502"/>
+                <a:ext cx="358666" cy="373305"/>
+              </a:xfrm>
+              <a:prstGeom prst="rect">
+                <a:avLst/>
+              </a:prstGeom>
+            </p:spPr>
+          </p:pic>
+          <p:pic>
+            <p:nvPicPr>
+              <p:cNvPr id="37" name="Imagen 36"/>
+              <p:cNvPicPr>
+                <a:picLocks noChangeAspect="1"/>
+              </p:cNvPicPr>
+              <p:nvPr/>
+            </p:nvPicPr>
+            <p:blipFill rotWithShape="1">
+              <a:blip r:embed="rId2">
+                <a:extLst>
+                  <a:ext uri="{28A0092B-C50C-407E-A947-70E740481C1C}">
+                    <a14:useLocalDpi xmlns:a14="http://schemas.microsoft.com/office/drawing/2010/main" val="0"/>
+                  </a:ext>
+                </a:extLst>
+              </a:blip>
+              <a:srcRect l="7780" t="70635" r="7130" b="9141"/>
+              <a:stretch/>
+            </p:blipFill>
+            <p:spPr>
+              <a:xfrm>
+                <a:off x="7501663" y="3810626"/>
+                <a:ext cx="876497" cy="170013"/>
+              </a:xfrm>
+              <a:prstGeom prst="rect">
+                <a:avLst/>
+              </a:prstGeom>
+            </p:spPr>
+          </p:pic>
+          <p:sp>
+            <p:nvSpPr>
+              <p:cNvPr id="38" name="CuadroTexto 37"/>
+              <p:cNvSpPr txBox="1"/>
+              <p:nvPr/>
+            </p:nvSpPr>
+            <p:spPr>
+              <a:xfrm>
+                <a:off x="7379374" y="3939805"/>
+                <a:ext cx="1012007" cy="261610"/>
+              </a:xfrm>
+              <a:prstGeom prst="rect">
+                <a:avLst/>
+              </a:prstGeom>
+              <a:noFill/>
+            </p:spPr>
+            <p:txBody>
+              <a:bodyPr wrap="square" rtlCol="0">
+                <a:spAutoFit/>
+              </a:bodyPr>
+              <a:lstStyle/>
+              <a:p>
+                <a:pPr algn="ctr"/>
+                <a:r>
+                  <a:rPr lang="es-ES" sz="1100" b="1" dirty="0" err="1" smtClean="0">
+                    <a:solidFill>
+                      <a:schemeClr val="accent1"/>
+                    </a:solidFill>
+                  </a:rPr>
+                  <a:t>Conversation</a:t>
+                </a:r>
+                <a:endParaRPr lang="es-ES" sz="1100" b="1" dirty="0">
+                  <a:solidFill>
+                    <a:schemeClr val="accent1"/>
+                  </a:solidFill>
+                </a:endParaRPr>
+              </a:p>
+            </p:txBody>
+          </p:sp>
+          <p:pic>
+            <p:nvPicPr>
+              <p:cNvPr id="39" name="Imagen 38"/>
+              <p:cNvPicPr>
+                <a:picLocks noChangeAspect="1"/>
+              </p:cNvPicPr>
+              <p:nvPr/>
+            </p:nvPicPr>
+            <p:blipFill>
+              <a:blip r:embed="rId16" cstate="print">
+                <a:extLst>
+                  <a:ext uri="{28A0092B-C50C-407E-A947-70E740481C1C}">
+                    <a14:useLocalDpi xmlns:a14="http://schemas.microsoft.com/office/drawing/2010/main" val="0"/>
+                  </a:ext>
+                </a:extLst>
+              </a:blip>
+              <a:stretch>
+                <a:fillRect/>
+              </a:stretch>
+            </p:blipFill>
+            <p:spPr>
+              <a:xfrm>
+                <a:off x="925119" y="5244770"/>
+                <a:ext cx="561316" cy="173165"/>
+              </a:xfrm>
+              <a:prstGeom prst="rect">
+                <a:avLst/>
+              </a:prstGeom>
+            </p:spPr>
+          </p:pic>
+        </p:grpSp>
+        <p:pic>
+          <p:nvPicPr>
+            <p:cNvPr id="5" name="Imagen 4"/>
+            <p:cNvPicPr>
+              <a:picLocks noChangeAspect="1"/>
+            </p:cNvPicPr>
+            <p:nvPr/>
+          </p:nvPicPr>
+          <p:blipFill rotWithShape="1">
+            <a:blip r:embed="rId2" cstate="print">
+              <a:extLst>
+                <a:ext uri="{28A0092B-C50C-407E-A947-70E740481C1C}">
+                  <a14:useLocalDpi xmlns:a14="http://schemas.microsoft.com/office/drawing/2010/main" val="0"/>
+                </a:ext>
+              </a:extLst>
+            </a:blip>
+            <a:srcRect l="7780" t="70635" r="7130" b="9141"/>
+            <a:stretch/>
+          </p:blipFill>
+          <p:spPr>
+            <a:xfrm>
+              <a:off x="974621" y="5089829"/>
+              <a:ext cx="818415" cy="158747"/>
+            </a:xfrm>
+            <a:prstGeom prst="rect">
+              <a:avLst/>
+            </a:prstGeom>
+          </p:spPr>
+        </p:pic>
+      </p:grpSp>
+    </p:spTree>
+    <p:extLst>
+      <p:ext uri="{BB962C8B-B14F-4D97-AF65-F5344CB8AC3E}">
+        <p14:creationId xmlns:p14="http://schemas.microsoft.com/office/powerpoint/2010/main" val="475283896"/>
+      </p:ext>
+    </p:extLst>
+  </p:cSld>
+  <p:clrMapOvr>
+    <a:masterClrMapping/>
+  </p:clrMapOvr>
+  <p:timing>
+    <p:tnLst>
+      <p:par>
+        <p:cTn id="1" dur="indefinite" restart="never" nodeType="tmRoot"/>
+      </p:par>
+    </p:tnLst>
+  </p:timing>
 </p:sld>
 </file>
 

--- a/presentacion/Presentación1.pptx
+++ b/presentacion/Presentación1.pptx
@@ -5,21 +5,26 @@
     <p:sldMasterId id="2147483648" r:id="rId1"/>
   </p:sldMasterIdLst>
   <p:notesMasterIdLst>
-    <p:notesMasterId r:id="rId14"/>
+    <p:notesMasterId r:id="rId19"/>
   </p:notesMasterIdLst>
   <p:sldIdLst>
-    <p:sldId id="265" r:id="rId2"/>
-    <p:sldId id="261" r:id="rId3"/>
-    <p:sldId id="267" r:id="rId4"/>
-    <p:sldId id="270" r:id="rId5"/>
-    <p:sldId id="262" r:id="rId6"/>
-    <p:sldId id="263" r:id="rId7"/>
-    <p:sldId id="264" r:id="rId8"/>
-    <p:sldId id="269" r:id="rId9"/>
+    <p:sldId id="261" r:id="rId2"/>
+    <p:sldId id="270" r:id="rId3"/>
+    <p:sldId id="282" r:id="rId4"/>
+    <p:sldId id="262" r:id="rId5"/>
+    <p:sldId id="275" r:id="rId6"/>
+    <p:sldId id="264" r:id="rId7"/>
+    <p:sldId id="269" r:id="rId8"/>
+    <p:sldId id="283" r:id="rId9"/>
     <p:sldId id="272" r:id="rId10"/>
     <p:sldId id="266" r:id="rId11"/>
-    <p:sldId id="256" r:id="rId12"/>
-    <p:sldId id="257" r:id="rId13"/>
+    <p:sldId id="274" r:id="rId12"/>
+    <p:sldId id="277" r:id="rId13"/>
+    <p:sldId id="273" r:id="rId14"/>
+    <p:sldId id="284" r:id="rId15"/>
+    <p:sldId id="279" r:id="rId16"/>
+    <p:sldId id="281" r:id="rId17"/>
+    <p:sldId id="265" r:id="rId18"/>
   </p:sldIdLst>
   <p:sldSz cx="12192000" cy="6858000"/>
   <p:notesSz cx="6858000" cy="9144000"/>
@@ -208,7 +213,7 @@
           <a:p>
             <a:fld id="{4157212B-118B-4058-9B78-0BF04C0223EB}" type="datetimeFigureOut">
               <a:rPr lang="en-GB" smtClean="0"/>
-              <a:t>09/03/2018</a:t>
+              <a:t>10/03/2018</a:t>
             </a:fld>
             <a:endParaRPr lang="en-GB"/>
           </a:p>
@@ -1622,7 +1627,7 @@
           <a:p>
             <a:fld id="{EF162F7D-BBA6-4D10-862A-C27B4C709058}" type="slidenum">
               <a:rPr lang="en-GB" smtClean="0"/>
-              <a:t>2</a:t>
+              <a:t>1</a:t>
             </a:fld>
             <a:endParaRPr lang="en-GB"/>
           </a:p>
@@ -1685,6 +1690,2342 @@
           <a:bodyPr/>
           <a:lstStyle/>
           <a:p>
+            <a:r>
+              <a:rPr lang="pt-BR" sz="1200" b="0" i="0" kern="1200" dirty="0" smtClean="0">
+                <a:solidFill>
+                  <a:schemeClr val="tx1"/>
+                </a:solidFill>
+                <a:effectLst/>
+                <a:latin typeface="+mn-lt"/>
+                <a:ea typeface="+mn-ea"/>
+                <a:cs typeface="+mn-cs"/>
+              </a:rPr>
+              <a:t>Si pensamos </a:t>
+            </a:r>
+            <a:r>
+              <a:rPr lang="pt-BR" sz="1200" b="0" i="0" kern="1200" dirty="0" err="1" smtClean="0">
+                <a:solidFill>
+                  <a:schemeClr val="tx1"/>
+                </a:solidFill>
+                <a:effectLst/>
+                <a:latin typeface="+mn-lt"/>
+                <a:ea typeface="+mn-ea"/>
+                <a:cs typeface="+mn-cs"/>
+              </a:rPr>
+              <a:t>en</a:t>
+            </a:r>
+            <a:r>
+              <a:rPr lang="pt-BR" sz="1200" b="0" i="0" kern="1200" baseline="0" dirty="0" smtClean="0">
+                <a:solidFill>
+                  <a:schemeClr val="tx1"/>
+                </a:solidFill>
+                <a:effectLst/>
+                <a:latin typeface="+mn-lt"/>
+                <a:ea typeface="+mn-ea"/>
+                <a:cs typeface="+mn-cs"/>
+              </a:rPr>
+              <a:t> los </a:t>
+            </a:r>
+            <a:r>
+              <a:rPr lang="pt-BR" sz="1200" b="0" i="0" kern="1200" baseline="0" dirty="0" err="1" smtClean="0">
+                <a:solidFill>
+                  <a:schemeClr val="tx1"/>
+                </a:solidFill>
+                <a:effectLst/>
+                <a:latin typeface="+mn-lt"/>
+                <a:ea typeface="+mn-ea"/>
+                <a:cs typeface="+mn-cs"/>
+              </a:rPr>
+              <a:t>electrodoméstricos</a:t>
+            </a:r>
+            <a:r>
+              <a:rPr lang="pt-BR" sz="1200" b="0" i="0" kern="1200" baseline="0" dirty="0" smtClean="0">
+                <a:solidFill>
+                  <a:schemeClr val="tx1"/>
+                </a:solidFill>
+                <a:effectLst/>
+                <a:latin typeface="+mn-lt"/>
+                <a:ea typeface="+mn-ea"/>
+                <a:cs typeface="+mn-cs"/>
+              </a:rPr>
+              <a:t> de </a:t>
+            </a:r>
+            <a:r>
+              <a:rPr lang="pt-BR" sz="1200" b="0" i="0" kern="1200" baseline="0" dirty="0" err="1" smtClean="0">
+                <a:solidFill>
+                  <a:schemeClr val="tx1"/>
+                </a:solidFill>
+                <a:effectLst/>
+                <a:latin typeface="+mn-lt"/>
+                <a:ea typeface="+mn-ea"/>
+                <a:cs typeface="+mn-cs"/>
+              </a:rPr>
+              <a:t>nuestro</a:t>
+            </a:r>
+            <a:r>
+              <a:rPr lang="pt-BR" sz="1200" b="0" i="0" kern="1200" baseline="0" dirty="0" smtClean="0">
+                <a:solidFill>
+                  <a:schemeClr val="tx1"/>
+                </a:solidFill>
+                <a:effectLst/>
+                <a:latin typeface="+mn-lt"/>
+                <a:ea typeface="+mn-ea"/>
+                <a:cs typeface="+mn-cs"/>
+              </a:rPr>
+              <a:t> </a:t>
+            </a:r>
+            <a:r>
+              <a:rPr lang="pt-BR" sz="1200" b="0" i="0" kern="1200" baseline="0" dirty="0" err="1" smtClean="0">
+                <a:solidFill>
+                  <a:schemeClr val="tx1"/>
+                </a:solidFill>
+                <a:effectLst/>
+                <a:latin typeface="+mn-lt"/>
+                <a:ea typeface="+mn-ea"/>
+                <a:cs typeface="+mn-cs"/>
+              </a:rPr>
+              <a:t>hogar</a:t>
+            </a:r>
+            <a:r>
+              <a:rPr lang="pt-BR" sz="1200" b="0" i="0" kern="1200" baseline="0" dirty="0" smtClean="0">
+                <a:solidFill>
+                  <a:schemeClr val="tx1"/>
+                </a:solidFill>
+                <a:effectLst/>
+                <a:latin typeface="+mn-lt"/>
+                <a:ea typeface="+mn-ea"/>
+                <a:cs typeface="+mn-cs"/>
+              </a:rPr>
+              <a:t>, los frigoríficos no </a:t>
+            </a:r>
+            <a:r>
+              <a:rPr lang="pt-BR" sz="1200" b="0" i="0" kern="1200" baseline="0" dirty="0" err="1" smtClean="0">
+                <a:solidFill>
+                  <a:schemeClr val="tx1"/>
+                </a:solidFill>
+                <a:effectLst/>
+                <a:latin typeface="+mn-lt"/>
+                <a:ea typeface="+mn-ea"/>
+                <a:cs typeface="+mn-cs"/>
+              </a:rPr>
+              <a:t>son</a:t>
+            </a:r>
+            <a:r>
+              <a:rPr lang="pt-BR" sz="1200" b="0" i="0" kern="1200" baseline="0" dirty="0" smtClean="0">
+                <a:solidFill>
+                  <a:schemeClr val="tx1"/>
+                </a:solidFill>
+                <a:effectLst/>
+                <a:latin typeface="+mn-lt"/>
+                <a:ea typeface="+mn-ea"/>
+                <a:cs typeface="+mn-cs"/>
+              </a:rPr>
+              <a:t> los más </a:t>
+            </a:r>
+            <a:r>
+              <a:rPr lang="pt-BR" sz="1200" b="0" i="0" kern="1200" baseline="0" dirty="0" err="1" smtClean="0">
+                <a:solidFill>
+                  <a:schemeClr val="tx1"/>
+                </a:solidFill>
+                <a:effectLst/>
+                <a:latin typeface="+mn-lt"/>
+                <a:ea typeface="+mn-ea"/>
+                <a:cs typeface="+mn-cs"/>
+              </a:rPr>
+              <a:t>llamativos</a:t>
+            </a:r>
+            <a:r>
+              <a:rPr lang="pt-BR" sz="1200" b="0" i="0" kern="1200" baseline="0" dirty="0" smtClean="0">
+                <a:solidFill>
+                  <a:schemeClr val="tx1"/>
+                </a:solidFill>
+                <a:effectLst/>
+                <a:latin typeface="+mn-lt"/>
+                <a:ea typeface="+mn-ea"/>
+                <a:cs typeface="+mn-cs"/>
+              </a:rPr>
+              <a:t> </a:t>
+            </a:r>
+            <a:r>
+              <a:rPr lang="pt-BR" sz="1200" b="0" i="0" kern="1200" baseline="0" dirty="0" err="1" smtClean="0">
+                <a:solidFill>
+                  <a:schemeClr val="tx1"/>
+                </a:solidFill>
+                <a:effectLst/>
+                <a:latin typeface="+mn-lt"/>
+                <a:ea typeface="+mn-ea"/>
+                <a:cs typeface="+mn-cs"/>
+              </a:rPr>
+              <a:t>tecnológicamente</a:t>
+            </a:r>
+            <a:r>
+              <a:rPr lang="pt-BR" sz="1200" b="0" i="0" kern="1200" baseline="0" dirty="0" smtClean="0">
+                <a:solidFill>
+                  <a:schemeClr val="tx1"/>
+                </a:solidFill>
+                <a:effectLst/>
+                <a:latin typeface="+mn-lt"/>
+                <a:ea typeface="+mn-ea"/>
+                <a:cs typeface="+mn-cs"/>
+              </a:rPr>
+              <a:t>, pero </a:t>
+            </a:r>
+            <a:r>
+              <a:rPr lang="pt-BR" sz="1200" b="0" i="0" kern="1200" baseline="0" dirty="0" err="1" smtClean="0">
+                <a:solidFill>
+                  <a:schemeClr val="tx1"/>
+                </a:solidFill>
+                <a:effectLst/>
+                <a:latin typeface="+mn-lt"/>
+                <a:ea typeface="+mn-ea"/>
+                <a:cs typeface="+mn-cs"/>
+              </a:rPr>
+              <a:t>esto</a:t>
+            </a:r>
+            <a:r>
+              <a:rPr lang="pt-BR" sz="1200" b="0" i="0" kern="1200" baseline="0" dirty="0" smtClean="0">
+                <a:solidFill>
+                  <a:schemeClr val="tx1"/>
+                </a:solidFill>
+                <a:effectLst/>
+                <a:latin typeface="+mn-lt"/>
+                <a:ea typeface="+mn-ea"/>
+                <a:cs typeface="+mn-cs"/>
+              </a:rPr>
+              <a:t> está cambiando.</a:t>
+            </a:r>
+          </a:p>
+          <a:p>
+            <a:r>
+              <a:rPr lang="pt-BR" sz="1200" b="0" i="0" kern="1200" baseline="0" dirty="0" smtClean="0">
+                <a:solidFill>
+                  <a:schemeClr val="tx1"/>
+                </a:solidFill>
+                <a:effectLst/>
+                <a:latin typeface="+mn-lt"/>
+                <a:ea typeface="+mn-ea"/>
+                <a:cs typeface="+mn-cs"/>
+              </a:rPr>
+              <a:t>H</a:t>
+            </a:r>
+            <a:r>
+              <a:rPr lang="pt-BR" sz="1200" b="0" i="0" kern="1200" dirty="0" smtClean="0">
+                <a:solidFill>
+                  <a:schemeClr val="tx1"/>
+                </a:solidFill>
+                <a:effectLst/>
+                <a:latin typeface="+mn-lt"/>
+                <a:ea typeface="+mn-ea"/>
+                <a:cs typeface="+mn-cs"/>
+              </a:rPr>
+              <a:t>asta </a:t>
+            </a:r>
+            <a:r>
+              <a:rPr lang="pt-BR" sz="1200" b="0" i="0" kern="1200" dirty="0" err="1" smtClean="0">
+                <a:solidFill>
+                  <a:schemeClr val="tx1"/>
+                </a:solidFill>
+                <a:effectLst/>
+                <a:latin typeface="+mn-lt"/>
+                <a:ea typeface="+mn-ea"/>
+                <a:cs typeface="+mn-cs"/>
+              </a:rPr>
+              <a:t>hace</a:t>
+            </a:r>
+            <a:r>
+              <a:rPr lang="pt-BR" sz="1200" b="0" i="0" kern="1200" dirty="0" smtClean="0">
+                <a:solidFill>
+                  <a:schemeClr val="tx1"/>
+                </a:solidFill>
+                <a:effectLst/>
+                <a:latin typeface="+mn-lt"/>
+                <a:ea typeface="+mn-ea"/>
+                <a:cs typeface="+mn-cs"/>
+              </a:rPr>
+              <a:t> </a:t>
+            </a:r>
+            <a:r>
+              <a:rPr lang="pt-BR" sz="1200" b="0" i="0" kern="1200" dirty="0" err="1" smtClean="0">
+                <a:solidFill>
+                  <a:schemeClr val="tx1"/>
+                </a:solidFill>
+                <a:effectLst/>
+                <a:latin typeface="+mn-lt"/>
+                <a:ea typeface="+mn-ea"/>
+                <a:cs typeface="+mn-cs"/>
+              </a:rPr>
+              <a:t>poco</a:t>
+            </a:r>
+            <a:r>
+              <a:rPr lang="pt-BR" sz="1200" b="0" i="0" kern="1200" dirty="0" smtClean="0">
+                <a:solidFill>
+                  <a:schemeClr val="tx1"/>
+                </a:solidFill>
+                <a:effectLst/>
+                <a:latin typeface="+mn-lt"/>
+                <a:ea typeface="+mn-ea"/>
+                <a:cs typeface="+mn-cs"/>
+              </a:rPr>
+              <a:t> </a:t>
+            </a:r>
+            <a:r>
+              <a:rPr lang="pt-BR" sz="1200" b="0" i="0" kern="1200" dirty="0" err="1" smtClean="0">
+                <a:solidFill>
+                  <a:schemeClr val="tx1"/>
+                </a:solidFill>
+                <a:effectLst/>
+                <a:latin typeface="+mn-lt"/>
+                <a:ea typeface="+mn-ea"/>
+                <a:cs typeface="+mn-cs"/>
+              </a:rPr>
+              <a:t>lo</a:t>
+            </a:r>
+            <a:r>
+              <a:rPr lang="pt-BR" sz="1200" b="0" i="0" kern="1200" dirty="0" smtClean="0">
+                <a:solidFill>
+                  <a:schemeClr val="tx1"/>
+                </a:solidFill>
+                <a:effectLst/>
+                <a:latin typeface="+mn-lt"/>
+                <a:ea typeface="+mn-ea"/>
+                <a:cs typeface="+mn-cs"/>
+              </a:rPr>
+              <a:t> más </a:t>
+            </a:r>
+            <a:r>
+              <a:rPr lang="pt-BR" sz="1200" b="0" i="0" kern="1200" dirty="0" err="1" smtClean="0">
+                <a:solidFill>
+                  <a:schemeClr val="tx1"/>
+                </a:solidFill>
+                <a:effectLst/>
+                <a:latin typeface="+mn-lt"/>
+                <a:ea typeface="+mn-ea"/>
+                <a:cs typeface="+mn-cs"/>
+              </a:rPr>
+              <a:t>novedoso</a:t>
+            </a:r>
+            <a:r>
+              <a:rPr lang="pt-BR" sz="1200" b="0" i="0" kern="1200" dirty="0" smtClean="0">
+                <a:solidFill>
+                  <a:schemeClr val="tx1"/>
+                </a:solidFill>
+                <a:effectLst/>
+                <a:latin typeface="+mn-lt"/>
+                <a:ea typeface="+mn-ea"/>
+                <a:cs typeface="+mn-cs"/>
+              </a:rPr>
+              <a:t> </a:t>
+            </a:r>
+            <a:r>
+              <a:rPr lang="pt-BR" sz="1200" b="0" i="0" kern="1200" baseline="0" dirty="0" smtClean="0">
+                <a:solidFill>
+                  <a:schemeClr val="tx1"/>
+                </a:solidFill>
+                <a:effectLst/>
+                <a:latin typeface="+mn-lt"/>
+                <a:ea typeface="+mn-ea"/>
+                <a:cs typeface="+mn-cs"/>
+              </a:rPr>
+              <a:t>que </a:t>
+            </a:r>
+            <a:r>
+              <a:rPr lang="pt-BR" sz="1200" b="0" i="0" kern="1200" baseline="0" dirty="0" err="1" smtClean="0">
+                <a:solidFill>
+                  <a:schemeClr val="tx1"/>
+                </a:solidFill>
+                <a:effectLst/>
+                <a:latin typeface="+mn-lt"/>
+                <a:ea typeface="+mn-ea"/>
+                <a:cs typeface="+mn-cs"/>
+              </a:rPr>
+              <a:t>podía</a:t>
+            </a:r>
+            <a:r>
+              <a:rPr lang="pt-BR" sz="1200" b="0" i="0" kern="1200" baseline="0" dirty="0" smtClean="0">
+                <a:solidFill>
+                  <a:schemeClr val="tx1"/>
+                </a:solidFill>
+                <a:effectLst/>
+                <a:latin typeface="+mn-lt"/>
+                <a:ea typeface="+mn-ea"/>
+                <a:cs typeface="+mn-cs"/>
+              </a:rPr>
+              <a:t> </a:t>
+            </a:r>
+            <a:r>
+              <a:rPr lang="pt-BR" sz="1200" b="0" i="0" kern="1200" baseline="0" dirty="0" err="1" smtClean="0">
+                <a:solidFill>
+                  <a:schemeClr val="tx1"/>
+                </a:solidFill>
+                <a:effectLst/>
+                <a:latin typeface="+mn-lt"/>
+                <a:ea typeface="+mn-ea"/>
+                <a:cs typeface="+mn-cs"/>
+              </a:rPr>
+              <a:t>hacer</a:t>
+            </a:r>
+            <a:r>
+              <a:rPr lang="pt-BR" sz="1200" b="0" i="0" kern="1200" baseline="0" dirty="0" smtClean="0">
+                <a:solidFill>
+                  <a:schemeClr val="tx1"/>
+                </a:solidFill>
+                <a:effectLst/>
+                <a:latin typeface="+mn-lt"/>
+                <a:ea typeface="+mn-ea"/>
+                <a:cs typeface="+mn-cs"/>
+              </a:rPr>
+              <a:t> </a:t>
+            </a:r>
+            <a:r>
+              <a:rPr lang="pt-BR" sz="1200" b="0" i="0" kern="1200" baseline="0" dirty="0" err="1" smtClean="0">
+                <a:solidFill>
+                  <a:schemeClr val="tx1"/>
+                </a:solidFill>
+                <a:effectLst/>
+                <a:latin typeface="+mn-lt"/>
+                <a:ea typeface="+mn-ea"/>
+                <a:cs typeface="+mn-cs"/>
+              </a:rPr>
+              <a:t>nuestro</a:t>
+            </a:r>
+            <a:r>
+              <a:rPr lang="pt-BR" sz="1200" b="0" i="0" kern="1200" baseline="0" dirty="0" smtClean="0">
+                <a:solidFill>
+                  <a:schemeClr val="tx1"/>
+                </a:solidFill>
+                <a:effectLst/>
+                <a:latin typeface="+mn-lt"/>
+                <a:ea typeface="+mn-ea"/>
+                <a:cs typeface="+mn-cs"/>
+              </a:rPr>
+              <a:t> frigorífico por </a:t>
+            </a:r>
+            <a:r>
+              <a:rPr lang="pt-BR" sz="1200" b="0" i="0" kern="1200" baseline="0" dirty="0" err="1" smtClean="0">
+                <a:solidFill>
+                  <a:schemeClr val="tx1"/>
+                </a:solidFill>
+                <a:effectLst/>
+                <a:latin typeface="+mn-lt"/>
+                <a:ea typeface="+mn-ea"/>
+                <a:cs typeface="+mn-cs"/>
+              </a:rPr>
+              <a:t>nosotros</a:t>
+            </a:r>
+            <a:r>
+              <a:rPr lang="pt-BR" sz="1200" b="0" i="0" kern="1200" baseline="0" dirty="0" smtClean="0">
+                <a:solidFill>
+                  <a:schemeClr val="tx1"/>
+                </a:solidFill>
+                <a:effectLst/>
+                <a:latin typeface="+mn-lt"/>
+                <a:ea typeface="+mn-ea"/>
+                <a:cs typeface="+mn-cs"/>
+              </a:rPr>
+              <a:t> era dispensar </a:t>
+            </a:r>
+            <a:r>
+              <a:rPr lang="pt-BR" sz="1200" b="0" i="0" kern="1200" baseline="0" dirty="0" err="1" smtClean="0">
+                <a:solidFill>
+                  <a:schemeClr val="tx1"/>
+                </a:solidFill>
+                <a:effectLst/>
+                <a:latin typeface="+mn-lt"/>
+                <a:ea typeface="+mn-ea"/>
+                <a:cs typeface="+mn-cs"/>
+              </a:rPr>
+              <a:t>hielo</a:t>
+            </a:r>
+            <a:r>
+              <a:rPr lang="pt-BR" sz="1200" b="0" i="0" kern="1200" baseline="0" dirty="0" smtClean="0">
+                <a:solidFill>
+                  <a:schemeClr val="tx1"/>
+                </a:solidFill>
+                <a:effectLst/>
+                <a:latin typeface="+mn-lt"/>
+                <a:ea typeface="+mn-ea"/>
+                <a:cs typeface="+mn-cs"/>
+              </a:rPr>
+              <a:t> y agua </a:t>
+            </a:r>
+            <a:r>
+              <a:rPr lang="pt-BR" sz="1200" b="0" i="0" kern="1200" baseline="0" dirty="0" err="1" smtClean="0">
+                <a:solidFill>
+                  <a:schemeClr val="tx1"/>
+                </a:solidFill>
+                <a:effectLst/>
+                <a:latin typeface="+mn-lt"/>
+                <a:ea typeface="+mn-ea"/>
+                <a:cs typeface="+mn-cs"/>
+              </a:rPr>
+              <a:t>fría</a:t>
+            </a:r>
+            <a:r>
+              <a:rPr lang="pt-BR" sz="1200" b="0" i="0" kern="1200" baseline="0" dirty="0" smtClean="0">
+                <a:solidFill>
+                  <a:schemeClr val="tx1"/>
+                </a:solidFill>
+                <a:effectLst/>
+                <a:latin typeface="+mn-lt"/>
+                <a:ea typeface="+mn-ea"/>
+                <a:cs typeface="+mn-cs"/>
+              </a:rPr>
+              <a:t>, pero s</a:t>
+            </a:r>
+            <a:r>
+              <a:rPr lang="es-ES" sz="1200" b="0" i="0" kern="1200" dirty="0" smtClean="0">
+                <a:solidFill>
+                  <a:schemeClr val="tx1"/>
+                </a:solidFill>
+                <a:effectLst/>
+                <a:latin typeface="+mn-lt"/>
+                <a:ea typeface="+mn-ea"/>
+                <a:cs typeface="+mn-cs"/>
+              </a:rPr>
+              <a:t>i</a:t>
+            </a:r>
+            <a:r>
+              <a:rPr lang="es-ES" sz="1200" b="0" i="0" kern="1200" baseline="0" dirty="0" smtClean="0">
+                <a:solidFill>
+                  <a:schemeClr val="tx1"/>
+                </a:solidFill>
+                <a:effectLst/>
+                <a:latin typeface="+mn-lt"/>
+                <a:ea typeface="+mn-ea"/>
+                <a:cs typeface="+mn-cs"/>
+              </a:rPr>
+              <a:t> echamos un vistazo a las últimas innovaciones de S</a:t>
+            </a:r>
+            <a:r>
+              <a:rPr lang="es-ES" sz="1200" b="0" i="0" kern="1200" dirty="0" smtClean="0">
+                <a:solidFill>
+                  <a:schemeClr val="tx1"/>
+                </a:solidFill>
+                <a:effectLst/>
+                <a:latin typeface="+mn-lt"/>
+                <a:ea typeface="+mn-ea"/>
+                <a:cs typeface="+mn-cs"/>
+              </a:rPr>
+              <a:t>amsung, LG o Whirlpool, la</a:t>
+            </a:r>
+            <a:r>
+              <a:rPr lang="es-ES" sz="1200" b="0" i="0" kern="1200" baseline="0" dirty="0" smtClean="0">
+                <a:solidFill>
+                  <a:schemeClr val="tx1"/>
+                </a:solidFill>
+                <a:effectLst/>
+                <a:latin typeface="+mn-lt"/>
+                <a:ea typeface="+mn-ea"/>
+                <a:cs typeface="+mn-cs"/>
+              </a:rPr>
+              <a:t> tendencia es diferente, las grandes marcas están apostando por la creación de frigoríficos inteligentes, integrando en sus diseños la inteligencia artificial.</a:t>
+            </a:r>
+          </a:p>
+          <a:p>
+            <a:r>
+              <a:rPr lang="es-ES" sz="1200" b="0" i="0" kern="1200" baseline="0" dirty="0" smtClean="0">
+                <a:solidFill>
+                  <a:schemeClr val="tx1"/>
+                </a:solidFill>
+                <a:effectLst/>
+                <a:latin typeface="+mn-lt"/>
+                <a:ea typeface="+mn-ea"/>
+                <a:cs typeface="+mn-cs"/>
+              </a:rPr>
+              <a:t>Frigoríficos que incorporan </a:t>
+            </a:r>
+            <a:r>
+              <a:rPr lang="pt-BR" sz="1200" b="0" i="0" kern="1200" dirty="0" err="1" smtClean="0">
+                <a:solidFill>
+                  <a:schemeClr val="tx1"/>
+                </a:solidFill>
+                <a:effectLst/>
+                <a:latin typeface="+mn-lt"/>
+                <a:ea typeface="+mn-ea"/>
+                <a:cs typeface="+mn-cs"/>
+              </a:rPr>
+              <a:t>cámara</a:t>
+            </a:r>
+            <a:r>
+              <a:rPr lang="pt-BR" sz="1200" b="0" i="0" kern="1200" dirty="0" smtClean="0">
+                <a:solidFill>
+                  <a:schemeClr val="tx1"/>
+                </a:solidFill>
+                <a:effectLst/>
+                <a:latin typeface="+mn-lt"/>
+                <a:ea typeface="+mn-ea"/>
+                <a:cs typeface="+mn-cs"/>
+              </a:rPr>
+              <a:t> y sensores </a:t>
+            </a:r>
+            <a:r>
+              <a:rPr lang="pt-BR" sz="1200" b="0" i="0" kern="1200" dirty="0" err="1" smtClean="0">
+                <a:solidFill>
+                  <a:schemeClr val="tx1"/>
+                </a:solidFill>
+                <a:effectLst/>
+                <a:latin typeface="+mn-lt"/>
+                <a:ea typeface="+mn-ea"/>
+                <a:cs typeface="+mn-cs"/>
+              </a:rPr>
+              <a:t>en</a:t>
+            </a:r>
+            <a:r>
+              <a:rPr lang="pt-BR" sz="1200" b="0" i="0" kern="1200" dirty="0" smtClean="0">
+                <a:solidFill>
+                  <a:schemeClr val="tx1"/>
+                </a:solidFill>
+                <a:effectLst/>
+                <a:latin typeface="+mn-lt"/>
+                <a:ea typeface="+mn-ea"/>
+                <a:cs typeface="+mn-cs"/>
+              </a:rPr>
+              <a:t> </a:t>
+            </a:r>
+            <a:r>
+              <a:rPr lang="pt-BR" sz="1200" b="0" i="0" kern="1200" dirty="0" err="1" smtClean="0">
+                <a:solidFill>
+                  <a:schemeClr val="tx1"/>
+                </a:solidFill>
+                <a:effectLst/>
+                <a:latin typeface="+mn-lt"/>
+                <a:ea typeface="+mn-ea"/>
+                <a:cs typeface="+mn-cs"/>
+              </a:rPr>
+              <a:t>su</a:t>
+            </a:r>
+            <a:r>
+              <a:rPr lang="pt-BR" sz="1200" b="0" i="0" kern="1200" dirty="0" smtClean="0">
+                <a:solidFill>
+                  <a:schemeClr val="tx1"/>
+                </a:solidFill>
+                <a:effectLst/>
+                <a:latin typeface="+mn-lt"/>
+                <a:ea typeface="+mn-ea"/>
+                <a:cs typeface="+mn-cs"/>
+              </a:rPr>
+              <a:t> interior </a:t>
+            </a:r>
+            <a:r>
+              <a:rPr lang="pt-BR" sz="1200" b="0" i="0" kern="1200" dirty="0" err="1" smtClean="0">
+                <a:solidFill>
+                  <a:schemeClr val="tx1"/>
+                </a:solidFill>
+                <a:effectLst/>
+                <a:latin typeface="+mn-lt"/>
+                <a:ea typeface="+mn-ea"/>
+                <a:cs typeface="+mn-cs"/>
+              </a:rPr>
+              <a:t>con</a:t>
+            </a:r>
+            <a:r>
+              <a:rPr lang="pt-BR" sz="1200" b="0" i="0" kern="1200" dirty="0" smtClean="0">
+                <a:solidFill>
+                  <a:schemeClr val="tx1"/>
+                </a:solidFill>
+                <a:effectLst/>
+                <a:latin typeface="+mn-lt"/>
+                <a:ea typeface="+mn-ea"/>
+                <a:cs typeface="+mn-cs"/>
+              </a:rPr>
+              <a:t> </a:t>
+            </a:r>
+            <a:r>
+              <a:rPr lang="pt-BR" sz="1200" b="0" i="0" kern="1200" dirty="0" err="1" smtClean="0">
+                <a:solidFill>
+                  <a:schemeClr val="tx1"/>
+                </a:solidFill>
+                <a:effectLst/>
+                <a:latin typeface="+mn-lt"/>
+                <a:ea typeface="+mn-ea"/>
+                <a:cs typeface="+mn-cs"/>
+              </a:rPr>
+              <a:t>las</a:t>
+            </a:r>
+            <a:r>
+              <a:rPr lang="pt-BR" sz="1200" b="0" i="0" kern="1200" dirty="0" smtClean="0">
+                <a:solidFill>
+                  <a:schemeClr val="tx1"/>
+                </a:solidFill>
+                <a:effectLst/>
+                <a:latin typeface="+mn-lt"/>
+                <a:ea typeface="+mn-ea"/>
+                <a:cs typeface="+mn-cs"/>
+              </a:rPr>
+              <a:t> que poder </a:t>
+            </a:r>
+            <a:r>
+              <a:rPr lang="pt-BR" sz="1200" b="0" i="0" kern="1200" baseline="0" dirty="0" smtClean="0">
+                <a:solidFill>
+                  <a:schemeClr val="tx1"/>
+                </a:solidFill>
+                <a:effectLst/>
+                <a:latin typeface="+mn-lt"/>
+                <a:ea typeface="+mn-ea"/>
+                <a:cs typeface="+mn-cs"/>
+              </a:rPr>
+              <a:t>ver </a:t>
+            </a:r>
+            <a:r>
+              <a:rPr lang="pt-BR" sz="1200" b="0" i="0" kern="1200" baseline="0" dirty="0" err="1" smtClean="0">
+                <a:solidFill>
+                  <a:schemeClr val="tx1"/>
+                </a:solidFill>
+                <a:effectLst/>
+                <a:latin typeface="+mn-lt"/>
+                <a:ea typeface="+mn-ea"/>
+                <a:cs typeface="+mn-cs"/>
+              </a:rPr>
+              <a:t>su</a:t>
+            </a:r>
+            <a:r>
+              <a:rPr lang="pt-BR" sz="1200" b="0" i="0" kern="1200" baseline="0" dirty="0" smtClean="0">
+                <a:solidFill>
+                  <a:schemeClr val="tx1"/>
+                </a:solidFill>
+                <a:effectLst/>
+                <a:latin typeface="+mn-lt"/>
+                <a:ea typeface="+mn-ea"/>
+                <a:cs typeface="+mn-cs"/>
+              </a:rPr>
+              <a:t> </a:t>
+            </a:r>
+            <a:r>
+              <a:rPr lang="pt-BR" sz="1200" b="0" i="0" kern="1200" baseline="0" dirty="0" err="1" smtClean="0">
+                <a:solidFill>
+                  <a:schemeClr val="tx1"/>
+                </a:solidFill>
+                <a:effectLst/>
+                <a:latin typeface="+mn-lt"/>
+                <a:ea typeface="+mn-ea"/>
+                <a:cs typeface="+mn-cs"/>
+              </a:rPr>
+              <a:t>contenido</a:t>
+            </a:r>
+            <a:r>
+              <a:rPr lang="pt-BR" sz="1200" b="0" i="0" kern="1200" baseline="0" dirty="0" smtClean="0">
+                <a:solidFill>
+                  <a:schemeClr val="tx1"/>
+                </a:solidFill>
+                <a:effectLst/>
+                <a:latin typeface="+mn-lt"/>
+                <a:ea typeface="+mn-ea"/>
+                <a:cs typeface="+mn-cs"/>
+              </a:rPr>
+              <a:t>, </a:t>
+            </a:r>
+            <a:r>
+              <a:rPr lang="pt-BR" sz="1200" b="0" i="0" kern="1200" baseline="0" dirty="0" err="1" smtClean="0">
+                <a:solidFill>
+                  <a:schemeClr val="tx1"/>
+                </a:solidFill>
+                <a:effectLst/>
+                <a:latin typeface="+mn-lt"/>
+                <a:ea typeface="+mn-ea"/>
+                <a:cs typeface="+mn-cs"/>
+              </a:rPr>
+              <a:t>pantalla</a:t>
+            </a:r>
+            <a:r>
+              <a:rPr lang="pt-BR" sz="1200" b="0" i="0" kern="1200" baseline="0" dirty="0" smtClean="0">
+                <a:solidFill>
+                  <a:schemeClr val="tx1"/>
+                </a:solidFill>
+                <a:effectLst/>
+                <a:latin typeface="+mn-lt"/>
+                <a:ea typeface="+mn-ea"/>
+                <a:cs typeface="+mn-cs"/>
+              </a:rPr>
+              <a:t> táctil, </a:t>
+            </a:r>
+            <a:r>
+              <a:rPr lang="pt-BR" sz="1200" b="0" i="0" kern="1200" baseline="0" dirty="0" err="1" smtClean="0">
+                <a:solidFill>
+                  <a:schemeClr val="tx1"/>
+                </a:solidFill>
+                <a:effectLst/>
+                <a:latin typeface="+mn-lt"/>
+                <a:ea typeface="+mn-ea"/>
+                <a:cs typeface="+mn-cs"/>
+              </a:rPr>
+              <a:t>altavoces</a:t>
+            </a:r>
+            <a:r>
+              <a:rPr lang="pt-BR" sz="1200" b="0" i="0" kern="1200" baseline="0" dirty="0" smtClean="0">
+                <a:solidFill>
+                  <a:schemeClr val="tx1"/>
+                </a:solidFill>
+                <a:effectLst/>
+                <a:latin typeface="+mn-lt"/>
+                <a:ea typeface="+mn-ea"/>
+                <a:cs typeface="+mn-cs"/>
+              </a:rPr>
+              <a:t>, ajuste temperatura mediante </a:t>
+            </a:r>
+            <a:r>
+              <a:rPr lang="pt-BR" sz="1200" b="0" i="0" kern="1200" baseline="0" dirty="0" err="1" smtClean="0">
+                <a:solidFill>
+                  <a:schemeClr val="tx1"/>
+                </a:solidFill>
+                <a:effectLst/>
+                <a:latin typeface="+mn-lt"/>
+                <a:ea typeface="+mn-ea"/>
+                <a:cs typeface="+mn-cs"/>
+              </a:rPr>
+              <a:t>wifi</a:t>
+            </a:r>
+            <a:r>
+              <a:rPr lang="pt-BR" sz="1200" b="0" i="0" kern="1200" baseline="0" dirty="0" smtClean="0">
+                <a:solidFill>
+                  <a:schemeClr val="tx1"/>
+                </a:solidFill>
+                <a:effectLst/>
+                <a:latin typeface="+mn-lt"/>
+                <a:ea typeface="+mn-ea"/>
+                <a:cs typeface="+mn-cs"/>
+              </a:rPr>
+              <a:t>, </a:t>
+            </a:r>
+            <a:r>
+              <a:rPr lang="pt-BR" sz="1200" b="0" i="0" kern="1200" baseline="0" dirty="0" err="1" smtClean="0">
+                <a:solidFill>
+                  <a:schemeClr val="tx1"/>
+                </a:solidFill>
+                <a:effectLst/>
+                <a:latin typeface="+mn-lt"/>
+                <a:ea typeface="+mn-ea"/>
+                <a:cs typeface="+mn-cs"/>
+              </a:rPr>
+              <a:t>configuración</a:t>
+            </a:r>
+            <a:r>
+              <a:rPr lang="pt-BR" sz="1200" b="0" i="0" kern="1200" baseline="0" dirty="0" smtClean="0">
+                <a:solidFill>
+                  <a:schemeClr val="tx1"/>
+                </a:solidFill>
+                <a:effectLst/>
+                <a:latin typeface="+mn-lt"/>
+                <a:ea typeface="+mn-ea"/>
+                <a:cs typeface="+mn-cs"/>
+              </a:rPr>
+              <a:t> de alertas, </a:t>
+            </a:r>
+            <a:r>
+              <a:rPr lang="pt-BR" sz="1200" b="0" i="0" kern="1200" baseline="0" dirty="0" err="1" smtClean="0">
+                <a:solidFill>
+                  <a:schemeClr val="tx1"/>
+                </a:solidFill>
+                <a:effectLst/>
+                <a:latin typeface="+mn-lt"/>
+                <a:ea typeface="+mn-ea"/>
+                <a:cs typeface="+mn-cs"/>
+              </a:rPr>
+              <a:t>sincronización</a:t>
+            </a:r>
+            <a:r>
+              <a:rPr lang="pt-BR" sz="1200" b="0" i="0" kern="1200" baseline="0" dirty="0" smtClean="0">
+                <a:solidFill>
+                  <a:schemeClr val="tx1"/>
+                </a:solidFill>
+                <a:effectLst/>
+                <a:latin typeface="+mn-lt"/>
+                <a:ea typeface="+mn-ea"/>
+                <a:cs typeface="+mn-cs"/>
+              </a:rPr>
+              <a:t> de </a:t>
+            </a:r>
+            <a:r>
+              <a:rPr lang="pt-BR" sz="1200" b="0" i="0" kern="1200" baseline="0" dirty="0" err="1" smtClean="0">
+                <a:solidFill>
+                  <a:schemeClr val="tx1"/>
+                </a:solidFill>
+                <a:effectLst/>
+                <a:latin typeface="+mn-lt"/>
+                <a:ea typeface="+mn-ea"/>
+                <a:cs typeface="+mn-cs"/>
+              </a:rPr>
+              <a:t>calendario</a:t>
+            </a:r>
+            <a:r>
+              <a:rPr lang="pt-BR" sz="1200" b="0" i="0" kern="1200" baseline="0" dirty="0" smtClean="0">
+                <a:solidFill>
+                  <a:schemeClr val="tx1"/>
+                </a:solidFill>
+                <a:effectLst/>
+                <a:latin typeface="+mn-lt"/>
+                <a:ea typeface="+mn-ea"/>
+                <a:cs typeface="+mn-cs"/>
+              </a:rPr>
+              <a:t>, sensores de movimento, etiquetado de alimentos, comandos de voz, y </a:t>
+            </a:r>
+            <a:r>
+              <a:rPr lang="pt-BR" sz="1200" b="0" i="0" kern="1200" baseline="0" dirty="0" err="1" smtClean="0">
+                <a:solidFill>
+                  <a:schemeClr val="tx1"/>
+                </a:solidFill>
+                <a:effectLst/>
+                <a:latin typeface="+mn-lt"/>
+                <a:ea typeface="+mn-ea"/>
+                <a:cs typeface="+mn-cs"/>
+              </a:rPr>
+              <a:t>mucho</a:t>
+            </a:r>
+            <a:r>
+              <a:rPr lang="pt-BR" sz="1200" b="0" i="0" kern="1200" baseline="0" dirty="0" smtClean="0">
+                <a:solidFill>
+                  <a:schemeClr val="tx1"/>
+                </a:solidFill>
+                <a:effectLst/>
+                <a:latin typeface="+mn-lt"/>
+                <a:ea typeface="+mn-ea"/>
+                <a:cs typeface="+mn-cs"/>
+              </a:rPr>
+              <a:t> más.</a:t>
+            </a:r>
+            <a:endParaRPr lang="es-ES" sz="1200" b="0" i="0" kern="1200" dirty="0" smtClean="0">
+              <a:solidFill>
+                <a:schemeClr val="tx1"/>
+              </a:solidFill>
+              <a:effectLst/>
+              <a:latin typeface="+mn-lt"/>
+              <a:ea typeface="+mn-ea"/>
+              <a:cs typeface="+mn-cs"/>
+            </a:endParaRPr>
+          </a:p>
+          <a:p>
+            <a:endParaRPr lang="es-ES" sz="1200" b="0" i="0" kern="1200" dirty="0" smtClean="0">
+              <a:solidFill>
+                <a:schemeClr val="tx1"/>
+              </a:solidFill>
+              <a:effectLst/>
+              <a:latin typeface="+mn-lt"/>
+              <a:ea typeface="+mn-ea"/>
+              <a:cs typeface="+mn-cs"/>
+            </a:endParaRPr>
+          </a:p>
+          <a:p>
+            <a:r>
+              <a:rPr lang="es-ES" sz="1200" b="0" i="0" kern="1200" dirty="0" smtClean="0">
+                <a:solidFill>
+                  <a:schemeClr val="tx1"/>
+                </a:solidFill>
+                <a:effectLst/>
+                <a:latin typeface="+mn-lt"/>
+                <a:ea typeface="+mn-ea"/>
+                <a:cs typeface="+mn-cs"/>
+              </a:rPr>
+              <a:t>Samsung,</a:t>
+            </a:r>
+            <a:r>
+              <a:rPr lang="es-ES" sz="1200" b="0" i="0" kern="1200" baseline="0" dirty="0" smtClean="0">
+                <a:solidFill>
+                  <a:schemeClr val="tx1"/>
+                </a:solidFill>
+                <a:effectLst/>
+                <a:latin typeface="+mn-lt"/>
+                <a:ea typeface="+mn-ea"/>
+                <a:cs typeface="+mn-cs"/>
+              </a:rPr>
+              <a:t> por ejemplo, e</a:t>
+            </a:r>
+            <a:r>
+              <a:rPr lang="es-ES" sz="1200" b="0" i="0" kern="1200" dirty="0" smtClean="0">
+                <a:solidFill>
+                  <a:schemeClr val="tx1"/>
+                </a:solidFill>
+                <a:effectLst/>
+                <a:latin typeface="+mn-lt"/>
+                <a:ea typeface="+mn-ea"/>
+                <a:cs typeface="+mn-cs"/>
+              </a:rPr>
+              <a:t>stá trabajando con </a:t>
+            </a:r>
+            <a:r>
+              <a:rPr lang="es-ES" sz="1200" b="0" i="0" kern="1200" dirty="0" err="1" smtClean="0">
+                <a:solidFill>
+                  <a:schemeClr val="tx1"/>
+                </a:solidFill>
+                <a:effectLst/>
+                <a:latin typeface="+mn-lt"/>
+                <a:ea typeface="+mn-ea"/>
+                <a:cs typeface="+mn-cs"/>
+              </a:rPr>
+              <a:t>Spotify</a:t>
+            </a:r>
+            <a:r>
+              <a:rPr lang="es-ES" sz="1200" b="0" i="0" kern="1200" dirty="0" smtClean="0">
+                <a:solidFill>
+                  <a:schemeClr val="tx1"/>
+                </a:solidFill>
+                <a:effectLst/>
+                <a:latin typeface="+mn-lt"/>
+                <a:ea typeface="+mn-ea"/>
+                <a:cs typeface="+mn-cs"/>
+              </a:rPr>
+              <a:t>, </a:t>
+            </a:r>
+            <a:r>
+              <a:rPr lang="es-ES" sz="1200" b="0" i="0" kern="1200" dirty="0" err="1" smtClean="0">
+                <a:solidFill>
+                  <a:schemeClr val="tx1"/>
+                </a:solidFill>
+                <a:effectLst/>
+                <a:latin typeface="+mn-lt"/>
+                <a:ea typeface="+mn-ea"/>
+                <a:cs typeface="+mn-cs"/>
+              </a:rPr>
+              <a:t>LiDL</a:t>
+            </a:r>
+            <a:r>
+              <a:rPr lang="es-ES" sz="1200" b="0" i="0" kern="1200" dirty="0" smtClean="0">
+                <a:solidFill>
+                  <a:schemeClr val="tx1"/>
+                </a:solidFill>
+                <a:effectLst/>
+                <a:latin typeface="+mn-lt"/>
+                <a:ea typeface="+mn-ea"/>
+                <a:cs typeface="+mn-cs"/>
+              </a:rPr>
+              <a:t> y otras empresas para crear aplicaciones y funciones diferentes para sus neveras.</a:t>
+            </a:r>
+          </a:p>
+          <a:p>
+            <a:endParaRPr lang="es-ES" sz="1200" b="0" i="0" kern="1200" baseline="0" dirty="0" smtClean="0">
+              <a:solidFill>
+                <a:schemeClr val="tx1"/>
+              </a:solidFill>
+              <a:effectLst/>
+              <a:latin typeface="+mn-lt"/>
+              <a:ea typeface="+mn-ea"/>
+              <a:cs typeface="+mn-cs"/>
+            </a:endParaRPr>
+          </a:p>
+          <a:p>
+            <a:r>
+              <a:rPr lang="es-ES" sz="1200" b="0" i="0" kern="1200" baseline="0" dirty="0" smtClean="0">
+                <a:solidFill>
+                  <a:schemeClr val="tx1"/>
+                </a:solidFill>
+                <a:effectLst/>
+                <a:latin typeface="+mn-lt"/>
+                <a:ea typeface="+mn-ea"/>
+                <a:cs typeface="+mn-cs"/>
+              </a:rPr>
+              <a:t>Microsoft y </a:t>
+            </a:r>
+            <a:r>
+              <a:rPr lang="es-ES" sz="1200" b="0" i="0" kern="1200" baseline="0" dirty="0" err="1" smtClean="0">
+                <a:solidFill>
+                  <a:schemeClr val="tx1"/>
+                </a:solidFill>
+                <a:effectLst/>
+                <a:latin typeface="+mn-lt"/>
+                <a:ea typeface="+mn-ea"/>
+                <a:cs typeface="+mn-cs"/>
+              </a:rPr>
+              <a:t>Liebherr</a:t>
+            </a:r>
+            <a:r>
+              <a:rPr lang="es-ES" sz="1200" b="0" i="0" kern="1200" baseline="0" dirty="0" smtClean="0">
+                <a:solidFill>
+                  <a:schemeClr val="tx1"/>
+                </a:solidFill>
+                <a:effectLst/>
+                <a:latin typeface="+mn-lt"/>
+                <a:ea typeface="+mn-ea"/>
+                <a:cs typeface="+mn-cs"/>
+              </a:rPr>
+              <a:t> ya están trabajando en esto, se han unido para crear “</a:t>
+            </a:r>
+            <a:r>
+              <a:rPr lang="es-ES" sz="1200" b="0" i="0" kern="1200" baseline="0" dirty="0" err="1" smtClean="0">
+                <a:solidFill>
+                  <a:schemeClr val="tx1"/>
+                </a:solidFill>
+                <a:effectLst/>
+                <a:latin typeface="+mn-lt"/>
+                <a:ea typeface="+mn-ea"/>
+                <a:cs typeface="+mn-cs"/>
+              </a:rPr>
+              <a:t>SmartdeviceBox</a:t>
+            </a:r>
+            <a:r>
+              <a:rPr lang="es-ES" sz="1200" b="0" i="0" kern="1200" baseline="0" dirty="0" smtClean="0">
+                <a:solidFill>
+                  <a:schemeClr val="tx1"/>
+                </a:solidFill>
+                <a:effectLst/>
+                <a:latin typeface="+mn-lt"/>
+                <a:ea typeface="+mn-ea"/>
+                <a:cs typeface="+mn-cs"/>
+              </a:rPr>
+              <a:t>”, que usa tecnología de reconocimiento de imágenes para detectar cuándo queda poca cantidad de algo, y enviar una alerta.</a:t>
+            </a:r>
+          </a:p>
+          <a:p>
+            <a:endParaRPr lang="es-ES" sz="1200" b="0" i="0" kern="1200" baseline="0" dirty="0" smtClean="0">
+              <a:solidFill>
+                <a:schemeClr val="tx1"/>
+              </a:solidFill>
+              <a:effectLst/>
+              <a:latin typeface="+mn-lt"/>
+              <a:ea typeface="+mn-ea"/>
+              <a:cs typeface="+mn-cs"/>
+            </a:endParaRPr>
+          </a:p>
+          <a:p>
+            <a:endParaRPr lang="es-ES" dirty="0"/>
+          </a:p>
+        </p:txBody>
+      </p:sp>
+      <p:sp>
+        <p:nvSpPr>
+          <p:cNvPr id="4" name="Marcador de número de diapositiva 3"/>
+          <p:cNvSpPr>
+            <a:spLocks noGrp="1"/>
+          </p:cNvSpPr>
+          <p:nvPr>
+            <p:ph type="sldNum" sz="quarter" idx="10"/>
+          </p:nvPr>
+        </p:nvSpPr>
+        <p:spPr/>
+        <p:txBody>
+          <a:bodyPr/>
+          <a:lstStyle/>
+          <a:p>
+            <a:fld id="{EF162F7D-BBA6-4D10-862A-C27B4C709058}" type="slidenum">
+              <a:rPr lang="en-GB" smtClean="0"/>
+              <a:t>2</a:t>
+            </a:fld>
+            <a:endParaRPr lang="en-GB"/>
+          </a:p>
+        </p:txBody>
+      </p:sp>
+    </p:spTree>
+    <p:extLst>
+      <p:ext uri="{BB962C8B-B14F-4D97-AF65-F5344CB8AC3E}">
+        <p14:creationId xmlns:p14="http://schemas.microsoft.com/office/powerpoint/2010/main" val="2700660307"/>
+      </p:ext>
+    </p:extLst>
+  </p:cSld>
+  <p:clrMapOvr>
+    <a:masterClrMapping/>
+  </p:clrMapOvr>
+</p:notes>
+</file>
+
+<file path=ppt/notesSlides/notesSlide3.xml><?xml version="1.0" encoding="utf-8"?>
+<p:notes xmlns:a="http://schemas.openxmlformats.org/drawingml/2006/main" xmlns:r="http://schemas.openxmlformats.org/officeDocument/2006/relationships" xmlns:p="http://schemas.openxmlformats.org/presentationml/2006/main">
+  <p:cSld>
+    <p:spTree>
+      <p:nvGrpSpPr>
+        <p:cNvPr id="1" name=""/>
+        <p:cNvGrpSpPr/>
+        <p:nvPr/>
+      </p:nvGrpSpPr>
+      <p:grpSpPr>
+        <a:xfrm>
+          <a:off x="0" y="0"/>
+          <a:ext cx="0" cy="0"/>
+          <a:chOff x="0" y="0"/>
+          <a:chExt cx="0" cy="0"/>
+        </a:xfrm>
+      </p:grpSpPr>
+      <p:sp>
+        <p:nvSpPr>
+          <p:cNvPr id="2" name="Marcador de imagen de diapositiva 1"/>
+          <p:cNvSpPr>
+            <a:spLocks noGrp="1" noRot="1" noChangeAspect="1"/>
+          </p:cNvSpPr>
+          <p:nvPr>
+            <p:ph type="sldImg"/>
+          </p:nvPr>
+        </p:nvSpPr>
+        <p:spPr/>
+      </p:sp>
+      <p:sp>
+        <p:nvSpPr>
+          <p:cNvPr id="3" name="Marcador de notas 2"/>
+          <p:cNvSpPr>
+            <a:spLocks noGrp="1"/>
+          </p:cNvSpPr>
+          <p:nvPr>
+            <p:ph type="body" idx="1"/>
+          </p:nvPr>
+        </p:nvSpPr>
+        <p:spPr/>
+        <p:txBody>
+          <a:bodyPr/>
+          <a:lstStyle/>
+          <a:p>
+            <a:r>
+              <a:rPr lang="pt-BR" sz="1200" b="0" i="0" kern="1200" dirty="0" smtClean="0">
+                <a:solidFill>
+                  <a:schemeClr val="tx1"/>
+                </a:solidFill>
+                <a:effectLst/>
+                <a:latin typeface="+mn-lt"/>
+                <a:ea typeface="+mn-ea"/>
+                <a:cs typeface="+mn-cs"/>
+              </a:rPr>
+              <a:t>Si pensamos </a:t>
+            </a:r>
+            <a:r>
+              <a:rPr lang="pt-BR" sz="1200" b="0" i="0" kern="1200" dirty="0" err="1" smtClean="0">
+                <a:solidFill>
+                  <a:schemeClr val="tx1"/>
+                </a:solidFill>
+                <a:effectLst/>
+                <a:latin typeface="+mn-lt"/>
+                <a:ea typeface="+mn-ea"/>
+                <a:cs typeface="+mn-cs"/>
+              </a:rPr>
+              <a:t>en</a:t>
+            </a:r>
+            <a:r>
+              <a:rPr lang="pt-BR" sz="1200" b="0" i="0" kern="1200" baseline="0" dirty="0" smtClean="0">
+                <a:solidFill>
+                  <a:schemeClr val="tx1"/>
+                </a:solidFill>
+                <a:effectLst/>
+                <a:latin typeface="+mn-lt"/>
+                <a:ea typeface="+mn-ea"/>
+                <a:cs typeface="+mn-cs"/>
+              </a:rPr>
+              <a:t> los </a:t>
+            </a:r>
+            <a:r>
+              <a:rPr lang="pt-BR" sz="1200" b="0" i="0" kern="1200" baseline="0" dirty="0" err="1" smtClean="0">
+                <a:solidFill>
+                  <a:schemeClr val="tx1"/>
+                </a:solidFill>
+                <a:effectLst/>
+                <a:latin typeface="+mn-lt"/>
+                <a:ea typeface="+mn-ea"/>
+                <a:cs typeface="+mn-cs"/>
+              </a:rPr>
+              <a:t>electrodoméstricos</a:t>
+            </a:r>
+            <a:r>
+              <a:rPr lang="pt-BR" sz="1200" b="0" i="0" kern="1200" baseline="0" dirty="0" smtClean="0">
+                <a:solidFill>
+                  <a:schemeClr val="tx1"/>
+                </a:solidFill>
+                <a:effectLst/>
+                <a:latin typeface="+mn-lt"/>
+                <a:ea typeface="+mn-ea"/>
+                <a:cs typeface="+mn-cs"/>
+              </a:rPr>
+              <a:t> de </a:t>
+            </a:r>
+            <a:r>
+              <a:rPr lang="pt-BR" sz="1200" b="0" i="0" kern="1200" baseline="0" dirty="0" err="1" smtClean="0">
+                <a:solidFill>
+                  <a:schemeClr val="tx1"/>
+                </a:solidFill>
+                <a:effectLst/>
+                <a:latin typeface="+mn-lt"/>
+                <a:ea typeface="+mn-ea"/>
+                <a:cs typeface="+mn-cs"/>
+              </a:rPr>
+              <a:t>nuestro</a:t>
+            </a:r>
+            <a:r>
+              <a:rPr lang="pt-BR" sz="1200" b="0" i="0" kern="1200" baseline="0" dirty="0" smtClean="0">
+                <a:solidFill>
+                  <a:schemeClr val="tx1"/>
+                </a:solidFill>
+                <a:effectLst/>
+                <a:latin typeface="+mn-lt"/>
+                <a:ea typeface="+mn-ea"/>
+                <a:cs typeface="+mn-cs"/>
+              </a:rPr>
+              <a:t> </a:t>
+            </a:r>
+            <a:r>
+              <a:rPr lang="pt-BR" sz="1200" b="0" i="0" kern="1200" baseline="0" dirty="0" err="1" smtClean="0">
+                <a:solidFill>
+                  <a:schemeClr val="tx1"/>
+                </a:solidFill>
+                <a:effectLst/>
+                <a:latin typeface="+mn-lt"/>
+                <a:ea typeface="+mn-ea"/>
+                <a:cs typeface="+mn-cs"/>
+              </a:rPr>
+              <a:t>hogar</a:t>
+            </a:r>
+            <a:r>
+              <a:rPr lang="pt-BR" sz="1200" b="0" i="0" kern="1200" baseline="0" dirty="0" smtClean="0">
+                <a:solidFill>
+                  <a:schemeClr val="tx1"/>
+                </a:solidFill>
+                <a:effectLst/>
+                <a:latin typeface="+mn-lt"/>
+                <a:ea typeface="+mn-ea"/>
+                <a:cs typeface="+mn-cs"/>
+              </a:rPr>
+              <a:t>, los frigoríficos no </a:t>
+            </a:r>
+            <a:r>
+              <a:rPr lang="pt-BR" sz="1200" b="0" i="0" kern="1200" baseline="0" dirty="0" err="1" smtClean="0">
+                <a:solidFill>
+                  <a:schemeClr val="tx1"/>
+                </a:solidFill>
+                <a:effectLst/>
+                <a:latin typeface="+mn-lt"/>
+                <a:ea typeface="+mn-ea"/>
+                <a:cs typeface="+mn-cs"/>
+              </a:rPr>
+              <a:t>son</a:t>
+            </a:r>
+            <a:r>
+              <a:rPr lang="pt-BR" sz="1200" b="0" i="0" kern="1200" baseline="0" dirty="0" smtClean="0">
+                <a:solidFill>
+                  <a:schemeClr val="tx1"/>
+                </a:solidFill>
+                <a:effectLst/>
+                <a:latin typeface="+mn-lt"/>
+                <a:ea typeface="+mn-ea"/>
+                <a:cs typeface="+mn-cs"/>
+              </a:rPr>
+              <a:t> los más </a:t>
+            </a:r>
+            <a:r>
+              <a:rPr lang="pt-BR" sz="1200" b="0" i="0" kern="1200" baseline="0" dirty="0" err="1" smtClean="0">
+                <a:solidFill>
+                  <a:schemeClr val="tx1"/>
+                </a:solidFill>
+                <a:effectLst/>
+                <a:latin typeface="+mn-lt"/>
+                <a:ea typeface="+mn-ea"/>
+                <a:cs typeface="+mn-cs"/>
+              </a:rPr>
+              <a:t>llamativos</a:t>
+            </a:r>
+            <a:r>
+              <a:rPr lang="pt-BR" sz="1200" b="0" i="0" kern="1200" baseline="0" dirty="0" smtClean="0">
+                <a:solidFill>
+                  <a:schemeClr val="tx1"/>
+                </a:solidFill>
+                <a:effectLst/>
+                <a:latin typeface="+mn-lt"/>
+                <a:ea typeface="+mn-ea"/>
+                <a:cs typeface="+mn-cs"/>
+              </a:rPr>
+              <a:t> </a:t>
+            </a:r>
+            <a:r>
+              <a:rPr lang="pt-BR" sz="1200" b="0" i="0" kern="1200" baseline="0" dirty="0" err="1" smtClean="0">
+                <a:solidFill>
+                  <a:schemeClr val="tx1"/>
+                </a:solidFill>
+                <a:effectLst/>
+                <a:latin typeface="+mn-lt"/>
+                <a:ea typeface="+mn-ea"/>
+                <a:cs typeface="+mn-cs"/>
+              </a:rPr>
+              <a:t>tecnológicamente</a:t>
+            </a:r>
+            <a:r>
+              <a:rPr lang="pt-BR" sz="1200" b="0" i="0" kern="1200" baseline="0" dirty="0" smtClean="0">
+                <a:solidFill>
+                  <a:schemeClr val="tx1"/>
+                </a:solidFill>
+                <a:effectLst/>
+                <a:latin typeface="+mn-lt"/>
+                <a:ea typeface="+mn-ea"/>
+                <a:cs typeface="+mn-cs"/>
+              </a:rPr>
+              <a:t>, pero </a:t>
+            </a:r>
+            <a:r>
+              <a:rPr lang="pt-BR" sz="1200" b="0" i="0" kern="1200" baseline="0" dirty="0" err="1" smtClean="0">
+                <a:solidFill>
+                  <a:schemeClr val="tx1"/>
+                </a:solidFill>
+                <a:effectLst/>
+                <a:latin typeface="+mn-lt"/>
+                <a:ea typeface="+mn-ea"/>
+                <a:cs typeface="+mn-cs"/>
+              </a:rPr>
+              <a:t>esto</a:t>
+            </a:r>
+            <a:r>
+              <a:rPr lang="pt-BR" sz="1200" b="0" i="0" kern="1200" baseline="0" dirty="0" smtClean="0">
+                <a:solidFill>
+                  <a:schemeClr val="tx1"/>
+                </a:solidFill>
+                <a:effectLst/>
+                <a:latin typeface="+mn-lt"/>
+                <a:ea typeface="+mn-ea"/>
+                <a:cs typeface="+mn-cs"/>
+              </a:rPr>
+              <a:t> está cambiando.</a:t>
+            </a:r>
+          </a:p>
+          <a:p>
+            <a:r>
+              <a:rPr lang="pt-BR" sz="1200" b="0" i="0" kern="1200" baseline="0" dirty="0" smtClean="0">
+                <a:solidFill>
+                  <a:schemeClr val="tx1"/>
+                </a:solidFill>
+                <a:effectLst/>
+                <a:latin typeface="+mn-lt"/>
+                <a:ea typeface="+mn-ea"/>
+                <a:cs typeface="+mn-cs"/>
+              </a:rPr>
+              <a:t>H</a:t>
+            </a:r>
+            <a:r>
+              <a:rPr lang="pt-BR" sz="1200" b="0" i="0" kern="1200" dirty="0" smtClean="0">
+                <a:solidFill>
+                  <a:schemeClr val="tx1"/>
+                </a:solidFill>
+                <a:effectLst/>
+                <a:latin typeface="+mn-lt"/>
+                <a:ea typeface="+mn-ea"/>
+                <a:cs typeface="+mn-cs"/>
+              </a:rPr>
+              <a:t>asta </a:t>
+            </a:r>
+            <a:r>
+              <a:rPr lang="pt-BR" sz="1200" b="0" i="0" kern="1200" dirty="0" err="1" smtClean="0">
+                <a:solidFill>
+                  <a:schemeClr val="tx1"/>
+                </a:solidFill>
+                <a:effectLst/>
+                <a:latin typeface="+mn-lt"/>
+                <a:ea typeface="+mn-ea"/>
+                <a:cs typeface="+mn-cs"/>
+              </a:rPr>
+              <a:t>hace</a:t>
+            </a:r>
+            <a:r>
+              <a:rPr lang="pt-BR" sz="1200" b="0" i="0" kern="1200" dirty="0" smtClean="0">
+                <a:solidFill>
+                  <a:schemeClr val="tx1"/>
+                </a:solidFill>
+                <a:effectLst/>
+                <a:latin typeface="+mn-lt"/>
+                <a:ea typeface="+mn-ea"/>
+                <a:cs typeface="+mn-cs"/>
+              </a:rPr>
+              <a:t> </a:t>
+            </a:r>
+            <a:r>
+              <a:rPr lang="pt-BR" sz="1200" b="0" i="0" kern="1200" dirty="0" err="1" smtClean="0">
+                <a:solidFill>
+                  <a:schemeClr val="tx1"/>
+                </a:solidFill>
+                <a:effectLst/>
+                <a:latin typeface="+mn-lt"/>
+                <a:ea typeface="+mn-ea"/>
+                <a:cs typeface="+mn-cs"/>
+              </a:rPr>
+              <a:t>poco</a:t>
+            </a:r>
+            <a:r>
+              <a:rPr lang="pt-BR" sz="1200" b="0" i="0" kern="1200" dirty="0" smtClean="0">
+                <a:solidFill>
+                  <a:schemeClr val="tx1"/>
+                </a:solidFill>
+                <a:effectLst/>
+                <a:latin typeface="+mn-lt"/>
+                <a:ea typeface="+mn-ea"/>
+                <a:cs typeface="+mn-cs"/>
+              </a:rPr>
+              <a:t> </a:t>
+            </a:r>
+            <a:r>
+              <a:rPr lang="pt-BR" sz="1200" b="0" i="0" kern="1200" dirty="0" err="1" smtClean="0">
+                <a:solidFill>
+                  <a:schemeClr val="tx1"/>
+                </a:solidFill>
+                <a:effectLst/>
+                <a:latin typeface="+mn-lt"/>
+                <a:ea typeface="+mn-ea"/>
+                <a:cs typeface="+mn-cs"/>
+              </a:rPr>
+              <a:t>lo</a:t>
+            </a:r>
+            <a:r>
+              <a:rPr lang="pt-BR" sz="1200" b="0" i="0" kern="1200" dirty="0" smtClean="0">
+                <a:solidFill>
+                  <a:schemeClr val="tx1"/>
+                </a:solidFill>
+                <a:effectLst/>
+                <a:latin typeface="+mn-lt"/>
+                <a:ea typeface="+mn-ea"/>
+                <a:cs typeface="+mn-cs"/>
+              </a:rPr>
+              <a:t> más </a:t>
+            </a:r>
+            <a:r>
+              <a:rPr lang="pt-BR" sz="1200" b="0" i="0" kern="1200" dirty="0" err="1" smtClean="0">
+                <a:solidFill>
+                  <a:schemeClr val="tx1"/>
+                </a:solidFill>
+                <a:effectLst/>
+                <a:latin typeface="+mn-lt"/>
+                <a:ea typeface="+mn-ea"/>
+                <a:cs typeface="+mn-cs"/>
+              </a:rPr>
+              <a:t>novedoso</a:t>
+            </a:r>
+            <a:r>
+              <a:rPr lang="pt-BR" sz="1200" b="0" i="0" kern="1200" dirty="0" smtClean="0">
+                <a:solidFill>
+                  <a:schemeClr val="tx1"/>
+                </a:solidFill>
+                <a:effectLst/>
+                <a:latin typeface="+mn-lt"/>
+                <a:ea typeface="+mn-ea"/>
+                <a:cs typeface="+mn-cs"/>
+              </a:rPr>
+              <a:t> </a:t>
+            </a:r>
+            <a:r>
+              <a:rPr lang="pt-BR" sz="1200" b="0" i="0" kern="1200" baseline="0" dirty="0" smtClean="0">
+                <a:solidFill>
+                  <a:schemeClr val="tx1"/>
+                </a:solidFill>
+                <a:effectLst/>
+                <a:latin typeface="+mn-lt"/>
+                <a:ea typeface="+mn-ea"/>
+                <a:cs typeface="+mn-cs"/>
+              </a:rPr>
+              <a:t>que </a:t>
+            </a:r>
+            <a:r>
+              <a:rPr lang="pt-BR" sz="1200" b="0" i="0" kern="1200" baseline="0" dirty="0" err="1" smtClean="0">
+                <a:solidFill>
+                  <a:schemeClr val="tx1"/>
+                </a:solidFill>
+                <a:effectLst/>
+                <a:latin typeface="+mn-lt"/>
+                <a:ea typeface="+mn-ea"/>
+                <a:cs typeface="+mn-cs"/>
+              </a:rPr>
+              <a:t>podía</a:t>
+            </a:r>
+            <a:r>
+              <a:rPr lang="pt-BR" sz="1200" b="0" i="0" kern="1200" baseline="0" dirty="0" smtClean="0">
+                <a:solidFill>
+                  <a:schemeClr val="tx1"/>
+                </a:solidFill>
+                <a:effectLst/>
+                <a:latin typeface="+mn-lt"/>
+                <a:ea typeface="+mn-ea"/>
+                <a:cs typeface="+mn-cs"/>
+              </a:rPr>
+              <a:t> </a:t>
+            </a:r>
+            <a:r>
+              <a:rPr lang="pt-BR" sz="1200" b="0" i="0" kern="1200" baseline="0" dirty="0" err="1" smtClean="0">
+                <a:solidFill>
+                  <a:schemeClr val="tx1"/>
+                </a:solidFill>
+                <a:effectLst/>
+                <a:latin typeface="+mn-lt"/>
+                <a:ea typeface="+mn-ea"/>
+                <a:cs typeface="+mn-cs"/>
+              </a:rPr>
+              <a:t>hacer</a:t>
+            </a:r>
+            <a:r>
+              <a:rPr lang="pt-BR" sz="1200" b="0" i="0" kern="1200" baseline="0" dirty="0" smtClean="0">
+                <a:solidFill>
+                  <a:schemeClr val="tx1"/>
+                </a:solidFill>
+                <a:effectLst/>
+                <a:latin typeface="+mn-lt"/>
+                <a:ea typeface="+mn-ea"/>
+                <a:cs typeface="+mn-cs"/>
+              </a:rPr>
+              <a:t> </a:t>
+            </a:r>
+            <a:r>
+              <a:rPr lang="pt-BR" sz="1200" b="0" i="0" kern="1200" baseline="0" dirty="0" err="1" smtClean="0">
+                <a:solidFill>
+                  <a:schemeClr val="tx1"/>
+                </a:solidFill>
+                <a:effectLst/>
+                <a:latin typeface="+mn-lt"/>
+                <a:ea typeface="+mn-ea"/>
+                <a:cs typeface="+mn-cs"/>
+              </a:rPr>
+              <a:t>nuestro</a:t>
+            </a:r>
+            <a:r>
+              <a:rPr lang="pt-BR" sz="1200" b="0" i="0" kern="1200" baseline="0" dirty="0" smtClean="0">
+                <a:solidFill>
+                  <a:schemeClr val="tx1"/>
+                </a:solidFill>
+                <a:effectLst/>
+                <a:latin typeface="+mn-lt"/>
+                <a:ea typeface="+mn-ea"/>
+                <a:cs typeface="+mn-cs"/>
+              </a:rPr>
+              <a:t> frigorífico por </a:t>
+            </a:r>
+            <a:r>
+              <a:rPr lang="pt-BR" sz="1200" b="0" i="0" kern="1200" baseline="0" dirty="0" err="1" smtClean="0">
+                <a:solidFill>
+                  <a:schemeClr val="tx1"/>
+                </a:solidFill>
+                <a:effectLst/>
+                <a:latin typeface="+mn-lt"/>
+                <a:ea typeface="+mn-ea"/>
+                <a:cs typeface="+mn-cs"/>
+              </a:rPr>
+              <a:t>nosotros</a:t>
+            </a:r>
+            <a:r>
+              <a:rPr lang="pt-BR" sz="1200" b="0" i="0" kern="1200" baseline="0" dirty="0" smtClean="0">
+                <a:solidFill>
+                  <a:schemeClr val="tx1"/>
+                </a:solidFill>
+                <a:effectLst/>
+                <a:latin typeface="+mn-lt"/>
+                <a:ea typeface="+mn-ea"/>
+                <a:cs typeface="+mn-cs"/>
+              </a:rPr>
+              <a:t> era dispensar </a:t>
+            </a:r>
+            <a:r>
+              <a:rPr lang="pt-BR" sz="1200" b="0" i="0" kern="1200" baseline="0" dirty="0" err="1" smtClean="0">
+                <a:solidFill>
+                  <a:schemeClr val="tx1"/>
+                </a:solidFill>
+                <a:effectLst/>
+                <a:latin typeface="+mn-lt"/>
+                <a:ea typeface="+mn-ea"/>
+                <a:cs typeface="+mn-cs"/>
+              </a:rPr>
+              <a:t>hielo</a:t>
+            </a:r>
+            <a:r>
+              <a:rPr lang="pt-BR" sz="1200" b="0" i="0" kern="1200" baseline="0" dirty="0" smtClean="0">
+                <a:solidFill>
+                  <a:schemeClr val="tx1"/>
+                </a:solidFill>
+                <a:effectLst/>
+                <a:latin typeface="+mn-lt"/>
+                <a:ea typeface="+mn-ea"/>
+                <a:cs typeface="+mn-cs"/>
+              </a:rPr>
+              <a:t> y agua </a:t>
+            </a:r>
+            <a:r>
+              <a:rPr lang="pt-BR" sz="1200" b="0" i="0" kern="1200" baseline="0" dirty="0" err="1" smtClean="0">
+                <a:solidFill>
+                  <a:schemeClr val="tx1"/>
+                </a:solidFill>
+                <a:effectLst/>
+                <a:latin typeface="+mn-lt"/>
+                <a:ea typeface="+mn-ea"/>
+                <a:cs typeface="+mn-cs"/>
+              </a:rPr>
+              <a:t>fría</a:t>
+            </a:r>
+            <a:r>
+              <a:rPr lang="pt-BR" sz="1200" b="0" i="0" kern="1200" baseline="0" dirty="0" smtClean="0">
+                <a:solidFill>
+                  <a:schemeClr val="tx1"/>
+                </a:solidFill>
+                <a:effectLst/>
+                <a:latin typeface="+mn-lt"/>
+                <a:ea typeface="+mn-ea"/>
+                <a:cs typeface="+mn-cs"/>
+              </a:rPr>
+              <a:t>, pero s</a:t>
+            </a:r>
+            <a:r>
+              <a:rPr lang="es-ES" sz="1200" b="0" i="0" kern="1200" dirty="0" smtClean="0">
+                <a:solidFill>
+                  <a:schemeClr val="tx1"/>
+                </a:solidFill>
+                <a:effectLst/>
+                <a:latin typeface="+mn-lt"/>
+                <a:ea typeface="+mn-ea"/>
+                <a:cs typeface="+mn-cs"/>
+              </a:rPr>
+              <a:t>i</a:t>
+            </a:r>
+            <a:r>
+              <a:rPr lang="es-ES" sz="1200" b="0" i="0" kern="1200" baseline="0" dirty="0" smtClean="0">
+                <a:solidFill>
+                  <a:schemeClr val="tx1"/>
+                </a:solidFill>
+                <a:effectLst/>
+                <a:latin typeface="+mn-lt"/>
+                <a:ea typeface="+mn-ea"/>
+                <a:cs typeface="+mn-cs"/>
+              </a:rPr>
+              <a:t> echamos un vistazo a las últimas innovaciones de S</a:t>
+            </a:r>
+            <a:r>
+              <a:rPr lang="es-ES" sz="1200" b="0" i="0" kern="1200" dirty="0" smtClean="0">
+                <a:solidFill>
+                  <a:schemeClr val="tx1"/>
+                </a:solidFill>
+                <a:effectLst/>
+                <a:latin typeface="+mn-lt"/>
+                <a:ea typeface="+mn-ea"/>
+                <a:cs typeface="+mn-cs"/>
+              </a:rPr>
+              <a:t>amsung, LG o Whirlpool, la</a:t>
+            </a:r>
+            <a:r>
+              <a:rPr lang="es-ES" sz="1200" b="0" i="0" kern="1200" baseline="0" dirty="0" smtClean="0">
+                <a:solidFill>
+                  <a:schemeClr val="tx1"/>
+                </a:solidFill>
+                <a:effectLst/>
+                <a:latin typeface="+mn-lt"/>
+                <a:ea typeface="+mn-ea"/>
+                <a:cs typeface="+mn-cs"/>
+              </a:rPr>
+              <a:t> tendencia es diferente, las grandes marcas están apostando por la creación de frigoríficos inteligentes, integrando en sus diseños la inteligencia artificial.</a:t>
+            </a:r>
+          </a:p>
+          <a:p>
+            <a:r>
+              <a:rPr lang="es-ES" sz="1200" b="0" i="0" kern="1200" baseline="0" dirty="0" smtClean="0">
+                <a:solidFill>
+                  <a:schemeClr val="tx1"/>
+                </a:solidFill>
+                <a:effectLst/>
+                <a:latin typeface="+mn-lt"/>
+                <a:ea typeface="+mn-ea"/>
+                <a:cs typeface="+mn-cs"/>
+              </a:rPr>
+              <a:t>Frigoríficos que incorporan </a:t>
+            </a:r>
+            <a:r>
+              <a:rPr lang="pt-BR" sz="1200" b="0" i="0" kern="1200" dirty="0" err="1" smtClean="0">
+                <a:solidFill>
+                  <a:schemeClr val="tx1"/>
+                </a:solidFill>
+                <a:effectLst/>
+                <a:latin typeface="+mn-lt"/>
+                <a:ea typeface="+mn-ea"/>
+                <a:cs typeface="+mn-cs"/>
+              </a:rPr>
+              <a:t>cámara</a:t>
+            </a:r>
+            <a:r>
+              <a:rPr lang="pt-BR" sz="1200" b="0" i="0" kern="1200" dirty="0" smtClean="0">
+                <a:solidFill>
+                  <a:schemeClr val="tx1"/>
+                </a:solidFill>
+                <a:effectLst/>
+                <a:latin typeface="+mn-lt"/>
+                <a:ea typeface="+mn-ea"/>
+                <a:cs typeface="+mn-cs"/>
+              </a:rPr>
+              <a:t> y sensores </a:t>
+            </a:r>
+            <a:r>
+              <a:rPr lang="pt-BR" sz="1200" b="0" i="0" kern="1200" dirty="0" err="1" smtClean="0">
+                <a:solidFill>
+                  <a:schemeClr val="tx1"/>
+                </a:solidFill>
+                <a:effectLst/>
+                <a:latin typeface="+mn-lt"/>
+                <a:ea typeface="+mn-ea"/>
+                <a:cs typeface="+mn-cs"/>
+              </a:rPr>
+              <a:t>en</a:t>
+            </a:r>
+            <a:r>
+              <a:rPr lang="pt-BR" sz="1200" b="0" i="0" kern="1200" dirty="0" smtClean="0">
+                <a:solidFill>
+                  <a:schemeClr val="tx1"/>
+                </a:solidFill>
+                <a:effectLst/>
+                <a:latin typeface="+mn-lt"/>
+                <a:ea typeface="+mn-ea"/>
+                <a:cs typeface="+mn-cs"/>
+              </a:rPr>
+              <a:t> </a:t>
+            </a:r>
+            <a:r>
+              <a:rPr lang="pt-BR" sz="1200" b="0" i="0" kern="1200" dirty="0" err="1" smtClean="0">
+                <a:solidFill>
+                  <a:schemeClr val="tx1"/>
+                </a:solidFill>
+                <a:effectLst/>
+                <a:latin typeface="+mn-lt"/>
+                <a:ea typeface="+mn-ea"/>
+                <a:cs typeface="+mn-cs"/>
+              </a:rPr>
+              <a:t>su</a:t>
+            </a:r>
+            <a:r>
+              <a:rPr lang="pt-BR" sz="1200" b="0" i="0" kern="1200" dirty="0" smtClean="0">
+                <a:solidFill>
+                  <a:schemeClr val="tx1"/>
+                </a:solidFill>
+                <a:effectLst/>
+                <a:latin typeface="+mn-lt"/>
+                <a:ea typeface="+mn-ea"/>
+                <a:cs typeface="+mn-cs"/>
+              </a:rPr>
+              <a:t> interior </a:t>
+            </a:r>
+            <a:r>
+              <a:rPr lang="pt-BR" sz="1200" b="0" i="0" kern="1200" dirty="0" err="1" smtClean="0">
+                <a:solidFill>
+                  <a:schemeClr val="tx1"/>
+                </a:solidFill>
+                <a:effectLst/>
+                <a:latin typeface="+mn-lt"/>
+                <a:ea typeface="+mn-ea"/>
+                <a:cs typeface="+mn-cs"/>
+              </a:rPr>
+              <a:t>con</a:t>
+            </a:r>
+            <a:r>
+              <a:rPr lang="pt-BR" sz="1200" b="0" i="0" kern="1200" dirty="0" smtClean="0">
+                <a:solidFill>
+                  <a:schemeClr val="tx1"/>
+                </a:solidFill>
+                <a:effectLst/>
+                <a:latin typeface="+mn-lt"/>
+                <a:ea typeface="+mn-ea"/>
+                <a:cs typeface="+mn-cs"/>
+              </a:rPr>
+              <a:t> </a:t>
+            </a:r>
+            <a:r>
+              <a:rPr lang="pt-BR" sz="1200" b="0" i="0" kern="1200" dirty="0" err="1" smtClean="0">
+                <a:solidFill>
+                  <a:schemeClr val="tx1"/>
+                </a:solidFill>
+                <a:effectLst/>
+                <a:latin typeface="+mn-lt"/>
+                <a:ea typeface="+mn-ea"/>
+                <a:cs typeface="+mn-cs"/>
+              </a:rPr>
+              <a:t>las</a:t>
+            </a:r>
+            <a:r>
+              <a:rPr lang="pt-BR" sz="1200" b="0" i="0" kern="1200" dirty="0" smtClean="0">
+                <a:solidFill>
+                  <a:schemeClr val="tx1"/>
+                </a:solidFill>
+                <a:effectLst/>
+                <a:latin typeface="+mn-lt"/>
+                <a:ea typeface="+mn-ea"/>
+                <a:cs typeface="+mn-cs"/>
+              </a:rPr>
+              <a:t> que poder </a:t>
+            </a:r>
+            <a:r>
+              <a:rPr lang="pt-BR" sz="1200" b="0" i="0" kern="1200" baseline="0" dirty="0" smtClean="0">
+                <a:solidFill>
+                  <a:schemeClr val="tx1"/>
+                </a:solidFill>
+                <a:effectLst/>
+                <a:latin typeface="+mn-lt"/>
+                <a:ea typeface="+mn-ea"/>
+                <a:cs typeface="+mn-cs"/>
+              </a:rPr>
+              <a:t>ver </a:t>
+            </a:r>
+            <a:r>
+              <a:rPr lang="pt-BR" sz="1200" b="0" i="0" kern="1200" baseline="0" dirty="0" err="1" smtClean="0">
+                <a:solidFill>
+                  <a:schemeClr val="tx1"/>
+                </a:solidFill>
+                <a:effectLst/>
+                <a:latin typeface="+mn-lt"/>
+                <a:ea typeface="+mn-ea"/>
+                <a:cs typeface="+mn-cs"/>
+              </a:rPr>
+              <a:t>su</a:t>
+            </a:r>
+            <a:r>
+              <a:rPr lang="pt-BR" sz="1200" b="0" i="0" kern="1200" baseline="0" dirty="0" smtClean="0">
+                <a:solidFill>
+                  <a:schemeClr val="tx1"/>
+                </a:solidFill>
+                <a:effectLst/>
+                <a:latin typeface="+mn-lt"/>
+                <a:ea typeface="+mn-ea"/>
+                <a:cs typeface="+mn-cs"/>
+              </a:rPr>
+              <a:t> </a:t>
+            </a:r>
+            <a:r>
+              <a:rPr lang="pt-BR" sz="1200" b="0" i="0" kern="1200" baseline="0" dirty="0" err="1" smtClean="0">
+                <a:solidFill>
+                  <a:schemeClr val="tx1"/>
+                </a:solidFill>
+                <a:effectLst/>
+                <a:latin typeface="+mn-lt"/>
+                <a:ea typeface="+mn-ea"/>
+                <a:cs typeface="+mn-cs"/>
+              </a:rPr>
+              <a:t>contenido</a:t>
+            </a:r>
+            <a:r>
+              <a:rPr lang="pt-BR" sz="1200" b="0" i="0" kern="1200" baseline="0" dirty="0" smtClean="0">
+                <a:solidFill>
+                  <a:schemeClr val="tx1"/>
+                </a:solidFill>
+                <a:effectLst/>
+                <a:latin typeface="+mn-lt"/>
+                <a:ea typeface="+mn-ea"/>
+                <a:cs typeface="+mn-cs"/>
+              </a:rPr>
+              <a:t>, </a:t>
+            </a:r>
+            <a:r>
+              <a:rPr lang="pt-BR" sz="1200" b="0" i="0" kern="1200" baseline="0" dirty="0" err="1" smtClean="0">
+                <a:solidFill>
+                  <a:schemeClr val="tx1"/>
+                </a:solidFill>
+                <a:effectLst/>
+                <a:latin typeface="+mn-lt"/>
+                <a:ea typeface="+mn-ea"/>
+                <a:cs typeface="+mn-cs"/>
+              </a:rPr>
+              <a:t>pantalla</a:t>
+            </a:r>
+            <a:r>
+              <a:rPr lang="pt-BR" sz="1200" b="0" i="0" kern="1200" baseline="0" dirty="0" smtClean="0">
+                <a:solidFill>
+                  <a:schemeClr val="tx1"/>
+                </a:solidFill>
+                <a:effectLst/>
+                <a:latin typeface="+mn-lt"/>
+                <a:ea typeface="+mn-ea"/>
+                <a:cs typeface="+mn-cs"/>
+              </a:rPr>
+              <a:t> táctil, </a:t>
+            </a:r>
+            <a:r>
+              <a:rPr lang="pt-BR" sz="1200" b="0" i="0" kern="1200" baseline="0" dirty="0" err="1" smtClean="0">
+                <a:solidFill>
+                  <a:schemeClr val="tx1"/>
+                </a:solidFill>
+                <a:effectLst/>
+                <a:latin typeface="+mn-lt"/>
+                <a:ea typeface="+mn-ea"/>
+                <a:cs typeface="+mn-cs"/>
+              </a:rPr>
+              <a:t>altavoces</a:t>
+            </a:r>
+            <a:r>
+              <a:rPr lang="pt-BR" sz="1200" b="0" i="0" kern="1200" baseline="0" dirty="0" smtClean="0">
+                <a:solidFill>
+                  <a:schemeClr val="tx1"/>
+                </a:solidFill>
+                <a:effectLst/>
+                <a:latin typeface="+mn-lt"/>
+                <a:ea typeface="+mn-ea"/>
+                <a:cs typeface="+mn-cs"/>
+              </a:rPr>
+              <a:t>, ajuste temperatura mediante </a:t>
+            </a:r>
+            <a:r>
+              <a:rPr lang="pt-BR" sz="1200" b="0" i="0" kern="1200" baseline="0" dirty="0" err="1" smtClean="0">
+                <a:solidFill>
+                  <a:schemeClr val="tx1"/>
+                </a:solidFill>
+                <a:effectLst/>
+                <a:latin typeface="+mn-lt"/>
+                <a:ea typeface="+mn-ea"/>
+                <a:cs typeface="+mn-cs"/>
+              </a:rPr>
+              <a:t>wifi</a:t>
+            </a:r>
+            <a:r>
+              <a:rPr lang="pt-BR" sz="1200" b="0" i="0" kern="1200" baseline="0" dirty="0" smtClean="0">
+                <a:solidFill>
+                  <a:schemeClr val="tx1"/>
+                </a:solidFill>
+                <a:effectLst/>
+                <a:latin typeface="+mn-lt"/>
+                <a:ea typeface="+mn-ea"/>
+                <a:cs typeface="+mn-cs"/>
+              </a:rPr>
+              <a:t>, </a:t>
+            </a:r>
+            <a:r>
+              <a:rPr lang="pt-BR" sz="1200" b="0" i="0" kern="1200" baseline="0" dirty="0" err="1" smtClean="0">
+                <a:solidFill>
+                  <a:schemeClr val="tx1"/>
+                </a:solidFill>
+                <a:effectLst/>
+                <a:latin typeface="+mn-lt"/>
+                <a:ea typeface="+mn-ea"/>
+                <a:cs typeface="+mn-cs"/>
+              </a:rPr>
+              <a:t>configuración</a:t>
+            </a:r>
+            <a:r>
+              <a:rPr lang="pt-BR" sz="1200" b="0" i="0" kern="1200" baseline="0" dirty="0" smtClean="0">
+                <a:solidFill>
+                  <a:schemeClr val="tx1"/>
+                </a:solidFill>
+                <a:effectLst/>
+                <a:latin typeface="+mn-lt"/>
+                <a:ea typeface="+mn-ea"/>
+                <a:cs typeface="+mn-cs"/>
+              </a:rPr>
+              <a:t> de alertas, </a:t>
+            </a:r>
+            <a:r>
+              <a:rPr lang="pt-BR" sz="1200" b="0" i="0" kern="1200" baseline="0" dirty="0" err="1" smtClean="0">
+                <a:solidFill>
+                  <a:schemeClr val="tx1"/>
+                </a:solidFill>
+                <a:effectLst/>
+                <a:latin typeface="+mn-lt"/>
+                <a:ea typeface="+mn-ea"/>
+                <a:cs typeface="+mn-cs"/>
+              </a:rPr>
+              <a:t>sincronización</a:t>
+            </a:r>
+            <a:r>
+              <a:rPr lang="pt-BR" sz="1200" b="0" i="0" kern="1200" baseline="0" dirty="0" smtClean="0">
+                <a:solidFill>
+                  <a:schemeClr val="tx1"/>
+                </a:solidFill>
+                <a:effectLst/>
+                <a:latin typeface="+mn-lt"/>
+                <a:ea typeface="+mn-ea"/>
+                <a:cs typeface="+mn-cs"/>
+              </a:rPr>
+              <a:t> de </a:t>
+            </a:r>
+            <a:r>
+              <a:rPr lang="pt-BR" sz="1200" b="0" i="0" kern="1200" baseline="0" dirty="0" err="1" smtClean="0">
+                <a:solidFill>
+                  <a:schemeClr val="tx1"/>
+                </a:solidFill>
+                <a:effectLst/>
+                <a:latin typeface="+mn-lt"/>
+                <a:ea typeface="+mn-ea"/>
+                <a:cs typeface="+mn-cs"/>
+              </a:rPr>
+              <a:t>calendario</a:t>
+            </a:r>
+            <a:r>
+              <a:rPr lang="pt-BR" sz="1200" b="0" i="0" kern="1200" baseline="0" dirty="0" smtClean="0">
+                <a:solidFill>
+                  <a:schemeClr val="tx1"/>
+                </a:solidFill>
+                <a:effectLst/>
+                <a:latin typeface="+mn-lt"/>
+                <a:ea typeface="+mn-ea"/>
+                <a:cs typeface="+mn-cs"/>
+              </a:rPr>
+              <a:t>, sensores de movimento, etiquetado de alimentos, comandos de voz, y </a:t>
+            </a:r>
+            <a:r>
+              <a:rPr lang="pt-BR" sz="1200" b="0" i="0" kern="1200" baseline="0" dirty="0" err="1" smtClean="0">
+                <a:solidFill>
+                  <a:schemeClr val="tx1"/>
+                </a:solidFill>
+                <a:effectLst/>
+                <a:latin typeface="+mn-lt"/>
+                <a:ea typeface="+mn-ea"/>
+                <a:cs typeface="+mn-cs"/>
+              </a:rPr>
+              <a:t>mucho</a:t>
+            </a:r>
+            <a:r>
+              <a:rPr lang="pt-BR" sz="1200" b="0" i="0" kern="1200" baseline="0" dirty="0" smtClean="0">
+                <a:solidFill>
+                  <a:schemeClr val="tx1"/>
+                </a:solidFill>
+                <a:effectLst/>
+                <a:latin typeface="+mn-lt"/>
+                <a:ea typeface="+mn-ea"/>
+                <a:cs typeface="+mn-cs"/>
+              </a:rPr>
+              <a:t> más.</a:t>
+            </a:r>
+            <a:endParaRPr lang="es-ES" sz="1200" b="0" i="0" kern="1200" dirty="0" smtClean="0">
+              <a:solidFill>
+                <a:schemeClr val="tx1"/>
+              </a:solidFill>
+              <a:effectLst/>
+              <a:latin typeface="+mn-lt"/>
+              <a:ea typeface="+mn-ea"/>
+              <a:cs typeface="+mn-cs"/>
+            </a:endParaRPr>
+          </a:p>
+          <a:p>
+            <a:endParaRPr lang="es-ES" sz="1200" b="0" i="0" kern="1200" dirty="0" smtClean="0">
+              <a:solidFill>
+                <a:schemeClr val="tx1"/>
+              </a:solidFill>
+              <a:effectLst/>
+              <a:latin typeface="+mn-lt"/>
+              <a:ea typeface="+mn-ea"/>
+              <a:cs typeface="+mn-cs"/>
+            </a:endParaRPr>
+          </a:p>
+          <a:p>
+            <a:r>
+              <a:rPr lang="es-ES" sz="1200" b="0" i="0" kern="1200" dirty="0" smtClean="0">
+                <a:solidFill>
+                  <a:schemeClr val="tx1"/>
+                </a:solidFill>
+                <a:effectLst/>
+                <a:latin typeface="+mn-lt"/>
+                <a:ea typeface="+mn-ea"/>
+                <a:cs typeface="+mn-cs"/>
+              </a:rPr>
+              <a:t>Samsung,</a:t>
+            </a:r>
+            <a:r>
+              <a:rPr lang="es-ES" sz="1200" b="0" i="0" kern="1200" baseline="0" dirty="0" smtClean="0">
+                <a:solidFill>
+                  <a:schemeClr val="tx1"/>
+                </a:solidFill>
+                <a:effectLst/>
+                <a:latin typeface="+mn-lt"/>
+                <a:ea typeface="+mn-ea"/>
+                <a:cs typeface="+mn-cs"/>
+              </a:rPr>
+              <a:t> por ejemplo, e</a:t>
+            </a:r>
+            <a:r>
+              <a:rPr lang="es-ES" sz="1200" b="0" i="0" kern="1200" dirty="0" smtClean="0">
+                <a:solidFill>
+                  <a:schemeClr val="tx1"/>
+                </a:solidFill>
+                <a:effectLst/>
+                <a:latin typeface="+mn-lt"/>
+                <a:ea typeface="+mn-ea"/>
+                <a:cs typeface="+mn-cs"/>
+              </a:rPr>
+              <a:t>stá trabajando con </a:t>
+            </a:r>
+            <a:r>
+              <a:rPr lang="es-ES" sz="1200" b="0" i="0" kern="1200" dirty="0" err="1" smtClean="0">
+                <a:solidFill>
+                  <a:schemeClr val="tx1"/>
+                </a:solidFill>
+                <a:effectLst/>
+                <a:latin typeface="+mn-lt"/>
+                <a:ea typeface="+mn-ea"/>
+                <a:cs typeface="+mn-cs"/>
+              </a:rPr>
+              <a:t>Spotify</a:t>
+            </a:r>
+            <a:r>
+              <a:rPr lang="es-ES" sz="1200" b="0" i="0" kern="1200" dirty="0" smtClean="0">
+                <a:solidFill>
+                  <a:schemeClr val="tx1"/>
+                </a:solidFill>
+                <a:effectLst/>
+                <a:latin typeface="+mn-lt"/>
+                <a:ea typeface="+mn-ea"/>
+                <a:cs typeface="+mn-cs"/>
+              </a:rPr>
+              <a:t>, </a:t>
+            </a:r>
+            <a:r>
+              <a:rPr lang="es-ES" sz="1200" b="0" i="0" kern="1200" dirty="0" err="1" smtClean="0">
+                <a:solidFill>
+                  <a:schemeClr val="tx1"/>
+                </a:solidFill>
+                <a:effectLst/>
+                <a:latin typeface="+mn-lt"/>
+                <a:ea typeface="+mn-ea"/>
+                <a:cs typeface="+mn-cs"/>
+              </a:rPr>
+              <a:t>LiDL</a:t>
+            </a:r>
+            <a:r>
+              <a:rPr lang="es-ES" sz="1200" b="0" i="0" kern="1200" dirty="0" smtClean="0">
+                <a:solidFill>
+                  <a:schemeClr val="tx1"/>
+                </a:solidFill>
+                <a:effectLst/>
+                <a:latin typeface="+mn-lt"/>
+                <a:ea typeface="+mn-ea"/>
+                <a:cs typeface="+mn-cs"/>
+              </a:rPr>
+              <a:t> y otras empresas para crear aplicaciones y funciones diferentes para sus neveras.</a:t>
+            </a:r>
+          </a:p>
+          <a:p>
+            <a:endParaRPr lang="es-ES" sz="1200" b="0" i="0" kern="1200" baseline="0" dirty="0" smtClean="0">
+              <a:solidFill>
+                <a:schemeClr val="tx1"/>
+              </a:solidFill>
+              <a:effectLst/>
+              <a:latin typeface="+mn-lt"/>
+              <a:ea typeface="+mn-ea"/>
+              <a:cs typeface="+mn-cs"/>
+            </a:endParaRPr>
+          </a:p>
+          <a:p>
+            <a:r>
+              <a:rPr lang="es-ES" sz="1200" b="0" i="0" kern="1200" baseline="0" dirty="0" smtClean="0">
+                <a:solidFill>
+                  <a:schemeClr val="tx1"/>
+                </a:solidFill>
+                <a:effectLst/>
+                <a:latin typeface="+mn-lt"/>
+                <a:ea typeface="+mn-ea"/>
+                <a:cs typeface="+mn-cs"/>
+              </a:rPr>
+              <a:t>Microsoft y </a:t>
+            </a:r>
+            <a:r>
+              <a:rPr lang="es-ES" sz="1200" b="0" i="0" kern="1200" baseline="0" dirty="0" err="1" smtClean="0">
+                <a:solidFill>
+                  <a:schemeClr val="tx1"/>
+                </a:solidFill>
+                <a:effectLst/>
+                <a:latin typeface="+mn-lt"/>
+                <a:ea typeface="+mn-ea"/>
+                <a:cs typeface="+mn-cs"/>
+              </a:rPr>
+              <a:t>Liebherr</a:t>
+            </a:r>
+            <a:r>
+              <a:rPr lang="es-ES" sz="1200" b="0" i="0" kern="1200" baseline="0" dirty="0" smtClean="0">
+                <a:solidFill>
+                  <a:schemeClr val="tx1"/>
+                </a:solidFill>
+                <a:effectLst/>
+                <a:latin typeface="+mn-lt"/>
+                <a:ea typeface="+mn-ea"/>
+                <a:cs typeface="+mn-cs"/>
+              </a:rPr>
+              <a:t> ya están trabajando en esto, se han unido para crear “</a:t>
+            </a:r>
+            <a:r>
+              <a:rPr lang="es-ES" sz="1200" b="0" i="0" kern="1200" baseline="0" dirty="0" err="1" smtClean="0">
+                <a:solidFill>
+                  <a:schemeClr val="tx1"/>
+                </a:solidFill>
+                <a:effectLst/>
+                <a:latin typeface="+mn-lt"/>
+                <a:ea typeface="+mn-ea"/>
+                <a:cs typeface="+mn-cs"/>
+              </a:rPr>
+              <a:t>SmartdeviceBox</a:t>
+            </a:r>
+            <a:r>
+              <a:rPr lang="es-ES" sz="1200" b="0" i="0" kern="1200" baseline="0" dirty="0" smtClean="0">
+                <a:solidFill>
+                  <a:schemeClr val="tx1"/>
+                </a:solidFill>
+                <a:effectLst/>
+                <a:latin typeface="+mn-lt"/>
+                <a:ea typeface="+mn-ea"/>
+                <a:cs typeface="+mn-cs"/>
+              </a:rPr>
+              <a:t>”, que usa tecnología de reconocimiento de imágenes para detectar cuándo queda poca cantidad de algo, y enviar una alerta.</a:t>
+            </a:r>
+          </a:p>
+          <a:p>
+            <a:endParaRPr lang="es-ES" sz="1200" b="0" i="0" kern="1200" baseline="0" dirty="0" smtClean="0">
+              <a:solidFill>
+                <a:schemeClr val="tx1"/>
+              </a:solidFill>
+              <a:effectLst/>
+              <a:latin typeface="+mn-lt"/>
+              <a:ea typeface="+mn-ea"/>
+              <a:cs typeface="+mn-cs"/>
+            </a:endParaRPr>
+          </a:p>
+          <a:p>
+            <a:endParaRPr lang="es-ES" dirty="0"/>
+          </a:p>
+        </p:txBody>
+      </p:sp>
+      <p:sp>
+        <p:nvSpPr>
+          <p:cNvPr id="4" name="Marcador de número de diapositiva 3"/>
+          <p:cNvSpPr>
+            <a:spLocks noGrp="1"/>
+          </p:cNvSpPr>
+          <p:nvPr>
+            <p:ph type="sldNum" sz="quarter" idx="10"/>
+          </p:nvPr>
+        </p:nvSpPr>
+        <p:spPr/>
+        <p:txBody>
+          <a:bodyPr/>
+          <a:lstStyle/>
+          <a:p>
+            <a:fld id="{EF162F7D-BBA6-4D10-862A-C27B4C709058}" type="slidenum">
+              <a:rPr lang="en-GB" smtClean="0"/>
+              <a:t>3</a:t>
+            </a:fld>
+            <a:endParaRPr lang="en-GB"/>
+          </a:p>
+        </p:txBody>
+      </p:sp>
+    </p:spTree>
+    <p:extLst>
+      <p:ext uri="{BB962C8B-B14F-4D97-AF65-F5344CB8AC3E}">
+        <p14:creationId xmlns:p14="http://schemas.microsoft.com/office/powerpoint/2010/main" val="957514693"/>
+      </p:ext>
+    </p:extLst>
+  </p:cSld>
+  <p:clrMapOvr>
+    <a:masterClrMapping/>
+  </p:clrMapOvr>
+</p:notes>
+</file>
+
+<file path=ppt/notesSlides/notesSlide4.xml><?xml version="1.0" encoding="utf-8"?>
+<p:notes xmlns:a="http://schemas.openxmlformats.org/drawingml/2006/main" xmlns:r="http://schemas.openxmlformats.org/officeDocument/2006/relationships" xmlns:p="http://schemas.openxmlformats.org/presentationml/2006/main">
+  <p:cSld>
+    <p:spTree>
+      <p:nvGrpSpPr>
+        <p:cNvPr id="1" name=""/>
+        <p:cNvGrpSpPr/>
+        <p:nvPr/>
+      </p:nvGrpSpPr>
+      <p:grpSpPr>
+        <a:xfrm>
+          <a:off x="0" y="0"/>
+          <a:ext cx="0" cy="0"/>
+          <a:chOff x="0" y="0"/>
+          <a:chExt cx="0" cy="0"/>
+        </a:xfrm>
+      </p:grpSpPr>
+      <p:sp>
+        <p:nvSpPr>
+          <p:cNvPr id="2" name="Marcador de imagen de diapositiva 1"/>
+          <p:cNvSpPr>
+            <a:spLocks noGrp="1" noRot="1" noChangeAspect="1"/>
+          </p:cNvSpPr>
+          <p:nvPr>
+            <p:ph type="sldImg"/>
+          </p:nvPr>
+        </p:nvSpPr>
+        <p:spPr/>
+      </p:sp>
+      <p:sp>
+        <p:nvSpPr>
+          <p:cNvPr id="3" name="Marcador de notas 2"/>
+          <p:cNvSpPr>
+            <a:spLocks noGrp="1"/>
+          </p:cNvSpPr>
+          <p:nvPr>
+            <p:ph type="body" idx="1"/>
+          </p:nvPr>
+        </p:nvSpPr>
+        <p:spPr/>
+        <p:txBody>
+          <a:bodyPr/>
+          <a:lstStyle/>
+          <a:p>
             <a:pPr marL="0" marR="0" lvl="0" indent="0" algn="l" defTabSz="914400" rtl="0" eaLnBrk="1" fontAlgn="auto" latinLnBrk="0" hangingPunct="1">
               <a:lnSpc>
                 <a:spcPct val="100000"/>
@@ -1737,7 +4078,7 @@
           <a:p>
             <a:fld id="{EF162F7D-BBA6-4D10-862A-C27B4C709058}" type="slidenum">
               <a:rPr lang="en-GB" smtClean="0"/>
-              <a:t>5</a:t>
+              <a:t>4</a:t>
             </a:fld>
             <a:endParaRPr lang="en-GB"/>
           </a:p>
@@ -1756,7 +4097,122 @@
 </p:notes>
 </file>
 
-<file path=ppt/notesSlides/notesSlide3.xml><?xml version="1.0" encoding="utf-8"?>
+<file path=ppt/notesSlides/notesSlide5.xml><?xml version="1.0" encoding="utf-8"?>
+<p:notes xmlns:a="http://schemas.openxmlformats.org/drawingml/2006/main" xmlns:r="http://schemas.openxmlformats.org/officeDocument/2006/relationships" xmlns:p="http://schemas.openxmlformats.org/presentationml/2006/main">
+  <p:cSld>
+    <p:spTree>
+      <p:nvGrpSpPr>
+        <p:cNvPr id="1" name=""/>
+        <p:cNvGrpSpPr/>
+        <p:nvPr/>
+      </p:nvGrpSpPr>
+      <p:grpSpPr>
+        <a:xfrm>
+          <a:off x="0" y="0"/>
+          <a:ext cx="0" cy="0"/>
+          <a:chOff x="0" y="0"/>
+          <a:chExt cx="0" cy="0"/>
+        </a:xfrm>
+      </p:grpSpPr>
+      <p:sp>
+        <p:nvSpPr>
+          <p:cNvPr id="2" name="Marcador de imagen de diapositiva 1"/>
+          <p:cNvSpPr>
+            <a:spLocks noGrp="1" noRot="1" noChangeAspect="1"/>
+          </p:cNvSpPr>
+          <p:nvPr>
+            <p:ph type="sldImg"/>
+          </p:nvPr>
+        </p:nvSpPr>
+        <p:spPr/>
+      </p:sp>
+      <p:sp>
+        <p:nvSpPr>
+          <p:cNvPr id="3" name="Marcador de notas 2"/>
+          <p:cNvSpPr>
+            <a:spLocks noGrp="1"/>
+          </p:cNvSpPr>
+          <p:nvPr>
+            <p:ph type="body" idx="1"/>
+          </p:nvPr>
+        </p:nvSpPr>
+        <p:spPr/>
+        <p:txBody>
+          <a:bodyPr/>
+          <a:lstStyle/>
+          <a:p>
+            <a:pPr marL="0" marR="0" lvl="0" indent="0" algn="l" defTabSz="914400" rtl="0" eaLnBrk="1" fontAlgn="auto" latinLnBrk="0" hangingPunct="1">
+              <a:lnSpc>
+                <a:spcPct val="100000"/>
+              </a:lnSpc>
+              <a:spcBef>
+                <a:spcPts val="0"/>
+              </a:spcBef>
+              <a:spcAft>
+                <a:spcPts val="0"/>
+              </a:spcAft>
+              <a:buClrTx/>
+              <a:buSzTx/>
+              <a:buFontTx/>
+              <a:buNone/>
+              <a:tabLst/>
+              <a:defRPr/>
+            </a:pPr>
+            <a:r>
+              <a:rPr lang="es-ES" sz="1200" b="0" i="0" kern="1200" baseline="0" dirty="0" smtClean="0">
+                <a:solidFill>
+                  <a:schemeClr val="tx1"/>
+                </a:solidFill>
+                <a:effectLst/>
+                <a:latin typeface="+mn-lt"/>
+                <a:ea typeface="+mn-ea"/>
+                <a:cs typeface="+mn-cs"/>
+              </a:rPr>
+              <a:t>Pero… ¿y si además pudiéramos hablar con nuestro frigorífico? Esta es la propuesta de este trabajo</a:t>
+            </a:r>
+          </a:p>
+          <a:p>
+            <a:endParaRPr lang="es-ES" dirty="0"/>
+          </a:p>
+        </p:txBody>
+      </p:sp>
+      <p:sp>
+        <p:nvSpPr>
+          <p:cNvPr id="4" name="Marcador de número de diapositiva 3"/>
+          <p:cNvSpPr>
+            <a:spLocks noGrp="1"/>
+          </p:cNvSpPr>
+          <p:nvPr>
+            <p:ph type="sldNum" sz="quarter" idx="10"/>
+          </p:nvPr>
+        </p:nvSpPr>
+        <p:spPr/>
+        <p:txBody>
+          <a:bodyPr/>
+          <a:lstStyle/>
+          <a:p>
+            <a:fld id="{EF162F7D-BBA6-4D10-862A-C27B4C709058}" type="slidenum">
+              <a:rPr lang="en-GB" smtClean="0"/>
+              <a:t>5</a:t>
+            </a:fld>
+            <a:endParaRPr lang="en-GB"/>
+          </a:p>
+        </p:txBody>
+      </p:sp>
+    </p:spTree>
+    <p:extLst>
+      <p:ext uri="{BB962C8B-B14F-4D97-AF65-F5344CB8AC3E}">
+        <p14:creationId xmlns:p14="http://schemas.microsoft.com/office/powerpoint/2010/main" val="3660459483"/>
+      </p:ext>
+    </p:extLst>
+  </p:cSld>
+  <p:clrMapOvr>
+    <a:masterClrMapping/>
+  </p:clrMapOvr>
+</p:notes>
+</file>
+
+<file path=ppt/notesSlides/notesSlide6.xml><?xml version="1.0" encoding="utf-8"?>
 <p:notes xmlns:a="http://schemas.openxmlformats.org/drawingml/2006/main" xmlns:r="http://schemas.openxmlformats.org/officeDocument/2006/relationships" xmlns:p="http://schemas.openxmlformats.org/presentationml/2006/main">
   <p:cSld>
     <p:spTree>
@@ -1971,7 +4427,7 @@
           <a:p>
             <a:fld id="{DE7CA698-4D04-4307-B112-7F3118797394}" type="datetimeFigureOut">
               <a:rPr lang="es-ES" smtClean="0"/>
-              <a:t>09/03/2018</a:t>
+              <a:t>10/03/2018</a:t>
             </a:fld>
             <a:endParaRPr lang="es-ES"/>
           </a:p>
@@ -2141,7 +4597,7 @@
           <a:p>
             <a:fld id="{DE7CA698-4D04-4307-B112-7F3118797394}" type="datetimeFigureOut">
               <a:rPr lang="es-ES" smtClean="0"/>
-              <a:t>09/03/2018</a:t>
+              <a:t>10/03/2018</a:t>
             </a:fld>
             <a:endParaRPr lang="es-ES"/>
           </a:p>
@@ -2321,7 +4777,7 @@
           <a:p>
             <a:fld id="{DE7CA698-4D04-4307-B112-7F3118797394}" type="datetimeFigureOut">
               <a:rPr lang="es-ES" smtClean="0"/>
-              <a:t>09/03/2018</a:t>
+              <a:t>10/03/2018</a:t>
             </a:fld>
             <a:endParaRPr lang="es-ES"/>
           </a:p>
@@ -2439,7 +4895,7 @@
           <a:p>
             <a:fld id="{DE7CA698-4D04-4307-B112-7F3118797394}" type="datetimeFigureOut">
               <a:rPr lang="es-ES" smtClean="0"/>
-              <a:t>09/03/2018</a:t>
+              <a:t>10/03/2018</a:t>
             </a:fld>
             <a:endParaRPr lang="es-ES"/>
           </a:p>
@@ -2609,7 +5065,7 @@
           <a:p>
             <a:fld id="{DE7CA698-4D04-4307-B112-7F3118797394}" type="datetimeFigureOut">
               <a:rPr lang="es-ES" smtClean="0"/>
-              <a:t>09/03/2018</a:t>
+              <a:t>10/03/2018</a:t>
             </a:fld>
             <a:endParaRPr lang="es-ES"/>
           </a:p>
@@ -2855,7 +5311,7 @@
           <a:p>
             <a:fld id="{DE7CA698-4D04-4307-B112-7F3118797394}" type="datetimeFigureOut">
               <a:rPr lang="es-ES" smtClean="0"/>
-              <a:t>09/03/2018</a:t>
+              <a:t>10/03/2018</a:t>
             </a:fld>
             <a:endParaRPr lang="es-ES"/>
           </a:p>
@@ -3087,7 +5543,7 @@
           <a:p>
             <a:fld id="{DE7CA698-4D04-4307-B112-7F3118797394}" type="datetimeFigureOut">
               <a:rPr lang="es-ES" smtClean="0"/>
-              <a:t>09/03/2018</a:t>
+              <a:t>10/03/2018</a:t>
             </a:fld>
             <a:endParaRPr lang="es-ES"/>
           </a:p>
@@ -3454,7 +5910,7 @@
           <a:p>
             <a:fld id="{DE7CA698-4D04-4307-B112-7F3118797394}" type="datetimeFigureOut">
               <a:rPr lang="es-ES" smtClean="0"/>
-              <a:t>09/03/2018</a:t>
+              <a:t>10/03/2018</a:t>
             </a:fld>
             <a:endParaRPr lang="es-ES"/>
           </a:p>
@@ -3572,7 +6028,7 @@
           <a:p>
             <a:fld id="{DE7CA698-4D04-4307-B112-7F3118797394}" type="datetimeFigureOut">
               <a:rPr lang="es-ES" smtClean="0"/>
-              <a:t>09/03/2018</a:t>
+              <a:t>10/03/2018</a:t>
             </a:fld>
             <a:endParaRPr lang="es-ES"/>
           </a:p>
@@ -3667,7 +6123,7 @@
           <a:p>
             <a:fld id="{DE7CA698-4D04-4307-B112-7F3118797394}" type="datetimeFigureOut">
               <a:rPr lang="es-ES" smtClean="0"/>
-              <a:t>09/03/2018</a:t>
+              <a:t>10/03/2018</a:t>
             </a:fld>
             <a:endParaRPr lang="es-ES"/>
           </a:p>
@@ -3944,7 +6400,7 @@
           <a:p>
             <a:fld id="{DE7CA698-4D04-4307-B112-7F3118797394}" type="datetimeFigureOut">
               <a:rPr lang="es-ES" smtClean="0"/>
-              <a:t>09/03/2018</a:t>
+              <a:t>10/03/2018</a:t>
             </a:fld>
             <a:endParaRPr lang="es-ES"/>
           </a:p>
@@ -4197,7 +6653,7 @@
           <a:p>
             <a:fld id="{DE7CA698-4D04-4307-B112-7F3118797394}" type="datetimeFigureOut">
               <a:rPr lang="es-ES" smtClean="0"/>
-              <a:t>09/03/2018</a:t>
+              <a:t>10/03/2018</a:t>
             </a:fld>
             <a:endParaRPr lang="es-ES"/>
           </a:p>
@@ -4410,7 +6866,7 @@
           <a:p>
             <a:fld id="{DE7CA698-4D04-4307-B112-7F3118797394}" type="datetimeFigureOut">
               <a:rPr lang="es-ES" smtClean="0"/>
-              <a:t>09/03/2018</a:t>
+              <a:t>10/03/2018</a:t>
             </a:fld>
             <a:endParaRPr lang="es-ES"/>
           </a:p>
@@ -4805,12 +7261,12 @@
     <p:bg>
       <p:bgPr>
         <a:blipFill dpi="0" rotWithShape="1">
-          <a:blip r:embed="rId2">
+          <a:blip r:embed="rId3">
             <a:lum/>
           </a:blip>
           <a:srcRect/>
           <a:stretch>
-            <a:fillRect l="-5000" r="-5000"/>
+            <a:fillRect t="-16000" b="-16000"/>
           </a:stretch>
         </a:blipFill>
         <a:effectLst/>
@@ -4830,10 +7286,69 @@
           <a:chExt cx="0" cy="0"/>
         </a:xfrm>
       </p:grpSpPr>
+      <p:sp>
+        <p:nvSpPr>
+          <p:cNvPr id="5" name="CuadroTexto 3"/>
+          <p:cNvSpPr txBox="1"/>
+          <p:nvPr/>
+        </p:nvSpPr>
+        <p:spPr>
+          <a:xfrm>
+            <a:off x="0" y="0"/>
+            <a:ext cx="12192000" cy="1569660"/>
+          </a:xfrm>
+          <a:prstGeom prst="rect">
+            <a:avLst/>
+          </a:prstGeom>
+          <a:solidFill>
+            <a:srgbClr val="FFFFFF">
+              <a:alpha val="74902"/>
+            </a:srgbClr>
+          </a:solidFill>
+        </p:spPr>
+        <p:txBody>
+          <a:bodyPr wrap="square" rtlCol="0">
+            <a:spAutoFit/>
+          </a:bodyPr>
+          <a:lstStyle/>
+          <a:p>
+            <a:pPr algn="l"/>
+            <a:r>
+              <a:rPr lang="es-ES" sz="3200" b="1" dirty="0" smtClean="0">
+                <a:solidFill>
+                  <a:schemeClr val="tx1"/>
+                </a:solidFill>
+              </a:rPr>
+              <a:t>LA NUEVA GENERACIÓN DE FRIGORÍFICOS: </a:t>
+            </a:r>
+            <a:r>
+              <a:rPr lang="es-ES" sz="3200" dirty="0" smtClean="0">
+                <a:solidFill>
+                  <a:schemeClr val="tx1"/>
+                </a:solidFill>
+              </a:rPr>
+              <a:t>MICROSOFT Y LIEBHERR</a:t>
+            </a:r>
+            <a:r>
+              <a:rPr lang="es-ES" sz="3200" i="1" dirty="0" smtClean="0">
+                <a:solidFill>
+                  <a:schemeClr val="tx1"/>
+                </a:solidFill>
+              </a:rPr>
+              <a:t> COLABORAN PARA CREAR “SMARTDEVICEBOX”, CON TECNOLOGÍA DE RECONOCIMIENTO DE IMÁGENES</a:t>
+            </a:r>
+            <a:endParaRPr lang="es-ES" sz="3200" dirty="0">
+              <a:solidFill>
+                <a:schemeClr val="tx1"/>
+              </a:solidFill>
+            </a:endParaRPr>
+          </a:p>
+        </p:txBody>
+      </p:sp>
     </p:spTree>
     <p:extLst>
       <p:ext uri="{BB962C8B-B14F-4D97-AF65-F5344CB8AC3E}">
-        <p14:creationId xmlns:p14="http://schemas.microsoft.com/office/powerpoint/2010/main" val="18701669"/>
+        <p14:creationId xmlns:p14="http://schemas.microsoft.com/office/powerpoint/2010/main" val="4099125840"/>
       </p:ext>
     </p:extLst>
   </p:cSld>
@@ -5060,6 +7575,51 @@
           </a:prstGeom>
         </p:spPr>
       </p:pic>
+      <p:sp>
+        <p:nvSpPr>
+          <p:cNvPr id="8" name="1 CuadroTexto"/>
+          <p:cNvSpPr txBox="1"/>
+          <p:nvPr/>
+        </p:nvSpPr>
+        <p:spPr>
+          <a:xfrm>
+            <a:off x="0" y="5558624"/>
+            <a:ext cx="12192000" cy="1323439"/>
+          </a:xfrm>
+          <a:prstGeom prst="rect">
+            <a:avLst/>
+          </a:prstGeom>
+          <a:solidFill>
+            <a:srgbClr val="BFBFBF">
+              <a:alpha val="50196"/>
+            </a:srgbClr>
+          </a:solidFill>
+        </p:spPr>
+        <p:txBody>
+          <a:bodyPr wrap="square" rtlCol="0">
+            <a:spAutoFit/>
+          </a:bodyPr>
+          <a:lstStyle/>
+          <a:p>
+            <a:pPr algn="ctr"/>
+            <a:r>
+              <a:rPr lang="es-ES" sz="8000" dirty="0" smtClean="0">
+                <a:solidFill>
+                  <a:schemeClr val="bg1"/>
+                </a:solidFill>
+                <a:latin typeface="BadaBoom BB" panose="020B0603050302020204" pitchFamily="34" charset="0"/>
+              </a:rPr>
+              <a:t>SELECCIÓN API NLP</a:t>
+            </a:r>
+            <a:endParaRPr lang="en-US" sz="8000" dirty="0">
+              <a:solidFill>
+                <a:schemeClr val="bg1"/>
+              </a:solidFill>
+              <a:latin typeface="BadaBoom BB" panose="020B0603050302020204" pitchFamily="34" charset="0"/>
+            </a:endParaRPr>
+          </a:p>
+        </p:txBody>
+      </p:sp>
     </p:spTree>
     <p:extLst>
       <p:ext uri="{BB962C8B-B14F-4D97-AF65-F5344CB8AC3E}">
@@ -5099,298 +7659,53 @@
       </p:grpSpPr>
       <p:sp>
         <p:nvSpPr>
-          <p:cNvPr id="4" name="CuadroTexto 3"/>
+          <p:cNvPr id="2" name="1 CuadroTexto"/>
           <p:cNvSpPr txBox="1"/>
           <p:nvPr/>
         </p:nvSpPr>
         <p:spPr>
           <a:xfrm>
-            <a:off x="1197735" y="798490"/>
-            <a:ext cx="10624512" cy="3970318"/>
+            <a:off x="0" y="5103674"/>
+            <a:ext cx="12192000" cy="1754326"/>
           </a:xfrm>
           <a:prstGeom prst="rect">
             <a:avLst/>
           </a:prstGeom>
-          <a:noFill/>
+          <a:solidFill>
+            <a:srgbClr val="BFBFBF">
+              <a:alpha val="50196"/>
+            </a:srgbClr>
+          </a:solidFill>
         </p:spPr>
         <p:txBody>
-          <a:bodyPr wrap="none" rtlCol="0">
+          <a:bodyPr wrap="square" rtlCol="0">
             <a:spAutoFit/>
           </a:bodyPr>
           <a:lstStyle/>
           <a:p>
-            <a:pPr marL="285750" indent="-285750">
-              <a:buFontTx/>
-              <a:buChar char="-"/>
-            </a:pPr>
-            <a:r>
-              <a:rPr lang="es-ES" dirty="0" err="1" smtClean="0"/>
-              <a:t>Chatbots</a:t>
-            </a:r>
-            <a:r>
-              <a:rPr lang="es-ES" dirty="0" smtClean="0"/>
-              <a:t>: El bueno, el feo y el malo…</a:t>
-            </a:r>
-          </a:p>
-          <a:p>
-            <a:pPr marL="285750" indent="-285750">
-              <a:buFontTx/>
-              <a:buChar char="-"/>
-            </a:pPr>
-            <a:r>
-              <a:rPr lang="es-ES" dirty="0" smtClean="0"/>
-              <a:t>Episodio con Alexa y la música alta</a:t>
-            </a:r>
-          </a:p>
-          <a:p>
-            <a:pPr marL="285750" indent="-285750">
-              <a:buFontTx/>
-              <a:buChar char="-"/>
-            </a:pPr>
-            <a:r>
-              <a:rPr lang="es-ES" dirty="0" err="1" smtClean="0"/>
-              <a:t>Chatbot</a:t>
-            </a:r>
-            <a:r>
-              <a:rPr lang="es-ES" dirty="0" smtClean="0"/>
-              <a:t> racista Microsoft</a:t>
-            </a:r>
-          </a:p>
-          <a:p>
-            <a:pPr marL="285750" indent="-285750">
-              <a:buFontTx/>
-              <a:buChar char="-"/>
-            </a:pPr>
-            <a:r>
-              <a:rPr lang="es-ES" dirty="0" smtClean="0"/>
-              <a:t>Bromas a </a:t>
-            </a:r>
-            <a:r>
-              <a:rPr lang="es-ES" dirty="0" err="1" smtClean="0"/>
-              <a:t>Siri</a:t>
-            </a:r>
-            <a:endParaRPr lang="es-ES" dirty="0" smtClean="0"/>
-          </a:p>
-          <a:p>
-            <a:pPr marL="285750" indent="-285750">
-              <a:buFontTx/>
-              <a:buChar char="-"/>
-            </a:pPr>
-            <a:r>
-              <a:rPr lang="es-ES" dirty="0" err="1"/>
-              <a:t>Siri</a:t>
-            </a:r>
-            <a:r>
-              <a:rPr lang="es-ES" dirty="0"/>
-              <a:t> confunde el Himno de Bulgaria con </a:t>
-            </a:r>
-            <a:r>
-              <a:rPr lang="es-ES" dirty="0" smtClean="0"/>
-              <a:t>Despacito</a:t>
-            </a:r>
-          </a:p>
-          <a:p>
-            <a:r>
-              <a:rPr lang="es-ES" dirty="0">
-                <a:hlinkClick r:id="rId2"/>
-              </a:rPr>
-              <a:t>https://</a:t>
-            </a:r>
-            <a:r>
-              <a:rPr lang="es-ES" dirty="0" smtClean="0">
-                <a:hlinkClick r:id="rId2"/>
-              </a:rPr>
-              <a:t>androidphoria.com/novedades/siri-himno-bulgaria-despacito</a:t>
-            </a:r>
-            <a:endParaRPr lang="es-ES" dirty="0" smtClean="0"/>
-          </a:p>
-          <a:p>
-            <a:endParaRPr lang="es-ES" dirty="0"/>
-          </a:p>
-          <a:p>
-            <a:r>
-              <a:rPr lang="es-ES" dirty="0" smtClean="0"/>
-              <a:t>-  Uno de los problemas encontrados ha sido evitar que la boca se hiciera agua cuando entrenaba el servicio de </a:t>
-            </a:r>
-          </a:p>
-          <a:p>
-            <a:r>
-              <a:rPr lang="es-ES" dirty="0" smtClean="0"/>
-              <a:t>Reconocimiento de imágenes con fotos de comida.</a:t>
-            </a:r>
-          </a:p>
-          <a:p>
-            <a:pPr marL="285750" indent="-285750">
-              <a:buFontTx/>
-              <a:buChar char="-"/>
-            </a:pPr>
-            <a:r>
-              <a:rPr lang="es-ES" dirty="0" err="1" smtClean="0"/>
-              <a:t>Tips</a:t>
-            </a:r>
-            <a:r>
-              <a:rPr lang="es-ES" dirty="0" smtClean="0"/>
-              <a:t> and </a:t>
-            </a:r>
-            <a:r>
-              <a:rPr lang="es-ES" dirty="0" err="1" smtClean="0"/>
-              <a:t>tricks</a:t>
-            </a:r>
-            <a:endParaRPr lang="es-ES" dirty="0" smtClean="0"/>
-          </a:p>
-          <a:p>
-            <a:pPr marL="285750" indent="-285750">
-              <a:buFontTx/>
-              <a:buChar char="-"/>
-            </a:pPr>
-            <a:endParaRPr lang="es-ES" dirty="0"/>
-          </a:p>
-          <a:p>
-            <a:pPr marL="285750" indent="-285750">
-              <a:buFontTx/>
-              <a:buChar char="-"/>
-            </a:pPr>
-            <a:r>
-              <a:rPr lang="es-ES" dirty="0" smtClean="0"/>
-              <a:t>Futuro: ¿acabaremos saliendo de copas con los </a:t>
-            </a:r>
-            <a:r>
-              <a:rPr lang="es-ES" dirty="0" err="1" smtClean="0"/>
-              <a:t>bots</a:t>
-            </a:r>
-            <a:r>
-              <a:rPr lang="es-ES" dirty="0" smtClean="0"/>
-              <a:t>?</a:t>
-            </a:r>
-          </a:p>
-          <a:p>
-            <a:endParaRPr lang="es-ES" dirty="0" smtClean="0"/>
-          </a:p>
-          <a:p>
-            <a:pPr marL="285750" indent="-285750">
-              <a:buFontTx/>
-              <a:buChar char="-"/>
-            </a:pPr>
-            <a:endParaRPr lang="es-ES" dirty="0"/>
+            <a:pPr algn="ctr"/>
+            <a:r>
+              <a:rPr lang="es-ES" sz="5400" dirty="0" smtClean="0">
+                <a:solidFill>
+                  <a:schemeClr val="bg1"/>
+                </a:solidFill>
+                <a:latin typeface="BadaBoom BB" panose="020B0603050302020204" pitchFamily="34" charset="0"/>
+              </a:rPr>
+              <a:t>SELECCIÓN PLATAFORMA DE MENSAJERÍA</a:t>
+            </a:r>
+            <a:endParaRPr lang="en-US" sz="5400" dirty="0">
+              <a:solidFill>
+                <a:schemeClr val="bg1"/>
+              </a:solidFill>
+              <a:latin typeface="BadaBoom BB" panose="020B0603050302020204" pitchFamily="34" charset="0"/>
+            </a:endParaRPr>
           </a:p>
         </p:txBody>
       </p:sp>
-      <p:pic>
-        <p:nvPicPr>
-          <p:cNvPr id="2" name="Imagen 1"/>
-          <p:cNvPicPr>
-            <a:picLocks noChangeAspect="1"/>
-          </p:cNvPicPr>
-          <p:nvPr/>
-        </p:nvPicPr>
-        <p:blipFill rotWithShape="1">
-          <a:blip r:embed="rId3"/>
-          <a:srcRect l="15966" t="20060" r="40357" b="29850"/>
-          <a:stretch/>
-        </p:blipFill>
-        <p:spPr>
-          <a:xfrm>
-            <a:off x="8040881" y="0"/>
-            <a:ext cx="2585930" cy="2800865"/>
-          </a:xfrm>
-          <a:prstGeom prst="rect">
-            <a:avLst/>
-          </a:prstGeom>
-        </p:spPr>
-      </p:pic>
-      <p:pic>
-        <p:nvPicPr>
-          <p:cNvPr id="3" name="Imagen 2"/>
-          <p:cNvPicPr>
-            <a:picLocks noChangeAspect="1"/>
-          </p:cNvPicPr>
-          <p:nvPr/>
-        </p:nvPicPr>
-        <p:blipFill>
-          <a:blip r:embed="rId4" cstate="print">
-            <a:extLst>
-              <a:ext uri="{28A0092B-C50C-407E-A947-70E740481C1C}">
-                <a14:useLocalDpi xmlns:a14="http://schemas.microsoft.com/office/drawing/2010/main" val="0"/>
-              </a:ext>
-            </a:extLst>
-          </a:blip>
-          <a:stretch>
-            <a:fillRect/>
-          </a:stretch>
-        </p:blipFill>
-        <p:spPr>
-          <a:xfrm>
-            <a:off x="1754658" y="4239602"/>
-            <a:ext cx="2862649" cy="1603083"/>
-          </a:xfrm>
-          <a:prstGeom prst="rect">
-            <a:avLst/>
-          </a:prstGeom>
-        </p:spPr>
-      </p:pic>
-      <p:pic>
-        <p:nvPicPr>
-          <p:cNvPr id="5" name="Imagen 4"/>
-          <p:cNvPicPr>
-            <a:picLocks noChangeAspect="1"/>
-          </p:cNvPicPr>
-          <p:nvPr/>
-        </p:nvPicPr>
-        <p:blipFill rotWithShape="1">
-          <a:blip r:embed="rId5">
-            <a:extLst>
-              <a:ext uri="{28A0092B-C50C-407E-A947-70E740481C1C}">
-                <a14:useLocalDpi xmlns:a14="http://schemas.microsoft.com/office/drawing/2010/main" val="0"/>
-              </a:ext>
-            </a:extLst>
-          </a:blip>
-          <a:srcRect l="7425" t="14379" r="54284" b="15766"/>
-          <a:stretch/>
-        </p:blipFill>
-        <p:spPr>
-          <a:xfrm>
-            <a:off x="5453449" y="477794"/>
-            <a:ext cx="1178010" cy="1037967"/>
-          </a:xfrm>
-          <a:prstGeom prst="rect">
-            <a:avLst/>
-          </a:prstGeom>
-        </p:spPr>
-      </p:pic>
-      <p:pic>
-        <p:nvPicPr>
-          <p:cNvPr id="6" name="Imagen 5"/>
-          <p:cNvPicPr>
-            <a:picLocks noChangeAspect="1"/>
-          </p:cNvPicPr>
-          <p:nvPr/>
-        </p:nvPicPr>
-        <p:blipFill>
-          <a:blip r:embed="rId6">
-            <a:extLst>
-              <a:ext uri="{28A0092B-C50C-407E-A947-70E740481C1C}">
-                <a14:useLocalDpi xmlns:a14="http://schemas.microsoft.com/office/drawing/2010/main" val="0"/>
-              </a:ext>
-            </a:extLst>
-          </a:blip>
-          <a:stretch>
-            <a:fillRect/>
-          </a:stretch>
-        </p:blipFill>
-        <p:spPr>
-          <a:xfrm>
-            <a:off x="5929698" y="4324221"/>
-            <a:ext cx="2705100" cy="1685925"/>
-          </a:xfrm>
-          <a:prstGeom prst="rect">
-            <a:avLst/>
-          </a:prstGeom>
-        </p:spPr>
-      </p:pic>
     </p:spTree>
     <p:extLst>
       <p:ext uri="{BB962C8B-B14F-4D97-AF65-F5344CB8AC3E}">
-        <p14:creationId xmlns:p14="http://schemas.microsoft.com/office/powerpoint/2010/main" val="2486623878"/>
+        <p14:creationId xmlns:p14="http://schemas.microsoft.com/office/powerpoint/2010/main" val="670979976"/>
       </p:ext>
     </p:extLst>
   </p:cSld>
@@ -5426,210 +7741,440 @@
       </p:grpSpPr>
       <p:sp>
         <p:nvSpPr>
-          <p:cNvPr id="2" name="Rectángulo 1"/>
-          <p:cNvSpPr/>
+          <p:cNvPr id="2" name="1 CuadroTexto"/>
+          <p:cNvSpPr txBox="1"/>
           <p:nvPr/>
         </p:nvSpPr>
         <p:spPr>
           <a:xfrm>
-            <a:off x="436605" y="329672"/>
-            <a:ext cx="10668000" cy="2000548"/>
+            <a:off x="0" y="5103674"/>
+            <a:ext cx="12192000" cy="1754326"/>
+          </a:xfrm>
+          <a:prstGeom prst="rect">
+            <a:avLst/>
+          </a:prstGeom>
+          <a:solidFill>
+            <a:srgbClr val="BFBFBF">
+              <a:alpha val="50196"/>
+            </a:srgbClr>
+          </a:solidFill>
+        </p:spPr>
+        <p:txBody>
+          <a:bodyPr wrap="square" rtlCol="0">
+            <a:spAutoFit/>
+          </a:bodyPr>
+          <a:lstStyle/>
+          <a:p>
+            <a:pPr algn="ctr"/>
+            <a:r>
+              <a:rPr lang="es-ES" sz="5400" dirty="0" smtClean="0">
+                <a:solidFill>
+                  <a:schemeClr val="bg1"/>
+                </a:solidFill>
+                <a:latin typeface="BadaBoom BB" panose="020B0603050302020204" pitchFamily="34" charset="0"/>
+              </a:rPr>
+              <a:t>SELECCIÓN FUENTE DATOS EXTERNA DE RECETAS</a:t>
+            </a:r>
+            <a:endParaRPr lang="en-US" sz="5400" dirty="0">
+              <a:solidFill>
+                <a:schemeClr val="bg1"/>
+              </a:solidFill>
+              <a:latin typeface="BadaBoom BB" panose="020B0603050302020204" pitchFamily="34" charset="0"/>
+            </a:endParaRPr>
+          </a:p>
+        </p:txBody>
+      </p:sp>
+    </p:spTree>
+    <p:extLst>
+      <p:ext uri="{BB962C8B-B14F-4D97-AF65-F5344CB8AC3E}">
+        <p14:creationId xmlns:p14="http://schemas.microsoft.com/office/powerpoint/2010/main" val="1665910082"/>
+      </p:ext>
+    </p:extLst>
+  </p:cSld>
+  <p:clrMapOvr>
+    <a:masterClrMapping/>
+  </p:clrMapOvr>
+  <p:timing>
+    <p:tnLst>
+      <p:par>
+        <p:cTn id="1" dur="indefinite" restart="never" nodeType="tmRoot"/>
+      </p:par>
+    </p:tnLst>
+  </p:timing>
+</p:sld>
+</file>
+
+<file path=ppt/slides/slide13.xml><?xml version="1.0" encoding="utf-8"?>
+<p:sld xmlns:a="http://schemas.openxmlformats.org/drawingml/2006/main" xmlns:r="http://schemas.openxmlformats.org/officeDocument/2006/relationships" xmlns:p="http://schemas.openxmlformats.org/presentationml/2006/main">
+  <p:cSld>
+    <p:spTree>
+      <p:nvGrpSpPr>
+        <p:cNvPr id="1" name=""/>
+        <p:cNvGrpSpPr/>
+        <p:nvPr/>
+      </p:nvGrpSpPr>
+      <p:grpSpPr>
+        <a:xfrm>
+          <a:off x="0" y="0"/>
+          <a:ext cx="0" cy="0"/>
+          <a:chOff x="0" y="0"/>
+          <a:chExt cx="0" cy="0"/>
+        </a:xfrm>
+      </p:grpSpPr>
+      <p:pic>
+        <p:nvPicPr>
+          <p:cNvPr id="2" name="Imagen 1"/>
+          <p:cNvPicPr>
+            <a:picLocks noChangeAspect="1"/>
+          </p:cNvPicPr>
+          <p:nvPr/>
+        </p:nvPicPr>
+        <p:blipFill>
+          <a:blip r:embed="rId2">
+            <a:extLst>
+              <a:ext uri="{28A0092B-C50C-407E-A947-70E740481C1C}">
+                <a14:useLocalDpi xmlns:a14="http://schemas.microsoft.com/office/drawing/2010/main" val="0"/>
+              </a:ext>
+            </a:extLst>
+          </a:blip>
+          <a:stretch>
+            <a:fillRect/>
+          </a:stretch>
+        </p:blipFill>
+        <p:spPr>
+          <a:xfrm>
+            <a:off x="1813189" y="1069643"/>
+            <a:ext cx="8565622" cy="4718713"/>
           </a:xfrm>
           <a:prstGeom prst="rect">
             <a:avLst/>
           </a:prstGeom>
         </p:spPr>
+      </p:pic>
+    </p:spTree>
+    <p:extLst>
+      <p:ext uri="{BB962C8B-B14F-4D97-AF65-F5344CB8AC3E}">
+        <p14:creationId xmlns:p14="http://schemas.microsoft.com/office/powerpoint/2010/main" val="3859806973"/>
+      </p:ext>
+    </p:extLst>
+  </p:cSld>
+  <p:clrMapOvr>
+    <a:masterClrMapping/>
+  </p:clrMapOvr>
+  <p:timing>
+    <p:tnLst>
+      <p:par>
+        <p:cTn id="1" dur="indefinite" restart="never" nodeType="tmRoot"/>
+      </p:par>
+    </p:tnLst>
+  </p:timing>
+</p:sld>
+</file>
+
+<file path=ppt/slides/slide14.xml><?xml version="1.0" encoding="utf-8"?>
+<p:sld xmlns:a="http://schemas.openxmlformats.org/drawingml/2006/main" xmlns:r="http://schemas.openxmlformats.org/officeDocument/2006/relationships" xmlns:p="http://schemas.openxmlformats.org/presentationml/2006/main">
+  <p:cSld>
+    <p:spTree>
+      <p:nvGrpSpPr>
+        <p:cNvPr id="1" name=""/>
+        <p:cNvGrpSpPr/>
+        <p:nvPr/>
+      </p:nvGrpSpPr>
+      <p:grpSpPr>
+        <a:xfrm>
+          <a:off x="0" y="0"/>
+          <a:ext cx="0" cy="0"/>
+          <a:chOff x="0" y="0"/>
+          <a:chExt cx="0" cy="0"/>
+        </a:xfrm>
+      </p:grpSpPr>
+      <p:pic>
+        <p:nvPicPr>
+          <p:cNvPr id="2" name="Imagen 1"/>
+          <p:cNvPicPr>
+            <a:picLocks noChangeAspect="1"/>
+          </p:cNvPicPr>
+          <p:nvPr/>
+        </p:nvPicPr>
+        <p:blipFill>
+          <a:blip r:embed="rId2" cstate="print">
+            <a:extLst>
+              <a:ext uri="{28A0092B-C50C-407E-A947-70E740481C1C}">
+                <a14:useLocalDpi xmlns:a14="http://schemas.microsoft.com/office/drawing/2010/main" val="0"/>
+              </a:ext>
+            </a:extLst>
+          </a:blip>
+          <a:stretch>
+            <a:fillRect/>
+          </a:stretch>
+        </p:blipFill>
+        <p:spPr>
+          <a:xfrm>
+            <a:off x="209867" y="0"/>
+            <a:ext cx="11645248" cy="6728987"/>
+          </a:xfrm>
+          <a:prstGeom prst="rect">
+            <a:avLst/>
+          </a:prstGeom>
+        </p:spPr>
+      </p:pic>
+    </p:spTree>
+    <p:extLst>
+      <p:ext uri="{BB962C8B-B14F-4D97-AF65-F5344CB8AC3E}">
+        <p14:creationId xmlns:p14="http://schemas.microsoft.com/office/powerpoint/2010/main" val="4267188776"/>
+      </p:ext>
+    </p:extLst>
+  </p:cSld>
+  <p:clrMapOvr>
+    <a:masterClrMapping/>
+  </p:clrMapOvr>
+  <p:timing>
+    <p:tnLst>
+      <p:par>
+        <p:cTn id="1" dur="indefinite" restart="never" nodeType="tmRoot"/>
+      </p:par>
+    </p:tnLst>
+  </p:timing>
+</p:sld>
+</file>
+
+<file path=ppt/slides/slide15.xml><?xml version="1.0" encoding="utf-8"?>
+<p:sld xmlns:a="http://schemas.openxmlformats.org/drawingml/2006/main" xmlns:r="http://schemas.openxmlformats.org/officeDocument/2006/relationships" xmlns:p="http://schemas.openxmlformats.org/presentationml/2006/main">
+  <p:cSld>
+    <p:spTree>
+      <p:nvGrpSpPr>
+        <p:cNvPr id="1" name=""/>
+        <p:cNvGrpSpPr/>
+        <p:nvPr/>
+      </p:nvGrpSpPr>
+      <p:grpSpPr>
+        <a:xfrm>
+          <a:off x="0" y="0"/>
+          <a:ext cx="0" cy="0"/>
+          <a:chOff x="0" y="0"/>
+          <a:chExt cx="0" cy="0"/>
+        </a:xfrm>
+      </p:grpSpPr>
+      <p:sp>
+        <p:nvSpPr>
+          <p:cNvPr id="2" name="1 CuadroTexto"/>
+          <p:cNvSpPr txBox="1"/>
+          <p:nvPr/>
+        </p:nvSpPr>
+        <p:spPr>
+          <a:xfrm>
+            <a:off x="0" y="5934670"/>
+            <a:ext cx="12192000" cy="923330"/>
+          </a:xfrm>
+          <a:prstGeom prst="rect">
+            <a:avLst/>
+          </a:prstGeom>
+          <a:solidFill>
+            <a:srgbClr val="BFBFBF">
+              <a:alpha val="50196"/>
+            </a:srgbClr>
+          </a:solidFill>
+        </p:spPr>
         <p:txBody>
-          <a:bodyPr wrap="square">
+          <a:bodyPr wrap="square" rtlCol="0">
             <a:spAutoFit/>
           </a:bodyPr>
           <a:lstStyle/>
           <a:p>
-            <a:r>
-              <a:rPr lang="es-ES" sz="1600" b="1" dirty="0" smtClean="0"/>
-              <a:t>INTERFACES</a:t>
-            </a:r>
-          </a:p>
-          <a:p>
-            <a:r>
-              <a:rPr lang="es-ES" sz="1200" dirty="0"/>
-              <a:t/>
-            </a:r>
-            <a:br>
-              <a:rPr lang="es-ES" sz="1200" dirty="0"/>
-            </a:br>
-            <a:r>
-              <a:rPr lang="es-ES" sz="1200" b="1" dirty="0" smtClean="0"/>
-              <a:t>- T</a:t>
-            </a:r>
-            <a:r>
-              <a:rPr lang="es-ES" sz="1200" b="1" dirty="0" smtClean="0">
-                <a:solidFill>
-                  <a:srgbClr val="212121"/>
-                </a:solidFill>
-                <a:latin typeface="arial" panose="020B0604020202020204" pitchFamily="34" charset="0"/>
-              </a:rPr>
-              <a:t>ransaccional: </a:t>
-            </a:r>
-            <a:r>
-              <a:rPr lang="es-ES" sz="1200" dirty="0">
-                <a:solidFill>
-                  <a:srgbClr val="212121"/>
-                </a:solidFill>
-                <a:latin typeface="arial" panose="020B0604020202020204" pitchFamily="34" charset="0"/>
-              </a:rPr>
-              <a:t>si tiene la capacidad de realizar tareas o servicios para alguien. Está orientado a objetivos y sus usuarios lo usan para realizar cualquier solicitud. Dos oraciones de ejemplo para ordenar una pizza, ambas con un alto grado transaccional: </a:t>
-            </a:r>
-            <a:r>
-              <a:rPr lang="es-ES" sz="1200" dirty="0" smtClean="0">
-                <a:solidFill>
-                  <a:srgbClr val="212121"/>
-                </a:solidFill>
-                <a:latin typeface="arial" panose="020B0604020202020204" pitchFamily="34" charset="0"/>
-              </a:rPr>
-              <a:t>"pide pizza favorita" </a:t>
-            </a:r>
-            <a:r>
-              <a:rPr lang="es-ES" sz="1200" dirty="0">
-                <a:solidFill>
-                  <a:srgbClr val="212121"/>
-                </a:solidFill>
-                <a:latin typeface="arial" panose="020B0604020202020204" pitchFamily="34" charset="0"/>
-              </a:rPr>
-              <a:t>(estilo de línea de comando) y "Alexa </a:t>
-            </a:r>
-            <a:r>
-              <a:rPr lang="es-ES" sz="1200" dirty="0" smtClean="0">
-                <a:solidFill>
-                  <a:srgbClr val="212121"/>
-                </a:solidFill>
-                <a:latin typeface="arial" panose="020B0604020202020204" pitchFamily="34" charset="0"/>
-              </a:rPr>
-              <a:t>pide en </a:t>
-            </a:r>
-            <a:r>
-              <a:rPr lang="es-ES" sz="1200" dirty="0" err="1">
-                <a:solidFill>
-                  <a:srgbClr val="212121"/>
-                </a:solidFill>
-                <a:latin typeface="arial" panose="020B0604020202020204" pitchFamily="34" charset="0"/>
-              </a:rPr>
-              <a:t>Domino's</a:t>
-            </a:r>
-            <a:r>
-              <a:rPr lang="es-ES" sz="1200" dirty="0">
-                <a:solidFill>
-                  <a:srgbClr val="212121"/>
-                </a:solidFill>
-                <a:latin typeface="arial" panose="020B0604020202020204" pitchFamily="34" charset="0"/>
-              </a:rPr>
-              <a:t> </a:t>
-            </a:r>
-            <a:r>
-              <a:rPr lang="es-ES" sz="1200" dirty="0" smtClean="0">
-                <a:solidFill>
-                  <a:srgbClr val="212121"/>
-                </a:solidFill>
-                <a:latin typeface="arial" panose="020B0604020202020204" pitchFamily="34" charset="0"/>
-              </a:rPr>
-              <a:t>mi </a:t>
-            </a:r>
-            <a:r>
-              <a:rPr lang="es-ES" sz="1200" dirty="0">
-                <a:solidFill>
-                  <a:srgbClr val="212121"/>
-                </a:solidFill>
-                <a:latin typeface="arial" panose="020B0604020202020204" pitchFamily="34" charset="0"/>
-              </a:rPr>
-              <a:t>pizza favorita". </a:t>
-            </a:r>
-            <a:endParaRPr lang="es-ES" sz="1200" dirty="0" smtClean="0">
+            <a:pPr algn="ctr"/>
+            <a:r>
+              <a:rPr lang="es-ES" sz="5400" dirty="0" smtClean="0">
+                <a:solidFill>
+                  <a:schemeClr val="bg1"/>
+                </a:solidFill>
+                <a:latin typeface="BadaBoom BB" panose="020B0603050302020204" pitchFamily="34" charset="0"/>
+              </a:rPr>
+              <a:t>DEMO</a:t>
+            </a:r>
+            <a:endParaRPr lang="en-US" sz="5400" dirty="0">
               <a:solidFill>
-                <a:srgbClr val="212121"/>
+                <a:schemeClr val="bg1"/>
               </a:solidFill>
-              <a:latin typeface="arial" panose="020B0604020202020204" pitchFamily="34" charset="0"/>
+              <a:latin typeface="BadaBoom BB" panose="020B0603050302020204" pitchFamily="34" charset="0"/>
             </a:endParaRPr>
-          </a:p>
-          <a:p>
-            <a:endParaRPr lang="es-ES" sz="1200" dirty="0">
-              <a:solidFill>
-                <a:srgbClr val="212121"/>
-              </a:solidFill>
-              <a:latin typeface="arial" panose="020B0604020202020204" pitchFamily="34" charset="0"/>
-            </a:endParaRPr>
-          </a:p>
-          <a:p>
-            <a:r>
-              <a:rPr lang="es-ES" sz="1200" b="1" dirty="0" smtClean="0">
-                <a:solidFill>
-                  <a:srgbClr val="212121"/>
-                </a:solidFill>
-                <a:latin typeface="arial" panose="020B0604020202020204" pitchFamily="34" charset="0"/>
-              </a:rPr>
-              <a:t>- Conversacional:</a:t>
-            </a:r>
-            <a:r>
-              <a:rPr lang="es-ES" sz="1200" dirty="0" smtClean="0">
-                <a:solidFill>
-                  <a:srgbClr val="212121"/>
-                </a:solidFill>
-                <a:latin typeface="arial" panose="020B0604020202020204" pitchFamily="34" charset="0"/>
-              </a:rPr>
-              <a:t> </a:t>
-            </a:r>
-            <a:r>
-              <a:rPr lang="es-ES" sz="1200" dirty="0">
-                <a:solidFill>
-                  <a:srgbClr val="212121"/>
-                </a:solidFill>
-                <a:latin typeface="arial" panose="020B0604020202020204" pitchFamily="34" charset="0"/>
-              </a:rPr>
-              <a:t>cuando su intención es crear un diálogo natural con los usuarios, con un intercambio informal de información y pensamientos a través de palabras con ellos. Debe proporcionar la funcionalidad para crear conversaciones con usuarios tales como: </a:t>
-            </a:r>
-            <a:r>
-              <a:rPr lang="es-ES" sz="1200" dirty="0" err="1">
-                <a:solidFill>
-                  <a:srgbClr val="212121"/>
-                </a:solidFill>
-                <a:latin typeface="arial" panose="020B0604020202020204" pitchFamily="34" charset="0"/>
-              </a:rPr>
-              <a:t>smalltalk</a:t>
-            </a:r>
-            <a:r>
-              <a:rPr lang="es-ES" sz="1200" dirty="0">
-                <a:solidFill>
-                  <a:srgbClr val="212121"/>
-                </a:solidFill>
-                <a:latin typeface="arial" panose="020B0604020202020204" pitchFamily="34" charset="0"/>
-              </a:rPr>
-              <a:t> (hola, gracias, adiós, detalles personales y pasatiempos ...), gestión del contexto (¿la respuesta es "sí" relacionada con la oración anterior?) O memoria </a:t>
-            </a:r>
-            <a:r>
-              <a:rPr lang="es-ES" sz="1200" dirty="0" smtClean="0">
-                <a:solidFill>
-                  <a:srgbClr val="212121"/>
-                </a:solidFill>
-                <a:latin typeface="arial" panose="020B0604020202020204" pitchFamily="34" charset="0"/>
-              </a:rPr>
-              <a:t>(el </a:t>
-            </a:r>
-            <a:r>
-              <a:rPr lang="es-ES" sz="1200" dirty="0">
-                <a:solidFill>
-                  <a:srgbClr val="212121"/>
-                </a:solidFill>
-                <a:latin typeface="arial" panose="020B0604020202020204" pitchFamily="34" charset="0"/>
-              </a:rPr>
-              <a:t>usuario está dando información sobre dónde vive y dónde quiere ir, no preguntes dónde vive).</a:t>
-            </a:r>
-            <a:endParaRPr lang="es-ES" sz="1200" dirty="0"/>
           </a:p>
         </p:txBody>
       </p:sp>
     </p:spTree>
     <p:extLst>
       <p:ext uri="{BB962C8B-B14F-4D97-AF65-F5344CB8AC3E}">
-        <p14:creationId xmlns:p14="http://schemas.microsoft.com/office/powerpoint/2010/main" val="1667868146"/>
+        <p14:creationId xmlns:p14="http://schemas.microsoft.com/office/powerpoint/2010/main" val="1534282383"/>
+      </p:ext>
+    </p:extLst>
+  </p:cSld>
+  <p:clrMapOvr>
+    <a:masterClrMapping/>
+  </p:clrMapOvr>
+  <p:timing>
+    <p:tnLst>
+      <p:par>
+        <p:cTn id="1" dur="indefinite" restart="never" nodeType="tmRoot"/>
+      </p:par>
+    </p:tnLst>
+  </p:timing>
+</p:sld>
+</file>
+
+<file path=ppt/slides/slide16.xml><?xml version="1.0" encoding="utf-8"?>
+<p:sld xmlns:a="http://schemas.openxmlformats.org/drawingml/2006/main" xmlns:r="http://schemas.openxmlformats.org/officeDocument/2006/relationships" xmlns:p="http://schemas.openxmlformats.org/presentationml/2006/main">
+  <p:cSld>
+    <p:spTree>
+      <p:nvGrpSpPr>
+        <p:cNvPr id="1" name=""/>
+        <p:cNvGrpSpPr/>
+        <p:nvPr/>
+      </p:nvGrpSpPr>
+      <p:grpSpPr>
+        <a:xfrm>
+          <a:off x="0" y="0"/>
+          <a:ext cx="0" cy="0"/>
+          <a:chOff x="0" y="0"/>
+          <a:chExt cx="0" cy="0"/>
+        </a:xfrm>
+      </p:grpSpPr>
+      <p:sp>
+        <p:nvSpPr>
+          <p:cNvPr id="2" name="1 CuadroTexto"/>
+          <p:cNvSpPr txBox="1"/>
+          <p:nvPr/>
+        </p:nvSpPr>
+        <p:spPr>
+          <a:xfrm>
+            <a:off x="0" y="5934670"/>
+            <a:ext cx="12192000" cy="923330"/>
+          </a:xfrm>
+          <a:prstGeom prst="rect">
+            <a:avLst/>
+          </a:prstGeom>
+          <a:solidFill>
+            <a:srgbClr val="BFBFBF">
+              <a:alpha val="50196"/>
+            </a:srgbClr>
+          </a:solidFill>
+        </p:spPr>
+        <p:txBody>
+          <a:bodyPr wrap="square" rtlCol="0">
+            <a:spAutoFit/>
+          </a:bodyPr>
+          <a:lstStyle/>
+          <a:p>
+            <a:pPr algn="ctr"/>
+            <a:r>
+              <a:rPr lang="es-ES" sz="5400" dirty="0" smtClean="0">
+                <a:solidFill>
+                  <a:schemeClr val="bg1"/>
+                </a:solidFill>
+                <a:latin typeface="BadaBoom BB" panose="020B0603050302020204" pitchFamily="34" charset="0"/>
+              </a:rPr>
+              <a:t>TIPS AND TRICKS</a:t>
+            </a:r>
+            <a:endParaRPr lang="en-US" sz="5400" dirty="0">
+              <a:solidFill>
+                <a:schemeClr val="bg1"/>
+              </a:solidFill>
+              <a:latin typeface="BadaBoom BB" panose="020B0603050302020204" pitchFamily="34" charset="0"/>
+            </a:endParaRPr>
+          </a:p>
+        </p:txBody>
+      </p:sp>
+    </p:spTree>
+    <p:extLst>
+      <p:ext uri="{BB962C8B-B14F-4D97-AF65-F5344CB8AC3E}">
+        <p14:creationId xmlns:p14="http://schemas.microsoft.com/office/powerpoint/2010/main" val="3536387496"/>
+      </p:ext>
+    </p:extLst>
+  </p:cSld>
+  <p:clrMapOvr>
+    <a:masterClrMapping/>
+  </p:clrMapOvr>
+</p:sld>
+</file>
+
+<file path=ppt/slides/slide17.xml><?xml version="1.0" encoding="utf-8"?>
+<p:sld xmlns:a="http://schemas.openxmlformats.org/drawingml/2006/main" xmlns:r="http://schemas.openxmlformats.org/officeDocument/2006/relationships" xmlns:p="http://schemas.openxmlformats.org/presentationml/2006/main">
+  <p:cSld>
+    <p:bg>
+      <p:bgPr>
+        <a:blipFill dpi="0" rotWithShape="1">
+          <a:blip r:embed="rId2">
+            <a:lum/>
+          </a:blip>
+          <a:srcRect/>
+          <a:stretch>
+            <a:fillRect l="-5000" r="-5000"/>
+          </a:stretch>
+        </a:blipFill>
+        <a:effectLst/>
+      </p:bgPr>
+    </p:bg>
+    <p:spTree>
+      <p:nvGrpSpPr>
+        <p:cNvPr id="1" name=""/>
+        <p:cNvGrpSpPr/>
+        <p:nvPr/>
+      </p:nvGrpSpPr>
+      <p:grpSpPr>
+        <a:xfrm>
+          <a:off x="0" y="0"/>
+          <a:ext cx="0" cy="0"/>
+          <a:chOff x="0" y="0"/>
+          <a:chExt cx="0" cy="0"/>
+        </a:xfrm>
+      </p:grpSpPr>
+      <p:sp>
+        <p:nvSpPr>
+          <p:cNvPr id="2" name="1 CuadroTexto"/>
+          <p:cNvSpPr txBox="1"/>
+          <p:nvPr/>
+        </p:nvSpPr>
+        <p:spPr>
+          <a:xfrm>
+            <a:off x="0" y="5934670"/>
+            <a:ext cx="12192000" cy="923330"/>
+          </a:xfrm>
+          <a:prstGeom prst="rect">
+            <a:avLst/>
+          </a:prstGeom>
+          <a:solidFill>
+            <a:srgbClr val="BFBFBF">
+              <a:alpha val="50196"/>
+            </a:srgbClr>
+          </a:solidFill>
+        </p:spPr>
+        <p:txBody>
+          <a:bodyPr wrap="square" rtlCol="0">
+            <a:spAutoFit/>
+          </a:bodyPr>
+          <a:lstStyle/>
+          <a:p>
+            <a:pPr algn="ctr"/>
+            <a:r>
+              <a:rPr lang="es-ES" sz="5400" dirty="0" smtClean="0">
+                <a:solidFill>
+                  <a:schemeClr val="bg1"/>
+                </a:solidFill>
+                <a:latin typeface="BadaBoom BB" panose="020B0603050302020204" pitchFamily="34" charset="0"/>
+              </a:rPr>
+              <a:t>CONCLUSIONES</a:t>
+            </a:r>
+            <a:endParaRPr lang="en-US" sz="5400" dirty="0">
+              <a:solidFill>
+                <a:schemeClr val="bg1"/>
+              </a:solidFill>
+              <a:latin typeface="BadaBoom BB" panose="020B0603050302020204" pitchFamily="34" charset="0"/>
+            </a:endParaRPr>
+          </a:p>
+        </p:txBody>
+      </p:sp>
+    </p:spTree>
+    <p:extLst>
+      <p:ext uri="{BB962C8B-B14F-4D97-AF65-F5344CB8AC3E}">
+        <p14:creationId xmlns:p14="http://schemas.microsoft.com/office/powerpoint/2010/main" val="18701669"/>
       </p:ext>
     </p:extLst>
   </p:cSld>
@@ -5653,226 +8198,6 @@
       <p:bgPr>
         <a:blipFill dpi="0" rotWithShape="1">
           <a:blip r:embed="rId3">
-            <a:lum/>
-          </a:blip>
-          <a:srcRect/>
-          <a:stretch>
-            <a:fillRect t="-16000" b="-16000"/>
-          </a:stretch>
-        </a:blipFill>
-        <a:effectLst/>
-      </p:bgPr>
-    </p:bg>
-    <p:spTree>
-      <p:nvGrpSpPr>
-        <p:cNvPr id="1" name=""/>
-        <p:cNvGrpSpPr/>
-        <p:nvPr/>
-      </p:nvGrpSpPr>
-      <p:grpSpPr>
-        <a:xfrm>
-          <a:off x="0" y="0"/>
-          <a:ext cx="0" cy="0"/>
-          <a:chOff x="0" y="0"/>
-          <a:chExt cx="0" cy="0"/>
-        </a:xfrm>
-      </p:grpSpPr>
-      <p:sp>
-        <p:nvSpPr>
-          <p:cNvPr id="5" name="CuadroTexto 3"/>
-          <p:cNvSpPr txBox="1"/>
-          <p:nvPr/>
-        </p:nvSpPr>
-        <p:spPr>
-          <a:xfrm>
-            <a:off x="0" y="0"/>
-            <a:ext cx="12192000" cy="1569660"/>
-          </a:xfrm>
-          <a:prstGeom prst="rect">
-            <a:avLst/>
-          </a:prstGeom>
-          <a:solidFill>
-            <a:srgbClr val="FFFFFF">
-              <a:alpha val="74902"/>
-            </a:srgbClr>
-          </a:solidFill>
-        </p:spPr>
-        <p:txBody>
-          <a:bodyPr wrap="square" rtlCol="0">
-            <a:spAutoFit/>
-          </a:bodyPr>
-          <a:lstStyle/>
-          <a:p>
-            <a:pPr algn="l"/>
-            <a:r>
-              <a:rPr lang="es-ES" sz="3200" b="1" dirty="0" smtClean="0">
-                <a:solidFill>
-                  <a:schemeClr val="tx1"/>
-                </a:solidFill>
-              </a:rPr>
-              <a:t>LA NUEVA GENERACIÓN DE FRIGORÍFICOS: </a:t>
-            </a:r>
-            <a:r>
-              <a:rPr lang="es-ES" sz="3200" dirty="0" smtClean="0">
-                <a:solidFill>
-                  <a:schemeClr val="tx1"/>
-                </a:solidFill>
-              </a:rPr>
-              <a:t>MICROSOFT Y LIEBHERR</a:t>
-            </a:r>
-            <a:r>
-              <a:rPr lang="es-ES" sz="3200" i="1" dirty="0" smtClean="0">
-                <a:solidFill>
-                  <a:schemeClr val="tx1"/>
-                </a:solidFill>
-              </a:rPr>
-              <a:t> COLABORAN PARA CREAR “SMARTDEVICEBOX”, CON TECNOLOGÍA DE RECONOCIMIENTO DE IMÁGENES</a:t>
-            </a:r>
-            <a:endParaRPr lang="es-ES" sz="3200" dirty="0">
-              <a:solidFill>
-                <a:schemeClr val="tx1"/>
-              </a:solidFill>
-            </a:endParaRPr>
-          </a:p>
-        </p:txBody>
-      </p:sp>
-    </p:spTree>
-    <p:extLst>
-      <p:ext uri="{BB962C8B-B14F-4D97-AF65-F5344CB8AC3E}">
-        <p14:creationId xmlns:p14="http://schemas.microsoft.com/office/powerpoint/2010/main" val="4099125840"/>
-      </p:ext>
-    </p:extLst>
-  </p:cSld>
-  <p:clrMapOvr>
-    <a:masterClrMapping/>
-  </p:clrMapOvr>
-  <p:timing>
-    <p:tnLst>
-      <p:par>
-        <p:cTn id="1" dur="indefinite" restart="never" nodeType="tmRoot"/>
-      </p:par>
-    </p:tnLst>
-  </p:timing>
-</p:sld>
-</file>
-
-<file path=ppt/slides/slide3.xml><?xml version="1.0" encoding="utf-8"?>
-<p:sld xmlns:a="http://schemas.openxmlformats.org/drawingml/2006/main" xmlns:r="http://schemas.openxmlformats.org/officeDocument/2006/relationships" xmlns:p="http://schemas.openxmlformats.org/presentationml/2006/main">
-  <p:cSld>
-    <p:bg>
-      <p:bgPr>
-        <a:blipFill dpi="0" rotWithShape="1">
-          <a:blip r:embed="rId2">
-            <a:lum/>
-          </a:blip>
-          <a:srcRect/>
-          <a:stretch>
-            <a:fillRect t="-4000" b="-4000"/>
-          </a:stretch>
-        </a:blipFill>
-        <a:effectLst/>
-      </p:bgPr>
-    </p:bg>
-    <p:spTree>
-      <p:nvGrpSpPr>
-        <p:cNvPr id="1" name=""/>
-        <p:cNvGrpSpPr/>
-        <p:nvPr/>
-      </p:nvGrpSpPr>
-      <p:grpSpPr>
-        <a:xfrm>
-          <a:off x="0" y="0"/>
-          <a:ext cx="0" cy="0"/>
-          <a:chOff x="0" y="0"/>
-          <a:chExt cx="0" cy="0"/>
-        </a:xfrm>
-      </p:grpSpPr>
-      <p:sp>
-        <p:nvSpPr>
-          <p:cNvPr id="3" name="CuadroTexto 3"/>
-          <p:cNvSpPr txBox="1"/>
-          <p:nvPr/>
-        </p:nvSpPr>
-        <p:spPr>
-          <a:xfrm>
-            <a:off x="0" y="5288340"/>
-            <a:ext cx="12192000" cy="1569660"/>
-          </a:xfrm>
-          <a:prstGeom prst="rect">
-            <a:avLst/>
-          </a:prstGeom>
-          <a:solidFill>
-            <a:srgbClr val="FFFFFF">
-              <a:alpha val="74902"/>
-            </a:srgbClr>
-          </a:solidFill>
-        </p:spPr>
-        <p:txBody>
-          <a:bodyPr wrap="square" rtlCol="0">
-            <a:spAutoFit/>
-          </a:bodyPr>
-          <a:lstStyle/>
-          <a:p>
-            <a:pPr algn="l"/>
-            <a:r>
-              <a:rPr lang="es-ES" sz="3200" b="1" dirty="0" smtClean="0">
-                <a:solidFill>
-                  <a:schemeClr val="tx1"/>
-                </a:solidFill>
-              </a:rPr>
-              <a:t>LA NUEVA GENERACIÓN DE FRIGORÍFICOS: </a:t>
-            </a:r>
-            <a:r>
-              <a:rPr lang="es-ES" sz="3200" dirty="0" smtClean="0">
-                <a:solidFill>
-                  <a:schemeClr val="tx1"/>
-                </a:solidFill>
-              </a:rPr>
-              <a:t>MICROSOFT Y LIEBHERR</a:t>
-            </a:r>
-            <a:r>
-              <a:rPr lang="es-ES" sz="3200" i="1" dirty="0" smtClean="0">
-                <a:solidFill>
-                  <a:schemeClr val="tx1"/>
-                </a:solidFill>
-              </a:rPr>
-              <a:t> COLABORAN PARA CREAR “SMARTDEVICEBOX”, CON TECNOLOGÍA DE RECONOCIMIENTO DE IMÁGENES</a:t>
-            </a:r>
-            <a:endParaRPr lang="es-ES" sz="3200" dirty="0">
-              <a:solidFill>
-                <a:schemeClr val="tx1"/>
-              </a:solidFill>
-            </a:endParaRPr>
-          </a:p>
-        </p:txBody>
-      </p:sp>
-    </p:spTree>
-    <p:extLst>
-      <p:ext uri="{BB962C8B-B14F-4D97-AF65-F5344CB8AC3E}">
-        <p14:creationId xmlns:p14="http://schemas.microsoft.com/office/powerpoint/2010/main" val="1378913859"/>
-      </p:ext>
-    </p:extLst>
-  </p:cSld>
-  <p:clrMapOvr>
-    <a:masterClrMapping/>
-  </p:clrMapOvr>
-  <p:timing>
-    <p:tnLst>
-      <p:par>
-        <p:cTn id="1" dur="indefinite" restart="never" nodeType="tmRoot"/>
-      </p:par>
-    </p:tnLst>
-  </p:timing>
-</p:sld>
-</file>
-
-<file path=ppt/slides/slide4.xml><?xml version="1.0" encoding="utf-8"?>
-<p:sld xmlns:a="http://schemas.openxmlformats.org/drawingml/2006/main" xmlns:r="http://schemas.openxmlformats.org/officeDocument/2006/relationships" xmlns:p="http://schemas.openxmlformats.org/presentationml/2006/main">
-  <p:cSld>
-    <p:bg>
-      <p:bgPr>
-        <a:blipFill dpi="0" rotWithShape="1">
-          <a:blip r:embed="rId2">
             <a:lum/>
           </a:blip>
           <a:srcRect/>
@@ -5976,7 +8301,117 @@
 </p:sld>
 </file>
 
-<file path=ppt/slides/slide5.xml><?xml version="1.0" encoding="utf-8"?>
+<file path=ppt/slides/slide3.xml><?xml version="1.0" encoding="utf-8"?>
+<p:sld xmlns:a="http://schemas.openxmlformats.org/drawingml/2006/main" xmlns:r="http://schemas.openxmlformats.org/officeDocument/2006/relationships" xmlns:p="http://schemas.openxmlformats.org/presentationml/2006/main">
+  <p:cSld>
+    <p:bg>
+      <p:bgPr>
+        <a:blipFill dpi="0" rotWithShape="1">
+          <a:blip r:embed="rId3">
+            <a:lum/>
+          </a:blip>
+          <a:srcRect/>
+          <a:stretch>
+            <a:fillRect/>
+          </a:stretch>
+        </a:blipFill>
+        <a:effectLst/>
+      </p:bgPr>
+    </p:bg>
+    <p:spTree>
+      <p:nvGrpSpPr>
+        <p:cNvPr id="1" name=""/>
+        <p:cNvGrpSpPr/>
+        <p:nvPr/>
+      </p:nvGrpSpPr>
+      <p:grpSpPr>
+        <a:xfrm>
+          <a:off x="0" y="0"/>
+          <a:ext cx="0" cy="0"/>
+          <a:chOff x="0" y="0"/>
+          <a:chExt cx="0" cy="0"/>
+        </a:xfrm>
+      </p:grpSpPr>
+      <p:sp>
+        <p:nvSpPr>
+          <p:cNvPr id="3" name="CuadroTexto 3"/>
+          <p:cNvSpPr txBox="1"/>
+          <p:nvPr/>
+        </p:nvSpPr>
+        <p:spPr>
+          <a:xfrm>
+            <a:off x="0" y="5288340"/>
+            <a:ext cx="12192000" cy="1569660"/>
+          </a:xfrm>
+          <a:prstGeom prst="rect">
+            <a:avLst/>
+          </a:prstGeom>
+          <a:solidFill>
+            <a:srgbClr val="FFFFFF">
+              <a:alpha val="74902"/>
+            </a:srgbClr>
+          </a:solidFill>
+        </p:spPr>
+        <p:txBody>
+          <a:bodyPr wrap="square" rtlCol="0">
+            <a:spAutoFit/>
+          </a:bodyPr>
+          <a:lstStyle/>
+          <a:p>
+            <a:pPr algn="l"/>
+            <a:r>
+              <a:rPr lang="es-ES" sz="3200" b="1" dirty="0" smtClean="0">
+                <a:solidFill>
+                  <a:schemeClr val="tx1"/>
+                </a:solidFill>
+              </a:rPr>
+              <a:t>LA NUEVA GENERACIÓN DE FRIGORÍFICOS: </a:t>
+            </a:r>
+            <a:r>
+              <a:rPr lang="es-ES" sz="3200" dirty="0" smtClean="0">
+                <a:solidFill>
+                  <a:schemeClr val="tx1"/>
+                </a:solidFill>
+              </a:rPr>
+              <a:t>MICROSOFT Y LIEBHERR</a:t>
+            </a:r>
+            <a:r>
+              <a:rPr lang="es-ES" sz="3200" i="1" dirty="0" smtClean="0">
+                <a:solidFill>
+                  <a:schemeClr val="tx1"/>
+                </a:solidFill>
+              </a:rPr>
+              <a:t> COLABORAN PARA CREAR “SMARTDEVICEBOX”, CON TECNOLOGÍA DE RECONOCIMIENTO DE IMÁGENES</a:t>
+            </a:r>
+            <a:endParaRPr lang="es-ES" sz="3200" dirty="0">
+              <a:solidFill>
+                <a:schemeClr val="tx1"/>
+              </a:solidFill>
+            </a:endParaRPr>
+          </a:p>
+        </p:txBody>
+      </p:sp>
+    </p:spTree>
+    <p:extLst>
+      <p:ext uri="{BB962C8B-B14F-4D97-AF65-F5344CB8AC3E}">
+        <p14:creationId xmlns:p14="http://schemas.microsoft.com/office/powerpoint/2010/main" val="1657001436"/>
+      </p:ext>
+    </p:extLst>
+  </p:cSld>
+  <p:clrMapOvr>
+    <a:masterClrMapping/>
+  </p:clrMapOvr>
+  <p:timing>
+    <p:tnLst>
+      <p:par>
+        <p:cTn id="1" dur="indefinite" restart="never" nodeType="tmRoot"/>
+      </p:par>
+    </p:tnLst>
+  </p:timing>
+</p:sld>
+</file>
+
+<file path=ppt/slides/slide4.xml><?xml version="1.0" encoding="utf-8"?>
 <p:sld xmlns:a="http://schemas.openxmlformats.org/drawingml/2006/main" xmlns:r="http://schemas.openxmlformats.org/officeDocument/2006/relationships" xmlns:p="http://schemas.openxmlformats.org/presentationml/2006/main">
   <p:cSld>
     <p:bg>
@@ -6035,13 +8470,13 @@
           <a:p>
             <a:pPr algn="ctr"/>
             <a:r>
-              <a:rPr lang="es-ES" sz="8000" dirty="0">
+              <a:rPr lang="es-ES" sz="8000" dirty="0" smtClean="0">
                 <a:solidFill>
                   <a:schemeClr val="bg1"/>
                 </a:solidFill>
                 <a:latin typeface="BadaBoom BB" panose="020B0603050302020204" pitchFamily="34" charset="0"/>
               </a:rPr>
-              <a:t>CHATBOTS</a:t>
+              <a:t>CHATBOTS: ¿QUÉ SON?</a:t>
             </a:r>
             <a:endParaRPr lang="en-US" sz="8000" dirty="0">
               <a:solidFill>
@@ -6072,23 +8507,9 @@
 </p:sld>
 </file>
 
-<file path=ppt/slides/slide6.xml><?xml version="1.0" encoding="utf-8"?>
+<file path=ppt/slides/slide5.xml><?xml version="1.0" encoding="utf-8"?>
 <p:sld xmlns:a="http://schemas.openxmlformats.org/drawingml/2006/main" xmlns:r="http://schemas.openxmlformats.org/officeDocument/2006/relationships" xmlns:p="http://schemas.openxmlformats.org/presentationml/2006/main">
   <p:cSld>
-    <p:bg>
-      <p:bgPr>
-        <a:blipFill dpi="0" rotWithShape="1">
-          <a:blip r:embed="rId2">
-            <a:lum/>
-          </a:blip>
-          <a:srcRect/>
-          <a:stretch>
-            <a:fillRect t="-9000" b="-9000"/>
-          </a:stretch>
-        </a:blipFill>
-        <a:effectLst/>
-      </p:bgPr>
-    </p:bg>
     <p:spTree>
       <p:nvGrpSpPr>
         <p:cNvPr id="1" name=""/>
@@ -6105,14 +8526,14 @@
       </p:grpSpPr>
       <p:sp>
         <p:nvSpPr>
-          <p:cNvPr id="2" name="1 CuadroTexto"/>
+          <p:cNvPr id="3" name="1 CuadroTexto"/>
           <p:cNvSpPr txBox="1"/>
           <p:nvPr/>
         </p:nvSpPr>
         <p:spPr>
           <a:xfrm>
-            <a:off x="0" y="5534561"/>
-            <a:ext cx="12192000" cy="1323439"/>
+            <a:off x="0" y="5934670"/>
+            <a:ext cx="12192000" cy="923330"/>
           </a:xfrm>
           <a:prstGeom prst="rect">
             <a:avLst/>
@@ -6131,15 +8552,15 @@
           <a:p>
             <a:pPr algn="ctr"/>
             <a:r>
-              <a:rPr lang="es-ES" sz="8000" dirty="0">
+              <a:rPr lang="es-ES" sz="5400" dirty="0" smtClean="0">
                 <a:solidFill>
                   <a:schemeClr val="bg1"/>
                 </a:solidFill>
                 <a:latin typeface="BadaBoom BB" panose="020B0603050302020204" pitchFamily="34" charset="0"/>
               </a:rPr>
-              <a:t>CHATBOTS</a:t>
-            </a:r>
-            <a:endParaRPr lang="en-US" sz="8000" dirty="0">
+              <a:t>CHATBOTS: CONCEPTOS PRINCIPALES</a:t>
+            </a:r>
+            <a:endParaRPr lang="en-US" sz="5400" dirty="0">
               <a:solidFill>
                 <a:schemeClr val="bg1"/>
               </a:solidFill>
@@ -6151,7 +8572,7 @@
     </p:spTree>
     <p:extLst>
       <p:ext uri="{BB962C8B-B14F-4D97-AF65-F5344CB8AC3E}">
-        <p14:creationId xmlns:p14="http://schemas.microsoft.com/office/powerpoint/2010/main" val="1151412656"/>
+        <p14:creationId xmlns:p14="http://schemas.microsoft.com/office/powerpoint/2010/main" val="3811291947"/>
       </p:ext>
     </p:extLst>
   </p:cSld>
@@ -6168,7 +8589,7 @@
 </p:sld>
 </file>
 
-<file path=ppt/slides/slide7.xml><?xml version="1.0" encoding="utf-8"?>
+<file path=ppt/slides/slide6.xml><?xml version="1.0" encoding="utf-8"?>
 <p:sld xmlns:a="http://schemas.openxmlformats.org/drawingml/2006/main" xmlns:r="http://schemas.openxmlformats.org/officeDocument/2006/relationships" xmlns:p="http://schemas.openxmlformats.org/presentationml/2006/main">
   <p:cSld>
     <p:bg>
@@ -6199,6 +8620,351 @@
           <a:chExt cx="0" cy="0"/>
         </a:xfrm>
       </p:grpSpPr>
+      <p:sp>
+        <p:nvSpPr>
+          <p:cNvPr id="2" name="Rectángulo redondeado 1"/>
+          <p:cNvSpPr/>
+          <p:nvPr/>
+        </p:nvSpPr>
+        <p:spPr>
+          <a:xfrm>
+            <a:off x="6595092" y="308926"/>
+            <a:ext cx="5004000" cy="684000"/>
+          </a:xfrm>
+          <a:prstGeom prst="roundRect">
+            <a:avLst/>
+          </a:prstGeom>
+          <a:solidFill>
+            <a:srgbClr val="0070C0"/>
+          </a:solidFill>
+          <a:ln>
+            <a:noFill/>
+          </a:ln>
+        </p:spPr>
+        <p:style>
+          <a:lnRef idx="2">
+            <a:schemeClr val="accent1">
+              <a:shade val="50000"/>
+            </a:schemeClr>
+          </a:lnRef>
+          <a:fillRef idx="1">
+            <a:schemeClr val="accent1"/>
+          </a:fillRef>
+          <a:effectRef idx="0">
+            <a:schemeClr val="accent1"/>
+          </a:effectRef>
+          <a:fontRef idx="minor">
+            <a:schemeClr val="lt1"/>
+          </a:fontRef>
+        </p:style>
+        <p:txBody>
+          <a:bodyPr rtlCol="0" anchor="ctr"/>
+          <a:lstStyle/>
+          <a:p>
+            <a:pPr algn="ctr"/>
+            <a:r>
+              <a:rPr lang="es-ES" sz="2400" b="1" dirty="0" smtClean="0"/>
+              <a:t>Disponibilidad</a:t>
+            </a:r>
+            <a:endParaRPr lang="es-ES" sz="2400" b="1" dirty="0"/>
+          </a:p>
+        </p:txBody>
+      </p:sp>
+      <p:sp>
+        <p:nvSpPr>
+          <p:cNvPr id="3" name="Rectángulo redondeado 2"/>
+          <p:cNvSpPr/>
+          <p:nvPr/>
+        </p:nvSpPr>
+        <p:spPr>
+          <a:xfrm>
+            <a:off x="6595089" y="1136472"/>
+            <a:ext cx="5004000" cy="684000"/>
+          </a:xfrm>
+          <a:prstGeom prst="roundRect">
+            <a:avLst/>
+          </a:prstGeom>
+          <a:solidFill>
+            <a:srgbClr val="0070C0"/>
+          </a:solidFill>
+          <a:ln>
+            <a:noFill/>
+          </a:ln>
+        </p:spPr>
+        <p:style>
+          <a:lnRef idx="2">
+            <a:schemeClr val="accent1">
+              <a:shade val="50000"/>
+            </a:schemeClr>
+          </a:lnRef>
+          <a:fillRef idx="1">
+            <a:schemeClr val="accent1"/>
+          </a:fillRef>
+          <a:effectRef idx="0">
+            <a:schemeClr val="accent1"/>
+          </a:effectRef>
+          <a:fontRef idx="minor">
+            <a:schemeClr val="lt1"/>
+          </a:fontRef>
+        </p:style>
+        <p:txBody>
+          <a:bodyPr rtlCol="0" anchor="ctr"/>
+          <a:lstStyle/>
+          <a:p>
+            <a:pPr algn="ctr"/>
+            <a:r>
+              <a:rPr lang="es-ES" sz="2400" b="1" dirty="0" smtClean="0"/>
+              <a:t>Accesibilidad</a:t>
+            </a:r>
+            <a:endParaRPr lang="es-ES" sz="2400" b="1" dirty="0"/>
+          </a:p>
+        </p:txBody>
+      </p:sp>
+      <p:sp>
+        <p:nvSpPr>
+          <p:cNvPr id="4" name="Rectángulo redondeado 3"/>
+          <p:cNvSpPr/>
+          <p:nvPr/>
+        </p:nvSpPr>
+        <p:spPr>
+          <a:xfrm>
+            <a:off x="6595089" y="1966007"/>
+            <a:ext cx="5004000" cy="684000"/>
+          </a:xfrm>
+          <a:prstGeom prst="roundRect">
+            <a:avLst/>
+          </a:prstGeom>
+          <a:solidFill>
+            <a:srgbClr val="0070C0"/>
+          </a:solidFill>
+          <a:ln>
+            <a:noFill/>
+          </a:ln>
+        </p:spPr>
+        <p:style>
+          <a:lnRef idx="2">
+            <a:schemeClr val="accent1">
+              <a:shade val="50000"/>
+            </a:schemeClr>
+          </a:lnRef>
+          <a:fillRef idx="1">
+            <a:schemeClr val="accent1"/>
+          </a:fillRef>
+          <a:effectRef idx="0">
+            <a:schemeClr val="accent1"/>
+          </a:effectRef>
+          <a:fontRef idx="minor">
+            <a:schemeClr val="lt1"/>
+          </a:fontRef>
+        </p:style>
+        <p:txBody>
+          <a:bodyPr rtlCol="0" anchor="ctr"/>
+          <a:lstStyle/>
+          <a:p>
+            <a:pPr algn="ctr"/>
+            <a:r>
+              <a:rPr lang="es-ES" sz="2400" b="1" dirty="0" smtClean="0"/>
+              <a:t>Interactividad</a:t>
+            </a:r>
+            <a:endParaRPr lang="es-ES" sz="2400" b="1" dirty="0"/>
+          </a:p>
+        </p:txBody>
+      </p:sp>
+      <p:sp>
+        <p:nvSpPr>
+          <p:cNvPr id="5" name="Rectángulo redondeado 4"/>
+          <p:cNvSpPr/>
+          <p:nvPr/>
+        </p:nvSpPr>
+        <p:spPr>
+          <a:xfrm>
+            <a:off x="6595089" y="2846684"/>
+            <a:ext cx="5004000" cy="684000"/>
+          </a:xfrm>
+          <a:prstGeom prst="roundRect">
+            <a:avLst/>
+          </a:prstGeom>
+          <a:solidFill>
+            <a:srgbClr val="0070C0"/>
+          </a:solidFill>
+          <a:ln>
+            <a:noFill/>
+          </a:ln>
+        </p:spPr>
+        <p:style>
+          <a:lnRef idx="2">
+            <a:schemeClr val="accent1">
+              <a:shade val="50000"/>
+            </a:schemeClr>
+          </a:lnRef>
+          <a:fillRef idx="1">
+            <a:schemeClr val="accent1"/>
+          </a:fillRef>
+          <a:effectRef idx="0">
+            <a:schemeClr val="accent1"/>
+          </a:effectRef>
+          <a:fontRef idx="minor">
+            <a:schemeClr val="lt1"/>
+          </a:fontRef>
+        </p:style>
+        <p:txBody>
+          <a:bodyPr rtlCol="0" anchor="ctr"/>
+          <a:lstStyle/>
+          <a:p>
+            <a:pPr algn="ctr"/>
+            <a:r>
+              <a:rPr lang="es-ES" sz="2400" b="1" dirty="0" smtClean="0"/>
+              <a:t>Comunicaciones personalizadas</a:t>
+            </a:r>
+            <a:endParaRPr lang="es-ES" sz="2400" b="1" dirty="0"/>
+          </a:p>
+        </p:txBody>
+      </p:sp>
+      <p:sp>
+        <p:nvSpPr>
+          <p:cNvPr id="6" name="Rectángulo redondeado 5"/>
+          <p:cNvSpPr/>
+          <p:nvPr/>
+        </p:nvSpPr>
+        <p:spPr>
+          <a:xfrm>
+            <a:off x="6595089" y="3727361"/>
+            <a:ext cx="5004000" cy="684000"/>
+          </a:xfrm>
+          <a:prstGeom prst="roundRect">
+            <a:avLst/>
+          </a:prstGeom>
+          <a:solidFill>
+            <a:srgbClr val="0070C0"/>
+          </a:solidFill>
+          <a:ln>
+            <a:noFill/>
+          </a:ln>
+        </p:spPr>
+        <p:style>
+          <a:lnRef idx="2">
+            <a:schemeClr val="accent1">
+              <a:shade val="50000"/>
+            </a:schemeClr>
+          </a:lnRef>
+          <a:fillRef idx="1">
+            <a:schemeClr val="accent1"/>
+          </a:fillRef>
+          <a:effectRef idx="0">
+            <a:schemeClr val="accent1"/>
+          </a:effectRef>
+          <a:fontRef idx="minor">
+            <a:schemeClr val="lt1"/>
+          </a:fontRef>
+        </p:style>
+        <p:txBody>
+          <a:bodyPr rtlCol="0" anchor="ctr"/>
+          <a:lstStyle/>
+          <a:p>
+            <a:pPr algn="ctr"/>
+            <a:r>
+              <a:rPr lang="es-ES" sz="2400" b="1" dirty="0" smtClean="0"/>
+              <a:t>Escalabilidad</a:t>
+            </a:r>
+            <a:endParaRPr lang="es-ES" sz="2400" b="1" dirty="0"/>
+          </a:p>
+        </p:txBody>
+      </p:sp>
+      <p:sp>
+        <p:nvSpPr>
+          <p:cNvPr id="7" name="Rectángulo redondeado 6"/>
+          <p:cNvSpPr/>
+          <p:nvPr/>
+        </p:nvSpPr>
+        <p:spPr>
+          <a:xfrm>
+            <a:off x="6595089" y="4608038"/>
+            <a:ext cx="5004000" cy="684000"/>
+          </a:xfrm>
+          <a:prstGeom prst="roundRect">
+            <a:avLst/>
+          </a:prstGeom>
+          <a:solidFill>
+            <a:srgbClr val="0070C0"/>
+          </a:solidFill>
+          <a:ln>
+            <a:noFill/>
+          </a:ln>
+        </p:spPr>
+        <p:style>
+          <a:lnRef idx="2">
+            <a:schemeClr val="accent1">
+              <a:shade val="50000"/>
+            </a:schemeClr>
+          </a:lnRef>
+          <a:fillRef idx="1">
+            <a:schemeClr val="accent1"/>
+          </a:fillRef>
+          <a:effectRef idx="0">
+            <a:schemeClr val="accent1"/>
+          </a:effectRef>
+          <a:fontRef idx="minor">
+            <a:schemeClr val="lt1"/>
+          </a:fontRef>
+        </p:style>
+        <p:txBody>
+          <a:bodyPr rtlCol="0" anchor="ctr"/>
+          <a:lstStyle/>
+          <a:p>
+            <a:pPr algn="ctr"/>
+            <a:r>
+              <a:rPr lang="es-ES" sz="2400" b="1" dirty="0" smtClean="0"/>
+              <a:t>Ahorro de dinero</a:t>
+            </a:r>
+            <a:endParaRPr lang="es-ES" sz="2400" b="1" dirty="0"/>
+          </a:p>
+        </p:txBody>
+      </p:sp>
+      <p:sp>
+        <p:nvSpPr>
+          <p:cNvPr id="9" name="1 CuadroTexto"/>
+          <p:cNvSpPr txBox="1"/>
+          <p:nvPr/>
+        </p:nvSpPr>
+        <p:spPr>
+          <a:xfrm>
+            <a:off x="0" y="5558624"/>
+            <a:ext cx="12192000" cy="1323439"/>
+          </a:xfrm>
+          <a:prstGeom prst="rect">
+            <a:avLst/>
+          </a:prstGeom>
+          <a:solidFill>
+            <a:srgbClr val="BFBFBF">
+              <a:alpha val="50196"/>
+            </a:srgbClr>
+          </a:solidFill>
+        </p:spPr>
+        <p:txBody>
+          <a:bodyPr wrap="square" rtlCol="0">
+            <a:spAutoFit/>
+          </a:bodyPr>
+          <a:lstStyle/>
+          <a:p>
+            <a:pPr algn="ctr"/>
+            <a:r>
+              <a:rPr lang="es-ES" sz="8000" dirty="0" smtClean="0">
+                <a:solidFill>
+                  <a:schemeClr val="bg1"/>
+                </a:solidFill>
+                <a:latin typeface="BadaBoom BB" panose="020B0603050302020204" pitchFamily="34" charset="0"/>
+              </a:rPr>
+              <a:t>CHATBOTS: VENTAJAS</a:t>
+            </a:r>
+            <a:endParaRPr lang="en-US" sz="8000" dirty="0">
+              <a:solidFill>
+                <a:schemeClr val="bg1"/>
+              </a:solidFill>
+              <a:latin typeface="BadaBoom BB" panose="020B0603050302020204" pitchFamily="34" charset="0"/>
+            </a:endParaRPr>
+          </a:p>
+        </p:txBody>
+      </p:sp>
     </p:spTree>
     <p:extLst>
       <p:ext uri="{BB962C8B-B14F-4D97-AF65-F5344CB8AC3E}">
@@ -6219,7 +8985,7 @@
 </p:sld>
 </file>
 
-<file path=ppt/slides/slide8.xml><?xml version="1.0" encoding="utf-8"?>
+<file path=ppt/slides/slide7.xml><?xml version="1.0" encoding="utf-8"?>
 <p:sld xmlns:a="http://schemas.openxmlformats.org/drawingml/2006/main" xmlns:r="http://schemas.openxmlformats.org/officeDocument/2006/relationships" xmlns:p="http://schemas.openxmlformats.org/presentationml/2006/main">
   <p:cSld>
     <p:bg>
@@ -6300,6 +9066,347 @@
     <p:extLst>
       <p:ext uri="{BB962C8B-B14F-4D97-AF65-F5344CB8AC3E}">
         <p14:creationId xmlns:p14="http://schemas.microsoft.com/office/powerpoint/2010/main" val="1802248822"/>
+      </p:ext>
+    </p:extLst>
+  </p:cSld>
+  <p:clrMapOvr>
+    <a:masterClrMapping/>
+  </p:clrMapOvr>
+  <p:timing>
+    <p:tnLst>
+      <p:par>
+        <p:cTn id="1" dur="indefinite" restart="never" nodeType="tmRoot"/>
+      </p:par>
+    </p:tnLst>
+  </p:timing>
+</p:sld>
+</file>
+
+<file path=ppt/slides/slide8.xml><?xml version="1.0" encoding="utf-8"?>
+<p:sld xmlns:a="http://schemas.openxmlformats.org/drawingml/2006/main" xmlns:r="http://schemas.openxmlformats.org/officeDocument/2006/relationships" xmlns:p="http://schemas.openxmlformats.org/presentationml/2006/main">
+  <p:cSld>
+    <p:spTree>
+      <p:nvGrpSpPr>
+        <p:cNvPr id="1" name=""/>
+        <p:cNvGrpSpPr/>
+        <p:nvPr/>
+      </p:nvGrpSpPr>
+      <p:grpSpPr>
+        <a:xfrm>
+          <a:off x="0" y="0"/>
+          <a:ext cx="0" cy="0"/>
+          <a:chOff x="0" y="0"/>
+          <a:chExt cx="0" cy="0"/>
+        </a:xfrm>
+      </p:grpSpPr>
+      <p:pic>
+        <p:nvPicPr>
+          <p:cNvPr id="2" name="Imagen 1"/>
+          <p:cNvPicPr>
+            <a:picLocks noChangeAspect="1"/>
+          </p:cNvPicPr>
+          <p:nvPr/>
+        </p:nvPicPr>
+        <p:blipFill>
+          <a:blip r:embed="rId2">
+            <a:extLst>
+              <a:ext uri="{28A0092B-C50C-407E-A947-70E740481C1C}">
+                <a14:useLocalDpi xmlns:a14="http://schemas.microsoft.com/office/drawing/2010/main" val="0"/>
+              </a:ext>
+            </a:extLst>
+          </a:blip>
+          <a:stretch>
+            <a:fillRect/>
+          </a:stretch>
+        </p:blipFill>
+        <p:spPr>
+          <a:xfrm>
+            <a:off x="263799" y="1042736"/>
+            <a:ext cx="7131609" cy="4011530"/>
+          </a:xfrm>
+          <a:prstGeom prst="rect">
+            <a:avLst/>
+          </a:prstGeom>
+        </p:spPr>
+      </p:pic>
+      <p:sp>
+        <p:nvSpPr>
+          <p:cNvPr id="3" name="Rectángulo 2"/>
+          <p:cNvSpPr/>
+          <p:nvPr/>
+        </p:nvSpPr>
+        <p:spPr>
+          <a:xfrm>
+            <a:off x="7395408" y="187559"/>
+            <a:ext cx="4331371" cy="5940088"/>
+          </a:xfrm>
+          <a:prstGeom prst="rect">
+            <a:avLst/>
+          </a:prstGeom>
+        </p:spPr>
+        <p:txBody>
+          <a:bodyPr wrap="square">
+            <a:spAutoFit/>
+          </a:bodyPr>
+          <a:lstStyle/>
+          <a:p>
+            <a:endParaRPr lang="es-ES" sz="2000" dirty="0">
+              <a:solidFill>
+                <a:srgbClr val="000000"/>
+              </a:solidFill>
+              <a:latin typeface="Times New Roman" panose="02020603050405020304" pitchFamily="18" charset="0"/>
+            </a:endParaRPr>
+          </a:p>
+          <a:p>
+            <a:pPr marL="285750" indent="-285750">
+              <a:buFont typeface="Wingdings" panose="05000000000000000000" pitchFamily="2" charset="2"/>
+              <a:buChar char="§"/>
+            </a:pPr>
+            <a:r>
+              <a:rPr lang="es-ES" b="1" dirty="0">
+                <a:solidFill>
+                  <a:srgbClr val="000000"/>
+                </a:solidFill>
+                <a:latin typeface="Times New Roman" panose="02020603050405020304" pitchFamily="18" charset="0"/>
+              </a:rPr>
+              <a:t>Reconocimiento de voz</a:t>
+            </a:r>
+            <a:r>
+              <a:rPr lang="es-ES" dirty="0" smtClean="0">
+                <a:solidFill>
+                  <a:srgbClr val="000000"/>
+                </a:solidFill>
+                <a:latin typeface="Times New Roman" panose="02020603050405020304" pitchFamily="18" charset="0"/>
+              </a:rPr>
+              <a:t>: traduce </a:t>
+            </a:r>
+            <a:r>
+              <a:rPr lang="es-ES" dirty="0">
+                <a:solidFill>
+                  <a:srgbClr val="000000"/>
+                </a:solidFill>
+                <a:latin typeface="Times New Roman" panose="02020603050405020304" pitchFamily="18" charset="0"/>
+              </a:rPr>
+              <a:t>los mensajes de voz a texto</a:t>
+            </a:r>
+            <a:r>
+              <a:rPr lang="es-ES" dirty="0" smtClean="0">
+                <a:solidFill>
+                  <a:srgbClr val="000000"/>
+                </a:solidFill>
+                <a:latin typeface="Times New Roman" panose="02020603050405020304" pitchFamily="18" charset="0"/>
+              </a:rPr>
+              <a:t>.</a:t>
+            </a:r>
+          </a:p>
+          <a:p>
+            <a:endParaRPr lang="es-ES" dirty="0">
+              <a:solidFill>
+                <a:srgbClr val="000000"/>
+              </a:solidFill>
+              <a:latin typeface="Times New Roman" panose="02020603050405020304" pitchFamily="18" charset="0"/>
+            </a:endParaRPr>
+          </a:p>
+          <a:p>
+            <a:pPr marL="285750" indent="-285750">
+              <a:buFont typeface="Wingdings" panose="05000000000000000000" pitchFamily="2" charset="2"/>
+              <a:buChar char="§"/>
+            </a:pPr>
+            <a:r>
+              <a:rPr lang="es-ES" b="1" dirty="0" smtClean="0">
+                <a:solidFill>
+                  <a:srgbClr val="000000"/>
+                </a:solidFill>
+                <a:latin typeface="Times New Roman" panose="02020603050405020304" pitchFamily="18" charset="0"/>
+              </a:rPr>
+              <a:t>Comprensión </a:t>
+            </a:r>
+            <a:r>
+              <a:rPr lang="es-ES" b="1" dirty="0">
+                <a:solidFill>
+                  <a:srgbClr val="000000"/>
+                </a:solidFill>
+                <a:latin typeface="Times New Roman" panose="02020603050405020304" pitchFamily="18" charset="0"/>
+              </a:rPr>
+              <a:t>del Lenguaje Natural</a:t>
+            </a:r>
+            <a:r>
+              <a:rPr lang="es-ES" dirty="0">
+                <a:solidFill>
+                  <a:srgbClr val="000000"/>
+                </a:solidFill>
+                <a:latin typeface="Times New Roman" panose="02020603050405020304" pitchFamily="18" charset="0"/>
+              </a:rPr>
+              <a:t>: comprende qué quiere el </a:t>
+            </a:r>
+            <a:r>
+              <a:rPr lang="es-ES" dirty="0" smtClean="0">
+                <a:solidFill>
+                  <a:srgbClr val="000000"/>
+                </a:solidFill>
+                <a:latin typeface="Times New Roman" panose="02020603050405020304" pitchFamily="18" charset="0"/>
+              </a:rPr>
+              <a:t>usuario (interpreta sus palabras)</a:t>
+            </a:r>
+          </a:p>
+          <a:p>
+            <a:endParaRPr lang="es-ES" dirty="0" smtClean="0">
+              <a:solidFill>
+                <a:srgbClr val="000000"/>
+              </a:solidFill>
+              <a:latin typeface="Times New Roman" panose="02020603050405020304" pitchFamily="18" charset="0"/>
+            </a:endParaRPr>
+          </a:p>
+          <a:p>
+            <a:pPr marL="285750" indent="-285750">
+              <a:buFont typeface="Wingdings" panose="05000000000000000000" pitchFamily="2" charset="2"/>
+              <a:buChar char="§"/>
+            </a:pPr>
+            <a:r>
+              <a:rPr lang="es-ES" b="1" dirty="0" smtClean="0">
+                <a:solidFill>
+                  <a:srgbClr val="000000"/>
+                </a:solidFill>
+                <a:latin typeface="Times New Roman" panose="02020603050405020304" pitchFamily="18" charset="0"/>
+              </a:rPr>
+              <a:t>Gestión </a:t>
+            </a:r>
+            <a:r>
+              <a:rPr lang="es-ES" b="1" dirty="0">
+                <a:solidFill>
+                  <a:srgbClr val="000000"/>
+                </a:solidFill>
+                <a:latin typeface="Times New Roman" panose="02020603050405020304" pitchFamily="18" charset="0"/>
+              </a:rPr>
+              <a:t>del diálogo</a:t>
+            </a:r>
+            <a:r>
+              <a:rPr lang="es-ES" dirty="0">
+                <a:solidFill>
+                  <a:srgbClr val="000000"/>
+                </a:solidFill>
+                <a:latin typeface="Times New Roman" panose="02020603050405020304" pitchFamily="18" charset="0"/>
+              </a:rPr>
+              <a:t>: encargada de entender el estado actual del diálogo y actuar en consecuencia. Formula la respuesta o, si el mensaje no fue claro o está incompleto, interactúa con el usuario para buscar aclaración y obtener la información requerida. </a:t>
+            </a:r>
+            <a:endParaRPr lang="es-ES" dirty="0" smtClean="0">
+              <a:solidFill>
+                <a:srgbClr val="000000"/>
+              </a:solidFill>
+              <a:latin typeface="Times New Roman" panose="02020603050405020304" pitchFamily="18" charset="0"/>
+            </a:endParaRPr>
+          </a:p>
+          <a:p>
+            <a:endParaRPr lang="es-ES" dirty="0">
+              <a:solidFill>
+                <a:srgbClr val="000000"/>
+              </a:solidFill>
+              <a:latin typeface="Times New Roman" panose="02020603050405020304" pitchFamily="18" charset="0"/>
+            </a:endParaRPr>
+          </a:p>
+          <a:p>
+            <a:pPr marL="285750" indent="-285750">
+              <a:buFont typeface="Wingdings" panose="05000000000000000000" pitchFamily="2" charset="2"/>
+              <a:buChar char="§"/>
+            </a:pPr>
+            <a:r>
+              <a:rPr lang="es-ES" b="1" dirty="0" smtClean="0">
+                <a:solidFill>
+                  <a:srgbClr val="000000"/>
+                </a:solidFill>
+                <a:latin typeface="Times New Roman" panose="02020603050405020304" pitchFamily="18" charset="0"/>
+              </a:rPr>
+              <a:t>Generación </a:t>
+            </a:r>
+            <a:r>
+              <a:rPr lang="es-ES" b="1" dirty="0">
+                <a:solidFill>
+                  <a:srgbClr val="000000"/>
+                </a:solidFill>
+                <a:latin typeface="Times New Roman" panose="02020603050405020304" pitchFamily="18" charset="0"/>
+              </a:rPr>
+              <a:t>de respuestas</a:t>
+            </a:r>
+            <a:r>
+              <a:rPr lang="es-ES" dirty="0">
+                <a:solidFill>
+                  <a:srgbClr val="000000"/>
+                </a:solidFill>
+                <a:latin typeface="Times New Roman" panose="02020603050405020304" pitchFamily="18" charset="0"/>
+              </a:rPr>
+              <a:t>: devuelve la información o ejecuta alguna </a:t>
+            </a:r>
+            <a:r>
+              <a:rPr lang="es-ES" dirty="0" smtClean="0">
+                <a:solidFill>
+                  <a:srgbClr val="000000"/>
+                </a:solidFill>
+                <a:latin typeface="Times New Roman" panose="02020603050405020304" pitchFamily="18" charset="0"/>
+              </a:rPr>
+              <a:t>acción</a:t>
+            </a:r>
+          </a:p>
+          <a:p>
+            <a:endParaRPr lang="es-ES" dirty="0" smtClean="0">
+              <a:solidFill>
+                <a:srgbClr val="000000"/>
+              </a:solidFill>
+              <a:latin typeface="Times New Roman" panose="02020603050405020304" pitchFamily="18" charset="0"/>
+            </a:endParaRPr>
+          </a:p>
+          <a:p>
+            <a:r>
+              <a:rPr lang="es-ES" dirty="0" smtClean="0">
+                <a:solidFill>
+                  <a:srgbClr val="000000"/>
+                </a:solidFill>
+                <a:latin typeface="Wingdings" panose="05000000000000000000" pitchFamily="2" charset="2"/>
+              </a:rPr>
+              <a:t> </a:t>
+            </a:r>
+            <a:r>
+              <a:rPr lang="es-ES" b="1" dirty="0">
+                <a:solidFill>
+                  <a:srgbClr val="000000"/>
+                </a:solidFill>
+                <a:latin typeface="Times New Roman" panose="02020603050405020304" pitchFamily="18" charset="0"/>
+              </a:rPr>
+              <a:t>Síntesis de voz</a:t>
+            </a:r>
+            <a:r>
+              <a:rPr lang="es-ES" dirty="0">
+                <a:solidFill>
+                  <a:srgbClr val="000000"/>
+                </a:solidFill>
+                <a:latin typeface="Times New Roman" panose="02020603050405020304" pitchFamily="18" charset="0"/>
+              </a:rPr>
+              <a:t>: traduce los mensajes </a:t>
+            </a:r>
+            <a:r>
+              <a:rPr lang="es-ES" dirty="0" smtClean="0">
+                <a:solidFill>
+                  <a:srgbClr val="000000"/>
+                </a:solidFill>
+                <a:latin typeface="Times New Roman" panose="02020603050405020304" pitchFamily="18" charset="0"/>
+              </a:rPr>
+              <a:t>de texto </a:t>
+            </a:r>
+            <a:r>
+              <a:rPr lang="es-ES" dirty="0">
+                <a:solidFill>
+                  <a:srgbClr val="000000"/>
+                </a:solidFill>
+                <a:latin typeface="Times New Roman" panose="02020603050405020304" pitchFamily="18" charset="0"/>
+              </a:rPr>
+              <a:t>a voz. </a:t>
+            </a:r>
+          </a:p>
+        </p:txBody>
+      </p:sp>
+    </p:spTree>
+    <p:extLst>
+      <p:ext uri="{BB962C8B-B14F-4D97-AF65-F5344CB8AC3E}">
+        <p14:creationId xmlns:p14="http://schemas.microsoft.com/office/powerpoint/2010/main" val="2363159315"/>
       </p:ext>
     </p:extLst>
   </p:cSld>
